--- a/embedded C project .pptx
+++ b/embedded C project .pptx
@@ -9,13 +9,17 @@
     <p:sldId id="257" r:id="rId3"/>
     <p:sldId id="259" r:id="rId4"/>
     <p:sldId id="260" r:id="rId5"/>
-    <p:sldId id="264" r:id="rId6"/>
-    <p:sldId id="265" r:id="rId7"/>
-    <p:sldId id="266" r:id="rId8"/>
-    <p:sldId id="261" r:id="rId9"/>
-    <p:sldId id="262" r:id="rId10"/>
-    <p:sldId id="263" r:id="rId11"/>
-    <p:sldId id="258" r:id="rId12"/>
+    <p:sldId id="269" r:id="rId6"/>
+    <p:sldId id="264" r:id="rId7"/>
+    <p:sldId id="270" r:id="rId8"/>
+    <p:sldId id="265" r:id="rId9"/>
+    <p:sldId id="268" r:id="rId10"/>
+    <p:sldId id="266" r:id="rId11"/>
+    <p:sldId id="261" r:id="rId12"/>
+    <p:sldId id="262" r:id="rId13"/>
+    <p:sldId id="267" r:id="rId14"/>
+    <p:sldId id="258" r:id="rId15"/>
+    <p:sldId id="263" r:id="rId16"/>
   </p:sldIdLst>
   <p:sldSz cx="12192000" cy="6858000"/>
   <p:notesSz cx="6858000" cy="9144000"/>
@@ -5829,6 +5833,16 @@
           <a:lstStyle/>
           <a:p>
             <a:r>
+              <a:rPr lang="en-US" dirty="0" err="1"/>
+              <a:t>Cst</a:t>
+            </a:r>
+            <a:r>
+              <a:rPr lang="en-US" dirty="0"/>
+              <a:t> 120 </a:t>
+            </a:r>
+          </a:p>
+          <a:p>
+            <a:r>
               <a:rPr lang="en-US" dirty="0"/>
               <a:t>By: An c. and drew d.</a:t>
             </a:r>
@@ -5870,7 +5884,7 @@
           <p:cNvPr id="2" name="Title 1">
             <a:extLst>
               <a:ext uri="{FF2B5EF4-FFF2-40B4-BE49-F238E27FC236}">
-                <a16:creationId xmlns:a16="http://schemas.microsoft.com/office/drawing/2014/main" id="{0211EABF-91A9-4678-860F-6CA75B2CA051}"/>
+                <a16:creationId xmlns:a16="http://schemas.microsoft.com/office/drawing/2014/main" id="{E0649754-1368-4983-927C-2FB6D1909899}"/>
               </a:ext>
             </a:extLst>
           </p:cNvPr>
@@ -5888,7 +5902,15 @@
           <a:p>
             <a:r>
               <a:rPr lang="en-US" dirty="0"/>
-              <a:t>Questions? </a:t>
+              <a:t>Schematic for </a:t>
+            </a:r>
+            <a:r>
+              <a:rPr lang="en-US" dirty="0" err="1"/>
+              <a:t>atmega</a:t>
+            </a:r>
+            <a:r>
+              <a:rPr lang="en-US" dirty="0"/>
+              <a:t> 328p</a:t>
             </a:r>
           </a:p>
         </p:txBody>
@@ -5898,7 +5920,7 @@
           <p:cNvPr id="3" name="Content Placeholder 2">
             <a:extLst>
               <a:ext uri="{FF2B5EF4-FFF2-40B4-BE49-F238E27FC236}">
-                <a16:creationId xmlns:a16="http://schemas.microsoft.com/office/drawing/2014/main" id="{683B44CE-47EE-4FF6-B28D-97F4C5F855A5}"/>
+                <a16:creationId xmlns:a16="http://schemas.microsoft.com/office/drawing/2014/main" id="{E32DABB6-B9BD-46E6-8FF6-CAF4F177E0AA}"/>
               </a:ext>
             </a:extLst>
           </p:cNvPr>
@@ -5914,20 +5936,35 @@
           <a:bodyPr/>
           <a:lstStyle/>
           <a:p>
-            <a:endParaRPr lang="en-US"/>
+            <a:r>
+              <a:rPr lang="en-US" dirty="0"/>
+              <a:t>Will upload pic </a:t>
+            </a:r>
           </a:p>
         </p:txBody>
       </p:sp>
     </p:spTree>
     <p:extLst>
       <p:ext uri="{BB962C8B-B14F-4D97-AF65-F5344CB8AC3E}">
-        <p14:creationId xmlns:p14="http://schemas.microsoft.com/office/powerpoint/2010/main" val="2383072689"/>
+        <p14:creationId xmlns:p14="http://schemas.microsoft.com/office/powerpoint/2010/main" val="756373120"/>
       </p:ext>
     </p:extLst>
   </p:cSld>
   <p:clrMapOvr>
     <a:masterClrMapping/>
   </p:clrMapOvr>
+  <mc:AlternateContent xmlns:mc="http://schemas.openxmlformats.org/markup-compatibility/2006">
+    <mc:Choice xmlns:p15="http://schemas.microsoft.com/office/powerpoint/2012/main" Requires="p15">
+      <p:transition xmlns:p14="http://schemas.microsoft.com/office/powerpoint/2010/main" spd="slow" p14:dur="3250">
+        <p15:prstTrans prst="origami"/>
+      </p:transition>
+    </mc:Choice>
+    <mc:Fallback>
+      <p:transition spd="slow">
+        <p:fade/>
+      </p:transition>
+    </mc:Fallback>
+  </mc:AlternateContent>
 </p:sld>
 </file>
 
@@ -5953,6 +5990,1130 @@
           <p:cNvPr id="2" name="Title 1">
             <a:extLst>
               <a:ext uri="{FF2B5EF4-FFF2-40B4-BE49-F238E27FC236}">
+                <a16:creationId xmlns:a16="http://schemas.microsoft.com/office/drawing/2014/main" id="{F4091B77-3050-4CD5-9CB0-091C190E7B1B}"/>
+              </a:ext>
+            </a:extLst>
+          </p:cNvPr>
+          <p:cNvSpPr>
+            <a:spLocks noGrp="1"/>
+          </p:cNvSpPr>
+          <p:nvPr>
+            <p:ph type="title"/>
+          </p:nvPr>
+        </p:nvSpPr>
+        <p:spPr/>
+        <p:txBody>
+          <a:bodyPr/>
+          <a:lstStyle/>
+          <a:p>
+            <a:r>
+              <a:rPr lang="en-US" dirty="0"/>
+              <a:t>Frequency determination </a:t>
+            </a:r>
+          </a:p>
+        </p:txBody>
+      </p:sp>
+      <p:sp>
+        <p:nvSpPr>
+          <p:cNvPr id="3" name="Content Placeholder 2">
+            <a:extLst>
+              <a:ext uri="{FF2B5EF4-FFF2-40B4-BE49-F238E27FC236}">
+                <a16:creationId xmlns:a16="http://schemas.microsoft.com/office/drawing/2014/main" id="{D2D76396-8595-4CA1-88CD-AE56111DE7BA}"/>
+              </a:ext>
+            </a:extLst>
+          </p:cNvPr>
+          <p:cNvSpPr>
+            <a:spLocks noGrp="1"/>
+          </p:cNvSpPr>
+          <p:nvPr>
+            <p:ph idx="1"/>
+          </p:nvPr>
+        </p:nvSpPr>
+        <p:spPr/>
+        <p:txBody>
+          <a:bodyPr/>
+          <a:lstStyle/>
+          <a:p>
+            <a:r>
+              <a:rPr lang="en-US" dirty="0"/>
+              <a:t>Drew to explain </a:t>
+            </a:r>
+          </a:p>
+        </p:txBody>
+      </p:sp>
+    </p:spTree>
+    <p:extLst>
+      <p:ext uri="{BB962C8B-B14F-4D97-AF65-F5344CB8AC3E}">
+        <p14:creationId xmlns:p14="http://schemas.microsoft.com/office/powerpoint/2010/main" val="1152952955"/>
+      </p:ext>
+    </p:extLst>
+  </p:cSld>
+  <p:clrMapOvr>
+    <a:masterClrMapping/>
+  </p:clrMapOvr>
+  <mc:AlternateContent xmlns:mc="http://schemas.openxmlformats.org/markup-compatibility/2006">
+    <mc:Choice xmlns:p14="http://schemas.microsoft.com/office/powerpoint/2010/main" Requires="p14">
+      <p:transition spd="slow" p14:dur="2500">
+        <p:checker/>
+      </p:transition>
+    </mc:Choice>
+    <mc:Fallback>
+      <p:transition spd="slow">
+        <p:checker/>
+      </p:transition>
+    </mc:Fallback>
+  </mc:AlternateContent>
+</p:sld>
+</file>
+
+<file path=ppt/slides/slide12.xml><?xml version="1.0" encoding="utf-8"?>
+<p:sld xmlns:a="http://schemas.openxmlformats.org/drawingml/2006/main" xmlns:r="http://schemas.openxmlformats.org/officeDocument/2006/relationships" xmlns:p="http://schemas.openxmlformats.org/presentationml/2006/main">
+  <p:cSld>
+    <p:spTree>
+      <p:nvGrpSpPr>
+        <p:cNvPr id="1" name=""/>
+        <p:cNvGrpSpPr/>
+        <p:nvPr/>
+      </p:nvGrpSpPr>
+      <p:grpSpPr>
+        <a:xfrm>
+          <a:off x="0" y="0"/>
+          <a:ext cx="0" cy="0"/>
+          <a:chOff x="0" y="0"/>
+          <a:chExt cx="0" cy="0"/>
+        </a:xfrm>
+      </p:grpSpPr>
+      <p:sp>
+        <p:nvSpPr>
+          <p:cNvPr id="2" name="Title 1">
+            <a:extLst>
+              <a:ext uri="{FF2B5EF4-FFF2-40B4-BE49-F238E27FC236}">
+                <a16:creationId xmlns:a16="http://schemas.microsoft.com/office/drawing/2014/main" id="{A58B5A4A-4E11-4780-A6C3-2D57CB2B7FE1}"/>
+              </a:ext>
+            </a:extLst>
+          </p:cNvPr>
+          <p:cNvSpPr>
+            <a:spLocks noGrp="1"/>
+          </p:cNvSpPr>
+          <p:nvPr>
+            <p:ph type="title"/>
+          </p:nvPr>
+        </p:nvSpPr>
+        <p:spPr/>
+        <p:txBody>
+          <a:bodyPr/>
+          <a:lstStyle/>
+          <a:p>
+            <a:r>
+              <a:rPr lang="en-US" dirty="0"/>
+              <a:t>Software </a:t>
+            </a:r>
+          </a:p>
+        </p:txBody>
+      </p:sp>
+      <p:sp>
+        <p:nvSpPr>
+          <p:cNvPr id="3" name="Content Placeholder 2">
+            <a:extLst>
+              <a:ext uri="{FF2B5EF4-FFF2-40B4-BE49-F238E27FC236}">
+                <a16:creationId xmlns:a16="http://schemas.microsoft.com/office/drawing/2014/main" id="{28CDF226-AD79-4F2D-84C3-9B99D6B81B10}"/>
+              </a:ext>
+            </a:extLst>
+          </p:cNvPr>
+          <p:cNvSpPr>
+            <a:spLocks noGrp="1"/>
+          </p:cNvSpPr>
+          <p:nvPr>
+            <p:ph idx="1"/>
+          </p:nvPr>
+        </p:nvSpPr>
+        <p:spPr/>
+        <p:txBody>
+          <a:bodyPr/>
+          <a:lstStyle/>
+          <a:p>
+            <a:r>
+              <a:rPr lang="en-US" dirty="0"/>
+              <a:t>Included Adafruit_GFX and Adafruit_SSD1306 libraries to interface with OLED </a:t>
+            </a:r>
+          </a:p>
+          <a:p>
+            <a:r>
+              <a:rPr lang="en-US" dirty="0"/>
+              <a:t>Utilized the FFFT library for fast Fourier transformation </a:t>
+            </a:r>
+          </a:p>
+          <a:p>
+            <a:r>
+              <a:rPr lang="en-US" dirty="0"/>
+              <a:t>Utilized Arduino 8.5 IDE </a:t>
+            </a:r>
+          </a:p>
+          <a:p>
+            <a:r>
+              <a:rPr lang="en-US" dirty="0"/>
+              <a:t>Microcontroller reads in the levels of audio signals coming from the microphone at a 6KHz sample rate </a:t>
+            </a:r>
+          </a:p>
+          <a:p>
+            <a:r>
+              <a:rPr lang="en-US" dirty="0"/>
+              <a:t>A fast Fourier transformation is applied determining coefficient of each frequency range </a:t>
+            </a:r>
+          </a:p>
+          <a:p>
+            <a:r>
+              <a:rPr lang="en-US" dirty="0"/>
+              <a:t>Outputs largest coefficient in hertz </a:t>
+            </a:r>
+          </a:p>
+        </p:txBody>
+      </p:sp>
+    </p:spTree>
+    <p:extLst>
+      <p:ext uri="{BB962C8B-B14F-4D97-AF65-F5344CB8AC3E}">
+        <p14:creationId xmlns:p14="http://schemas.microsoft.com/office/powerpoint/2010/main" val="122623077"/>
+      </p:ext>
+    </p:extLst>
+  </p:cSld>
+  <p:clrMapOvr>
+    <a:masterClrMapping/>
+  </p:clrMapOvr>
+  <mc:AlternateContent xmlns:mc="http://schemas.openxmlformats.org/markup-compatibility/2006">
+    <mc:Choice xmlns:p14="http://schemas.microsoft.com/office/powerpoint/2010/main" Requires="p14">
+      <p:transition spd="slow" p14:dur="800">
+        <p14:flythrough/>
+      </p:transition>
+    </mc:Choice>
+    <mc:Fallback>
+      <p:transition spd="slow">
+        <p:fade/>
+      </p:transition>
+    </mc:Fallback>
+  </mc:AlternateContent>
+  <p:timing>
+    <p:tnLst>
+      <p:par>
+        <p:cTn id="1" dur="indefinite" restart="never" nodeType="tmRoot">
+          <p:childTnLst>
+            <p:seq concurrent="1" nextAc="seek">
+              <p:cTn id="2" dur="indefinite" nodeType="mainSeq">
+                <p:childTnLst>
+                  <p:par>
+                    <p:cTn id="3" fill="hold">
+                      <p:stCondLst>
+                        <p:cond delay="indefinite"/>
+                      </p:stCondLst>
+                      <p:childTnLst>
+                        <p:par>
+                          <p:cTn id="4" fill="hold">
+                            <p:stCondLst>
+                              <p:cond delay="0"/>
+                            </p:stCondLst>
+                            <p:childTnLst>
+                              <p:par>
+                                <p:cTn id="5" presetID="2" presetClass="entr" presetSubtype="4" fill="hold" nodeType="clickEffect">
+                                  <p:stCondLst>
+                                    <p:cond delay="0"/>
+                                  </p:stCondLst>
+                                  <p:childTnLst>
+                                    <p:set>
+                                      <p:cBhvr>
+                                        <p:cTn id="6" dur="1" fill="hold">
+                                          <p:stCondLst>
+                                            <p:cond delay="0"/>
+                                          </p:stCondLst>
+                                        </p:cTn>
+                                        <p:tgtEl>
+                                          <p:spTgt spid="3">
+                                            <p:txEl>
+                                              <p:pRg st="0" end="0"/>
+                                            </p:txEl>
+                                          </p:spTgt>
+                                        </p:tgtEl>
+                                        <p:attrNameLst>
+                                          <p:attrName>style.visibility</p:attrName>
+                                        </p:attrNameLst>
+                                      </p:cBhvr>
+                                      <p:to>
+                                        <p:strVal val="visible"/>
+                                      </p:to>
+                                    </p:set>
+                                    <p:anim calcmode="lin" valueType="num">
+                                      <p:cBhvr additive="base">
+                                        <p:cTn id="7" dur="500" fill="hold"/>
+                                        <p:tgtEl>
+                                          <p:spTgt spid="3">
+                                            <p:txEl>
+                                              <p:pRg st="0" end="0"/>
+                                            </p:txEl>
+                                          </p:spTgt>
+                                        </p:tgtEl>
+                                        <p:attrNameLst>
+                                          <p:attrName>ppt_x</p:attrName>
+                                        </p:attrNameLst>
+                                      </p:cBhvr>
+                                      <p:tavLst>
+                                        <p:tav tm="0">
+                                          <p:val>
+                                            <p:strVal val="#ppt_x"/>
+                                          </p:val>
+                                        </p:tav>
+                                        <p:tav tm="100000">
+                                          <p:val>
+                                            <p:strVal val="#ppt_x"/>
+                                          </p:val>
+                                        </p:tav>
+                                      </p:tavLst>
+                                    </p:anim>
+                                    <p:anim calcmode="lin" valueType="num">
+                                      <p:cBhvr additive="base">
+                                        <p:cTn id="8" dur="500" fill="hold"/>
+                                        <p:tgtEl>
+                                          <p:spTgt spid="3">
+                                            <p:txEl>
+                                              <p:pRg st="0" end="0"/>
+                                            </p:txEl>
+                                          </p:spTgt>
+                                        </p:tgtEl>
+                                        <p:attrNameLst>
+                                          <p:attrName>ppt_y</p:attrName>
+                                        </p:attrNameLst>
+                                      </p:cBhvr>
+                                      <p:tavLst>
+                                        <p:tav tm="0">
+                                          <p:val>
+                                            <p:strVal val="1+#ppt_h/2"/>
+                                          </p:val>
+                                        </p:tav>
+                                        <p:tav tm="100000">
+                                          <p:val>
+                                            <p:strVal val="#ppt_y"/>
+                                          </p:val>
+                                        </p:tav>
+                                      </p:tavLst>
+                                    </p:anim>
+                                  </p:childTnLst>
+                                </p:cTn>
+                              </p:par>
+                              <p:par>
+                                <p:cTn id="9" presetID="2" presetClass="entr" presetSubtype="4" fill="hold" nodeType="withEffect">
+                                  <p:stCondLst>
+                                    <p:cond delay="0"/>
+                                  </p:stCondLst>
+                                  <p:childTnLst>
+                                    <p:set>
+                                      <p:cBhvr>
+                                        <p:cTn id="10" dur="1" fill="hold">
+                                          <p:stCondLst>
+                                            <p:cond delay="0"/>
+                                          </p:stCondLst>
+                                        </p:cTn>
+                                        <p:tgtEl>
+                                          <p:spTgt spid="3">
+                                            <p:txEl>
+                                              <p:pRg st="1" end="1"/>
+                                            </p:txEl>
+                                          </p:spTgt>
+                                        </p:tgtEl>
+                                        <p:attrNameLst>
+                                          <p:attrName>style.visibility</p:attrName>
+                                        </p:attrNameLst>
+                                      </p:cBhvr>
+                                      <p:to>
+                                        <p:strVal val="visible"/>
+                                      </p:to>
+                                    </p:set>
+                                    <p:anim calcmode="lin" valueType="num">
+                                      <p:cBhvr additive="base">
+                                        <p:cTn id="11" dur="500" fill="hold"/>
+                                        <p:tgtEl>
+                                          <p:spTgt spid="3">
+                                            <p:txEl>
+                                              <p:pRg st="1" end="1"/>
+                                            </p:txEl>
+                                          </p:spTgt>
+                                        </p:tgtEl>
+                                        <p:attrNameLst>
+                                          <p:attrName>ppt_x</p:attrName>
+                                        </p:attrNameLst>
+                                      </p:cBhvr>
+                                      <p:tavLst>
+                                        <p:tav tm="0">
+                                          <p:val>
+                                            <p:strVal val="#ppt_x"/>
+                                          </p:val>
+                                        </p:tav>
+                                        <p:tav tm="100000">
+                                          <p:val>
+                                            <p:strVal val="#ppt_x"/>
+                                          </p:val>
+                                        </p:tav>
+                                      </p:tavLst>
+                                    </p:anim>
+                                    <p:anim calcmode="lin" valueType="num">
+                                      <p:cBhvr additive="base">
+                                        <p:cTn id="12" dur="500" fill="hold"/>
+                                        <p:tgtEl>
+                                          <p:spTgt spid="3">
+                                            <p:txEl>
+                                              <p:pRg st="1" end="1"/>
+                                            </p:txEl>
+                                          </p:spTgt>
+                                        </p:tgtEl>
+                                        <p:attrNameLst>
+                                          <p:attrName>ppt_y</p:attrName>
+                                        </p:attrNameLst>
+                                      </p:cBhvr>
+                                      <p:tavLst>
+                                        <p:tav tm="0">
+                                          <p:val>
+                                            <p:strVal val="1+#ppt_h/2"/>
+                                          </p:val>
+                                        </p:tav>
+                                        <p:tav tm="100000">
+                                          <p:val>
+                                            <p:strVal val="#ppt_y"/>
+                                          </p:val>
+                                        </p:tav>
+                                      </p:tavLst>
+                                    </p:anim>
+                                  </p:childTnLst>
+                                </p:cTn>
+                              </p:par>
+                              <p:par>
+                                <p:cTn id="13" presetID="2" presetClass="entr" presetSubtype="4" fill="hold" nodeType="withEffect">
+                                  <p:stCondLst>
+                                    <p:cond delay="0"/>
+                                  </p:stCondLst>
+                                  <p:childTnLst>
+                                    <p:set>
+                                      <p:cBhvr>
+                                        <p:cTn id="14" dur="1" fill="hold">
+                                          <p:stCondLst>
+                                            <p:cond delay="0"/>
+                                          </p:stCondLst>
+                                        </p:cTn>
+                                        <p:tgtEl>
+                                          <p:spTgt spid="3">
+                                            <p:txEl>
+                                              <p:pRg st="2" end="2"/>
+                                            </p:txEl>
+                                          </p:spTgt>
+                                        </p:tgtEl>
+                                        <p:attrNameLst>
+                                          <p:attrName>style.visibility</p:attrName>
+                                        </p:attrNameLst>
+                                      </p:cBhvr>
+                                      <p:to>
+                                        <p:strVal val="visible"/>
+                                      </p:to>
+                                    </p:set>
+                                    <p:anim calcmode="lin" valueType="num">
+                                      <p:cBhvr additive="base">
+                                        <p:cTn id="15" dur="500" fill="hold"/>
+                                        <p:tgtEl>
+                                          <p:spTgt spid="3">
+                                            <p:txEl>
+                                              <p:pRg st="2" end="2"/>
+                                            </p:txEl>
+                                          </p:spTgt>
+                                        </p:tgtEl>
+                                        <p:attrNameLst>
+                                          <p:attrName>ppt_x</p:attrName>
+                                        </p:attrNameLst>
+                                      </p:cBhvr>
+                                      <p:tavLst>
+                                        <p:tav tm="0">
+                                          <p:val>
+                                            <p:strVal val="#ppt_x"/>
+                                          </p:val>
+                                        </p:tav>
+                                        <p:tav tm="100000">
+                                          <p:val>
+                                            <p:strVal val="#ppt_x"/>
+                                          </p:val>
+                                        </p:tav>
+                                      </p:tavLst>
+                                    </p:anim>
+                                    <p:anim calcmode="lin" valueType="num">
+                                      <p:cBhvr additive="base">
+                                        <p:cTn id="16" dur="500" fill="hold"/>
+                                        <p:tgtEl>
+                                          <p:spTgt spid="3">
+                                            <p:txEl>
+                                              <p:pRg st="2" end="2"/>
+                                            </p:txEl>
+                                          </p:spTgt>
+                                        </p:tgtEl>
+                                        <p:attrNameLst>
+                                          <p:attrName>ppt_y</p:attrName>
+                                        </p:attrNameLst>
+                                      </p:cBhvr>
+                                      <p:tavLst>
+                                        <p:tav tm="0">
+                                          <p:val>
+                                            <p:strVal val="1+#ppt_h/2"/>
+                                          </p:val>
+                                        </p:tav>
+                                        <p:tav tm="100000">
+                                          <p:val>
+                                            <p:strVal val="#ppt_y"/>
+                                          </p:val>
+                                        </p:tav>
+                                      </p:tavLst>
+                                    </p:anim>
+                                  </p:childTnLst>
+                                </p:cTn>
+                              </p:par>
+                              <p:par>
+                                <p:cTn id="17" presetID="2" presetClass="entr" presetSubtype="4" fill="hold" nodeType="withEffect">
+                                  <p:stCondLst>
+                                    <p:cond delay="0"/>
+                                  </p:stCondLst>
+                                  <p:childTnLst>
+                                    <p:set>
+                                      <p:cBhvr>
+                                        <p:cTn id="18" dur="1" fill="hold">
+                                          <p:stCondLst>
+                                            <p:cond delay="0"/>
+                                          </p:stCondLst>
+                                        </p:cTn>
+                                        <p:tgtEl>
+                                          <p:spTgt spid="3">
+                                            <p:txEl>
+                                              <p:pRg st="3" end="3"/>
+                                            </p:txEl>
+                                          </p:spTgt>
+                                        </p:tgtEl>
+                                        <p:attrNameLst>
+                                          <p:attrName>style.visibility</p:attrName>
+                                        </p:attrNameLst>
+                                      </p:cBhvr>
+                                      <p:to>
+                                        <p:strVal val="visible"/>
+                                      </p:to>
+                                    </p:set>
+                                    <p:anim calcmode="lin" valueType="num">
+                                      <p:cBhvr additive="base">
+                                        <p:cTn id="19" dur="500" fill="hold"/>
+                                        <p:tgtEl>
+                                          <p:spTgt spid="3">
+                                            <p:txEl>
+                                              <p:pRg st="3" end="3"/>
+                                            </p:txEl>
+                                          </p:spTgt>
+                                        </p:tgtEl>
+                                        <p:attrNameLst>
+                                          <p:attrName>ppt_x</p:attrName>
+                                        </p:attrNameLst>
+                                      </p:cBhvr>
+                                      <p:tavLst>
+                                        <p:tav tm="0">
+                                          <p:val>
+                                            <p:strVal val="#ppt_x"/>
+                                          </p:val>
+                                        </p:tav>
+                                        <p:tav tm="100000">
+                                          <p:val>
+                                            <p:strVal val="#ppt_x"/>
+                                          </p:val>
+                                        </p:tav>
+                                      </p:tavLst>
+                                    </p:anim>
+                                    <p:anim calcmode="lin" valueType="num">
+                                      <p:cBhvr additive="base">
+                                        <p:cTn id="20" dur="500" fill="hold"/>
+                                        <p:tgtEl>
+                                          <p:spTgt spid="3">
+                                            <p:txEl>
+                                              <p:pRg st="3" end="3"/>
+                                            </p:txEl>
+                                          </p:spTgt>
+                                        </p:tgtEl>
+                                        <p:attrNameLst>
+                                          <p:attrName>ppt_y</p:attrName>
+                                        </p:attrNameLst>
+                                      </p:cBhvr>
+                                      <p:tavLst>
+                                        <p:tav tm="0">
+                                          <p:val>
+                                            <p:strVal val="1+#ppt_h/2"/>
+                                          </p:val>
+                                        </p:tav>
+                                        <p:tav tm="100000">
+                                          <p:val>
+                                            <p:strVal val="#ppt_y"/>
+                                          </p:val>
+                                        </p:tav>
+                                      </p:tavLst>
+                                    </p:anim>
+                                  </p:childTnLst>
+                                </p:cTn>
+                              </p:par>
+                              <p:par>
+                                <p:cTn id="21" presetID="2" presetClass="entr" presetSubtype="4" fill="hold" nodeType="withEffect">
+                                  <p:stCondLst>
+                                    <p:cond delay="0"/>
+                                  </p:stCondLst>
+                                  <p:childTnLst>
+                                    <p:set>
+                                      <p:cBhvr>
+                                        <p:cTn id="22" dur="1" fill="hold">
+                                          <p:stCondLst>
+                                            <p:cond delay="0"/>
+                                          </p:stCondLst>
+                                        </p:cTn>
+                                        <p:tgtEl>
+                                          <p:spTgt spid="3">
+                                            <p:txEl>
+                                              <p:pRg st="4" end="4"/>
+                                            </p:txEl>
+                                          </p:spTgt>
+                                        </p:tgtEl>
+                                        <p:attrNameLst>
+                                          <p:attrName>style.visibility</p:attrName>
+                                        </p:attrNameLst>
+                                      </p:cBhvr>
+                                      <p:to>
+                                        <p:strVal val="visible"/>
+                                      </p:to>
+                                    </p:set>
+                                    <p:anim calcmode="lin" valueType="num">
+                                      <p:cBhvr additive="base">
+                                        <p:cTn id="23" dur="500" fill="hold"/>
+                                        <p:tgtEl>
+                                          <p:spTgt spid="3">
+                                            <p:txEl>
+                                              <p:pRg st="4" end="4"/>
+                                            </p:txEl>
+                                          </p:spTgt>
+                                        </p:tgtEl>
+                                        <p:attrNameLst>
+                                          <p:attrName>ppt_x</p:attrName>
+                                        </p:attrNameLst>
+                                      </p:cBhvr>
+                                      <p:tavLst>
+                                        <p:tav tm="0">
+                                          <p:val>
+                                            <p:strVal val="#ppt_x"/>
+                                          </p:val>
+                                        </p:tav>
+                                        <p:tav tm="100000">
+                                          <p:val>
+                                            <p:strVal val="#ppt_x"/>
+                                          </p:val>
+                                        </p:tav>
+                                      </p:tavLst>
+                                    </p:anim>
+                                    <p:anim calcmode="lin" valueType="num">
+                                      <p:cBhvr additive="base">
+                                        <p:cTn id="24" dur="500" fill="hold"/>
+                                        <p:tgtEl>
+                                          <p:spTgt spid="3">
+                                            <p:txEl>
+                                              <p:pRg st="4" end="4"/>
+                                            </p:txEl>
+                                          </p:spTgt>
+                                        </p:tgtEl>
+                                        <p:attrNameLst>
+                                          <p:attrName>ppt_y</p:attrName>
+                                        </p:attrNameLst>
+                                      </p:cBhvr>
+                                      <p:tavLst>
+                                        <p:tav tm="0">
+                                          <p:val>
+                                            <p:strVal val="1+#ppt_h/2"/>
+                                          </p:val>
+                                        </p:tav>
+                                        <p:tav tm="100000">
+                                          <p:val>
+                                            <p:strVal val="#ppt_y"/>
+                                          </p:val>
+                                        </p:tav>
+                                      </p:tavLst>
+                                    </p:anim>
+                                  </p:childTnLst>
+                                </p:cTn>
+                              </p:par>
+                              <p:par>
+                                <p:cTn id="25" presetID="2" presetClass="entr" presetSubtype="4" fill="hold" nodeType="withEffect">
+                                  <p:stCondLst>
+                                    <p:cond delay="0"/>
+                                  </p:stCondLst>
+                                  <p:childTnLst>
+                                    <p:set>
+                                      <p:cBhvr>
+                                        <p:cTn id="26" dur="1" fill="hold">
+                                          <p:stCondLst>
+                                            <p:cond delay="0"/>
+                                          </p:stCondLst>
+                                        </p:cTn>
+                                        <p:tgtEl>
+                                          <p:spTgt spid="3">
+                                            <p:txEl>
+                                              <p:pRg st="5" end="5"/>
+                                            </p:txEl>
+                                          </p:spTgt>
+                                        </p:tgtEl>
+                                        <p:attrNameLst>
+                                          <p:attrName>style.visibility</p:attrName>
+                                        </p:attrNameLst>
+                                      </p:cBhvr>
+                                      <p:to>
+                                        <p:strVal val="visible"/>
+                                      </p:to>
+                                    </p:set>
+                                    <p:anim calcmode="lin" valueType="num">
+                                      <p:cBhvr additive="base">
+                                        <p:cTn id="27" dur="500" fill="hold"/>
+                                        <p:tgtEl>
+                                          <p:spTgt spid="3">
+                                            <p:txEl>
+                                              <p:pRg st="5" end="5"/>
+                                            </p:txEl>
+                                          </p:spTgt>
+                                        </p:tgtEl>
+                                        <p:attrNameLst>
+                                          <p:attrName>ppt_x</p:attrName>
+                                        </p:attrNameLst>
+                                      </p:cBhvr>
+                                      <p:tavLst>
+                                        <p:tav tm="0">
+                                          <p:val>
+                                            <p:strVal val="#ppt_x"/>
+                                          </p:val>
+                                        </p:tav>
+                                        <p:tav tm="100000">
+                                          <p:val>
+                                            <p:strVal val="#ppt_x"/>
+                                          </p:val>
+                                        </p:tav>
+                                      </p:tavLst>
+                                    </p:anim>
+                                    <p:anim calcmode="lin" valueType="num">
+                                      <p:cBhvr additive="base">
+                                        <p:cTn id="28" dur="500" fill="hold"/>
+                                        <p:tgtEl>
+                                          <p:spTgt spid="3">
+                                            <p:txEl>
+                                              <p:pRg st="5" end="5"/>
+                                            </p:txEl>
+                                          </p:spTgt>
+                                        </p:tgtEl>
+                                        <p:attrNameLst>
+                                          <p:attrName>ppt_y</p:attrName>
+                                        </p:attrNameLst>
+                                      </p:cBhvr>
+                                      <p:tavLst>
+                                        <p:tav tm="0">
+                                          <p:val>
+                                            <p:strVal val="1+#ppt_h/2"/>
+                                          </p:val>
+                                        </p:tav>
+                                        <p:tav tm="100000">
+                                          <p:val>
+                                            <p:strVal val="#ppt_y"/>
+                                          </p:val>
+                                        </p:tav>
+                                      </p:tavLst>
+                                    </p:anim>
+                                  </p:childTnLst>
+                                </p:cTn>
+                              </p:par>
+                            </p:childTnLst>
+                          </p:cTn>
+                        </p:par>
+                      </p:childTnLst>
+                    </p:cTn>
+                  </p:par>
+                </p:childTnLst>
+              </p:cTn>
+              <p:prevCondLst>
+                <p:cond evt="onPrev" delay="0">
+                  <p:tgtEl>
+                    <p:sldTgt/>
+                  </p:tgtEl>
+                </p:cond>
+              </p:prevCondLst>
+              <p:nextCondLst>
+                <p:cond evt="onNext" delay="0">
+                  <p:tgtEl>
+                    <p:sldTgt/>
+                  </p:tgtEl>
+                </p:cond>
+              </p:nextCondLst>
+            </p:seq>
+          </p:childTnLst>
+        </p:cTn>
+      </p:par>
+    </p:tnLst>
+  </p:timing>
+</p:sld>
+</file>
+
+<file path=ppt/slides/slide13.xml><?xml version="1.0" encoding="utf-8"?>
+<p:sld xmlns:a="http://schemas.openxmlformats.org/drawingml/2006/main" xmlns:r="http://schemas.openxmlformats.org/officeDocument/2006/relationships" xmlns:p="http://schemas.openxmlformats.org/presentationml/2006/main">
+  <p:cSld>
+    <p:spTree>
+      <p:nvGrpSpPr>
+        <p:cNvPr id="1" name=""/>
+        <p:cNvGrpSpPr/>
+        <p:nvPr/>
+      </p:nvGrpSpPr>
+      <p:grpSpPr>
+        <a:xfrm>
+          <a:off x="0" y="0"/>
+          <a:ext cx="0" cy="0"/>
+          <a:chOff x="0" y="0"/>
+          <a:chExt cx="0" cy="0"/>
+        </a:xfrm>
+      </p:grpSpPr>
+      <p:sp>
+        <p:nvSpPr>
+          <p:cNvPr id="2" name="Title 1">
+            <a:extLst>
+              <a:ext uri="{FF2B5EF4-FFF2-40B4-BE49-F238E27FC236}">
+                <a16:creationId xmlns:a16="http://schemas.microsoft.com/office/drawing/2014/main" id="{AC2488E9-6222-477E-9187-621932006C88}"/>
+              </a:ext>
+            </a:extLst>
+          </p:cNvPr>
+          <p:cNvSpPr>
+            <a:spLocks noGrp="1"/>
+          </p:cNvSpPr>
+          <p:nvPr>
+            <p:ph type="title"/>
+          </p:nvPr>
+        </p:nvSpPr>
+        <p:spPr/>
+        <p:txBody>
+          <a:bodyPr/>
+          <a:lstStyle/>
+          <a:p>
+            <a:r>
+              <a:rPr lang="en-US" dirty="0"/>
+              <a:t>Possible improvements		</a:t>
+            </a:r>
+          </a:p>
+        </p:txBody>
+      </p:sp>
+      <p:sp>
+        <p:nvSpPr>
+          <p:cNvPr id="3" name="Content Placeholder 2">
+            <a:extLst>
+              <a:ext uri="{FF2B5EF4-FFF2-40B4-BE49-F238E27FC236}">
+                <a16:creationId xmlns:a16="http://schemas.microsoft.com/office/drawing/2014/main" id="{36DF851A-0612-4BDF-9FE6-620837F3B0DC}"/>
+              </a:ext>
+            </a:extLst>
+          </p:cNvPr>
+          <p:cNvSpPr>
+            <a:spLocks noGrp="1"/>
+          </p:cNvSpPr>
+          <p:nvPr>
+            <p:ph idx="1"/>
+          </p:nvPr>
+        </p:nvSpPr>
+        <p:spPr/>
+        <p:txBody>
+          <a:bodyPr/>
+          <a:lstStyle/>
+          <a:p>
+            <a:r>
+              <a:rPr lang="en-US" dirty="0"/>
+              <a:t>Could add a dedicated ADC to get higher bit rate for more accurate conversion </a:t>
+            </a:r>
+          </a:p>
+          <a:p>
+            <a:r>
+              <a:rPr lang="en-US" dirty="0"/>
+              <a:t>Could add hardware high and low pass filters to remove unwanted noise </a:t>
+            </a:r>
+          </a:p>
+        </p:txBody>
+      </p:sp>
+    </p:spTree>
+    <p:extLst>
+      <p:ext uri="{BB962C8B-B14F-4D97-AF65-F5344CB8AC3E}">
+        <p14:creationId xmlns:p14="http://schemas.microsoft.com/office/powerpoint/2010/main" val="3513082253"/>
+      </p:ext>
+    </p:extLst>
+  </p:cSld>
+  <p:clrMapOvr>
+    <a:masterClrMapping/>
+  </p:clrMapOvr>
+  <mc:AlternateContent xmlns:mc="http://schemas.openxmlformats.org/markup-compatibility/2006">
+    <mc:Choice xmlns:p14="http://schemas.microsoft.com/office/powerpoint/2010/main" Requires="p14">
+      <p:transition spd="slow" p14:dur="1600">
+        <p14:prism isContent="1" isInverted="1"/>
+      </p:transition>
+    </mc:Choice>
+    <mc:Fallback>
+      <p:transition spd="slow">
+        <p:fade/>
+      </p:transition>
+    </mc:Fallback>
+  </mc:AlternateContent>
+  <p:timing>
+    <p:tnLst>
+      <p:par>
+        <p:cTn id="1" dur="indefinite" restart="never" nodeType="tmRoot">
+          <p:childTnLst>
+            <p:seq concurrent="1" nextAc="seek">
+              <p:cTn id="2" dur="indefinite" nodeType="mainSeq">
+                <p:childTnLst>
+                  <p:par>
+                    <p:cTn id="3" fill="hold">
+                      <p:stCondLst>
+                        <p:cond delay="indefinite"/>
+                      </p:stCondLst>
+                      <p:childTnLst>
+                        <p:par>
+                          <p:cTn id="4" fill="hold">
+                            <p:stCondLst>
+                              <p:cond delay="0"/>
+                            </p:stCondLst>
+                            <p:childTnLst>
+                              <p:par>
+                                <p:cTn id="5" presetID="2" presetClass="entr" presetSubtype="4" fill="hold" nodeType="clickEffect">
+                                  <p:stCondLst>
+                                    <p:cond delay="0"/>
+                                  </p:stCondLst>
+                                  <p:childTnLst>
+                                    <p:set>
+                                      <p:cBhvr>
+                                        <p:cTn id="6" dur="1" fill="hold">
+                                          <p:stCondLst>
+                                            <p:cond delay="0"/>
+                                          </p:stCondLst>
+                                        </p:cTn>
+                                        <p:tgtEl>
+                                          <p:spTgt spid="3">
+                                            <p:txEl>
+                                              <p:pRg st="0" end="0"/>
+                                            </p:txEl>
+                                          </p:spTgt>
+                                        </p:tgtEl>
+                                        <p:attrNameLst>
+                                          <p:attrName>style.visibility</p:attrName>
+                                        </p:attrNameLst>
+                                      </p:cBhvr>
+                                      <p:to>
+                                        <p:strVal val="visible"/>
+                                      </p:to>
+                                    </p:set>
+                                    <p:anim calcmode="lin" valueType="num">
+                                      <p:cBhvr additive="base">
+                                        <p:cTn id="7" dur="500" fill="hold"/>
+                                        <p:tgtEl>
+                                          <p:spTgt spid="3">
+                                            <p:txEl>
+                                              <p:pRg st="0" end="0"/>
+                                            </p:txEl>
+                                          </p:spTgt>
+                                        </p:tgtEl>
+                                        <p:attrNameLst>
+                                          <p:attrName>ppt_x</p:attrName>
+                                        </p:attrNameLst>
+                                      </p:cBhvr>
+                                      <p:tavLst>
+                                        <p:tav tm="0">
+                                          <p:val>
+                                            <p:strVal val="#ppt_x"/>
+                                          </p:val>
+                                        </p:tav>
+                                        <p:tav tm="100000">
+                                          <p:val>
+                                            <p:strVal val="#ppt_x"/>
+                                          </p:val>
+                                        </p:tav>
+                                      </p:tavLst>
+                                    </p:anim>
+                                    <p:anim calcmode="lin" valueType="num">
+                                      <p:cBhvr additive="base">
+                                        <p:cTn id="8" dur="500" fill="hold"/>
+                                        <p:tgtEl>
+                                          <p:spTgt spid="3">
+                                            <p:txEl>
+                                              <p:pRg st="0" end="0"/>
+                                            </p:txEl>
+                                          </p:spTgt>
+                                        </p:tgtEl>
+                                        <p:attrNameLst>
+                                          <p:attrName>ppt_y</p:attrName>
+                                        </p:attrNameLst>
+                                      </p:cBhvr>
+                                      <p:tavLst>
+                                        <p:tav tm="0">
+                                          <p:val>
+                                            <p:strVal val="1+#ppt_h/2"/>
+                                          </p:val>
+                                        </p:tav>
+                                        <p:tav tm="100000">
+                                          <p:val>
+                                            <p:strVal val="#ppt_y"/>
+                                          </p:val>
+                                        </p:tav>
+                                      </p:tavLst>
+                                    </p:anim>
+                                  </p:childTnLst>
+                                </p:cTn>
+                              </p:par>
+                            </p:childTnLst>
+                          </p:cTn>
+                        </p:par>
+                      </p:childTnLst>
+                    </p:cTn>
+                  </p:par>
+                  <p:par>
+                    <p:cTn id="9" fill="hold">
+                      <p:stCondLst>
+                        <p:cond delay="indefinite"/>
+                      </p:stCondLst>
+                      <p:childTnLst>
+                        <p:par>
+                          <p:cTn id="10" fill="hold">
+                            <p:stCondLst>
+                              <p:cond delay="0"/>
+                            </p:stCondLst>
+                            <p:childTnLst>
+                              <p:par>
+                                <p:cTn id="11" presetID="2" presetClass="entr" presetSubtype="4" fill="hold" nodeType="clickEffect">
+                                  <p:stCondLst>
+                                    <p:cond delay="0"/>
+                                  </p:stCondLst>
+                                  <p:childTnLst>
+                                    <p:set>
+                                      <p:cBhvr>
+                                        <p:cTn id="12" dur="1" fill="hold">
+                                          <p:stCondLst>
+                                            <p:cond delay="0"/>
+                                          </p:stCondLst>
+                                        </p:cTn>
+                                        <p:tgtEl>
+                                          <p:spTgt spid="3">
+                                            <p:txEl>
+                                              <p:pRg st="1" end="1"/>
+                                            </p:txEl>
+                                          </p:spTgt>
+                                        </p:tgtEl>
+                                        <p:attrNameLst>
+                                          <p:attrName>style.visibility</p:attrName>
+                                        </p:attrNameLst>
+                                      </p:cBhvr>
+                                      <p:to>
+                                        <p:strVal val="visible"/>
+                                      </p:to>
+                                    </p:set>
+                                    <p:anim calcmode="lin" valueType="num">
+                                      <p:cBhvr additive="base">
+                                        <p:cTn id="13" dur="500" fill="hold"/>
+                                        <p:tgtEl>
+                                          <p:spTgt spid="3">
+                                            <p:txEl>
+                                              <p:pRg st="1" end="1"/>
+                                            </p:txEl>
+                                          </p:spTgt>
+                                        </p:tgtEl>
+                                        <p:attrNameLst>
+                                          <p:attrName>ppt_x</p:attrName>
+                                        </p:attrNameLst>
+                                      </p:cBhvr>
+                                      <p:tavLst>
+                                        <p:tav tm="0">
+                                          <p:val>
+                                            <p:strVal val="#ppt_x"/>
+                                          </p:val>
+                                        </p:tav>
+                                        <p:tav tm="100000">
+                                          <p:val>
+                                            <p:strVal val="#ppt_x"/>
+                                          </p:val>
+                                        </p:tav>
+                                      </p:tavLst>
+                                    </p:anim>
+                                    <p:anim calcmode="lin" valueType="num">
+                                      <p:cBhvr additive="base">
+                                        <p:cTn id="14" dur="500" fill="hold"/>
+                                        <p:tgtEl>
+                                          <p:spTgt spid="3">
+                                            <p:txEl>
+                                              <p:pRg st="1" end="1"/>
+                                            </p:txEl>
+                                          </p:spTgt>
+                                        </p:tgtEl>
+                                        <p:attrNameLst>
+                                          <p:attrName>ppt_y</p:attrName>
+                                        </p:attrNameLst>
+                                      </p:cBhvr>
+                                      <p:tavLst>
+                                        <p:tav tm="0">
+                                          <p:val>
+                                            <p:strVal val="1+#ppt_h/2"/>
+                                          </p:val>
+                                        </p:tav>
+                                        <p:tav tm="100000">
+                                          <p:val>
+                                            <p:strVal val="#ppt_y"/>
+                                          </p:val>
+                                        </p:tav>
+                                      </p:tavLst>
+                                    </p:anim>
+                                  </p:childTnLst>
+                                </p:cTn>
+                              </p:par>
+                            </p:childTnLst>
+                          </p:cTn>
+                        </p:par>
+                      </p:childTnLst>
+                    </p:cTn>
+                  </p:par>
+                </p:childTnLst>
+              </p:cTn>
+              <p:prevCondLst>
+                <p:cond evt="onPrev" delay="0">
+                  <p:tgtEl>
+                    <p:sldTgt/>
+                  </p:tgtEl>
+                </p:cond>
+              </p:prevCondLst>
+              <p:nextCondLst>
+                <p:cond evt="onNext" delay="0">
+                  <p:tgtEl>
+                    <p:sldTgt/>
+                  </p:tgtEl>
+                </p:cond>
+              </p:nextCondLst>
+            </p:seq>
+          </p:childTnLst>
+        </p:cTn>
+      </p:par>
+    </p:tnLst>
+  </p:timing>
+</p:sld>
+</file>
+
+<file path=ppt/slides/slide14.xml><?xml version="1.0" encoding="utf-8"?>
+<p:sld xmlns:a="http://schemas.openxmlformats.org/drawingml/2006/main" xmlns:r="http://schemas.openxmlformats.org/officeDocument/2006/relationships" xmlns:p="http://schemas.openxmlformats.org/presentationml/2006/main">
+  <p:cSld>
+    <p:spTree>
+      <p:nvGrpSpPr>
+        <p:cNvPr id="1" name=""/>
+        <p:cNvGrpSpPr/>
+        <p:nvPr/>
+      </p:nvGrpSpPr>
+      <p:grpSpPr>
+        <a:xfrm>
+          <a:off x="0" y="0"/>
+          <a:ext cx="0" cy="0"/>
+          <a:chOff x="0" y="0"/>
+          <a:chExt cx="0" cy="0"/>
+        </a:xfrm>
+      </p:grpSpPr>
+      <p:sp>
+        <p:nvSpPr>
+          <p:cNvPr id="2" name="Title 1">
+            <a:extLst>
+              <a:ext uri="{FF2B5EF4-FFF2-40B4-BE49-F238E27FC236}">
                 <a16:creationId xmlns:a16="http://schemas.microsoft.com/office/drawing/2014/main" id="{0BB23F91-E335-43F5-9EA3-176ED7C70901}"/>
               </a:ext>
             </a:extLst>
@@ -5964,43 +7125,53 @@
             <p:ph type="title"/>
           </p:nvPr>
         </p:nvSpPr>
-        <p:spPr/>
+        <p:spPr>
+          <a:xfrm>
+            <a:off x="685801" y="609600"/>
+            <a:ext cx="10131425" cy="1456267"/>
+          </a:xfrm>
+        </p:spPr>
         <p:txBody>
           <a:bodyPr/>
           <a:lstStyle/>
           <a:p>
-            <a:r>
-              <a:rPr lang="en-US" dirty="0"/>
+            <a:pPr algn="ctr"/>
+            <a:r>
+              <a:rPr lang="en-US" b="1" dirty="0"/>
               <a:t>DEMO </a:t>
             </a:r>
           </a:p>
         </p:txBody>
       </p:sp>
-      <p:sp>
-        <p:nvSpPr>
-          <p:cNvPr id="3" name="Content Placeholder 2">
+      <p:pic>
+        <p:nvPicPr>
+          <p:cNvPr id="5" name="Content Placeholder 4" descr="A picture containing indoor, table, sitting, wall&#10;&#10;Description generated with very high confidence">
             <a:extLst>
               <a:ext uri="{FF2B5EF4-FFF2-40B4-BE49-F238E27FC236}">
-                <a16:creationId xmlns:a16="http://schemas.microsoft.com/office/drawing/2014/main" id="{E0FD35AC-5797-4FD2-AB8C-57A2B5CE1876}"/>
+                <a16:creationId xmlns:a16="http://schemas.microsoft.com/office/drawing/2014/main" id="{D6E529A7-4D65-405F-B562-BD70D9049827}"/>
               </a:ext>
             </a:extLst>
           </p:cNvPr>
-          <p:cNvSpPr>
-            <a:spLocks noGrp="1"/>
-          </p:cNvSpPr>
+          <p:cNvPicPr>
+            <a:picLocks noGrp="1" noChangeAspect="1"/>
+          </p:cNvPicPr>
           <p:nvPr>
             <p:ph idx="1"/>
           </p:nvPr>
-        </p:nvSpPr>
-        <p:spPr/>
-        <p:txBody>
-          <a:bodyPr/>
-          <a:lstStyle/>
-          <a:p>
-            <a:endParaRPr lang="en-US"/>
-          </a:p>
-        </p:txBody>
-      </p:sp>
+        </p:nvPicPr>
+        <p:blipFill>
+          <a:blip r:embed="rId2"/>
+          <a:stretch>
+            <a:fillRect/>
+          </a:stretch>
+        </p:blipFill>
+        <p:spPr>
+          <a:xfrm>
+            <a:off x="2507368" y="2141538"/>
+            <a:ext cx="6488288" cy="3649662"/>
+          </a:xfrm>
+        </p:spPr>
+      </p:pic>
     </p:spTree>
     <p:extLst>
       <p:ext uri="{BB962C8B-B14F-4D97-AF65-F5344CB8AC3E}">
@@ -6011,6 +7182,82 @@
   <p:clrMapOvr>
     <a:masterClrMapping/>
   </p:clrMapOvr>
+</p:sld>
+</file>
+
+<file path=ppt/slides/slide15.xml><?xml version="1.0" encoding="utf-8"?>
+<p:sld xmlns:a="http://schemas.openxmlformats.org/drawingml/2006/main" xmlns:r="http://schemas.openxmlformats.org/officeDocument/2006/relationships" xmlns:p="http://schemas.openxmlformats.org/presentationml/2006/main">
+  <p:cSld>
+    <p:spTree>
+      <p:nvGrpSpPr>
+        <p:cNvPr id="1" name=""/>
+        <p:cNvGrpSpPr/>
+        <p:nvPr/>
+      </p:nvGrpSpPr>
+      <p:grpSpPr>
+        <a:xfrm>
+          <a:off x="0" y="0"/>
+          <a:ext cx="0" cy="0"/>
+          <a:chOff x="0" y="0"/>
+          <a:chExt cx="0" cy="0"/>
+        </a:xfrm>
+      </p:grpSpPr>
+      <p:sp>
+        <p:nvSpPr>
+          <p:cNvPr id="2" name="Title 1">
+            <a:extLst>
+              <a:ext uri="{FF2B5EF4-FFF2-40B4-BE49-F238E27FC236}">
+                <a16:creationId xmlns:a16="http://schemas.microsoft.com/office/drawing/2014/main" id="{0211EABF-91A9-4678-860F-6CA75B2CA051}"/>
+              </a:ext>
+            </a:extLst>
+          </p:cNvPr>
+          <p:cNvSpPr>
+            <a:spLocks noGrp="1"/>
+          </p:cNvSpPr>
+          <p:nvPr>
+            <p:ph type="title"/>
+          </p:nvPr>
+        </p:nvSpPr>
+        <p:spPr>
+          <a:xfrm>
+            <a:off x="685801" y="609600"/>
+            <a:ext cx="10131425" cy="4217377"/>
+          </a:xfrm>
+        </p:spPr>
+        <p:txBody>
+          <a:bodyPr/>
+          <a:lstStyle/>
+          <a:p>
+            <a:pPr algn="ctr"/>
+            <a:r>
+              <a:rPr lang="en-US" dirty="0"/>
+              <a:t>Questions? </a:t>
+            </a:r>
+          </a:p>
+        </p:txBody>
+      </p:sp>
+    </p:spTree>
+    <p:extLst>
+      <p:ext uri="{BB962C8B-B14F-4D97-AF65-F5344CB8AC3E}">
+        <p14:creationId xmlns:p14="http://schemas.microsoft.com/office/powerpoint/2010/main" val="2383072689"/>
+      </p:ext>
+    </p:extLst>
+  </p:cSld>
+  <p:clrMapOvr>
+    <a:masterClrMapping/>
+  </p:clrMapOvr>
+  <mc:AlternateContent xmlns:mc="http://schemas.openxmlformats.org/markup-compatibility/2006">
+    <mc:Choice xmlns:p15="http://schemas.microsoft.com/office/powerpoint/2012/main" Requires="p15">
+      <p:transition xmlns:p14="http://schemas.microsoft.com/office/powerpoint/2010/main" spd="slow" p14:dur="1250">
+        <p15:prstTrans prst="pageCurlDouble"/>
+      </p:transition>
+    </mc:Choice>
+    <mc:Fallback>
+      <p:transition spd="slow">
+        <p:fade/>
+      </p:transition>
+    </mc:Fallback>
+  </mc:AlternateContent>
 </p:sld>
 </file>
 
@@ -6082,13 +7329,13 @@
           <a:p>
             <a:r>
               <a:rPr lang="en-US" dirty="0"/>
-              <a:t>Our project is a frequency analyzer. </a:t>
+              <a:t>Our project is a frequency analyzer</a:t>
             </a:r>
           </a:p>
           <a:p>
             <a:r>
               <a:rPr lang="en-US" dirty="0"/>
-              <a:t>The input is sound, the output is the loudest frequency </a:t>
+              <a:t>The input is sound, the output is the most dominant frequency </a:t>
             </a:r>
           </a:p>
           <a:p>
@@ -6106,6 +7353,9 @@
   <p:clrMapOvr>
     <a:masterClrMapping/>
   </p:clrMapOvr>
+  <p:transition spd="slow">
+    <p:push dir="u"/>
+  </p:transition>
 </p:sld>
 </file>
 
@@ -6149,7 +7399,7 @@
           <a:p>
             <a:r>
               <a:rPr lang="en-US" dirty="0"/>
-              <a:t>TOOLS NEEDED</a:t>
+              <a:t>Build materials </a:t>
             </a:r>
           </a:p>
         </p:txBody>
@@ -6172,10 +7422,69 @@
         </p:nvSpPr>
         <p:spPr/>
         <p:txBody>
-          <a:bodyPr/>
-          <a:lstStyle/>
-          <a:p>
-            <a:endParaRPr lang="en-US"/>
+          <a:bodyPr>
+            <a:normAutofit/>
+          </a:bodyPr>
+          <a:lstStyle/>
+          <a:p>
+            <a:pPr marL="0" indent="0">
+              <a:buNone/>
+            </a:pPr>
+            <a:endParaRPr lang="en-US" dirty="0"/>
+          </a:p>
+          <a:p>
+            <a:r>
+              <a:rPr lang="en-US" dirty="0"/>
+              <a:t>128x32 OLED Screen Arduino ID: 931 </a:t>
+            </a:r>
+          </a:p>
+          <a:p>
+            <a:pPr fontAlgn="t"/>
+            <a:r>
+              <a:rPr lang="en-US" dirty="0"/>
+              <a:t>Electret Microphone Amplifier -MAX4466 with Adjustable Gain[ID: 1063] </a:t>
+            </a:r>
+          </a:p>
+          <a:p>
+            <a:pPr fontAlgn="t"/>
+            <a:r>
+              <a:rPr lang="en-US" dirty="0"/>
+              <a:t>Microchip ATmega328P </a:t>
+            </a:r>
+          </a:p>
+          <a:p>
+            <a:pPr fontAlgn="t"/>
+            <a:r>
+              <a:rPr lang="en-US" dirty="0"/>
+              <a:t>Custom made power regulator </a:t>
+            </a:r>
+          </a:p>
+          <a:p>
+            <a:pPr fontAlgn="t"/>
+            <a:r>
+              <a:rPr lang="en-US" dirty="0"/>
+              <a:t>16 MHz crystal oscillator </a:t>
+            </a:r>
+          </a:p>
+          <a:p>
+            <a:pPr fontAlgn="t"/>
+            <a:r>
+              <a:rPr lang="en-US" dirty="0" err="1"/>
+              <a:t>Furby</a:t>
+            </a:r>
+            <a:br>
+              <a:rPr lang="en-US" dirty="0"/>
+            </a:br>
+            <a:br>
+              <a:rPr lang="en-US" dirty="0"/>
+            </a:br>
+            <a:endParaRPr lang="en-US" dirty="0"/>
+          </a:p>
+          <a:p>
+            <a:endParaRPr lang="en-US" dirty="0"/>
+          </a:p>
+          <a:p>
+            <a:endParaRPr lang="en-US" dirty="0"/>
           </a:p>
         </p:txBody>
       </p:sp>
@@ -6189,6 +7498,9 @@
   <p:clrMapOvr>
     <a:masterClrMapping/>
   </p:clrMapOvr>
+  <p:transition spd="slow">
+    <p:wipe/>
+  </p:transition>
 </p:sld>
 </file>
 
@@ -6258,7 +7570,13 @@
           <a:bodyPr/>
           <a:lstStyle/>
           <a:p>
-            <a:endParaRPr lang="en-US"/>
+            <a:r>
+              <a:rPr lang="en-US" dirty="0"/>
+              <a:t>Will upload pic </a:t>
+            </a:r>
+          </a:p>
+          <a:p>
+            <a:endParaRPr lang="en-US" dirty="0"/>
           </a:p>
         </p:txBody>
       </p:sp>
@@ -6272,6 +7590,18 @@
   <p:clrMapOvr>
     <a:masterClrMapping/>
   </p:clrMapOvr>
+  <mc:AlternateContent xmlns:mc="http://schemas.openxmlformats.org/markup-compatibility/2006">
+    <mc:Choice xmlns:p14="http://schemas.microsoft.com/office/powerpoint/2010/main" Requires="p14">
+      <p:transition spd="slow" p14:dur="3400">
+        <p14:reveal/>
+      </p:transition>
+    </mc:Choice>
+    <mc:Fallback>
+      <p:transition spd="slow">
+        <p:fade/>
+      </p:transition>
+    </mc:Fallback>
+  </mc:AlternateContent>
 </p:sld>
 </file>
 
@@ -6297,7 +7627,7 @@
           <p:cNvPr id="2" name="Title 1">
             <a:extLst>
               <a:ext uri="{FF2B5EF4-FFF2-40B4-BE49-F238E27FC236}">
-                <a16:creationId xmlns:a16="http://schemas.microsoft.com/office/drawing/2014/main" id="{AE3C6A16-1C6A-4735-8A51-D0665535AE5E}"/>
+                <a16:creationId xmlns:a16="http://schemas.microsoft.com/office/drawing/2014/main" id="{55CD2D8D-9E3D-4B08-BD92-E9618B555380}"/>
               </a:ext>
             </a:extLst>
           </p:cNvPr>
@@ -6315,7 +7645,7 @@
           <a:p>
             <a:r>
               <a:rPr lang="en-US" dirty="0"/>
-              <a:t>Schematic for power regulator </a:t>
+              <a:t>OLED specs </a:t>
             </a:r>
           </a:p>
         </p:txBody>
@@ -6325,7 +7655,7 @@
           <p:cNvPr id="3" name="Content Placeholder 2">
             <a:extLst>
               <a:ext uri="{FF2B5EF4-FFF2-40B4-BE49-F238E27FC236}">
-                <a16:creationId xmlns:a16="http://schemas.microsoft.com/office/drawing/2014/main" id="{A88CF914-4450-4243-AFAB-6DB68F0F33C8}"/>
+                <a16:creationId xmlns:a16="http://schemas.microsoft.com/office/drawing/2014/main" id="{40799250-0217-415A-AF00-6BAAA2EDB7A7}"/>
               </a:ext>
             </a:extLst>
           </p:cNvPr>
@@ -6341,20 +7671,50 @@
           <a:bodyPr/>
           <a:lstStyle/>
           <a:p>
-            <a:endParaRPr lang="en-US"/>
+            <a:r>
+              <a:rPr lang="en-US" dirty="0"/>
+              <a:t>Uses SSD 1306 driver chip to communicate with microcontroller via I2C</a:t>
+            </a:r>
+          </a:p>
+          <a:p>
+            <a:r>
+              <a:rPr lang="en-US" dirty="0"/>
+              <a:t>Screen contains 128 x 32 white OLED’s </a:t>
+            </a:r>
+          </a:p>
+          <a:p>
+            <a:r>
+              <a:rPr lang="en-US" dirty="0"/>
+              <a:t>We chose OLED because it does not require a back light, which decreases power consumption </a:t>
+            </a:r>
+          </a:p>
+          <a:p>
+            <a:endParaRPr lang="en-US" dirty="0"/>
           </a:p>
         </p:txBody>
       </p:sp>
     </p:spTree>
     <p:extLst>
       <p:ext uri="{BB962C8B-B14F-4D97-AF65-F5344CB8AC3E}">
-        <p14:creationId xmlns:p14="http://schemas.microsoft.com/office/powerpoint/2010/main" val="3786965788"/>
+        <p14:creationId xmlns:p14="http://schemas.microsoft.com/office/powerpoint/2010/main" val="810425185"/>
       </p:ext>
     </p:extLst>
   </p:cSld>
   <p:clrMapOvr>
     <a:masterClrMapping/>
   </p:clrMapOvr>
+  <mc:AlternateContent xmlns:mc="http://schemas.openxmlformats.org/markup-compatibility/2006">
+    <mc:Choice xmlns:p14="http://schemas.microsoft.com/office/powerpoint/2010/main" Requires="p14">
+      <p:transition spd="slow">
+        <p14:flash/>
+      </p:transition>
+    </mc:Choice>
+    <mc:Fallback>
+      <p:transition spd="slow">
+        <p:fade/>
+      </p:transition>
+    </mc:Fallback>
+  </mc:AlternateContent>
 </p:sld>
 </file>
 
@@ -6380,7 +7740,7 @@
           <p:cNvPr id="2" name="Title 1">
             <a:extLst>
               <a:ext uri="{FF2B5EF4-FFF2-40B4-BE49-F238E27FC236}">
-                <a16:creationId xmlns:a16="http://schemas.microsoft.com/office/drawing/2014/main" id="{20BB7399-4610-4FF5-9C5E-64FFCD0EE6F2}"/>
+                <a16:creationId xmlns:a16="http://schemas.microsoft.com/office/drawing/2014/main" id="{AE3C6A16-1C6A-4735-8A51-D0665535AE5E}"/>
               </a:ext>
             </a:extLst>
           </p:cNvPr>
@@ -6398,7 +7758,7 @@
           <a:p>
             <a:r>
               <a:rPr lang="en-US" dirty="0"/>
-              <a:t>Schematic for microphone</a:t>
+              <a:t>Schematic for power regulator </a:t>
             </a:r>
           </a:p>
         </p:txBody>
@@ -6408,7 +7768,7 @@
           <p:cNvPr id="3" name="Content Placeholder 2">
             <a:extLst>
               <a:ext uri="{FF2B5EF4-FFF2-40B4-BE49-F238E27FC236}">
-                <a16:creationId xmlns:a16="http://schemas.microsoft.com/office/drawing/2014/main" id="{AE75684C-7974-4C18-BEFA-D28D71FC23ED}"/>
+                <a16:creationId xmlns:a16="http://schemas.microsoft.com/office/drawing/2014/main" id="{A88CF914-4450-4243-AFAB-6DB68F0F33C8}"/>
               </a:ext>
             </a:extLst>
           </p:cNvPr>
@@ -6424,20 +7784,38 @@
           <a:bodyPr/>
           <a:lstStyle/>
           <a:p>
-            <a:endParaRPr lang="en-US"/>
+            <a:r>
+              <a:rPr lang="en-US" dirty="0"/>
+              <a:t>Will upload pic </a:t>
+            </a:r>
+          </a:p>
+          <a:p>
+            <a:endParaRPr lang="en-US" dirty="0"/>
           </a:p>
         </p:txBody>
       </p:sp>
     </p:spTree>
     <p:extLst>
       <p:ext uri="{BB962C8B-B14F-4D97-AF65-F5344CB8AC3E}">
-        <p14:creationId xmlns:p14="http://schemas.microsoft.com/office/powerpoint/2010/main" val="4053684913"/>
+        <p14:creationId xmlns:p14="http://schemas.microsoft.com/office/powerpoint/2010/main" val="3786965788"/>
       </p:ext>
     </p:extLst>
   </p:cSld>
   <p:clrMapOvr>
     <a:masterClrMapping/>
   </p:clrMapOvr>
+  <mc:AlternateContent xmlns:mc="http://schemas.openxmlformats.org/markup-compatibility/2006">
+    <mc:Choice xmlns:p15="http://schemas.microsoft.com/office/powerpoint/2012/main" Requires="p15">
+      <p:transition xmlns:p14="http://schemas.microsoft.com/office/powerpoint/2010/main" spd="slow" p14:dur="2000">
+        <p15:prstTrans prst="crush"/>
+      </p:transition>
+    </mc:Choice>
+    <mc:Fallback>
+      <p:transition spd="slow">
+        <p:fade/>
+      </p:transition>
+    </mc:Fallback>
+  </mc:AlternateContent>
 </p:sld>
 </file>
 
@@ -6463,7 +7841,7 @@
           <p:cNvPr id="2" name="Title 1">
             <a:extLst>
               <a:ext uri="{FF2B5EF4-FFF2-40B4-BE49-F238E27FC236}">
-                <a16:creationId xmlns:a16="http://schemas.microsoft.com/office/drawing/2014/main" id="{E0649754-1368-4983-927C-2FB6D1909899}"/>
+                <a16:creationId xmlns:a16="http://schemas.microsoft.com/office/drawing/2014/main" id="{6B401CA1-3EF7-45B0-B0F8-8C0A7C4E21EC}"/>
               </a:ext>
             </a:extLst>
           </p:cNvPr>
@@ -6481,54 +7859,468 @@
           <a:p>
             <a:r>
               <a:rPr lang="en-US" dirty="0"/>
-              <a:t>Schematic for </a:t>
-            </a:r>
-            <a:r>
-              <a:rPr lang="en-US" dirty="0" err="1"/>
-              <a:t>atmega</a:t>
-            </a:r>
-            <a:r>
-              <a:rPr lang="en-US" dirty="0"/>
-              <a:t> 328p</a:t>
-            </a:r>
-          </a:p>
-        </p:txBody>
-      </p:sp>
-      <p:sp>
-        <p:nvSpPr>
-          <p:cNvPr id="3" name="Content Placeholder 2">
-            <a:extLst>
-              <a:ext uri="{FF2B5EF4-FFF2-40B4-BE49-F238E27FC236}">
-                <a16:creationId xmlns:a16="http://schemas.microsoft.com/office/drawing/2014/main" id="{E32DABB6-B9BD-46E6-8FF6-CAF4F177E0AA}"/>
-              </a:ext>
-            </a:extLst>
-          </p:cNvPr>
-          <p:cNvSpPr>
-            <a:spLocks noGrp="1"/>
-          </p:cNvSpPr>
-          <p:nvPr>
-            <p:ph idx="1"/>
-          </p:nvPr>
-        </p:nvSpPr>
-        <p:spPr/>
-        <p:txBody>
-          <a:bodyPr/>
-          <a:lstStyle/>
-          <a:p>
-            <a:endParaRPr lang="en-US"/>
-          </a:p>
-        </p:txBody>
-      </p:sp>
+              <a:t>Power regulator specs </a:t>
+            </a:r>
+          </a:p>
+        </p:txBody>
+      </p:sp>
+      <mc:AlternateContent xmlns:mc="http://schemas.openxmlformats.org/markup-compatibility/2006">
+        <mc:Choice xmlns:a14="http://schemas.microsoft.com/office/drawing/2010/main" Requires="a14">
+          <p:sp>
+            <p:nvSpPr>
+              <p:cNvPr id="3" name="Content Placeholder 2">
+                <a:extLst>
+                  <a:ext uri="{FF2B5EF4-FFF2-40B4-BE49-F238E27FC236}">
+                    <a16:creationId xmlns:a16="http://schemas.microsoft.com/office/drawing/2014/main" id="{D501583C-2784-4F91-B9FA-F2F78831E5CD}"/>
+                  </a:ext>
+                </a:extLst>
+              </p:cNvPr>
+              <p:cNvSpPr>
+                <a:spLocks noGrp="1"/>
+              </p:cNvSpPr>
+              <p:nvPr>
+                <p:ph idx="1"/>
+              </p:nvPr>
+            </p:nvSpPr>
+            <p:spPr/>
+            <p:txBody>
+              <a:bodyPr/>
+              <a:lstStyle/>
+              <a:p>
+                <a:pPr fontAlgn="t"/>
+                <a:r>
+                  <a:rPr lang="en-US" dirty="0"/>
+                  <a:t>LM7805 voltage regulator </a:t>
+                </a:r>
+              </a:p>
+              <a:p>
+                <a:pPr fontAlgn="t"/>
+                <a:r>
+                  <a:rPr lang="en-US" dirty="0"/>
+                  <a:t>2 x 0.1 </a:t>
+                </a:r>
+                <a14:m>
+                  <m:oMath xmlns:m="http://schemas.openxmlformats.org/officeDocument/2006/math">
+                    <m:r>
+                      <a:rPr lang="en-US" i="1">
+                        <a:latin typeface="Cambria Math" panose="02040503050406030204" pitchFamily="18" charset="0"/>
+                        <a:ea typeface="Cambria Math" panose="02040503050406030204" pitchFamily="18" charset="0"/>
+                      </a:rPr>
+                      <m:t>𝜇</m:t>
+                    </m:r>
+                    <m:r>
+                      <m:rPr>
+                        <m:sty m:val="p"/>
+                      </m:rPr>
+                      <a:rPr lang="en-US">
+                        <a:latin typeface="Cambria Math" panose="02040503050406030204" pitchFamily="18" charset="0"/>
+                        <a:ea typeface="Cambria Math" panose="02040503050406030204" pitchFamily="18" charset="0"/>
+                      </a:rPr>
+                      <m:t>F</m:t>
+                    </m:r>
+                    <m:r>
+                      <a:rPr lang="en-US">
+                        <a:latin typeface="Cambria Math" panose="02040503050406030204" pitchFamily="18" charset="0"/>
+                        <a:ea typeface="Cambria Math" panose="02040503050406030204" pitchFamily="18" charset="0"/>
+                      </a:rPr>
+                      <m:t> </m:t>
+                    </m:r>
+                    <m:r>
+                      <m:rPr>
+                        <m:sty m:val="p"/>
+                      </m:rPr>
+                      <a:rPr lang="en-US">
+                        <a:latin typeface="Cambria Math" panose="02040503050406030204" pitchFamily="18" charset="0"/>
+                        <a:ea typeface="Cambria Math" panose="02040503050406030204" pitchFamily="18" charset="0"/>
+                      </a:rPr>
+                      <m:t>capacitors</m:t>
+                    </m:r>
+                  </m:oMath>
+                </a14:m>
+                <a:endParaRPr lang="en-US" dirty="0">
+                  <a:ea typeface="Cambria Math" panose="02040503050406030204" pitchFamily="18" charset="0"/>
+                </a:endParaRPr>
+              </a:p>
+              <a:p>
+                <a:pPr fontAlgn="t"/>
+                <a:r>
+                  <a:rPr lang="en-US" dirty="0">
+                    <a:ea typeface="Cambria Math" panose="02040503050406030204" pitchFamily="18" charset="0"/>
+                  </a:rPr>
+                  <a:t>1000V Silicone Diode</a:t>
+                </a:r>
+              </a:p>
+              <a:p>
+                <a:endParaRPr lang="en-US" dirty="0"/>
+              </a:p>
+            </p:txBody>
+          </p:sp>
+        </mc:Choice>
+        <mc:Fallback>
+          <p:sp>
+            <p:nvSpPr>
+              <p:cNvPr id="3" name="Content Placeholder 2">
+                <a:extLst>
+                  <a:ext uri="{FF2B5EF4-FFF2-40B4-BE49-F238E27FC236}">
+                    <a16:creationId xmlns:a16="http://schemas.microsoft.com/office/drawing/2014/main" id="{D501583C-2784-4F91-B9FA-F2F78831E5CD}"/>
+                  </a:ext>
+                </a:extLst>
+              </p:cNvPr>
+              <p:cNvSpPr>
+                <a:spLocks noGrp="1" noRot="1" noChangeAspect="1" noMove="1" noResize="1" noEditPoints="1" noAdjustHandles="1" noChangeArrowheads="1" noChangeShapeType="1" noTextEdit="1"/>
+              </p:cNvSpPr>
+              <p:nvPr>
+                <p:ph idx="1"/>
+              </p:nvPr>
+            </p:nvSpPr>
+            <p:spPr>
+              <a:blipFill>
+                <a:blip r:embed="rId2"/>
+                <a:stretch>
+                  <a:fillRect l="-421"/>
+                </a:stretch>
+              </a:blipFill>
+            </p:spPr>
+            <p:txBody>
+              <a:bodyPr/>
+              <a:lstStyle/>
+              <a:p>
+                <a:r>
+                  <a:rPr lang="en-US">
+                    <a:noFill/>
+                  </a:rPr>
+                  <a:t> </a:t>
+                </a:r>
+              </a:p>
+            </p:txBody>
+          </p:sp>
+        </mc:Fallback>
+      </mc:AlternateContent>
     </p:spTree>
     <p:extLst>
       <p:ext uri="{BB962C8B-B14F-4D97-AF65-F5344CB8AC3E}">
-        <p14:creationId xmlns:p14="http://schemas.microsoft.com/office/powerpoint/2010/main" val="756373120"/>
+        <p14:creationId xmlns:p14="http://schemas.microsoft.com/office/powerpoint/2010/main" val="1239745404"/>
       </p:ext>
     </p:extLst>
   </p:cSld>
   <p:clrMapOvr>
     <a:masterClrMapping/>
   </p:clrMapOvr>
+  <mc:AlternateContent xmlns:mc="http://schemas.openxmlformats.org/markup-compatibility/2006">
+    <mc:Choice xmlns:p14="http://schemas.microsoft.com/office/powerpoint/2010/main" Requires="p14">
+      <p:transition spd="slow" p14:dur="4400">
+        <p14:honeycomb/>
+      </p:transition>
+    </mc:Choice>
+    <mc:Fallback>
+      <p:transition spd="slow">
+        <p:fade/>
+      </p:transition>
+    </mc:Fallback>
+  </mc:AlternateContent>
+  <p:timing>
+    <p:tnLst>
+      <p:par>
+        <p:cTn id="1" dur="indefinite" restart="never" nodeType="tmRoot">
+          <p:childTnLst>
+            <p:seq concurrent="1" nextAc="seek">
+              <p:cTn id="2" dur="indefinite" nodeType="mainSeq">
+                <p:childTnLst>
+                  <p:par>
+                    <p:cTn id="3" fill="hold">
+                      <p:stCondLst>
+                        <p:cond delay="indefinite"/>
+                      </p:stCondLst>
+                      <p:childTnLst>
+                        <p:par>
+                          <p:cTn id="4" fill="hold">
+                            <p:stCondLst>
+                              <p:cond delay="0"/>
+                            </p:stCondLst>
+                            <p:childTnLst>
+                              <p:par>
+                                <p:cTn id="5" presetID="2" presetClass="entr" presetSubtype="4" fill="hold" nodeType="clickEffect">
+                                  <p:stCondLst>
+                                    <p:cond delay="0"/>
+                                  </p:stCondLst>
+                                  <p:childTnLst>
+                                    <p:set>
+                                      <p:cBhvr>
+                                        <p:cTn id="6" dur="1" fill="hold">
+                                          <p:stCondLst>
+                                            <p:cond delay="0"/>
+                                          </p:stCondLst>
+                                        </p:cTn>
+                                        <p:tgtEl>
+                                          <p:spTgt spid="3">
+                                            <p:txEl>
+                                              <p:pRg st="0" end="0"/>
+                                            </p:txEl>
+                                          </p:spTgt>
+                                        </p:tgtEl>
+                                        <p:attrNameLst>
+                                          <p:attrName>style.visibility</p:attrName>
+                                        </p:attrNameLst>
+                                      </p:cBhvr>
+                                      <p:to>
+                                        <p:strVal val="visible"/>
+                                      </p:to>
+                                    </p:set>
+                                    <p:anim calcmode="lin" valueType="num">
+                                      <p:cBhvr additive="base">
+                                        <p:cTn id="7" dur="500" fill="hold"/>
+                                        <p:tgtEl>
+                                          <p:spTgt spid="3">
+                                            <p:txEl>
+                                              <p:pRg st="0" end="0"/>
+                                            </p:txEl>
+                                          </p:spTgt>
+                                        </p:tgtEl>
+                                        <p:attrNameLst>
+                                          <p:attrName>ppt_x</p:attrName>
+                                        </p:attrNameLst>
+                                      </p:cBhvr>
+                                      <p:tavLst>
+                                        <p:tav tm="0">
+                                          <p:val>
+                                            <p:strVal val="#ppt_x"/>
+                                          </p:val>
+                                        </p:tav>
+                                        <p:tav tm="100000">
+                                          <p:val>
+                                            <p:strVal val="#ppt_x"/>
+                                          </p:val>
+                                        </p:tav>
+                                      </p:tavLst>
+                                    </p:anim>
+                                    <p:anim calcmode="lin" valueType="num">
+                                      <p:cBhvr additive="base">
+                                        <p:cTn id="8" dur="500" fill="hold"/>
+                                        <p:tgtEl>
+                                          <p:spTgt spid="3">
+                                            <p:txEl>
+                                              <p:pRg st="0" end="0"/>
+                                            </p:txEl>
+                                          </p:spTgt>
+                                        </p:tgtEl>
+                                        <p:attrNameLst>
+                                          <p:attrName>ppt_y</p:attrName>
+                                        </p:attrNameLst>
+                                      </p:cBhvr>
+                                      <p:tavLst>
+                                        <p:tav tm="0">
+                                          <p:val>
+                                            <p:strVal val="1+#ppt_h/2"/>
+                                          </p:val>
+                                        </p:tav>
+                                        <p:tav tm="100000">
+                                          <p:val>
+                                            <p:strVal val="#ppt_y"/>
+                                          </p:val>
+                                        </p:tav>
+                                      </p:tavLst>
+                                    </p:anim>
+                                  </p:childTnLst>
+                                </p:cTn>
+                              </p:par>
+                              <p:par>
+                                <p:cTn id="9" presetID="2" presetClass="entr" presetSubtype="4" fill="hold" nodeType="withEffect">
+                                  <p:stCondLst>
+                                    <p:cond delay="0"/>
+                                  </p:stCondLst>
+                                  <p:childTnLst>
+                                    <p:set>
+                                      <p:cBhvr>
+                                        <p:cTn id="10" dur="1" fill="hold">
+                                          <p:stCondLst>
+                                            <p:cond delay="0"/>
+                                          </p:stCondLst>
+                                        </p:cTn>
+                                        <p:tgtEl>
+                                          <p:spTgt spid="3">
+                                            <p:txEl>
+                                              <p:pRg st="1" end="1"/>
+                                            </p:txEl>
+                                          </p:spTgt>
+                                        </p:tgtEl>
+                                        <p:attrNameLst>
+                                          <p:attrName>style.visibility</p:attrName>
+                                        </p:attrNameLst>
+                                      </p:cBhvr>
+                                      <p:to>
+                                        <p:strVal val="visible"/>
+                                      </p:to>
+                                    </p:set>
+                                    <p:anim calcmode="lin" valueType="num">
+                                      <p:cBhvr additive="base">
+                                        <p:cTn id="11" dur="500" fill="hold"/>
+                                        <p:tgtEl>
+                                          <p:spTgt spid="3">
+                                            <p:txEl>
+                                              <p:pRg st="1" end="1"/>
+                                            </p:txEl>
+                                          </p:spTgt>
+                                        </p:tgtEl>
+                                        <p:attrNameLst>
+                                          <p:attrName>ppt_x</p:attrName>
+                                        </p:attrNameLst>
+                                      </p:cBhvr>
+                                      <p:tavLst>
+                                        <p:tav tm="0">
+                                          <p:val>
+                                            <p:strVal val="#ppt_x"/>
+                                          </p:val>
+                                        </p:tav>
+                                        <p:tav tm="100000">
+                                          <p:val>
+                                            <p:strVal val="#ppt_x"/>
+                                          </p:val>
+                                        </p:tav>
+                                      </p:tavLst>
+                                    </p:anim>
+                                    <p:anim calcmode="lin" valueType="num">
+                                      <p:cBhvr additive="base">
+                                        <p:cTn id="12" dur="500" fill="hold"/>
+                                        <p:tgtEl>
+                                          <p:spTgt spid="3">
+                                            <p:txEl>
+                                              <p:pRg st="1" end="1"/>
+                                            </p:txEl>
+                                          </p:spTgt>
+                                        </p:tgtEl>
+                                        <p:attrNameLst>
+                                          <p:attrName>ppt_y</p:attrName>
+                                        </p:attrNameLst>
+                                      </p:cBhvr>
+                                      <p:tavLst>
+                                        <p:tav tm="0">
+                                          <p:val>
+                                            <p:strVal val="1+#ppt_h/2"/>
+                                          </p:val>
+                                        </p:tav>
+                                        <p:tav tm="100000">
+                                          <p:val>
+                                            <p:strVal val="#ppt_y"/>
+                                          </p:val>
+                                        </p:tav>
+                                      </p:tavLst>
+                                    </p:anim>
+                                  </p:childTnLst>
+                                </p:cTn>
+                              </p:par>
+                              <p:par>
+                                <p:cTn id="13" presetID="2" presetClass="entr" presetSubtype="4" fill="hold" nodeType="withEffect">
+                                  <p:stCondLst>
+                                    <p:cond delay="0"/>
+                                  </p:stCondLst>
+                                  <p:childTnLst>
+                                    <p:set>
+                                      <p:cBhvr>
+                                        <p:cTn id="14" dur="1" fill="hold">
+                                          <p:stCondLst>
+                                            <p:cond delay="0"/>
+                                          </p:stCondLst>
+                                        </p:cTn>
+                                        <p:tgtEl>
+                                          <p:spTgt spid="3">
+                                            <p:txEl>
+                                              <p:pRg st="2" end="2"/>
+                                            </p:txEl>
+                                          </p:spTgt>
+                                        </p:tgtEl>
+                                        <p:attrNameLst>
+                                          <p:attrName>style.visibility</p:attrName>
+                                        </p:attrNameLst>
+                                      </p:cBhvr>
+                                      <p:to>
+                                        <p:strVal val="visible"/>
+                                      </p:to>
+                                    </p:set>
+                                    <p:anim calcmode="lin" valueType="num">
+                                      <p:cBhvr additive="base">
+                                        <p:cTn id="15" dur="500" fill="hold"/>
+                                        <p:tgtEl>
+                                          <p:spTgt spid="3">
+                                            <p:txEl>
+                                              <p:pRg st="2" end="2"/>
+                                            </p:txEl>
+                                          </p:spTgt>
+                                        </p:tgtEl>
+                                        <p:attrNameLst>
+                                          <p:attrName>ppt_x</p:attrName>
+                                        </p:attrNameLst>
+                                      </p:cBhvr>
+                                      <p:tavLst>
+                                        <p:tav tm="0">
+                                          <p:val>
+                                            <p:strVal val="#ppt_x"/>
+                                          </p:val>
+                                        </p:tav>
+                                        <p:tav tm="100000">
+                                          <p:val>
+                                            <p:strVal val="#ppt_x"/>
+                                          </p:val>
+                                        </p:tav>
+                                      </p:tavLst>
+                                    </p:anim>
+                                    <p:anim calcmode="lin" valueType="num">
+                                      <p:cBhvr additive="base">
+                                        <p:cTn id="16" dur="500" fill="hold"/>
+                                        <p:tgtEl>
+                                          <p:spTgt spid="3">
+                                            <p:txEl>
+                                              <p:pRg st="2" end="2"/>
+                                            </p:txEl>
+                                          </p:spTgt>
+                                        </p:tgtEl>
+                                        <p:attrNameLst>
+                                          <p:attrName>ppt_y</p:attrName>
+                                        </p:attrNameLst>
+                                      </p:cBhvr>
+                                      <p:tavLst>
+                                        <p:tav tm="0">
+                                          <p:val>
+                                            <p:strVal val="1+#ppt_h/2"/>
+                                          </p:val>
+                                        </p:tav>
+                                        <p:tav tm="100000">
+                                          <p:val>
+                                            <p:strVal val="#ppt_y"/>
+                                          </p:val>
+                                        </p:tav>
+                                      </p:tavLst>
+                                    </p:anim>
+                                  </p:childTnLst>
+                                </p:cTn>
+                              </p:par>
+                            </p:childTnLst>
+                          </p:cTn>
+                        </p:par>
+                      </p:childTnLst>
+                    </p:cTn>
+                  </p:par>
+                </p:childTnLst>
+              </p:cTn>
+              <p:prevCondLst>
+                <p:cond evt="onPrev" delay="0">
+                  <p:tgtEl>
+                    <p:sldTgt/>
+                  </p:tgtEl>
+                </p:cond>
+              </p:prevCondLst>
+              <p:nextCondLst>
+                <p:cond evt="onNext" delay="0">
+                  <p:tgtEl>
+                    <p:sldTgt/>
+                  </p:tgtEl>
+                </p:cond>
+              </p:nextCondLst>
+            </p:seq>
+          </p:childTnLst>
+        </p:cTn>
+      </p:par>
+    </p:tnLst>
+  </p:timing>
 </p:sld>
 </file>
 
@@ -6554,7 +8346,7 @@
           <p:cNvPr id="2" name="Title 1">
             <a:extLst>
               <a:ext uri="{FF2B5EF4-FFF2-40B4-BE49-F238E27FC236}">
-                <a16:creationId xmlns:a16="http://schemas.microsoft.com/office/drawing/2014/main" id="{F4091B77-3050-4CD5-9CB0-091C190E7B1B}"/>
+                <a16:creationId xmlns:a16="http://schemas.microsoft.com/office/drawing/2014/main" id="{20BB7399-4610-4FF5-9C5E-64FFCD0EE6F2}"/>
               </a:ext>
             </a:extLst>
           </p:cNvPr>
@@ -6572,7 +8364,7 @@
           <a:p>
             <a:r>
               <a:rPr lang="en-US" dirty="0"/>
-              <a:t>Frequency determination </a:t>
+              <a:t>Schematic for microphone</a:t>
             </a:r>
           </a:p>
         </p:txBody>
@@ -6582,7 +8374,7 @@
           <p:cNvPr id="3" name="Content Placeholder 2">
             <a:extLst>
               <a:ext uri="{FF2B5EF4-FFF2-40B4-BE49-F238E27FC236}">
-                <a16:creationId xmlns:a16="http://schemas.microsoft.com/office/drawing/2014/main" id="{D2D76396-8595-4CA1-88CD-AE56111DE7BA}"/>
+                <a16:creationId xmlns:a16="http://schemas.microsoft.com/office/drawing/2014/main" id="{AE75684C-7974-4C18-BEFA-D28D71FC23ED}"/>
               </a:ext>
             </a:extLst>
           </p:cNvPr>
@@ -6598,20 +8390,35 @@
           <a:bodyPr/>
           <a:lstStyle/>
           <a:p>
-            <a:endParaRPr lang="en-US"/>
+            <a:endParaRPr lang="en-US" dirty="0"/>
+          </a:p>
+          <a:p>
+            <a:endParaRPr lang="en-US" dirty="0"/>
           </a:p>
         </p:txBody>
       </p:sp>
     </p:spTree>
     <p:extLst>
       <p:ext uri="{BB962C8B-B14F-4D97-AF65-F5344CB8AC3E}">
-        <p14:creationId xmlns:p14="http://schemas.microsoft.com/office/powerpoint/2010/main" val="1152952955"/>
+        <p14:creationId xmlns:p14="http://schemas.microsoft.com/office/powerpoint/2010/main" val="4053684913"/>
       </p:ext>
     </p:extLst>
   </p:cSld>
   <p:clrMapOvr>
     <a:masterClrMapping/>
   </p:clrMapOvr>
+  <mc:AlternateContent xmlns:mc="http://schemas.openxmlformats.org/markup-compatibility/2006">
+    <mc:Choice xmlns:p15="http://schemas.microsoft.com/office/powerpoint/2012/main" Requires="p15">
+      <p:transition xmlns:p14="http://schemas.microsoft.com/office/powerpoint/2010/main" spd="slow" p14:dur="2000">
+        <p15:prstTrans prst="fracture"/>
+      </p:transition>
+    </mc:Choice>
+    <mc:Fallback>
+      <p:transition spd="slow">
+        <p:fade/>
+      </p:transition>
+    </mc:Fallback>
+  </mc:AlternateContent>
 </p:sld>
 </file>
 
@@ -6637,7 +8444,7 @@
           <p:cNvPr id="2" name="Title 1">
             <a:extLst>
               <a:ext uri="{FF2B5EF4-FFF2-40B4-BE49-F238E27FC236}">
-                <a16:creationId xmlns:a16="http://schemas.microsoft.com/office/drawing/2014/main" id="{A58B5A4A-4E11-4780-A6C3-2D57CB2B7FE1}"/>
+                <a16:creationId xmlns:a16="http://schemas.microsoft.com/office/drawing/2014/main" id="{30204706-C8DF-4444-A907-EEC8539167A1}"/>
               </a:ext>
             </a:extLst>
           </p:cNvPr>
@@ -6655,7 +8462,7 @@
           <a:p>
             <a:r>
               <a:rPr lang="en-US" dirty="0"/>
-              <a:t>Software </a:t>
+              <a:t>Microphone module specs </a:t>
             </a:r>
           </a:p>
         </p:txBody>
@@ -6665,7 +8472,7 @@
           <p:cNvPr id="3" name="Content Placeholder 2">
             <a:extLst>
               <a:ext uri="{FF2B5EF4-FFF2-40B4-BE49-F238E27FC236}">
-                <a16:creationId xmlns:a16="http://schemas.microsoft.com/office/drawing/2014/main" id="{28CDF226-AD79-4F2D-84C3-9B99D6B81B10}"/>
+                <a16:creationId xmlns:a16="http://schemas.microsoft.com/office/drawing/2014/main" id="{334214DC-4211-451D-8DBF-B0E44F838B60}"/>
               </a:ext>
             </a:extLst>
           </p:cNvPr>
@@ -6681,20 +8488,283 @@
           <a:bodyPr/>
           <a:lstStyle/>
           <a:p>
-            <a:endParaRPr lang="en-US"/>
+            <a:r>
+              <a:rPr lang="en-US" dirty="0"/>
+              <a:t>Omnidirectional electret condenser microphone with operation frequency of 20-20,000 hertz  </a:t>
+            </a:r>
+          </a:p>
+          <a:p>
+            <a:r>
+              <a:rPr lang="en-US" dirty="0"/>
+              <a:t>Includes a MAX 4465 op amp to amplify signal to the range 0-5 volts, centered at 2.5 for the Arduino </a:t>
+            </a:r>
+          </a:p>
+          <a:p>
+            <a:endParaRPr lang="en-US" dirty="0"/>
+          </a:p>
+          <a:p>
+            <a:endParaRPr lang="en-US" dirty="0"/>
           </a:p>
         </p:txBody>
       </p:sp>
     </p:spTree>
     <p:extLst>
       <p:ext uri="{BB962C8B-B14F-4D97-AF65-F5344CB8AC3E}">
-        <p14:creationId xmlns:p14="http://schemas.microsoft.com/office/powerpoint/2010/main" val="122623077"/>
+        <p14:creationId xmlns:p14="http://schemas.microsoft.com/office/powerpoint/2010/main" val="1251801385"/>
       </p:ext>
     </p:extLst>
   </p:cSld>
   <p:clrMapOvr>
     <a:masterClrMapping/>
   </p:clrMapOvr>
+  <mc:AlternateContent xmlns:mc="http://schemas.openxmlformats.org/markup-compatibility/2006">
+    <mc:Choice xmlns:p159="http://schemas.microsoft.com/office/powerpoint/2015/09/main" Requires="p159">
+      <p:transition xmlns:p14="http://schemas.microsoft.com/office/powerpoint/2010/main" spd="slow" p14:dur="2000">
+        <p159:morph option="byObject"/>
+      </p:transition>
+    </mc:Choice>
+    <mc:Fallback>
+      <p:transition spd="slow">
+        <p:fade/>
+      </p:transition>
+    </mc:Fallback>
+  </mc:AlternateContent>
+  <p:timing>
+    <p:tnLst>
+      <p:par>
+        <p:cTn id="1" dur="indefinite" restart="never" nodeType="tmRoot">
+          <p:childTnLst>
+            <p:seq concurrent="1" nextAc="seek">
+              <p:cTn id="2" dur="indefinite" nodeType="mainSeq">
+                <p:childTnLst>
+                  <p:par>
+                    <p:cTn id="3" fill="hold">
+                      <p:stCondLst>
+                        <p:cond delay="indefinite"/>
+                      </p:stCondLst>
+                      <p:childTnLst>
+                        <p:par>
+                          <p:cTn id="4" fill="hold">
+                            <p:stCondLst>
+                              <p:cond delay="0"/>
+                            </p:stCondLst>
+                            <p:childTnLst>
+                              <p:par>
+                                <p:cTn id="5" presetID="2" presetClass="entr" presetSubtype="4" fill="hold" nodeType="clickEffect">
+                                  <p:stCondLst>
+                                    <p:cond delay="0"/>
+                                  </p:stCondLst>
+                                  <p:childTnLst>
+                                    <p:set>
+                                      <p:cBhvr>
+                                        <p:cTn id="6" dur="1" fill="hold">
+                                          <p:stCondLst>
+                                            <p:cond delay="0"/>
+                                          </p:stCondLst>
+                                        </p:cTn>
+                                        <p:tgtEl>
+                                          <p:spTgt spid="3">
+                                            <p:txEl>
+                                              <p:pRg st="0" end="0"/>
+                                            </p:txEl>
+                                          </p:spTgt>
+                                        </p:tgtEl>
+                                        <p:attrNameLst>
+                                          <p:attrName>style.visibility</p:attrName>
+                                        </p:attrNameLst>
+                                      </p:cBhvr>
+                                      <p:to>
+                                        <p:strVal val="visible"/>
+                                      </p:to>
+                                    </p:set>
+                                    <p:anim calcmode="lin" valueType="num">
+                                      <p:cBhvr additive="base">
+                                        <p:cTn id="7" dur="500" fill="hold"/>
+                                        <p:tgtEl>
+                                          <p:spTgt spid="3">
+                                            <p:txEl>
+                                              <p:pRg st="0" end="0"/>
+                                            </p:txEl>
+                                          </p:spTgt>
+                                        </p:tgtEl>
+                                        <p:attrNameLst>
+                                          <p:attrName>ppt_x</p:attrName>
+                                        </p:attrNameLst>
+                                      </p:cBhvr>
+                                      <p:tavLst>
+                                        <p:tav tm="0">
+                                          <p:val>
+                                            <p:strVal val="#ppt_x"/>
+                                          </p:val>
+                                        </p:tav>
+                                        <p:tav tm="100000">
+                                          <p:val>
+                                            <p:strVal val="#ppt_x"/>
+                                          </p:val>
+                                        </p:tav>
+                                      </p:tavLst>
+                                    </p:anim>
+                                    <p:anim calcmode="lin" valueType="num">
+                                      <p:cBhvr additive="base">
+                                        <p:cTn id="8" dur="500" fill="hold"/>
+                                        <p:tgtEl>
+                                          <p:spTgt spid="3">
+                                            <p:txEl>
+                                              <p:pRg st="0" end="0"/>
+                                            </p:txEl>
+                                          </p:spTgt>
+                                        </p:tgtEl>
+                                        <p:attrNameLst>
+                                          <p:attrName>ppt_y</p:attrName>
+                                        </p:attrNameLst>
+                                      </p:cBhvr>
+                                      <p:tavLst>
+                                        <p:tav tm="0">
+                                          <p:val>
+                                            <p:strVal val="1+#ppt_h/2"/>
+                                          </p:val>
+                                        </p:tav>
+                                        <p:tav tm="100000">
+                                          <p:val>
+                                            <p:strVal val="#ppt_y"/>
+                                          </p:val>
+                                        </p:tav>
+                                      </p:tavLst>
+                                    </p:anim>
+                                  </p:childTnLst>
+                                </p:cTn>
+                              </p:par>
+                            </p:childTnLst>
+                          </p:cTn>
+                        </p:par>
+                      </p:childTnLst>
+                    </p:cTn>
+                  </p:par>
+                  <p:par>
+                    <p:cTn id="9" fill="hold">
+                      <p:stCondLst>
+                        <p:cond delay="indefinite"/>
+                      </p:stCondLst>
+                      <p:childTnLst>
+                        <p:par>
+                          <p:cTn id="10" fill="hold">
+                            <p:stCondLst>
+                              <p:cond delay="0"/>
+                            </p:stCondLst>
+                            <p:childTnLst>
+                              <p:par>
+                                <p:cTn id="11" presetID="2" presetClass="entr" presetSubtype="4" fill="hold" nodeType="clickEffect">
+                                  <p:stCondLst>
+                                    <p:cond delay="0"/>
+                                  </p:stCondLst>
+                                  <p:childTnLst>
+                                    <p:set>
+                                      <p:cBhvr>
+                                        <p:cTn id="12" dur="1" fill="hold">
+                                          <p:stCondLst>
+                                            <p:cond delay="0"/>
+                                          </p:stCondLst>
+                                        </p:cTn>
+                                        <p:tgtEl>
+                                          <p:spTgt spid="3">
+                                            <p:txEl>
+                                              <p:pRg st="1" end="1"/>
+                                            </p:txEl>
+                                          </p:spTgt>
+                                        </p:tgtEl>
+                                        <p:attrNameLst>
+                                          <p:attrName>style.visibility</p:attrName>
+                                        </p:attrNameLst>
+                                      </p:cBhvr>
+                                      <p:to>
+                                        <p:strVal val="visible"/>
+                                      </p:to>
+                                    </p:set>
+                                    <p:anim calcmode="lin" valueType="num">
+                                      <p:cBhvr additive="base">
+                                        <p:cTn id="13" dur="500" fill="hold"/>
+                                        <p:tgtEl>
+                                          <p:spTgt spid="3">
+                                            <p:txEl>
+                                              <p:pRg st="1" end="1"/>
+                                            </p:txEl>
+                                          </p:spTgt>
+                                        </p:tgtEl>
+                                        <p:attrNameLst>
+                                          <p:attrName>ppt_x</p:attrName>
+                                        </p:attrNameLst>
+                                      </p:cBhvr>
+                                      <p:tavLst>
+                                        <p:tav tm="0">
+                                          <p:val>
+                                            <p:strVal val="#ppt_x"/>
+                                          </p:val>
+                                        </p:tav>
+                                        <p:tav tm="100000">
+                                          <p:val>
+                                            <p:strVal val="#ppt_x"/>
+                                          </p:val>
+                                        </p:tav>
+                                      </p:tavLst>
+                                    </p:anim>
+                                    <p:anim calcmode="lin" valueType="num">
+                                      <p:cBhvr additive="base">
+                                        <p:cTn id="14" dur="500" fill="hold"/>
+                                        <p:tgtEl>
+                                          <p:spTgt spid="3">
+                                            <p:txEl>
+                                              <p:pRg st="1" end="1"/>
+                                            </p:txEl>
+                                          </p:spTgt>
+                                        </p:tgtEl>
+                                        <p:attrNameLst>
+                                          <p:attrName>ppt_y</p:attrName>
+                                        </p:attrNameLst>
+                                      </p:cBhvr>
+                                      <p:tavLst>
+                                        <p:tav tm="0">
+                                          <p:val>
+                                            <p:strVal val="1+#ppt_h/2"/>
+                                          </p:val>
+                                        </p:tav>
+                                        <p:tav tm="100000">
+                                          <p:val>
+                                            <p:strVal val="#ppt_y"/>
+                                          </p:val>
+                                        </p:tav>
+                                      </p:tavLst>
+                                    </p:anim>
+                                  </p:childTnLst>
+                                </p:cTn>
+                              </p:par>
+                            </p:childTnLst>
+                          </p:cTn>
+                        </p:par>
+                      </p:childTnLst>
+                    </p:cTn>
+                  </p:par>
+                </p:childTnLst>
+              </p:cTn>
+              <p:prevCondLst>
+                <p:cond evt="onPrev" delay="0">
+                  <p:tgtEl>
+                    <p:sldTgt/>
+                  </p:tgtEl>
+                </p:cond>
+              </p:prevCondLst>
+              <p:nextCondLst>
+                <p:cond evt="onNext" delay="0">
+                  <p:tgtEl>
+                    <p:sldTgt/>
+                  </p:tgtEl>
+                </p:cond>
+              </p:nextCondLst>
+            </p:seq>
+          </p:childTnLst>
+        </p:cTn>
+      </p:par>
+    </p:tnLst>
+  </p:timing>
 </p:sld>
 </file>
 

--- a/embedded C project .pptx
+++ b/embedded C project .pptx
@@ -118,6 +118,11 @@
       </a:defRPr>
     </a:lvl9pPr>
   </p:defaultTextStyle>
+  <p:extLst>
+    <p:ext uri="{EFAFB233-063F-42B5-8137-9DF3F51BA10A}">
+      <p15:sldGuideLst xmlns:p15="http://schemas.microsoft.com/office/powerpoint/2012/main"/>
+    </p:ext>
+  </p:extLst>
 </p:presentation>
 </file>
 
@@ -351,7 +356,7 @@
             <a:fld id="{B61BEF0D-F0BB-DE4B-95CE-6DB70DBA9567}" type="datetimeFigureOut">
               <a:rPr lang="en-US" dirty="0"/>
               <a:pPr/>
-              <a:t>5/25/2018</a:t>
+              <a:t>27-May-18</a:t>
             </a:fld>
             <a:endParaRPr lang="en-US" dirty="0"/>
           </a:p>
@@ -682,7 +687,7 @@
             <a:fld id="{B61BEF0D-F0BB-DE4B-95CE-6DB70DBA9567}" type="datetimeFigureOut">
               <a:rPr lang="en-US" dirty="0"/>
               <a:pPr/>
-              <a:t>5/25/2018</a:t>
+              <a:t>27-May-18</a:t>
             </a:fld>
             <a:endParaRPr lang="en-US" dirty="0"/>
           </a:p>
@@ -957,7 +962,7 @@
             <a:fld id="{B61BEF0D-F0BB-DE4B-95CE-6DB70DBA9567}" type="datetimeFigureOut">
               <a:rPr lang="en-US" dirty="0"/>
               <a:pPr/>
-              <a:t>5/25/2018</a:t>
+              <a:t>27-May-18</a:t>
             </a:fld>
             <a:endParaRPr lang="en-US" dirty="0"/>
           </a:p>
@@ -1522,7 +1527,7 @@
             <a:fld id="{B61BEF0D-F0BB-DE4B-95CE-6DB70DBA9567}" type="datetimeFigureOut">
               <a:rPr lang="en-US" dirty="0"/>
               <a:pPr/>
-              <a:t>5/25/2018</a:t>
+              <a:t>27-May-18</a:t>
             </a:fld>
             <a:endParaRPr lang="en-US" dirty="0"/>
           </a:p>
@@ -1797,7 +1802,7 @@
             <a:fld id="{B61BEF0D-F0BB-DE4B-95CE-6DB70DBA9567}" type="datetimeFigureOut">
               <a:rPr lang="en-US" dirty="0"/>
               <a:pPr/>
-              <a:t>5/25/2018</a:t>
+              <a:t>27-May-18</a:t>
             </a:fld>
             <a:endParaRPr lang="en-US" dirty="0"/>
           </a:p>
@@ -2356,7 +2361,7 @@
             <a:fld id="{B61BEF0D-F0BB-DE4B-95CE-6DB70DBA9567}" type="datetimeFigureOut">
               <a:rPr lang="en-US" dirty="0"/>
               <a:pPr/>
-              <a:t>5/25/2018</a:t>
+              <a:t>27-May-18</a:t>
             </a:fld>
             <a:endParaRPr lang="en-US" dirty="0"/>
           </a:p>
@@ -2680,7 +2685,7 @@
             <a:fld id="{B61BEF0D-F0BB-DE4B-95CE-6DB70DBA9567}" type="datetimeFigureOut">
               <a:rPr lang="en-US" dirty="0"/>
               <a:pPr/>
-              <a:t>5/25/2018</a:t>
+              <a:t>27-May-18</a:t>
             </a:fld>
             <a:endParaRPr lang="en-US" dirty="0"/>
           </a:p>
@@ -2854,7 +2859,7 @@
             <a:fld id="{B61BEF0D-F0BB-DE4B-95CE-6DB70DBA9567}" type="datetimeFigureOut">
               <a:rPr lang="en-US" dirty="0"/>
               <a:pPr/>
-              <a:t>5/25/2018</a:t>
+              <a:t>27-May-18</a:t>
             </a:fld>
             <a:endParaRPr lang="en-US" dirty="0"/>
           </a:p>
@@ -3089,7 +3094,7 @@
             <a:fld id="{B61BEF0D-F0BB-DE4B-95CE-6DB70DBA9567}" type="datetimeFigureOut">
               <a:rPr lang="en-US" dirty="0"/>
               <a:pPr/>
-              <a:t>5/25/2018</a:t>
+              <a:t>27-May-18</a:t>
             </a:fld>
             <a:endParaRPr lang="en-US" dirty="0"/>
           </a:p>
@@ -3286,7 +3291,7 @@
             <a:fld id="{B61BEF0D-F0BB-DE4B-95CE-6DB70DBA9567}" type="datetimeFigureOut">
               <a:rPr lang="en-US" dirty="0"/>
               <a:pPr/>
-              <a:t>5/25/2018</a:t>
+              <a:t>27-May-18</a:t>
             </a:fld>
             <a:endParaRPr lang="en-US" dirty="0"/>
           </a:p>
@@ -3559,7 +3564,7 @@
             <a:fld id="{B61BEF0D-F0BB-DE4B-95CE-6DB70DBA9567}" type="datetimeFigureOut">
               <a:rPr lang="en-US" dirty="0"/>
               <a:pPr/>
-              <a:t>5/25/2018</a:t>
+              <a:t>27-May-18</a:t>
             </a:fld>
             <a:endParaRPr lang="en-US" dirty="0"/>
           </a:p>
@@ -3822,7 +3827,7 @@
             <a:fld id="{B61BEF0D-F0BB-DE4B-95CE-6DB70DBA9567}" type="datetimeFigureOut">
               <a:rPr lang="en-US" dirty="0"/>
               <a:pPr/>
-              <a:t>5/25/2018</a:t>
+              <a:t>27-May-18</a:t>
             </a:fld>
             <a:endParaRPr lang="en-US" dirty="0"/>
           </a:p>
@@ -4193,7 +4198,7 @@
             <a:fld id="{B61BEF0D-F0BB-DE4B-95CE-6DB70DBA9567}" type="datetimeFigureOut">
               <a:rPr lang="en-US" dirty="0"/>
               <a:pPr/>
-              <a:t>5/25/2018</a:t>
+              <a:t>27-May-18</a:t>
             </a:fld>
             <a:endParaRPr lang="en-US" dirty="0"/>
           </a:p>
@@ -4338,7 +4343,7 @@
             <a:fld id="{B61BEF0D-F0BB-DE4B-95CE-6DB70DBA9567}" type="datetimeFigureOut">
               <a:rPr lang="en-US" dirty="0"/>
               <a:pPr/>
-              <a:t>5/25/2018</a:t>
+              <a:t>27-May-18</a:t>
             </a:fld>
             <a:endParaRPr lang="en-US" dirty="0"/>
           </a:p>
@@ -4460,7 +4465,7 @@
             <a:fld id="{B61BEF0D-F0BB-DE4B-95CE-6DB70DBA9567}" type="datetimeFigureOut">
               <a:rPr lang="en-US" dirty="0"/>
               <a:pPr/>
-              <a:t>5/25/2018</a:t>
+              <a:t>27-May-18</a:t>
             </a:fld>
             <a:endParaRPr lang="en-US" dirty="0"/>
           </a:p>
@@ -4742,7 +4747,7 @@
             <a:fld id="{B61BEF0D-F0BB-DE4B-95CE-6DB70DBA9567}" type="datetimeFigureOut">
               <a:rPr lang="en-US" dirty="0"/>
               <a:pPr/>
-              <a:t>5/25/2018</a:t>
+              <a:t>27-May-18</a:t>
             </a:fld>
             <a:endParaRPr lang="en-US" dirty="0"/>
           </a:p>
@@ -5063,7 +5068,7 @@
             <a:fld id="{B61BEF0D-F0BB-DE4B-95CE-6DB70DBA9567}" type="datetimeFigureOut">
               <a:rPr lang="en-US" dirty="0"/>
               <a:pPr/>
-              <a:t>5/25/2018</a:t>
+              <a:t>27-May-18</a:t>
             </a:fld>
             <a:endParaRPr lang="en-US" dirty="0"/>
           </a:p>
@@ -5274,7 +5279,7 @@
             <a:fld id="{B61BEF0D-F0BB-DE4B-95CE-6DB70DBA9567}" type="datetimeFigureOut">
               <a:rPr lang="en-US" dirty="0"/>
               <a:pPr/>
-              <a:t>5/25/2018</a:t>
+              <a:t>27-May-18</a:t>
             </a:fld>
             <a:endParaRPr lang="en-US" dirty="0"/>
           </a:p>
@@ -5953,13 +5958,13 @@
   <p:clrMapOvr>
     <a:masterClrMapping/>
   </p:clrMapOvr>
-  <mc:AlternateContent xmlns:mc="http://schemas.openxmlformats.org/markup-compatibility/2006">
-    <mc:Choice xmlns:p15="http://schemas.microsoft.com/office/powerpoint/2012/main" Requires="p15">
+  <mc:AlternateContent xmlns:mc="http://schemas.openxmlformats.org/markup-compatibility/2006" xmlns:p15="http://schemas.microsoft.com/office/powerpoint/2012/main">
+    <mc:Choice Requires="p15">
       <p:transition xmlns:p14="http://schemas.microsoft.com/office/powerpoint/2010/main" spd="slow" p14:dur="3250">
         <p15:prstTrans prst="origami"/>
       </p:transition>
     </mc:Choice>
-    <mc:Fallback>
+    <mc:Fallback xmlns="">
       <p:transition spd="slow">
         <p:fade/>
       </p:transition>
@@ -6051,13 +6056,13 @@
   <p:clrMapOvr>
     <a:masterClrMapping/>
   </p:clrMapOvr>
-  <mc:AlternateContent xmlns:mc="http://schemas.openxmlformats.org/markup-compatibility/2006">
-    <mc:Choice xmlns:p14="http://schemas.microsoft.com/office/powerpoint/2010/main" Requires="p14">
+  <mc:AlternateContent xmlns:mc="http://schemas.openxmlformats.org/markup-compatibility/2006" xmlns:p14="http://schemas.microsoft.com/office/powerpoint/2010/main">
+    <mc:Choice Requires="p14">
       <p:transition spd="slow" p14:dur="2500">
         <p:checker/>
       </p:transition>
     </mc:Choice>
-    <mc:Fallback>
+    <mc:Fallback xmlns="">
       <p:transition spd="slow">
         <p:checker/>
       </p:transition>
@@ -6179,13 +6184,13 @@
   <p:clrMapOvr>
     <a:masterClrMapping/>
   </p:clrMapOvr>
-  <mc:AlternateContent xmlns:mc="http://schemas.openxmlformats.org/markup-compatibility/2006">
-    <mc:Choice xmlns:p14="http://schemas.microsoft.com/office/powerpoint/2010/main" Requires="p14">
+  <mc:AlternateContent xmlns:mc="http://schemas.openxmlformats.org/markup-compatibility/2006" xmlns:p14="http://schemas.microsoft.com/office/powerpoint/2010/main">
+    <mc:Choice Requires="p14">
       <p:transition spd="slow" p14:dur="800">
         <p14:flythrough/>
       </p:transition>
     </mc:Choice>
-    <mc:Fallback>
+    <mc:Fallback xmlns="">
       <p:transition spd="slow">
         <p:fade/>
       </p:transition>
@@ -6841,13 +6846,13 @@
   <p:clrMapOvr>
     <a:masterClrMapping/>
   </p:clrMapOvr>
-  <mc:AlternateContent xmlns:mc="http://schemas.openxmlformats.org/markup-compatibility/2006">
-    <mc:Choice xmlns:p14="http://schemas.microsoft.com/office/powerpoint/2010/main" Requires="p14">
+  <mc:AlternateContent xmlns:mc="http://schemas.openxmlformats.org/markup-compatibility/2006" xmlns:p14="http://schemas.microsoft.com/office/powerpoint/2010/main">
+    <mc:Choice Requires="p14">
       <p:transition spd="slow" p14:dur="1600">
         <p14:prism isContent="1" isInverted="1"/>
       </p:transition>
     </mc:Choice>
-    <mc:Fallback>
+    <mc:Fallback xmlns="">
       <p:transition spd="slow">
         <p:fade/>
       </p:transition>
@@ -7246,13 +7251,13 @@
   <p:clrMapOvr>
     <a:masterClrMapping/>
   </p:clrMapOvr>
-  <mc:AlternateContent xmlns:mc="http://schemas.openxmlformats.org/markup-compatibility/2006">
-    <mc:Choice xmlns:p15="http://schemas.microsoft.com/office/powerpoint/2012/main" Requires="p15">
+  <mc:AlternateContent xmlns:mc="http://schemas.openxmlformats.org/markup-compatibility/2006" xmlns:p15="http://schemas.microsoft.com/office/powerpoint/2012/main">
+    <mc:Choice Requires="p15">
       <p:transition xmlns:p14="http://schemas.microsoft.com/office/powerpoint/2010/main" spd="slow" p14:dur="1250">
         <p15:prstTrans prst="pageCurlDouble"/>
       </p:transition>
     </mc:Choice>
-    <mc:Fallback>
+    <mc:Fallback xmlns="">
       <p:transition spd="slow">
         <p:fade/>
       </p:transition>
@@ -7549,37 +7554,35 @@
           </a:p>
         </p:txBody>
       </p:sp>
-      <p:sp>
-        <p:nvSpPr>
-          <p:cNvPr id="7" name="Content Placeholder 6">
+      <p:pic>
+        <p:nvPicPr>
+          <p:cNvPr id="4" name="Content Placeholder 3">
             <a:extLst>
               <a:ext uri="{FF2B5EF4-FFF2-40B4-BE49-F238E27FC236}">
-                <a16:creationId xmlns:a16="http://schemas.microsoft.com/office/drawing/2014/main" id="{1A88EE6B-5933-4DB5-B0DF-5EC38278C51E}"/>
+                <a16:creationId xmlns:a16="http://schemas.microsoft.com/office/drawing/2014/main" id="{CAAA9CEF-1A3C-4095-B322-42891377FE7B}"/>
               </a:ext>
             </a:extLst>
           </p:cNvPr>
-          <p:cNvSpPr>
-            <a:spLocks noGrp="1"/>
-          </p:cNvSpPr>
+          <p:cNvPicPr>
+            <a:picLocks noGrp="1" noChangeAspect="1"/>
+          </p:cNvPicPr>
           <p:nvPr>
             <p:ph idx="1"/>
           </p:nvPr>
-        </p:nvSpPr>
-        <p:spPr/>
-        <p:txBody>
-          <a:bodyPr/>
-          <a:lstStyle/>
-          <a:p>
-            <a:r>
-              <a:rPr lang="en-US" dirty="0"/>
-              <a:t>Will upload pic </a:t>
-            </a:r>
-          </a:p>
-          <a:p>
-            <a:endParaRPr lang="en-US" dirty="0"/>
-          </a:p>
-        </p:txBody>
-      </p:sp>
+        </p:nvPicPr>
+        <p:blipFill>
+          <a:blip r:embed="rId2"/>
+          <a:stretch>
+            <a:fillRect/>
+          </a:stretch>
+        </p:blipFill>
+        <p:spPr>
+          <a:xfrm>
+            <a:off x="1977386" y="1690316"/>
+            <a:ext cx="6889523" cy="4749089"/>
+          </a:xfrm>
+        </p:spPr>
+      </p:pic>
     </p:spTree>
     <p:extLst>
       <p:ext uri="{BB962C8B-B14F-4D97-AF65-F5344CB8AC3E}">
@@ -7590,13 +7593,13 @@
   <p:clrMapOvr>
     <a:masterClrMapping/>
   </p:clrMapOvr>
-  <mc:AlternateContent xmlns:mc="http://schemas.openxmlformats.org/markup-compatibility/2006">
-    <mc:Choice xmlns:p14="http://schemas.microsoft.com/office/powerpoint/2010/main" Requires="p14">
+  <mc:AlternateContent xmlns:mc="http://schemas.openxmlformats.org/markup-compatibility/2006" xmlns:p14="http://schemas.microsoft.com/office/powerpoint/2010/main">
+    <mc:Choice Requires="p14">
       <p:transition spd="slow" p14:dur="3400">
         <p14:reveal/>
       </p:transition>
     </mc:Choice>
-    <mc:Fallback>
+    <mc:Fallback xmlns="">
       <p:transition spd="slow">
         <p:fade/>
       </p:transition>
@@ -7703,13 +7706,13 @@
   <p:clrMapOvr>
     <a:masterClrMapping/>
   </p:clrMapOvr>
-  <mc:AlternateContent xmlns:mc="http://schemas.openxmlformats.org/markup-compatibility/2006">
-    <mc:Choice xmlns:p14="http://schemas.microsoft.com/office/powerpoint/2010/main" Requires="p14">
+  <mc:AlternateContent xmlns:mc="http://schemas.openxmlformats.org/markup-compatibility/2006" xmlns:p14="http://schemas.microsoft.com/office/powerpoint/2010/main">
+    <mc:Choice Requires="p14">
       <p:transition spd="slow">
         <p14:flash/>
       </p:transition>
     </mc:Choice>
-    <mc:Fallback>
+    <mc:Fallback xmlns="">
       <p:transition spd="slow">
         <p:fade/>
       </p:transition>
@@ -7804,13 +7807,13 @@
   <p:clrMapOvr>
     <a:masterClrMapping/>
   </p:clrMapOvr>
-  <mc:AlternateContent xmlns:mc="http://schemas.openxmlformats.org/markup-compatibility/2006">
-    <mc:Choice xmlns:p15="http://schemas.microsoft.com/office/powerpoint/2012/main" Requires="p15">
+  <mc:AlternateContent xmlns:mc="http://schemas.openxmlformats.org/markup-compatibility/2006" xmlns:p15="http://schemas.microsoft.com/office/powerpoint/2012/main">
+    <mc:Choice Requires="p15">
       <p:transition xmlns:p14="http://schemas.microsoft.com/office/powerpoint/2010/main" spd="slow" p14:dur="2000">
         <p15:prstTrans prst="crush"/>
       </p:transition>
     </mc:Choice>
-    <mc:Fallback>
+    <mc:Fallback xmlns="">
       <p:transition spd="slow">
         <p:fade/>
       </p:transition>
@@ -7864,8 +7867,8 @@
           </a:p>
         </p:txBody>
       </p:sp>
-      <mc:AlternateContent xmlns:mc="http://schemas.openxmlformats.org/markup-compatibility/2006">
-        <mc:Choice xmlns:a14="http://schemas.microsoft.com/office/drawing/2010/main" Requires="a14">
+      <mc:AlternateContent xmlns:mc="http://schemas.openxmlformats.org/markup-compatibility/2006" xmlns:a14="http://schemas.microsoft.com/office/drawing/2010/main">
+        <mc:Choice Requires="a14">
           <p:sp>
             <p:nvSpPr>
               <p:cNvPr id="3" name="Content Placeholder 2">
@@ -7956,7 +7959,7 @@
             </p:txBody>
           </p:sp>
         </mc:Choice>
-        <mc:Fallback>
+        <mc:Fallback xmlns="">
           <p:sp>
             <p:nvSpPr>
               <p:cNvPr id="3" name="Content Placeholder 2">
@@ -8006,13 +8009,13 @@
   <p:clrMapOvr>
     <a:masterClrMapping/>
   </p:clrMapOvr>
-  <mc:AlternateContent xmlns:mc="http://schemas.openxmlformats.org/markup-compatibility/2006">
-    <mc:Choice xmlns:p14="http://schemas.microsoft.com/office/powerpoint/2010/main" Requires="p14">
+  <mc:AlternateContent xmlns:mc="http://schemas.openxmlformats.org/markup-compatibility/2006" xmlns:p14="http://schemas.microsoft.com/office/powerpoint/2010/main">
+    <mc:Choice Requires="p14">
       <p:transition spd="slow" p14:dur="4400">
         <p14:honeycomb/>
       </p:transition>
     </mc:Choice>
-    <mc:Fallback>
+    <mc:Fallback xmlns="">
       <p:transition spd="slow">
         <p:fade/>
       </p:transition>
@@ -8407,13 +8410,13 @@
   <p:clrMapOvr>
     <a:masterClrMapping/>
   </p:clrMapOvr>
-  <mc:AlternateContent xmlns:mc="http://schemas.openxmlformats.org/markup-compatibility/2006">
-    <mc:Choice xmlns:p15="http://schemas.microsoft.com/office/powerpoint/2012/main" Requires="p15">
+  <mc:AlternateContent xmlns:mc="http://schemas.openxmlformats.org/markup-compatibility/2006" xmlns:p15="http://schemas.microsoft.com/office/powerpoint/2012/main">
+    <mc:Choice Requires="p15">
       <p:transition xmlns:p14="http://schemas.microsoft.com/office/powerpoint/2010/main" spd="slow" p14:dur="2000">
         <p15:prstTrans prst="fracture"/>
       </p:transition>
     </mc:Choice>
-    <mc:Fallback>
+    <mc:Fallback xmlns="">
       <p:transition spd="slow">
         <p:fade/>
       </p:transition>
@@ -8517,13 +8520,13 @@
   <p:clrMapOvr>
     <a:masterClrMapping/>
   </p:clrMapOvr>
-  <mc:AlternateContent xmlns:mc="http://schemas.openxmlformats.org/markup-compatibility/2006">
-    <mc:Choice xmlns:p159="http://schemas.microsoft.com/office/powerpoint/2015/09/main" Requires="p159">
+  <mc:AlternateContent xmlns:mc="http://schemas.openxmlformats.org/markup-compatibility/2006" xmlns:p159="http://schemas.microsoft.com/office/powerpoint/2015/09/main">
+    <mc:Choice Requires="p159">
       <p:transition xmlns:p14="http://schemas.microsoft.com/office/powerpoint/2010/main" spd="slow" p14:dur="2000">
         <p159:morph option="byObject"/>
       </p:transition>
     </mc:Choice>
-    <mc:Fallback>
+    <mc:Fallback xmlns="">
       <p:transition spd="slow">
         <p:fade/>
       </p:transition>

--- a/embedded C project .pptx
+++ b/embedded C project .pptx
@@ -15,11 +15,12 @@
     <p:sldId id="265" r:id="rId9"/>
     <p:sldId id="268" r:id="rId10"/>
     <p:sldId id="266" r:id="rId11"/>
-    <p:sldId id="261" r:id="rId12"/>
-    <p:sldId id="262" r:id="rId13"/>
-    <p:sldId id="267" r:id="rId14"/>
-    <p:sldId id="258" r:id="rId15"/>
-    <p:sldId id="263" r:id="rId16"/>
+    <p:sldId id="271" r:id="rId12"/>
+    <p:sldId id="261" r:id="rId13"/>
+    <p:sldId id="262" r:id="rId14"/>
+    <p:sldId id="267" r:id="rId15"/>
+    <p:sldId id="258" r:id="rId16"/>
+    <p:sldId id="263" r:id="rId17"/>
   </p:sldIdLst>
   <p:sldSz cx="12192000" cy="6858000"/>
   <p:notesSz cx="6858000" cy="9144000"/>
@@ -356,7 +357,7 @@
             <a:fld id="{B61BEF0D-F0BB-DE4B-95CE-6DB70DBA9567}" type="datetimeFigureOut">
               <a:rPr lang="en-US" dirty="0"/>
               <a:pPr/>
-              <a:t>27-May-18</a:t>
+              <a:t>5/27/2018</a:t>
             </a:fld>
             <a:endParaRPr lang="en-US" dirty="0"/>
           </a:p>
@@ -687,7 +688,7 @@
             <a:fld id="{B61BEF0D-F0BB-DE4B-95CE-6DB70DBA9567}" type="datetimeFigureOut">
               <a:rPr lang="en-US" dirty="0"/>
               <a:pPr/>
-              <a:t>27-May-18</a:t>
+              <a:t>5/27/2018</a:t>
             </a:fld>
             <a:endParaRPr lang="en-US" dirty="0"/>
           </a:p>
@@ -962,7 +963,7 @@
             <a:fld id="{B61BEF0D-F0BB-DE4B-95CE-6DB70DBA9567}" type="datetimeFigureOut">
               <a:rPr lang="en-US" dirty="0"/>
               <a:pPr/>
-              <a:t>27-May-18</a:t>
+              <a:t>5/27/2018</a:t>
             </a:fld>
             <a:endParaRPr lang="en-US" dirty="0"/>
           </a:p>
@@ -1527,7 +1528,7 @@
             <a:fld id="{B61BEF0D-F0BB-DE4B-95CE-6DB70DBA9567}" type="datetimeFigureOut">
               <a:rPr lang="en-US" dirty="0"/>
               <a:pPr/>
-              <a:t>27-May-18</a:t>
+              <a:t>5/27/2018</a:t>
             </a:fld>
             <a:endParaRPr lang="en-US" dirty="0"/>
           </a:p>
@@ -1802,7 +1803,7 @@
             <a:fld id="{B61BEF0D-F0BB-DE4B-95CE-6DB70DBA9567}" type="datetimeFigureOut">
               <a:rPr lang="en-US" dirty="0"/>
               <a:pPr/>
-              <a:t>27-May-18</a:t>
+              <a:t>5/27/2018</a:t>
             </a:fld>
             <a:endParaRPr lang="en-US" dirty="0"/>
           </a:p>
@@ -2361,7 +2362,7 @@
             <a:fld id="{B61BEF0D-F0BB-DE4B-95CE-6DB70DBA9567}" type="datetimeFigureOut">
               <a:rPr lang="en-US" dirty="0"/>
               <a:pPr/>
-              <a:t>27-May-18</a:t>
+              <a:t>5/27/2018</a:t>
             </a:fld>
             <a:endParaRPr lang="en-US" dirty="0"/>
           </a:p>
@@ -2685,7 +2686,7 @@
             <a:fld id="{B61BEF0D-F0BB-DE4B-95CE-6DB70DBA9567}" type="datetimeFigureOut">
               <a:rPr lang="en-US" dirty="0"/>
               <a:pPr/>
-              <a:t>27-May-18</a:t>
+              <a:t>5/27/2018</a:t>
             </a:fld>
             <a:endParaRPr lang="en-US" dirty="0"/>
           </a:p>
@@ -2859,7 +2860,7 @@
             <a:fld id="{B61BEF0D-F0BB-DE4B-95CE-6DB70DBA9567}" type="datetimeFigureOut">
               <a:rPr lang="en-US" dirty="0"/>
               <a:pPr/>
-              <a:t>27-May-18</a:t>
+              <a:t>5/27/2018</a:t>
             </a:fld>
             <a:endParaRPr lang="en-US" dirty="0"/>
           </a:p>
@@ -3094,7 +3095,7 @@
             <a:fld id="{B61BEF0D-F0BB-DE4B-95CE-6DB70DBA9567}" type="datetimeFigureOut">
               <a:rPr lang="en-US" dirty="0"/>
               <a:pPr/>
-              <a:t>27-May-18</a:t>
+              <a:t>5/27/2018</a:t>
             </a:fld>
             <a:endParaRPr lang="en-US" dirty="0"/>
           </a:p>
@@ -3291,7 +3292,7 @@
             <a:fld id="{B61BEF0D-F0BB-DE4B-95CE-6DB70DBA9567}" type="datetimeFigureOut">
               <a:rPr lang="en-US" dirty="0"/>
               <a:pPr/>
-              <a:t>27-May-18</a:t>
+              <a:t>5/27/2018</a:t>
             </a:fld>
             <a:endParaRPr lang="en-US" dirty="0"/>
           </a:p>
@@ -3564,7 +3565,7 @@
             <a:fld id="{B61BEF0D-F0BB-DE4B-95CE-6DB70DBA9567}" type="datetimeFigureOut">
               <a:rPr lang="en-US" dirty="0"/>
               <a:pPr/>
-              <a:t>27-May-18</a:t>
+              <a:t>5/27/2018</a:t>
             </a:fld>
             <a:endParaRPr lang="en-US" dirty="0"/>
           </a:p>
@@ -3827,7 +3828,7 @@
             <a:fld id="{B61BEF0D-F0BB-DE4B-95CE-6DB70DBA9567}" type="datetimeFigureOut">
               <a:rPr lang="en-US" dirty="0"/>
               <a:pPr/>
-              <a:t>27-May-18</a:t>
+              <a:t>5/27/2018</a:t>
             </a:fld>
             <a:endParaRPr lang="en-US" dirty="0"/>
           </a:p>
@@ -4198,7 +4199,7 @@
             <a:fld id="{B61BEF0D-F0BB-DE4B-95CE-6DB70DBA9567}" type="datetimeFigureOut">
               <a:rPr lang="en-US" dirty="0"/>
               <a:pPr/>
-              <a:t>27-May-18</a:t>
+              <a:t>5/27/2018</a:t>
             </a:fld>
             <a:endParaRPr lang="en-US" dirty="0"/>
           </a:p>
@@ -4343,7 +4344,7 @@
             <a:fld id="{B61BEF0D-F0BB-DE4B-95CE-6DB70DBA9567}" type="datetimeFigureOut">
               <a:rPr lang="en-US" dirty="0"/>
               <a:pPr/>
-              <a:t>27-May-18</a:t>
+              <a:t>5/27/2018</a:t>
             </a:fld>
             <a:endParaRPr lang="en-US" dirty="0"/>
           </a:p>
@@ -4465,7 +4466,7 @@
             <a:fld id="{B61BEF0D-F0BB-DE4B-95CE-6DB70DBA9567}" type="datetimeFigureOut">
               <a:rPr lang="en-US" dirty="0"/>
               <a:pPr/>
-              <a:t>27-May-18</a:t>
+              <a:t>5/27/2018</a:t>
             </a:fld>
             <a:endParaRPr lang="en-US" dirty="0"/>
           </a:p>
@@ -4747,7 +4748,7 @@
             <a:fld id="{B61BEF0D-F0BB-DE4B-95CE-6DB70DBA9567}" type="datetimeFigureOut">
               <a:rPr lang="en-US" dirty="0"/>
               <a:pPr/>
-              <a:t>27-May-18</a:t>
+              <a:t>5/27/2018</a:t>
             </a:fld>
             <a:endParaRPr lang="en-US" dirty="0"/>
           </a:p>
@@ -5068,7 +5069,7 @@
             <a:fld id="{B61BEF0D-F0BB-DE4B-95CE-6DB70DBA9567}" type="datetimeFigureOut">
               <a:rPr lang="en-US" dirty="0"/>
               <a:pPr/>
-              <a:t>27-May-18</a:t>
+              <a:t>5/27/2018</a:t>
             </a:fld>
             <a:endParaRPr lang="en-US" dirty="0"/>
           </a:p>
@@ -5279,7 +5280,7 @@
             <a:fld id="{B61BEF0D-F0BB-DE4B-95CE-6DB70DBA9567}" type="datetimeFigureOut">
               <a:rPr lang="en-US" dirty="0"/>
               <a:pPr/>
-              <a:t>27-May-18</a:t>
+              <a:t>5/27/2018</a:t>
             </a:fld>
             <a:endParaRPr lang="en-US" dirty="0"/>
           </a:p>
@@ -5920,34 +5921,35 @@
           </a:p>
         </p:txBody>
       </p:sp>
-      <p:sp>
-        <p:nvSpPr>
-          <p:cNvPr id="3" name="Content Placeholder 2">
+      <p:pic>
+        <p:nvPicPr>
+          <p:cNvPr id="5" name="Content Placeholder 4" descr="A close up of a map&#10;&#10;Description generated with very high confidence">
             <a:extLst>
               <a:ext uri="{FF2B5EF4-FFF2-40B4-BE49-F238E27FC236}">
-                <a16:creationId xmlns:a16="http://schemas.microsoft.com/office/drawing/2014/main" id="{E32DABB6-B9BD-46E6-8FF6-CAF4F177E0AA}"/>
+                <a16:creationId xmlns:a16="http://schemas.microsoft.com/office/drawing/2014/main" id="{C16531D7-A1E2-43DD-90B8-8A39044DCFF7}"/>
               </a:ext>
             </a:extLst>
           </p:cNvPr>
-          <p:cNvSpPr>
-            <a:spLocks noGrp="1"/>
-          </p:cNvSpPr>
+          <p:cNvPicPr>
+            <a:picLocks noGrp="1" noChangeAspect="1"/>
+          </p:cNvPicPr>
           <p:nvPr>
             <p:ph idx="1"/>
           </p:nvPr>
-        </p:nvSpPr>
-        <p:spPr/>
-        <p:txBody>
-          <a:bodyPr/>
-          <a:lstStyle/>
-          <a:p>
-            <a:r>
-              <a:rPr lang="en-US" dirty="0"/>
-              <a:t>Will upload pic </a:t>
-            </a:r>
-          </a:p>
-        </p:txBody>
-      </p:sp>
+        </p:nvPicPr>
+        <p:blipFill>
+          <a:blip r:embed="rId2"/>
+          <a:stretch>
+            <a:fillRect/>
+          </a:stretch>
+        </p:blipFill>
+        <p:spPr>
+          <a:xfrm>
+            <a:off x="914401" y="1970087"/>
+            <a:ext cx="10131424" cy="4621213"/>
+          </a:xfrm>
+        </p:spPr>
+      </p:pic>
     </p:spTree>
     <p:extLst>
       <p:ext uri="{BB962C8B-B14F-4D97-AF65-F5344CB8AC3E}">
@@ -5958,18 +5960,9 @@
   <p:clrMapOvr>
     <a:masterClrMapping/>
   </p:clrMapOvr>
-  <mc:AlternateContent xmlns:mc="http://schemas.openxmlformats.org/markup-compatibility/2006" xmlns:p15="http://schemas.microsoft.com/office/powerpoint/2012/main">
-    <mc:Choice Requires="p15">
-      <p:transition xmlns:p14="http://schemas.microsoft.com/office/powerpoint/2010/main" spd="slow" p14:dur="3250">
-        <p15:prstTrans prst="origami"/>
-      </p:transition>
-    </mc:Choice>
-    <mc:Fallback xmlns="">
-      <p:transition spd="slow">
-        <p:fade/>
-      </p:transition>
-    </mc:Fallback>
-  </mc:AlternateContent>
+  <p:transition spd="slow">
+    <p:push dir="u"/>
+  </p:transition>
 </p:sld>
 </file>
 
@@ -5995,7 +5988,7 @@
           <p:cNvPr id="2" name="Title 1">
             <a:extLst>
               <a:ext uri="{FF2B5EF4-FFF2-40B4-BE49-F238E27FC236}">
-                <a16:creationId xmlns:a16="http://schemas.microsoft.com/office/drawing/2014/main" id="{F4091B77-3050-4CD5-9CB0-091C190E7B1B}"/>
+                <a16:creationId xmlns:a16="http://schemas.microsoft.com/office/drawing/2014/main" id="{1B6982FC-AF4A-46AB-97D6-672DAE12DD1E}"/>
               </a:ext>
             </a:extLst>
           </p:cNvPr>
@@ -6012,8 +6005,12 @@
           <a:lstStyle/>
           <a:p>
             <a:r>
+              <a:rPr lang="en-US" dirty="0" err="1"/>
+              <a:t>atmega</a:t>
+            </a:r>
+            <a:r>
               <a:rPr lang="en-US" dirty="0"/>
-              <a:t>Frequency determination </a:t>
+              <a:t> 328p specs </a:t>
             </a:r>
           </a:p>
         </p:txBody>
@@ -6023,7 +6020,7 @@
           <p:cNvPr id="3" name="Content Placeholder 2">
             <a:extLst>
               <a:ext uri="{FF2B5EF4-FFF2-40B4-BE49-F238E27FC236}">
-                <a16:creationId xmlns:a16="http://schemas.microsoft.com/office/drawing/2014/main" id="{D2D76396-8595-4CA1-88CD-AE56111DE7BA}"/>
+                <a16:creationId xmlns:a16="http://schemas.microsoft.com/office/drawing/2014/main" id="{EEB2638D-5667-412B-827D-C6B138AF5B48}"/>
               </a:ext>
             </a:extLst>
           </p:cNvPr>
@@ -6041,7 +6038,19 @@
           <a:p>
             <a:r>
               <a:rPr lang="en-US" dirty="0"/>
-              <a:t>Drew to explain </a:t>
+              <a:t>28-pin AVR Microcontroller</a:t>
+            </a:r>
+          </a:p>
+          <a:p>
+            <a:r>
+              <a:rPr lang="en-US" dirty="0"/>
+              <a:t>I/O Pins: 23</a:t>
+            </a:r>
+          </a:p>
+          <a:p>
+            <a:r>
+              <a:rPr lang="en-US" dirty="0"/>
+              <a:t>Timers: Two 8-bit / One 16-bit</a:t>
             </a:r>
           </a:p>
         </p:txBody>
@@ -6049,25 +6058,16 @@
     </p:spTree>
     <p:extLst>
       <p:ext uri="{BB962C8B-B14F-4D97-AF65-F5344CB8AC3E}">
-        <p14:creationId xmlns:p14="http://schemas.microsoft.com/office/powerpoint/2010/main" val="1152952955"/>
+        <p14:creationId xmlns:p14="http://schemas.microsoft.com/office/powerpoint/2010/main" val="1414180979"/>
       </p:ext>
     </p:extLst>
   </p:cSld>
   <p:clrMapOvr>
     <a:masterClrMapping/>
   </p:clrMapOvr>
-  <mc:AlternateContent xmlns:mc="http://schemas.openxmlformats.org/markup-compatibility/2006" xmlns:p14="http://schemas.microsoft.com/office/powerpoint/2010/main">
-    <mc:Choice Requires="p14">
-      <p:transition spd="slow" p14:dur="2500">
-        <p:checker/>
-      </p:transition>
-    </mc:Choice>
-    <mc:Fallback xmlns="">
-      <p:transition spd="slow">
-        <p:checker/>
-      </p:transition>
-    </mc:Fallback>
-  </mc:AlternateContent>
+  <p:transition spd="slow">
+    <p:wipe/>
+  </p:transition>
 </p:sld>
 </file>
 
@@ -6093,6 +6093,104 @@
           <p:cNvPr id="2" name="Title 1">
             <a:extLst>
               <a:ext uri="{FF2B5EF4-FFF2-40B4-BE49-F238E27FC236}">
+                <a16:creationId xmlns:a16="http://schemas.microsoft.com/office/drawing/2014/main" id="{F4091B77-3050-4CD5-9CB0-091C190E7B1B}"/>
+              </a:ext>
+            </a:extLst>
+          </p:cNvPr>
+          <p:cNvSpPr>
+            <a:spLocks noGrp="1"/>
+          </p:cNvSpPr>
+          <p:nvPr>
+            <p:ph type="title"/>
+          </p:nvPr>
+        </p:nvSpPr>
+        <p:spPr/>
+        <p:txBody>
+          <a:bodyPr/>
+          <a:lstStyle/>
+          <a:p>
+            <a:r>
+              <a:rPr lang="en-US" dirty="0"/>
+              <a:t>Frequency determination </a:t>
+            </a:r>
+          </a:p>
+        </p:txBody>
+      </p:sp>
+      <p:sp>
+        <p:nvSpPr>
+          <p:cNvPr id="3" name="Content Placeholder 2">
+            <a:extLst>
+              <a:ext uri="{FF2B5EF4-FFF2-40B4-BE49-F238E27FC236}">
+                <a16:creationId xmlns:a16="http://schemas.microsoft.com/office/drawing/2014/main" id="{D2D76396-8595-4CA1-88CD-AE56111DE7BA}"/>
+              </a:ext>
+            </a:extLst>
+          </p:cNvPr>
+          <p:cNvSpPr>
+            <a:spLocks noGrp="1"/>
+          </p:cNvSpPr>
+          <p:nvPr>
+            <p:ph idx="1"/>
+          </p:nvPr>
+        </p:nvSpPr>
+        <p:spPr/>
+        <p:txBody>
+          <a:bodyPr/>
+          <a:lstStyle/>
+          <a:p>
+            <a:r>
+              <a:rPr lang="en-US" dirty="0"/>
+              <a:t>Drew to explain </a:t>
+            </a:r>
+          </a:p>
+        </p:txBody>
+      </p:sp>
+    </p:spTree>
+    <p:extLst>
+      <p:ext uri="{BB962C8B-B14F-4D97-AF65-F5344CB8AC3E}">
+        <p14:creationId xmlns:p14="http://schemas.microsoft.com/office/powerpoint/2010/main" val="1152952955"/>
+      </p:ext>
+    </p:extLst>
+  </p:cSld>
+  <p:clrMapOvr>
+    <a:masterClrMapping/>
+  </p:clrMapOvr>
+  <mc:AlternateContent xmlns:mc="http://schemas.openxmlformats.org/markup-compatibility/2006">
+    <mc:Choice xmlns:p14="http://schemas.microsoft.com/office/powerpoint/2010/main" Requires="p14">
+      <p:transition spd="slow" p14:dur="3400">
+        <p14:reveal/>
+      </p:transition>
+    </mc:Choice>
+    <mc:Fallback>
+      <p:transition spd="slow">
+        <p:fade/>
+      </p:transition>
+    </mc:Fallback>
+  </mc:AlternateContent>
+</p:sld>
+</file>
+
+<file path=ppt/slides/slide13.xml><?xml version="1.0" encoding="utf-8"?>
+<p:sld xmlns:a="http://schemas.openxmlformats.org/drawingml/2006/main" xmlns:r="http://schemas.openxmlformats.org/officeDocument/2006/relationships" xmlns:p="http://schemas.openxmlformats.org/presentationml/2006/main">
+  <p:cSld>
+    <p:spTree>
+      <p:nvGrpSpPr>
+        <p:cNvPr id="1" name=""/>
+        <p:cNvGrpSpPr/>
+        <p:nvPr/>
+      </p:nvGrpSpPr>
+      <p:grpSpPr>
+        <a:xfrm>
+          <a:off x="0" y="0"/>
+          <a:ext cx="0" cy="0"/>
+          <a:chOff x="0" y="0"/>
+          <a:chExt cx="0" cy="0"/>
+        </a:xfrm>
+      </p:grpSpPr>
+      <p:sp>
+        <p:nvSpPr>
+          <p:cNvPr id="2" name="Title 1">
+            <a:extLst>
+              <a:ext uri="{FF2B5EF4-FFF2-40B4-BE49-F238E27FC236}">
                 <a16:creationId xmlns:a16="http://schemas.microsoft.com/office/drawing/2014/main" id="{A58B5A4A-4E11-4780-A6C3-2D57CB2B7FE1}"/>
               </a:ext>
             </a:extLst>
@@ -6184,13 +6282,13 @@
   <p:clrMapOvr>
     <a:masterClrMapping/>
   </p:clrMapOvr>
-  <mc:AlternateContent xmlns:mc="http://schemas.openxmlformats.org/markup-compatibility/2006" xmlns:p14="http://schemas.microsoft.com/office/powerpoint/2010/main">
-    <mc:Choice Requires="p14">
-      <p:transition spd="slow" p14:dur="800">
-        <p14:flythrough/>
+  <mc:AlternateContent xmlns:mc="http://schemas.openxmlformats.org/markup-compatibility/2006">
+    <mc:Choice xmlns:p14="http://schemas.microsoft.com/office/powerpoint/2010/main" Requires="p14">
+      <p:transition spd="slow">
+        <p14:flash/>
       </p:transition>
     </mc:Choice>
-    <mc:Fallback xmlns="">
+    <mc:Fallback>
       <p:transition spd="slow">
         <p:fade/>
       </p:transition>
@@ -6757,7 +6855,7 @@
 </p:sld>
 </file>
 
-<file path=ppt/slides/slide13.xml><?xml version="1.0" encoding="utf-8"?>
+<file path=ppt/slides/slide14.xml><?xml version="1.0" encoding="utf-8"?>
 <p:sld xmlns:a="http://schemas.openxmlformats.org/drawingml/2006/main" xmlns:r="http://schemas.openxmlformats.org/officeDocument/2006/relationships" xmlns:p="http://schemas.openxmlformats.org/presentationml/2006/main">
   <p:cSld>
     <p:spTree>
@@ -6846,18 +6944,9 @@
   <p:clrMapOvr>
     <a:masterClrMapping/>
   </p:clrMapOvr>
-  <mc:AlternateContent xmlns:mc="http://schemas.openxmlformats.org/markup-compatibility/2006" xmlns:p14="http://schemas.microsoft.com/office/powerpoint/2010/main">
-    <mc:Choice Requires="p14">
-      <p:transition spd="slow" p14:dur="1600">
-        <p14:prism isContent="1" isInverted="1"/>
-      </p:transition>
-    </mc:Choice>
-    <mc:Fallback xmlns="">
-      <p:transition spd="slow">
-        <p:fade/>
-      </p:transition>
-    </mc:Fallback>
-  </mc:AlternateContent>
+  <p:transition spd="slow">
+    <p:push dir="u"/>
+  </p:transition>
   <p:timing>
     <p:tnLst>
       <p:par>
@@ -7097,99 +7186,6 @@
 </p:sld>
 </file>
 
-<file path=ppt/slides/slide14.xml><?xml version="1.0" encoding="utf-8"?>
-<p:sld xmlns:a="http://schemas.openxmlformats.org/drawingml/2006/main" xmlns:r="http://schemas.openxmlformats.org/officeDocument/2006/relationships" xmlns:p="http://schemas.openxmlformats.org/presentationml/2006/main">
-  <p:cSld>
-    <p:spTree>
-      <p:nvGrpSpPr>
-        <p:cNvPr id="1" name=""/>
-        <p:cNvGrpSpPr/>
-        <p:nvPr/>
-      </p:nvGrpSpPr>
-      <p:grpSpPr>
-        <a:xfrm>
-          <a:off x="0" y="0"/>
-          <a:ext cx="0" cy="0"/>
-          <a:chOff x="0" y="0"/>
-          <a:chExt cx="0" cy="0"/>
-        </a:xfrm>
-      </p:grpSpPr>
-      <p:sp>
-        <p:nvSpPr>
-          <p:cNvPr id="2" name="Title 1">
-            <a:extLst>
-              <a:ext uri="{FF2B5EF4-FFF2-40B4-BE49-F238E27FC236}">
-                <a16:creationId xmlns:a16="http://schemas.microsoft.com/office/drawing/2014/main" id="{0BB23F91-E335-43F5-9EA3-176ED7C70901}"/>
-              </a:ext>
-            </a:extLst>
-          </p:cNvPr>
-          <p:cNvSpPr>
-            <a:spLocks noGrp="1"/>
-          </p:cNvSpPr>
-          <p:nvPr>
-            <p:ph type="title"/>
-          </p:nvPr>
-        </p:nvSpPr>
-        <p:spPr>
-          <a:xfrm>
-            <a:off x="685801" y="609600"/>
-            <a:ext cx="10131425" cy="1456267"/>
-          </a:xfrm>
-        </p:spPr>
-        <p:txBody>
-          <a:bodyPr/>
-          <a:lstStyle/>
-          <a:p>
-            <a:pPr algn="ctr"/>
-            <a:r>
-              <a:rPr lang="en-US" b="1" dirty="0"/>
-              <a:t>DEMO </a:t>
-            </a:r>
-          </a:p>
-        </p:txBody>
-      </p:sp>
-      <p:pic>
-        <p:nvPicPr>
-          <p:cNvPr id="5" name="Content Placeholder 4" descr="A picture containing indoor, table, sitting, wall&#10;&#10;Description generated with very high confidence">
-            <a:extLst>
-              <a:ext uri="{FF2B5EF4-FFF2-40B4-BE49-F238E27FC236}">
-                <a16:creationId xmlns:a16="http://schemas.microsoft.com/office/drawing/2014/main" id="{D6E529A7-4D65-405F-B562-BD70D9049827}"/>
-              </a:ext>
-            </a:extLst>
-          </p:cNvPr>
-          <p:cNvPicPr>
-            <a:picLocks noGrp="1" noChangeAspect="1"/>
-          </p:cNvPicPr>
-          <p:nvPr>
-            <p:ph idx="1"/>
-          </p:nvPr>
-        </p:nvPicPr>
-        <p:blipFill>
-          <a:blip r:embed="rId2"/>
-          <a:stretch>
-            <a:fillRect/>
-          </a:stretch>
-        </p:blipFill>
-        <p:spPr>
-          <a:xfrm>
-            <a:off x="2507368" y="2141538"/>
-            <a:ext cx="6488288" cy="3649662"/>
-          </a:xfrm>
-        </p:spPr>
-      </p:pic>
-    </p:spTree>
-    <p:extLst>
-      <p:ext uri="{BB962C8B-B14F-4D97-AF65-F5344CB8AC3E}">
-        <p14:creationId xmlns:p14="http://schemas.microsoft.com/office/powerpoint/2010/main" val="2573624688"/>
-      </p:ext>
-    </p:extLst>
-  </p:cSld>
-  <p:clrMapOvr>
-    <a:masterClrMapping/>
-  </p:clrMapOvr>
-</p:sld>
-</file>
-
 <file path=ppt/slides/slide15.xml><?xml version="1.0" encoding="utf-8"?>
 <p:sld xmlns:a="http://schemas.openxmlformats.org/drawingml/2006/main" xmlns:r="http://schemas.openxmlformats.org/officeDocument/2006/relationships" xmlns:p="http://schemas.openxmlformats.org/presentationml/2006/main">
   <p:cSld>
@@ -7212,6 +7208,73 @@
           <p:cNvPr id="2" name="Title 1">
             <a:extLst>
               <a:ext uri="{FF2B5EF4-FFF2-40B4-BE49-F238E27FC236}">
+                <a16:creationId xmlns:a16="http://schemas.microsoft.com/office/drawing/2014/main" id="{0BB23F91-E335-43F5-9EA3-176ED7C70901}"/>
+              </a:ext>
+            </a:extLst>
+          </p:cNvPr>
+          <p:cNvSpPr>
+            <a:spLocks noGrp="1"/>
+          </p:cNvSpPr>
+          <p:nvPr>
+            <p:ph type="title"/>
+          </p:nvPr>
+        </p:nvSpPr>
+        <p:spPr>
+          <a:xfrm>
+            <a:off x="685802" y="609600"/>
+            <a:ext cx="10048874" cy="4133850"/>
+          </a:xfrm>
+        </p:spPr>
+        <p:txBody>
+          <a:bodyPr/>
+          <a:lstStyle/>
+          <a:p>
+            <a:pPr algn="ctr"/>
+            <a:r>
+              <a:rPr lang="en-US" b="1" dirty="0"/>
+              <a:t>DEMO </a:t>
+            </a:r>
+          </a:p>
+        </p:txBody>
+      </p:sp>
+    </p:spTree>
+    <p:extLst>
+      <p:ext uri="{BB962C8B-B14F-4D97-AF65-F5344CB8AC3E}">
+        <p14:creationId xmlns:p14="http://schemas.microsoft.com/office/powerpoint/2010/main" val="2573624688"/>
+      </p:ext>
+    </p:extLst>
+  </p:cSld>
+  <p:clrMapOvr>
+    <a:masterClrMapping/>
+  </p:clrMapOvr>
+  <p:transition spd="slow">
+    <p:wipe/>
+  </p:transition>
+</p:sld>
+</file>
+
+<file path=ppt/slides/slide16.xml><?xml version="1.0" encoding="utf-8"?>
+<p:sld xmlns:a="http://schemas.openxmlformats.org/drawingml/2006/main" xmlns:r="http://schemas.openxmlformats.org/officeDocument/2006/relationships" xmlns:p="http://schemas.openxmlformats.org/presentationml/2006/main">
+  <p:cSld>
+    <p:spTree>
+      <p:nvGrpSpPr>
+        <p:cNvPr id="1" name=""/>
+        <p:cNvGrpSpPr/>
+        <p:nvPr/>
+      </p:nvGrpSpPr>
+      <p:grpSpPr>
+        <a:xfrm>
+          <a:off x="0" y="0"/>
+          <a:ext cx="0" cy="0"/>
+          <a:chOff x="0" y="0"/>
+          <a:chExt cx="0" cy="0"/>
+        </a:xfrm>
+      </p:grpSpPr>
+      <p:sp>
+        <p:nvSpPr>
+          <p:cNvPr id="2" name="Title 1">
+            <a:extLst>
+              <a:ext uri="{FF2B5EF4-FFF2-40B4-BE49-F238E27FC236}">
                 <a16:creationId xmlns:a16="http://schemas.microsoft.com/office/drawing/2014/main" id="{0211EABF-91A9-4678-860F-6CA75B2CA051}"/>
               </a:ext>
             </a:extLst>
@@ -7225,8 +7288,8 @@
         </p:nvSpPr>
         <p:spPr>
           <a:xfrm>
-            <a:off x="685801" y="609600"/>
-            <a:ext cx="10131425" cy="4217377"/>
+            <a:off x="685801" y="609601"/>
+            <a:ext cx="10258424" cy="2076450"/>
           </a:xfrm>
         </p:spPr>
         <p:txBody>
@@ -7238,9 +7301,42 @@
               <a:rPr lang="en-US" dirty="0"/>
               <a:t>Questions? </a:t>
             </a:r>
-          </a:p>
-        </p:txBody>
-      </p:sp>
+            <a:br>
+              <a:rPr lang="en-US" dirty="0"/>
+            </a:br>
+            <a:endParaRPr lang="en-US" dirty="0"/>
+          </a:p>
+        </p:txBody>
+      </p:sp>
+      <p:pic>
+        <p:nvPicPr>
+          <p:cNvPr id="3" name="Content Placeholder 4" descr="A picture containing indoor, table, sitting, wall&#10;&#10;Description generated with very high confidence">
+            <a:extLst>
+              <a:ext uri="{FF2B5EF4-FFF2-40B4-BE49-F238E27FC236}">
+                <a16:creationId xmlns:a16="http://schemas.microsoft.com/office/drawing/2014/main" id="{5D5149CA-E08E-4EC4-AC32-0B520D7D7E3C}"/>
+              </a:ext>
+            </a:extLst>
+          </p:cNvPr>
+          <p:cNvPicPr>
+            <a:picLocks noGrp="1" noChangeAspect="1"/>
+          </p:cNvPicPr>
+          <p:nvPr>
+            <p:ph idx="1"/>
+          </p:nvPr>
+        </p:nvPicPr>
+        <p:blipFill>
+          <a:blip r:embed="rId2"/>
+          <a:stretch>
+            <a:fillRect/>
+          </a:stretch>
+        </p:blipFill>
+        <p:spPr>
+          <a:xfrm>
+            <a:off x="2640718" y="2274888"/>
+            <a:ext cx="6488288" cy="3649662"/>
+          </a:xfrm>
+        </p:spPr>
+      </p:pic>
     </p:spTree>
     <p:extLst>
       <p:ext uri="{BB962C8B-B14F-4D97-AF65-F5344CB8AC3E}">
@@ -7251,13 +7347,13 @@
   <p:clrMapOvr>
     <a:masterClrMapping/>
   </p:clrMapOvr>
-  <mc:AlternateContent xmlns:mc="http://schemas.openxmlformats.org/markup-compatibility/2006" xmlns:p15="http://schemas.microsoft.com/office/powerpoint/2012/main">
-    <mc:Choice Requires="p15">
-      <p:transition xmlns:p14="http://schemas.microsoft.com/office/powerpoint/2010/main" spd="slow" p14:dur="1250">
-        <p15:prstTrans prst="pageCurlDouble"/>
+  <mc:AlternateContent xmlns:mc="http://schemas.openxmlformats.org/markup-compatibility/2006">
+    <mc:Choice xmlns:p14="http://schemas.microsoft.com/office/powerpoint/2010/main" Requires="p14">
+      <p:transition spd="slow" p14:dur="3400">
+        <p14:reveal/>
       </p:transition>
     </mc:Choice>
-    <mc:Fallback xmlns="">
+    <mc:Fallback>
       <p:transition spd="slow">
         <p:fade/>
       </p:transition>
@@ -7549,17 +7645,17 @@
           <a:p>
             <a:r>
               <a:rPr lang="en-US" dirty="0"/>
-              <a:t>SCHEMATIC for the screen </a:t>
+              <a:t>SCHEMATIC for OLED</a:t>
             </a:r>
           </a:p>
         </p:txBody>
       </p:sp>
       <p:pic>
         <p:nvPicPr>
-          <p:cNvPr id="4" name="Content Placeholder 3">
+          <p:cNvPr id="7" name="Content Placeholder 6" descr="A close up of a map&#10;&#10;Description generated with very high confidence">
             <a:extLst>
               <a:ext uri="{FF2B5EF4-FFF2-40B4-BE49-F238E27FC236}">
-                <a16:creationId xmlns:a16="http://schemas.microsoft.com/office/drawing/2014/main" id="{CAAA9CEF-1A3C-4095-B322-42891377FE7B}"/>
+                <a16:creationId xmlns:a16="http://schemas.microsoft.com/office/drawing/2014/main" id="{8E331432-02D2-4B83-B30D-534759103EDF}"/>
               </a:ext>
             </a:extLst>
           </p:cNvPr>
@@ -7578,8 +7674,8 @@
         </p:blipFill>
         <p:spPr>
           <a:xfrm>
-            <a:off x="1977386" y="1690316"/>
-            <a:ext cx="6889523" cy="4749089"/>
+            <a:off x="685801" y="2141537"/>
+            <a:ext cx="9279362" cy="4018669"/>
           </a:xfrm>
         </p:spPr>
       </p:pic>
@@ -7766,37 +7862,35 @@
           </a:p>
         </p:txBody>
       </p:sp>
-      <p:sp>
-        <p:nvSpPr>
-          <p:cNvPr id="3" name="Content Placeholder 2">
+      <p:pic>
+        <p:nvPicPr>
+          <p:cNvPr id="5" name="Content Placeholder 4" descr="A close up of a map&#10;&#10;Description generated with high confidence">
             <a:extLst>
               <a:ext uri="{FF2B5EF4-FFF2-40B4-BE49-F238E27FC236}">
-                <a16:creationId xmlns:a16="http://schemas.microsoft.com/office/drawing/2014/main" id="{A88CF914-4450-4243-AFAB-6DB68F0F33C8}"/>
+                <a16:creationId xmlns:a16="http://schemas.microsoft.com/office/drawing/2014/main" id="{8564090F-8957-42A7-95FD-81B1450FF810}"/>
               </a:ext>
             </a:extLst>
           </p:cNvPr>
-          <p:cNvSpPr>
-            <a:spLocks noGrp="1"/>
-          </p:cNvSpPr>
+          <p:cNvPicPr>
+            <a:picLocks noGrp="1" noChangeAspect="1"/>
+          </p:cNvPicPr>
           <p:nvPr>
             <p:ph idx="1"/>
           </p:nvPr>
-        </p:nvSpPr>
-        <p:spPr/>
-        <p:txBody>
-          <a:bodyPr/>
-          <a:lstStyle/>
-          <a:p>
-            <a:r>
-              <a:rPr lang="en-US" dirty="0"/>
-              <a:t>Will upload pic </a:t>
-            </a:r>
-          </a:p>
-          <a:p>
-            <a:endParaRPr lang="en-US" dirty="0"/>
-          </a:p>
-        </p:txBody>
-      </p:sp>
+        </p:nvPicPr>
+        <p:blipFill>
+          <a:blip r:embed="rId2"/>
+          <a:stretch>
+            <a:fillRect/>
+          </a:stretch>
+        </p:blipFill>
+        <p:spPr>
+          <a:xfrm>
+            <a:off x="800100" y="2141538"/>
+            <a:ext cx="8118576" cy="4478337"/>
+          </a:xfrm>
+        </p:spPr>
+      </p:pic>
     </p:spTree>
     <p:extLst>
       <p:ext uri="{BB962C8B-B14F-4D97-AF65-F5344CB8AC3E}">
@@ -7807,18 +7901,9 @@
   <p:clrMapOvr>
     <a:masterClrMapping/>
   </p:clrMapOvr>
-  <mc:AlternateContent xmlns:mc="http://schemas.openxmlformats.org/markup-compatibility/2006" xmlns:p15="http://schemas.microsoft.com/office/powerpoint/2012/main">
-    <mc:Choice Requires="p15">
-      <p:transition xmlns:p14="http://schemas.microsoft.com/office/powerpoint/2010/main" spd="slow" p14:dur="2000">
-        <p15:prstTrans prst="crush"/>
-      </p:transition>
-    </mc:Choice>
-    <mc:Fallback xmlns="">
-      <p:transition spd="slow">
-        <p:fade/>
-      </p:transition>
-    </mc:Fallback>
-  </mc:AlternateContent>
+  <p:transition spd="slow">
+    <p:push dir="u"/>
+  </p:transition>
 </p:sld>
 </file>
 
@@ -8009,18 +8094,9 @@
   <p:clrMapOvr>
     <a:masterClrMapping/>
   </p:clrMapOvr>
-  <mc:AlternateContent xmlns:mc="http://schemas.openxmlformats.org/markup-compatibility/2006" xmlns:p14="http://schemas.microsoft.com/office/powerpoint/2010/main">
-    <mc:Choice Requires="p14">
-      <p:transition spd="slow" p14:dur="4400">
-        <p14:honeycomb/>
-      </p:transition>
-    </mc:Choice>
-    <mc:Fallback xmlns="">
-      <p:transition spd="slow">
-        <p:fade/>
-      </p:transition>
-    </mc:Fallback>
-  </mc:AlternateContent>
+  <p:transition spd="slow">
+    <p:wipe/>
+  </p:transition>
   <p:timing>
     <p:tnLst>
       <p:par>
@@ -8372,34 +8448,35 @@
           </a:p>
         </p:txBody>
       </p:sp>
-      <p:sp>
-        <p:nvSpPr>
-          <p:cNvPr id="3" name="Content Placeholder 2">
+      <p:pic>
+        <p:nvPicPr>
+          <p:cNvPr id="5" name="Content Placeholder 4" descr="A close up of a map&#10;&#10;Description generated with very high confidence">
             <a:extLst>
               <a:ext uri="{FF2B5EF4-FFF2-40B4-BE49-F238E27FC236}">
-                <a16:creationId xmlns:a16="http://schemas.microsoft.com/office/drawing/2014/main" id="{AE75684C-7974-4C18-BEFA-D28D71FC23ED}"/>
+                <a16:creationId xmlns:a16="http://schemas.microsoft.com/office/drawing/2014/main" id="{50C126F0-3036-40D4-BE87-2CD1A02742D5}"/>
               </a:ext>
             </a:extLst>
           </p:cNvPr>
-          <p:cNvSpPr>
-            <a:spLocks noGrp="1"/>
-          </p:cNvSpPr>
+          <p:cNvPicPr>
+            <a:picLocks noGrp="1" noChangeAspect="1"/>
+          </p:cNvPicPr>
           <p:nvPr>
             <p:ph idx="1"/>
           </p:nvPr>
-        </p:nvSpPr>
-        <p:spPr/>
-        <p:txBody>
-          <a:bodyPr/>
-          <a:lstStyle/>
-          <a:p>
-            <a:endParaRPr lang="en-US" dirty="0"/>
-          </a:p>
-          <a:p>
-            <a:endParaRPr lang="en-US" dirty="0"/>
-          </a:p>
-        </p:txBody>
-      </p:sp>
+        </p:nvPicPr>
+        <p:blipFill>
+          <a:blip r:embed="rId2"/>
+          <a:stretch>
+            <a:fillRect/>
+          </a:stretch>
+        </p:blipFill>
+        <p:spPr>
+          <a:xfrm>
+            <a:off x="990600" y="2141538"/>
+            <a:ext cx="8710127" cy="4024726"/>
+          </a:xfrm>
+        </p:spPr>
+      </p:pic>
     </p:spTree>
     <p:extLst>
       <p:ext uri="{BB962C8B-B14F-4D97-AF65-F5344CB8AC3E}">
@@ -8410,13 +8487,13 @@
   <p:clrMapOvr>
     <a:masterClrMapping/>
   </p:clrMapOvr>
-  <mc:AlternateContent xmlns:mc="http://schemas.openxmlformats.org/markup-compatibility/2006" xmlns:p15="http://schemas.microsoft.com/office/powerpoint/2012/main">
-    <mc:Choice Requires="p15">
-      <p:transition xmlns:p14="http://schemas.microsoft.com/office/powerpoint/2010/main" spd="slow" p14:dur="2000">
-        <p15:prstTrans prst="fracture"/>
+  <mc:AlternateContent xmlns:mc="http://schemas.openxmlformats.org/markup-compatibility/2006">
+    <mc:Choice xmlns:p14="http://schemas.microsoft.com/office/powerpoint/2010/main" Requires="p14">
+      <p:transition spd="slow" p14:dur="3400">
+        <p14:reveal/>
       </p:transition>
     </mc:Choice>
-    <mc:Fallback xmlns="">
+    <mc:Fallback>
       <p:transition spd="slow">
         <p:fade/>
       </p:transition>
@@ -8520,13 +8597,13 @@
   <p:clrMapOvr>
     <a:masterClrMapping/>
   </p:clrMapOvr>
-  <mc:AlternateContent xmlns:mc="http://schemas.openxmlformats.org/markup-compatibility/2006" xmlns:p159="http://schemas.microsoft.com/office/powerpoint/2015/09/main">
-    <mc:Choice Requires="p159">
-      <p:transition xmlns:p14="http://schemas.microsoft.com/office/powerpoint/2010/main" spd="slow" p14:dur="2000">
-        <p159:morph option="byObject"/>
+  <mc:AlternateContent xmlns:mc="http://schemas.openxmlformats.org/markup-compatibility/2006">
+    <mc:Choice xmlns:p14="http://schemas.microsoft.com/office/powerpoint/2010/main" Requires="p14">
+      <p:transition spd="slow">
+        <p14:flash/>
       </p:transition>
     </mc:Choice>
-    <mc:Fallback xmlns="">
+    <mc:Fallback>
       <p:transition spd="slow">
         <p:fade/>
       </p:transition>

--- a/embedded C project .pptx
+++ b/embedded C project .pptx
@@ -8,19 +8,17 @@
     <p:sldId id="256" r:id="rId2"/>
     <p:sldId id="257" r:id="rId3"/>
     <p:sldId id="259" r:id="rId4"/>
-    <p:sldId id="260" r:id="rId5"/>
-    <p:sldId id="269" r:id="rId6"/>
-    <p:sldId id="264" r:id="rId7"/>
-    <p:sldId id="270" r:id="rId8"/>
-    <p:sldId id="265" r:id="rId9"/>
-    <p:sldId id="268" r:id="rId10"/>
-    <p:sldId id="266" r:id="rId11"/>
-    <p:sldId id="271" r:id="rId12"/>
-    <p:sldId id="261" r:id="rId13"/>
-    <p:sldId id="262" r:id="rId14"/>
-    <p:sldId id="267" r:id="rId15"/>
-    <p:sldId id="258" r:id="rId16"/>
-    <p:sldId id="263" r:id="rId17"/>
+    <p:sldId id="264" r:id="rId5"/>
+    <p:sldId id="266" r:id="rId6"/>
+    <p:sldId id="271" r:id="rId7"/>
+    <p:sldId id="260" r:id="rId8"/>
+    <p:sldId id="269" r:id="rId9"/>
+    <p:sldId id="265" r:id="rId10"/>
+    <p:sldId id="261" r:id="rId11"/>
+    <p:sldId id="262" r:id="rId12"/>
+    <p:sldId id="267" r:id="rId13"/>
+    <p:sldId id="258" r:id="rId14"/>
+    <p:sldId id="263" r:id="rId15"/>
   </p:sldIdLst>
   <p:sldSz cx="12192000" cy="6858000"/>
   <p:notesSz cx="6858000" cy="9144000"/>
@@ -357,7 +355,7 @@
             <a:fld id="{B61BEF0D-F0BB-DE4B-95CE-6DB70DBA9567}" type="datetimeFigureOut">
               <a:rPr lang="en-US" dirty="0"/>
               <a:pPr/>
-              <a:t>5/27/2018</a:t>
+              <a:t>29-May-18</a:t>
             </a:fld>
             <a:endParaRPr lang="en-US" dirty="0"/>
           </a:p>
@@ -688,7 +686,7 @@
             <a:fld id="{B61BEF0D-F0BB-DE4B-95CE-6DB70DBA9567}" type="datetimeFigureOut">
               <a:rPr lang="en-US" dirty="0"/>
               <a:pPr/>
-              <a:t>5/27/2018</a:t>
+              <a:t>29-May-18</a:t>
             </a:fld>
             <a:endParaRPr lang="en-US" dirty="0"/>
           </a:p>
@@ -963,7 +961,7 @@
             <a:fld id="{B61BEF0D-F0BB-DE4B-95CE-6DB70DBA9567}" type="datetimeFigureOut">
               <a:rPr lang="en-US" dirty="0"/>
               <a:pPr/>
-              <a:t>5/27/2018</a:t>
+              <a:t>29-May-18</a:t>
             </a:fld>
             <a:endParaRPr lang="en-US" dirty="0"/>
           </a:p>
@@ -1528,7 +1526,7 @@
             <a:fld id="{B61BEF0D-F0BB-DE4B-95CE-6DB70DBA9567}" type="datetimeFigureOut">
               <a:rPr lang="en-US" dirty="0"/>
               <a:pPr/>
-              <a:t>5/27/2018</a:t>
+              <a:t>29-May-18</a:t>
             </a:fld>
             <a:endParaRPr lang="en-US" dirty="0"/>
           </a:p>
@@ -1803,7 +1801,7 @@
             <a:fld id="{B61BEF0D-F0BB-DE4B-95CE-6DB70DBA9567}" type="datetimeFigureOut">
               <a:rPr lang="en-US" dirty="0"/>
               <a:pPr/>
-              <a:t>5/27/2018</a:t>
+              <a:t>29-May-18</a:t>
             </a:fld>
             <a:endParaRPr lang="en-US" dirty="0"/>
           </a:p>
@@ -2362,7 +2360,7 @@
             <a:fld id="{B61BEF0D-F0BB-DE4B-95CE-6DB70DBA9567}" type="datetimeFigureOut">
               <a:rPr lang="en-US" dirty="0"/>
               <a:pPr/>
-              <a:t>5/27/2018</a:t>
+              <a:t>29-May-18</a:t>
             </a:fld>
             <a:endParaRPr lang="en-US" dirty="0"/>
           </a:p>
@@ -2686,7 +2684,7 @@
             <a:fld id="{B61BEF0D-F0BB-DE4B-95CE-6DB70DBA9567}" type="datetimeFigureOut">
               <a:rPr lang="en-US" dirty="0"/>
               <a:pPr/>
-              <a:t>5/27/2018</a:t>
+              <a:t>29-May-18</a:t>
             </a:fld>
             <a:endParaRPr lang="en-US" dirty="0"/>
           </a:p>
@@ -2860,7 +2858,7 @@
             <a:fld id="{B61BEF0D-F0BB-DE4B-95CE-6DB70DBA9567}" type="datetimeFigureOut">
               <a:rPr lang="en-US" dirty="0"/>
               <a:pPr/>
-              <a:t>5/27/2018</a:t>
+              <a:t>29-May-18</a:t>
             </a:fld>
             <a:endParaRPr lang="en-US" dirty="0"/>
           </a:p>
@@ -3095,7 +3093,7 @@
             <a:fld id="{B61BEF0D-F0BB-DE4B-95CE-6DB70DBA9567}" type="datetimeFigureOut">
               <a:rPr lang="en-US" dirty="0"/>
               <a:pPr/>
-              <a:t>5/27/2018</a:t>
+              <a:t>29-May-18</a:t>
             </a:fld>
             <a:endParaRPr lang="en-US" dirty="0"/>
           </a:p>
@@ -3292,7 +3290,7 @@
             <a:fld id="{B61BEF0D-F0BB-DE4B-95CE-6DB70DBA9567}" type="datetimeFigureOut">
               <a:rPr lang="en-US" dirty="0"/>
               <a:pPr/>
-              <a:t>5/27/2018</a:t>
+              <a:t>29-May-18</a:t>
             </a:fld>
             <a:endParaRPr lang="en-US" dirty="0"/>
           </a:p>
@@ -3565,7 +3563,7 @@
             <a:fld id="{B61BEF0D-F0BB-DE4B-95CE-6DB70DBA9567}" type="datetimeFigureOut">
               <a:rPr lang="en-US" dirty="0"/>
               <a:pPr/>
-              <a:t>5/27/2018</a:t>
+              <a:t>29-May-18</a:t>
             </a:fld>
             <a:endParaRPr lang="en-US" dirty="0"/>
           </a:p>
@@ -3828,7 +3826,7 @@
             <a:fld id="{B61BEF0D-F0BB-DE4B-95CE-6DB70DBA9567}" type="datetimeFigureOut">
               <a:rPr lang="en-US" dirty="0"/>
               <a:pPr/>
-              <a:t>5/27/2018</a:t>
+              <a:t>29-May-18</a:t>
             </a:fld>
             <a:endParaRPr lang="en-US" dirty="0"/>
           </a:p>
@@ -4199,7 +4197,7 @@
             <a:fld id="{B61BEF0D-F0BB-DE4B-95CE-6DB70DBA9567}" type="datetimeFigureOut">
               <a:rPr lang="en-US" dirty="0"/>
               <a:pPr/>
-              <a:t>5/27/2018</a:t>
+              <a:t>29-May-18</a:t>
             </a:fld>
             <a:endParaRPr lang="en-US" dirty="0"/>
           </a:p>
@@ -4344,7 +4342,7 @@
             <a:fld id="{B61BEF0D-F0BB-DE4B-95CE-6DB70DBA9567}" type="datetimeFigureOut">
               <a:rPr lang="en-US" dirty="0"/>
               <a:pPr/>
-              <a:t>5/27/2018</a:t>
+              <a:t>29-May-18</a:t>
             </a:fld>
             <a:endParaRPr lang="en-US" dirty="0"/>
           </a:p>
@@ -4466,7 +4464,7 @@
             <a:fld id="{B61BEF0D-F0BB-DE4B-95CE-6DB70DBA9567}" type="datetimeFigureOut">
               <a:rPr lang="en-US" dirty="0"/>
               <a:pPr/>
-              <a:t>5/27/2018</a:t>
+              <a:t>29-May-18</a:t>
             </a:fld>
             <a:endParaRPr lang="en-US" dirty="0"/>
           </a:p>
@@ -4748,7 +4746,7 @@
             <a:fld id="{B61BEF0D-F0BB-DE4B-95CE-6DB70DBA9567}" type="datetimeFigureOut">
               <a:rPr lang="en-US" dirty="0"/>
               <a:pPr/>
-              <a:t>5/27/2018</a:t>
+              <a:t>29-May-18</a:t>
             </a:fld>
             <a:endParaRPr lang="en-US" dirty="0"/>
           </a:p>
@@ -5069,7 +5067,7 @@
             <a:fld id="{B61BEF0D-F0BB-DE4B-95CE-6DB70DBA9567}" type="datetimeFigureOut">
               <a:rPr lang="en-US" dirty="0"/>
               <a:pPr/>
-              <a:t>5/27/2018</a:t>
+              <a:t>29-May-18</a:t>
             </a:fld>
             <a:endParaRPr lang="en-US" dirty="0"/>
           </a:p>
@@ -5280,7 +5278,7 @@
             <a:fld id="{B61BEF0D-F0BB-DE4B-95CE-6DB70DBA9567}" type="datetimeFigureOut">
               <a:rPr lang="en-US" dirty="0"/>
               <a:pPr/>
-              <a:t>5/27/2018</a:t>
+              <a:t>29-May-18</a:t>
             </a:fld>
             <a:endParaRPr lang="en-US" dirty="0"/>
           </a:p>
@@ -5890,209 +5888,6 @@
           <p:cNvPr id="2" name="Title 1">
             <a:extLst>
               <a:ext uri="{FF2B5EF4-FFF2-40B4-BE49-F238E27FC236}">
-                <a16:creationId xmlns:a16="http://schemas.microsoft.com/office/drawing/2014/main" id="{E0649754-1368-4983-927C-2FB6D1909899}"/>
-              </a:ext>
-            </a:extLst>
-          </p:cNvPr>
-          <p:cNvSpPr>
-            <a:spLocks noGrp="1"/>
-          </p:cNvSpPr>
-          <p:nvPr>
-            <p:ph type="title"/>
-          </p:nvPr>
-        </p:nvSpPr>
-        <p:spPr/>
-        <p:txBody>
-          <a:bodyPr/>
-          <a:lstStyle/>
-          <a:p>
-            <a:r>
-              <a:rPr lang="en-US" dirty="0"/>
-              <a:t>Schematic for </a:t>
-            </a:r>
-            <a:r>
-              <a:rPr lang="en-US" dirty="0" err="1"/>
-              <a:t>atmega</a:t>
-            </a:r>
-            <a:r>
-              <a:rPr lang="en-US" dirty="0"/>
-              <a:t> 328p</a:t>
-            </a:r>
-          </a:p>
-        </p:txBody>
-      </p:sp>
-      <p:pic>
-        <p:nvPicPr>
-          <p:cNvPr id="5" name="Content Placeholder 4" descr="A close up of a map&#10;&#10;Description generated with very high confidence">
-            <a:extLst>
-              <a:ext uri="{FF2B5EF4-FFF2-40B4-BE49-F238E27FC236}">
-                <a16:creationId xmlns:a16="http://schemas.microsoft.com/office/drawing/2014/main" id="{C16531D7-A1E2-43DD-90B8-8A39044DCFF7}"/>
-              </a:ext>
-            </a:extLst>
-          </p:cNvPr>
-          <p:cNvPicPr>
-            <a:picLocks noGrp="1" noChangeAspect="1"/>
-          </p:cNvPicPr>
-          <p:nvPr>
-            <p:ph idx="1"/>
-          </p:nvPr>
-        </p:nvPicPr>
-        <p:blipFill>
-          <a:blip r:embed="rId2"/>
-          <a:stretch>
-            <a:fillRect/>
-          </a:stretch>
-        </p:blipFill>
-        <p:spPr>
-          <a:xfrm>
-            <a:off x="914401" y="1970087"/>
-            <a:ext cx="10131424" cy="4621213"/>
-          </a:xfrm>
-        </p:spPr>
-      </p:pic>
-    </p:spTree>
-    <p:extLst>
-      <p:ext uri="{BB962C8B-B14F-4D97-AF65-F5344CB8AC3E}">
-        <p14:creationId xmlns:p14="http://schemas.microsoft.com/office/powerpoint/2010/main" val="756373120"/>
-      </p:ext>
-    </p:extLst>
-  </p:cSld>
-  <p:clrMapOvr>
-    <a:masterClrMapping/>
-  </p:clrMapOvr>
-  <p:transition spd="slow">
-    <p:push dir="u"/>
-  </p:transition>
-</p:sld>
-</file>
-
-<file path=ppt/slides/slide11.xml><?xml version="1.0" encoding="utf-8"?>
-<p:sld xmlns:a="http://schemas.openxmlformats.org/drawingml/2006/main" xmlns:r="http://schemas.openxmlformats.org/officeDocument/2006/relationships" xmlns:p="http://schemas.openxmlformats.org/presentationml/2006/main">
-  <p:cSld>
-    <p:spTree>
-      <p:nvGrpSpPr>
-        <p:cNvPr id="1" name=""/>
-        <p:cNvGrpSpPr/>
-        <p:nvPr/>
-      </p:nvGrpSpPr>
-      <p:grpSpPr>
-        <a:xfrm>
-          <a:off x="0" y="0"/>
-          <a:ext cx="0" cy="0"/>
-          <a:chOff x="0" y="0"/>
-          <a:chExt cx="0" cy="0"/>
-        </a:xfrm>
-      </p:grpSpPr>
-      <p:sp>
-        <p:nvSpPr>
-          <p:cNvPr id="2" name="Title 1">
-            <a:extLst>
-              <a:ext uri="{FF2B5EF4-FFF2-40B4-BE49-F238E27FC236}">
-                <a16:creationId xmlns:a16="http://schemas.microsoft.com/office/drawing/2014/main" id="{1B6982FC-AF4A-46AB-97D6-672DAE12DD1E}"/>
-              </a:ext>
-            </a:extLst>
-          </p:cNvPr>
-          <p:cNvSpPr>
-            <a:spLocks noGrp="1"/>
-          </p:cNvSpPr>
-          <p:nvPr>
-            <p:ph type="title"/>
-          </p:nvPr>
-        </p:nvSpPr>
-        <p:spPr/>
-        <p:txBody>
-          <a:bodyPr/>
-          <a:lstStyle/>
-          <a:p>
-            <a:r>
-              <a:rPr lang="en-US" dirty="0" err="1"/>
-              <a:t>atmega</a:t>
-            </a:r>
-            <a:r>
-              <a:rPr lang="en-US" dirty="0"/>
-              <a:t> 328p specs </a:t>
-            </a:r>
-          </a:p>
-        </p:txBody>
-      </p:sp>
-      <p:sp>
-        <p:nvSpPr>
-          <p:cNvPr id="3" name="Content Placeholder 2">
-            <a:extLst>
-              <a:ext uri="{FF2B5EF4-FFF2-40B4-BE49-F238E27FC236}">
-                <a16:creationId xmlns:a16="http://schemas.microsoft.com/office/drawing/2014/main" id="{EEB2638D-5667-412B-827D-C6B138AF5B48}"/>
-              </a:ext>
-            </a:extLst>
-          </p:cNvPr>
-          <p:cNvSpPr>
-            <a:spLocks noGrp="1"/>
-          </p:cNvSpPr>
-          <p:nvPr>
-            <p:ph idx="1"/>
-          </p:nvPr>
-        </p:nvSpPr>
-        <p:spPr/>
-        <p:txBody>
-          <a:bodyPr/>
-          <a:lstStyle/>
-          <a:p>
-            <a:r>
-              <a:rPr lang="en-US" dirty="0"/>
-              <a:t>28-pin AVR Microcontroller</a:t>
-            </a:r>
-          </a:p>
-          <a:p>
-            <a:r>
-              <a:rPr lang="en-US" dirty="0"/>
-              <a:t>I/O Pins: 23</a:t>
-            </a:r>
-          </a:p>
-          <a:p>
-            <a:r>
-              <a:rPr lang="en-US" dirty="0"/>
-              <a:t>Timers: Two 8-bit / One 16-bit</a:t>
-            </a:r>
-          </a:p>
-        </p:txBody>
-      </p:sp>
-    </p:spTree>
-    <p:extLst>
-      <p:ext uri="{BB962C8B-B14F-4D97-AF65-F5344CB8AC3E}">
-        <p14:creationId xmlns:p14="http://schemas.microsoft.com/office/powerpoint/2010/main" val="1414180979"/>
-      </p:ext>
-    </p:extLst>
-  </p:cSld>
-  <p:clrMapOvr>
-    <a:masterClrMapping/>
-  </p:clrMapOvr>
-  <p:transition spd="slow">
-    <p:wipe/>
-  </p:transition>
-</p:sld>
-</file>
-
-<file path=ppt/slides/slide12.xml><?xml version="1.0" encoding="utf-8"?>
-<p:sld xmlns:a="http://schemas.openxmlformats.org/drawingml/2006/main" xmlns:r="http://schemas.openxmlformats.org/officeDocument/2006/relationships" xmlns:p="http://schemas.openxmlformats.org/presentationml/2006/main">
-  <p:cSld>
-    <p:spTree>
-      <p:nvGrpSpPr>
-        <p:cNvPr id="1" name=""/>
-        <p:cNvGrpSpPr/>
-        <p:nvPr/>
-      </p:nvGrpSpPr>
-      <p:grpSpPr>
-        <a:xfrm>
-          <a:off x="0" y="0"/>
-          <a:ext cx="0" cy="0"/>
-          <a:chOff x="0" y="0"/>
-          <a:chExt cx="0" cy="0"/>
-        </a:xfrm>
-      </p:grpSpPr>
-      <p:sp>
-        <p:nvSpPr>
-          <p:cNvPr id="2" name="Title 1">
-            <a:extLst>
-              <a:ext uri="{FF2B5EF4-FFF2-40B4-BE49-F238E27FC236}">
                 <a16:creationId xmlns:a16="http://schemas.microsoft.com/office/drawing/2014/main" id="{F4091B77-3050-4CD5-9CB0-091C190E7B1B}"/>
               </a:ext>
             </a:extLst>
@@ -6139,7 +5934,19 @@
           <a:p>
             <a:r>
               <a:rPr lang="en-US" dirty="0"/>
-              <a:t>Drew to explain </a:t>
+              <a:t>How to determine frequency ?</a:t>
+            </a:r>
+          </a:p>
+          <a:p>
+            <a:r>
+              <a:rPr lang="en-US" dirty="0"/>
+              <a:t>Inflection point distance </a:t>
+            </a:r>
+          </a:p>
+          <a:p>
+            <a:r>
+              <a:rPr lang="en-US" dirty="0"/>
+              <a:t>Fast Fourier transformation (FFT)</a:t>
             </a:r>
           </a:p>
         </p:txBody>
@@ -6154,141 +5961,13 @@
   <p:clrMapOvr>
     <a:masterClrMapping/>
   </p:clrMapOvr>
-  <mc:AlternateContent xmlns:mc="http://schemas.openxmlformats.org/markup-compatibility/2006">
-    <mc:Choice xmlns:p14="http://schemas.microsoft.com/office/powerpoint/2010/main" Requires="p14">
+  <mc:AlternateContent xmlns:mc="http://schemas.openxmlformats.org/markup-compatibility/2006" xmlns:p14="http://schemas.microsoft.com/office/powerpoint/2010/main">
+    <mc:Choice Requires="p14">
       <p:transition spd="slow" p14:dur="3400">
         <p14:reveal/>
       </p:transition>
     </mc:Choice>
-    <mc:Fallback>
-      <p:transition spd="slow">
-        <p:fade/>
-      </p:transition>
-    </mc:Fallback>
-  </mc:AlternateContent>
-</p:sld>
-</file>
-
-<file path=ppt/slides/slide13.xml><?xml version="1.0" encoding="utf-8"?>
-<p:sld xmlns:a="http://schemas.openxmlformats.org/drawingml/2006/main" xmlns:r="http://schemas.openxmlformats.org/officeDocument/2006/relationships" xmlns:p="http://schemas.openxmlformats.org/presentationml/2006/main">
-  <p:cSld>
-    <p:spTree>
-      <p:nvGrpSpPr>
-        <p:cNvPr id="1" name=""/>
-        <p:cNvGrpSpPr/>
-        <p:nvPr/>
-      </p:nvGrpSpPr>
-      <p:grpSpPr>
-        <a:xfrm>
-          <a:off x="0" y="0"/>
-          <a:ext cx="0" cy="0"/>
-          <a:chOff x="0" y="0"/>
-          <a:chExt cx="0" cy="0"/>
-        </a:xfrm>
-      </p:grpSpPr>
-      <p:sp>
-        <p:nvSpPr>
-          <p:cNvPr id="2" name="Title 1">
-            <a:extLst>
-              <a:ext uri="{FF2B5EF4-FFF2-40B4-BE49-F238E27FC236}">
-                <a16:creationId xmlns:a16="http://schemas.microsoft.com/office/drawing/2014/main" id="{A58B5A4A-4E11-4780-A6C3-2D57CB2B7FE1}"/>
-              </a:ext>
-            </a:extLst>
-          </p:cNvPr>
-          <p:cNvSpPr>
-            <a:spLocks noGrp="1"/>
-          </p:cNvSpPr>
-          <p:nvPr>
-            <p:ph type="title"/>
-          </p:nvPr>
-        </p:nvSpPr>
-        <p:spPr/>
-        <p:txBody>
-          <a:bodyPr/>
-          <a:lstStyle/>
-          <a:p>
-            <a:r>
-              <a:rPr lang="en-US" dirty="0"/>
-              <a:t>Software </a:t>
-            </a:r>
-          </a:p>
-        </p:txBody>
-      </p:sp>
-      <p:sp>
-        <p:nvSpPr>
-          <p:cNvPr id="3" name="Content Placeholder 2">
-            <a:extLst>
-              <a:ext uri="{FF2B5EF4-FFF2-40B4-BE49-F238E27FC236}">
-                <a16:creationId xmlns:a16="http://schemas.microsoft.com/office/drawing/2014/main" id="{28CDF226-AD79-4F2D-84C3-9B99D6B81B10}"/>
-              </a:ext>
-            </a:extLst>
-          </p:cNvPr>
-          <p:cNvSpPr>
-            <a:spLocks noGrp="1"/>
-          </p:cNvSpPr>
-          <p:nvPr>
-            <p:ph idx="1"/>
-          </p:nvPr>
-        </p:nvSpPr>
-        <p:spPr/>
-        <p:txBody>
-          <a:bodyPr/>
-          <a:lstStyle/>
-          <a:p>
-            <a:r>
-              <a:rPr lang="en-US" dirty="0"/>
-              <a:t>Included Adafruit_GFX and Adafruit_SSD1306 libraries to interface with OLED </a:t>
-            </a:r>
-          </a:p>
-          <a:p>
-            <a:r>
-              <a:rPr lang="en-US" dirty="0"/>
-              <a:t>Utilized the FFFT library for fast Fourier transformation </a:t>
-            </a:r>
-          </a:p>
-          <a:p>
-            <a:r>
-              <a:rPr lang="en-US" dirty="0"/>
-              <a:t>Utilized Arduino 8.5 IDE </a:t>
-            </a:r>
-          </a:p>
-          <a:p>
-            <a:r>
-              <a:rPr lang="en-US" dirty="0"/>
-              <a:t>Microcontroller reads in the levels of audio signals coming from the microphone at a 6KHz sample rate </a:t>
-            </a:r>
-          </a:p>
-          <a:p>
-            <a:r>
-              <a:rPr lang="en-US" dirty="0"/>
-              <a:t>A fast Fourier transformation is applied determining coefficient of each frequency range </a:t>
-            </a:r>
-          </a:p>
-          <a:p>
-            <a:r>
-              <a:rPr lang="en-US" dirty="0"/>
-              <a:t>Outputs largest coefficient in hertz </a:t>
-            </a:r>
-          </a:p>
-        </p:txBody>
-      </p:sp>
-    </p:spTree>
-    <p:extLst>
-      <p:ext uri="{BB962C8B-B14F-4D97-AF65-F5344CB8AC3E}">
-        <p14:creationId xmlns:p14="http://schemas.microsoft.com/office/powerpoint/2010/main" val="122623077"/>
-      </p:ext>
-    </p:extLst>
-  </p:cSld>
-  <p:clrMapOvr>
-    <a:masterClrMapping/>
-  </p:clrMapOvr>
-  <mc:AlternateContent xmlns:mc="http://schemas.openxmlformats.org/markup-compatibility/2006">
-    <mc:Choice xmlns:p14="http://schemas.microsoft.com/office/powerpoint/2010/main" Requires="p14">
-      <p:transition spd="slow">
-        <p14:flash/>
-      </p:transition>
-    </mc:Choice>
-    <mc:Fallback>
+    <mc:Fallback xmlns="">
       <p:transition spd="slow">
         <p:fade/>
       </p:transition>
@@ -6399,15 +6078,33 @@
                                   </p:childTnLst>
                                 </p:cTn>
                               </p:par>
+                            </p:childTnLst>
+                          </p:cTn>
+                        </p:par>
+                      </p:childTnLst>
+                    </p:cTn>
+                  </p:par>
+                  <p:par>
+                    <p:cTn id="9" fill="hold">
+                      <p:stCondLst>
+                        <p:cond delay="indefinite"/>
+                      </p:stCondLst>
+                      <p:childTnLst>
+                        <p:par>
+                          <p:cTn id="10" fill="hold">
+                            <p:stCondLst>
+                              <p:cond delay="0"/>
+                            </p:stCondLst>
+                            <p:childTnLst>
                               <p:par>
-                                <p:cTn id="9" presetID="2" presetClass="entr" presetSubtype="4" fill="hold" nodeType="withEffect">
+                                <p:cTn id="11" presetID="2" presetClass="entr" presetSubtype="4" fill="hold" nodeType="clickEffect">
                                   <p:stCondLst>
                                     <p:cond delay="0"/>
                                   </p:stCondLst>
                                   <p:childTnLst>
                                     <p:set>
                                       <p:cBhvr>
-                                        <p:cTn id="10" dur="1" fill="hold">
+                                        <p:cTn id="12" dur="1" fill="hold">
                                           <p:stCondLst>
                                             <p:cond delay="0"/>
                                           </p:stCondLst>
@@ -6429,7 +6126,7 @@
                                     </p:set>
                                     <p:anim calcmode="lin" valueType="num">
                                       <p:cBhvr additive="base">
-                                        <p:cTn id="11" dur="500" fill="hold"/>
+                                        <p:cTn id="13" dur="500" fill="hold"/>
                                         <p:tgtEl>
                                           <p:spTgt spid="3">
                                             <p:txEl>
@@ -6456,7 +6153,7 @@
                                     </p:anim>
                                     <p:anim calcmode="lin" valueType="num">
                                       <p:cBhvr additive="base">
-                                        <p:cTn id="12" dur="500" fill="hold"/>
+                                        <p:cTn id="14" dur="500" fill="hold"/>
                                         <p:tgtEl>
                                           <p:spTgt spid="3">
                                             <p:txEl>
@@ -6484,15 +6181,33 @@
                                   </p:childTnLst>
                                 </p:cTn>
                               </p:par>
+                            </p:childTnLst>
+                          </p:cTn>
+                        </p:par>
+                      </p:childTnLst>
+                    </p:cTn>
+                  </p:par>
+                  <p:par>
+                    <p:cTn id="15" fill="hold">
+                      <p:stCondLst>
+                        <p:cond delay="indefinite"/>
+                      </p:stCondLst>
+                      <p:childTnLst>
+                        <p:par>
+                          <p:cTn id="16" fill="hold">
+                            <p:stCondLst>
+                              <p:cond delay="0"/>
+                            </p:stCondLst>
+                            <p:childTnLst>
                               <p:par>
-                                <p:cTn id="13" presetID="2" presetClass="entr" presetSubtype="4" fill="hold" nodeType="withEffect">
+                                <p:cTn id="17" presetID="2" presetClass="entr" presetSubtype="4" fill="hold" nodeType="clickEffect">
                                   <p:stCondLst>
                                     <p:cond delay="0"/>
                                   </p:stCondLst>
                                   <p:childTnLst>
                                     <p:set>
                                       <p:cBhvr>
-                                        <p:cTn id="14" dur="1" fill="hold">
+                                        <p:cTn id="18" dur="1" fill="hold">
                                           <p:stCondLst>
                                             <p:cond delay="0"/>
                                           </p:stCondLst>
@@ -6514,7 +6229,7 @@
                                     </p:set>
                                     <p:anim calcmode="lin" valueType="num">
                                       <p:cBhvr additive="base">
-                                        <p:cTn id="15" dur="500" fill="hold"/>
+                                        <p:cTn id="19" dur="500" fill="hold"/>
                                         <p:tgtEl>
                                           <p:spTgt spid="3">
                                             <p:txEl>
@@ -6541,7 +6256,7 @@
                                     </p:anim>
                                     <p:anim calcmode="lin" valueType="num">
                                       <p:cBhvr additive="base">
-                                        <p:cTn id="16" dur="500" fill="hold"/>
+                                        <p:cTn id="20" dur="500" fill="hold"/>
                                         <p:tgtEl>
                                           <p:spTgt spid="3">
                                             <p:txEl>
@@ -6569,8 +6284,390 @@
                                   </p:childTnLst>
                                 </p:cTn>
                               </p:par>
+                            </p:childTnLst>
+                          </p:cTn>
+                        </p:par>
+                      </p:childTnLst>
+                    </p:cTn>
+                  </p:par>
+                </p:childTnLst>
+              </p:cTn>
+              <p:prevCondLst>
+                <p:cond evt="onPrev" delay="0">
+                  <p:tgtEl>
+                    <p:sldTgt/>
+                  </p:tgtEl>
+                </p:cond>
+              </p:prevCondLst>
+              <p:nextCondLst>
+                <p:cond evt="onNext" delay="0">
+                  <p:tgtEl>
+                    <p:sldTgt/>
+                  </p:tgtEl>
+                </p:cond>
+              </p:nextCondLst>
+            </p:seq>
+          </p:childTnLst>
+        </p:cTn>
+      </p:par>
+    </p:tnLst>
+  </p:timing>
+</p:sld>
+</file>
+
+<file path=ppt/slides/slide11.xml><?xml version="1.0" encoding="utf-8"?>
+<p:sld xmlns:a="http://schemas.openxmlformats.org/drawingml/2006/main" xmlns:r="http://schemas.openxmlformats.org/officeDocument/2006/relationships" xmlns:p="http://schemas.openxmlformats.org/presentationml/2006/main">
+  <p:cSld>
+    <p:spTree>
+      <p:nvGrpSpPr>
+        <p:cNvPr id="1" name=""/>
+        <p:cNvGrpSpPr/>
+        <p:nvPr/>
+      </p:nvGrpSpPr>
+      <p:grpSpPr>
+        <a:xfrm>
+          <a:off x="0" y="0"/>
+          <a:ext cx="0" cy="0"/>
+          <a:chOff x="0" y="0"/>
+          <a:chExt cx="0" cy="0"/>
+        </a:xfrm>
+      </p:grpSpPr>
+      <p:sp>
+        <p:nvSpPr>
+          <p:cNvPr id="2" name="Title 1">
+            <a:extLst>
+              <a:ext uri="{FF2B5EF4-FFF2-40B4-BE49-F238E27FC236}">
+                <a16:creationId xmlns:a16="http://schemas.microsoft.com/office/drawing/2014/main" id="{A58B5A4A-4E11-4780-A6C3-2D57CB2B7FE1}"/>
+              </a:ext>
+            </a:extLst>
+          </p:cNvPr>
+          <p:cNvSpPr>
+            <a:spLocks noGrp="1"/>
+          </p:cNvSpPr>
+          <p:nvPr>
+            <p:ph type="title"/>
+          </p:nvPr>
+        </p:nvSpPr>
+        <p:spPr/>
+        <p:txBody>
+          <a:bodyPr/>
+          <a:lstStyle/>
+          <a:p>
+            <a:r>
+              <a:rPr lang="en-US" dirty="0"/>
+              <a:t>Software </a:t>
+            </a:r>
+          </a:p>
+        </p:txBody>
+      </p:sp>
+      <p:sp>
+        <p:nvSpPr>
+          <p:cNvPr id="3" name="Content Placeholder 2">
+            <a:extLst>
+              <a:ext uri="{FF2B5EF4-FFF2-40B4-BE49-F238E27FC236}">
+                <a16:creationId xmlns:a16="http://schemas.microsoft.com/office/drawing/2014/main" id="{28CDF226-AD79-4F2D-84C3-9B99D6B81B10}"/>
+              </a:ext>
+            </a:extLst>
+          </p:cNvPr>
+          <p:cNvSpPr>
+            <a:spLocks noGrp="1"/>
+          </p:cNvSpPr>
+          <p:nvPr>
+            <p:ph idx="1"/>
+          </p:nvPr>
+        </p:nvSpPr>
+        <p:spPr/>
+        <p:txBody>
+          <a:bodyPr/>
+          <a:lstStyle/>
+          <a:p>
+            <a:r>
+              <a:rPr lang="en-US" dirty="0"/>
+              <a:t>Included Adafruit_GFX and Adafruit_SSD1306 libraries to interface with OLED </a:t>
+            </a:r>
+          </a:p>
+          <a:p>
+            <a:r>
+              <a:rPr lang="en-US" dirty="0"/>
+              <a:t>Utilized the FFFT library for fast Fourier transformation </a:t>
+            </a:r>
+          </a:p>
+          <a:p>
+            <a:r>
+              <a:rPr lang="en-US" dirty="0"/>
+              <a:t>Utilized Arduino 8.5 IDE </a:t>
+            </a:r>
+          </a:p>
+          <a:p>
+            <a:r>
+              <a:rPr lang="en-US" dirty="0"/>
+              <a:t>Microcontroller reads in the levels of audio signals coming from the microphone at a 6KHz sample rate </a:t>
+            </a:r>
+          </a:p>
+          <a:p>
+            <a:r>
+              <a:rPr lang="en-US" dirty="0"/>
+              <a:t>A fast Fourier transformation is applied determining coefficient of each frequency range </a:t>
+            </a:r>
+          </a:p>
+          <a:p>
+            <a:r>
+              <a:rPr lang="en-US" dirty="0"/>
+              <a:t>Outputs largest coefficient in hertz </a:t>
+            </a:r>
+          </a:p>
+        </p:txBody>
+      </p:sp>
+    </p:spTree>
+    <p:extLst>
+      <p:ext uri="{BB962C8B-B14F-4D97-AF65-F5344CB8AC3E}">
+        <p14:creationId xmlns:p14="http://schemas.microsoft.com/office/powerpoint/2010/main" val="122623077"/>
+      </p:ext>
+    </p:extLst>
+  </p:cSld>
+  <p:clrMapOvr>
+    <a:masterClrMapping/>
+  </p:clrMapOvr>
+  <mc:AlternateContent xmlns:mc="http://schemas.openxmlformats.org/markup-compatibility/2006" xmlns:p14="http://schemas.microsoft.com/office/powerpoint/2010/main">
+    <mc:Choice Requires="p14">
+      <p:transition spd="slow">
+        <p14:flash/>
+      </p:transition>
+    </mc:Choice>
+    <mc:Fallback xmlns="">
+      <p:transition spd="slow">
+        <p:fade/>
+      </p:transition>
+    </mc:Fallback>
+  </mc:AlternateContent>
+  <p:timing>
+    <p:tnLst>
+      <p:par>
+        <p:cTn id="1" dur="indefinite" restart="never" nodeType="tmRoot">
+          <p:childTnLst>
+            <p:seq concurrent="1" nextAc="seek">
+              <p:cTn id="2" dur="indefinite" nodeType="mainSeq">
+                <p:childTnLst>
+                  <p:par>
+                    <p:cTn id="3" fill="hold">
+                      <p:stCondLst>
+                        <p:cond delay="indefinite"/>
+                      </p:stCondLst>
+                      <p:childTnLst>
+                        <p:par>
+                          <p:cTn id="4" fill="hold">
+                            <p:stCondLst>
+                              <p:cond delay="0"/>
+                            </p:stCondLst>
+                            <p:childTnLst>
                               <p:par>
-                                <p:cTn id="17" presetID="2" presetClass="entr" presetSubtype="4" fill="hold" nodeType="withEffect">
+                                <p:cTn id="5" presetID="2" presetClass="entr" presetSubtype="4" fill="hold" nodeType="clickEffect">
+                                  <p:stCondLst>
+                                    <p:cond delay="0"/>
+                                  </p:stCondLst>
+                                  <p:childTnLst>
+                                    <p:set>
+                                      <p:cBhvr>
+                                        <p:cTn id="6" dur="1" fill="hold">
+                                          <p:stCondLst>
+                                            <p:cond delay="0"/>
+                                          </p:stCondLst>
+                                        </p:cTn>
+                                        <p:tgtEl>
+                                          <p:spTgt spid="3">
+                                            <p:txEl>
+                                              <p:pRg st="0" end="0"/>
+                                            </p:txEl>
+                                          </p:spTgt>
+                                        </p:tgtEl>
+                                        <p:attrNameLst>
+                                          <p:attrName>style.visibility</p:attrName>
+                                        </p:attrNameLst>
+                                      </p:cBhvr>
+                                      <p:to>
+                                        <p:strVal val="visible"/>
+                                      </p:to>
+                                    </p:set>
+                                    <p:anim calcmode="lin" valueType="num">
+                                      <p:cBhvr additive="base">
+                                        <p:cTn id="7" dur="500" fill="hold"/>
+                                        <p:tgtEl>
+                                          <p:spTgt spid="3">
+                                            <p:txEl>
+                                              <p:pRg st="0" end="0"/>
+                                            </p:txEl>
+                                          </p:spTgt>
+                                        </p:tgtEl>
+                                        <p:attrNameLst>
+                                          <p:attrName>ppt_x</p:attrName>
+                                        </p:attrNameLst>
+                                      </p:cBhvr>
+                                      <p:tavLst>
+                                        <p:tav tm="0">
+                                          <p:val>
+                                            <p:strVal val="#ppt_x"/>
+                                          </p:val>
+                                        </p:tav>
+                                        <p:tav tm="100000">
+                                          <p:val>
+                                            <p:strVal val="#ppt_x"/>
+                                          </p:val>
+                                        </p:tav>
+                                      </p:tavLst>
+                                    </p:anim>
+                                    <p:anim calcmode="lin" valueType="num">
+                                      <p:cBhvr additive="base">
+                                        <p:cTn id="8" dur="500" fill="hold"/>
+                                        <p:tgtEl>
+                                          <p:spTgt spid="3">
+                                            <p:txEl>
+                                              <p:pRg st="0" end="0"/>
+                                            </p:txEl>
+                                          </p:spTgt>
+                                        </p:tgtEl>
+                                        <p:attrNameLst>
+                                          <p:attrName>ppt_y</p:attrName>
+                                        </p:attrNameLst>
+                                      </p:cBhvr>
+                                      <p:tavLst>
+                                        <p:tav tm="0">
+                                          <p:val>
+                                            <p:strVal val="1+#ppt_h/2"/>
+                                          </p:val>
+                                        </p:tav>
+                                        <p:tav tm="100000">
+                                          <p:val>
+                                            <p:strVal val="#ppt_y"/>
+                                          </p:val>
+                                        </p:tav>
+                                      </p:tavLst>
+                                    </p:anim>
+                                  </p:childTnLst>
+                                </p:cTn>
+                              </p:par>
+                            </p:childTnLst>
+                          </p:cTn>
+                        </p:par>
+                      </p:childTnLst>
+                    </p:cTn>
+                  </p:par>
+                  <p:par>
+                    <p:cTn id="9" fill="hold">
+                      <p:stCondLst>
+                        <p:cond delay="indefinite"/>
+                      </p:stCondLst>
+                      <p:childTnLst>
+                        <p:par>
+                          <p:cTn id="10" fill="hold">
+                            <p:stCondLst>
+                              <p:cond delay="0"/>
+                            </p:stCondLst>
+                            <p:childTnLst>
+                              <p:par>
+                                <p:cTn id="11" presetID="2" presetClass="entr" presetSubtype="4" fill="hold" nodeType="clickEffect">
+                                  <p:stCondLst>
+                                    <p:cond delay="0"/>
+                                  </p:stCondLst>
+                                  <p:childTnLst>
+                                    <p:set>
+                                      <p:cBhvr>
+                                        <p:cTn id="12" dur="1" fill="hold">
+                                          <p:stCondLst>
+                                            <p:cond delay="0"/>
+                                          </p:stCondLst>
+                                        </p:cTn>
+                                        <p:tgtEl>
+                                          <p:spTgt spid="3">
+                                            <p:txEl>
+                                              <p:pRg st="1" end="1"/>
+                                            </p:txEl>
+                                          </p:spTgt>
+                                        </p:tgtEl>
+                                        <p:attrNameLst>
+                                          <p:attrName>style.visibility</p:attrName>
+                                        </p:attrNameLst>
+                                      </p:cBhvr>
+                                      <p:to>
+                                        <p:strVal val="visible"/>
+                                      </p:to>
+                                    </p:set>
+                                    <p:anim calcmode="lin" valueType="num">
+                                      <p:cBhvr additive="base">
+                                        <p:cTn id="13" dur="500" fill="hold"/>
+                                        <p:tgtEl>
+                                          <p:spTgt spid="3">
+                                            <p:txEl>
+                                              <p:pRg st="1" end="1"/>
+                                            </p:txEl>
+                                          </p:spTgt>
+                                        </p:tgtEl>
+                                        <p:attrNameLst>
+                                          <p:attrName>ppt_x</p:attrName>
+                                        </p:attrNameLst>
+                                      </p:cBhvr>
+                                      <p:tavLst>
+                                        <p:tav tm="0">
+                                          <p:val>
+                                            <p:strVal val="#ppt_x"/>
+                                          </p:val>
+                                        </p:tav>
+                                        <p:tav tm="100000">
+                                          <p:val>
+                                            <p:strVal val="#ppt_x"/>
+                                          </p:val>
+                                        </p:tav>
+                                      </p:tavLst>
+                                    </p:anim>
+                                    <p:anim calcmode="lin" valueType="num">
+                                      <p:cBhvr additive="base">
+                                        <p:cTn id="14" dur="500" fill="hold"/>
+                                        <p:tgtEl>
+                                          <p:spTgt spid="3">
+                                            <p:txEl>
+                                              <p:pRg st="1" end="1"/>
+                                            </p:txEl>
+                                          </p:spTgt>
+                                        </p:tgtEl>
+                                        <p:attrNameLst>
+                                          <p:attrName>ppt_y</p:attrName>
+                                        </p:attrNameLst>
+                                      </p:cBhvr>
+                                      <p:tavLst>
+                                        <p:tav tm="0">
+                                          <p:val>
+                                            <p:strVal val="1+#ppt_h/2"/>
+                                          </p:val>
+                                        </p:tav>
+                                        <p:tav tm="100000">
+                                          <p:val>
+                                            <p:strVal val="#ppt_y"/>
+                                          </p:val>
+                                        </p:tav>
+                                      </p:tavLst>
+                                    </p:anim>
+                                  </p:childTnLst>
+                                </p:cTn>
+                              </p:par>
+                            </p:childTnLst>
+                          </p:cTn>
+                        </p:par>
+                      </p:childTnLst>
+                    </p:cTn>
+                  </p:par>
+                  <p:par>
+                    <p:cTn id="15" fill="hold">
+                      <p:stCondLst>
+                        <p:cond delay="indefinite"/>
+                      </p:stCondLst>
+                      <p:childTnLst>
+                        <p:par>
+                          <p:cTn id="16" fill="hold">
+                            <p:stCondLst>
+                              <p:cond delay="0"/>
+                            </p:stCondLst>
+                            <p:childTnLst>
+                              <p:par>
+                                <p:cTn id="17" presetID="2" presetClass="entr" presetSubtype="4" fill="hold" nodeType="clickEffect">
                                   <p:stCondLst>
                                     <p:cond delay="0"/>
                                   </p:stCondLst>
@@ -6578,6 +6675,109 @@
                                     <p:set>
                                       <p:cBhvr>
                                         <p:cTn id="18" dur="1" fill="hold">
+                                          <p:stCondLst>
+                                            <p:cond delay="0"/>
+                                          </p:stCondLst>
+                                        </p:cTn>
+                                        <p:tgtEl>
+                                          <p:spTgt spid="3">
+                                            <p:txEl>
+                                              <p:pRg st="2" end="2"/>
+                                            </p:txEl>
+                                          </p:spTgt>
+                                        </p:tgtEl>
+                                        <p:attrNameLst>
+                                          <p:attrName>style.visibility</p:attrName>
+                                        </p:attrNameLst>
+                                      </p:cBhvr>
+                                      <p:to>
+                                        <p:strVal val="visible"/>
+                                      </p:to>
+                                    </p:set>
+                                    <p:anim calcmode="lin" valueType="num">
+                                      <p:cBhvr additive="base">
+                                        <p:cTn id="19" dur="500" fill="hold"/>
+                                        <p:tgtEl>
+                                          <p:spTgt spid="3">
+                                            <p:txEl>
+                                              <p:pRg st="2" end="2"/>
+                                            </p:txEl>
+                                          </p:spTgt>
+                                        </p:tgtEl>
+                                        <p:attrNameLst>
+                                          <p:attrName>ppt_x</p:attrName>
+                                        </p:attrNameLst>
+                                      </p:cBhvr>
+                                      <p:tavLst>
+                                        <p:tav tm="0">
+                                          <p:val>
+                                            <p:strVal val="#ppt_x"/>
+                                          </p:val>
+                                        </p:tav>
+                                        <p:tav tm="100000">
+                                          <p:val>
+                                            <p:strVal val="#ppt_x"/>
+                                          </p:val>
+                                        </p:tav>
+                                      </p:tavLst>
+                                    </p:anim>
+                                    <p:anim calcmode="lin" valueType="num">
+                                      <p:cBhvr additive="base">
+                                        <p:cTn id="20" dur="500" fill="hold"/>
+                                        <p:tgtEl>
+                                          <p:spTgt spid="3">
+                                            <p:txEl>
+                                              <p:pRg st="2" end="2"/>
+                                            </p:txEl>
+                                          </p:spTgt>
+                                        </p:tgtEl>
+                                        <p:attrNameLst>
+                                          <p:attrName>ppt_y</p:attrName>
+                                        </p:attrNameLst>
+                                      </p:cBhvr>
+                                      <p:tavLst>
+                                        <p:tav tm="0">
+                                          <p:val>
+                                            <p:strVal val="1+#ppt_h/2"/>
+                                          </p:val>
+                                        </p:tav>
+                                        <p:tav tm="100000">
+                                          <p:val>
+                                            <p:strVal val="#ppt_y"/>
+                                          </p:val>
+                                        </p:tav>
+                                      </p:tavLst>
+                                    </p:anim>
+                                  </p:childTnLst>
+                                </p:cTn>
+                              </p:par>
+                            </p:childTnLst>
+                          </p:cTn>
+                        </p:par>
+                      </p:childTnLst>
+                    </p:cTn>
+                  </p:par>
+                  <p:par>
+                    <p:cTn id="21" fill="hold">
+                      <p:stCondLst>
+                        <p:cond delay="indefinite"/>
+                      </p:stCondLst>
+                      <p:childTnLst>
+                        <p:par>
+                          <p:cTn id="22" fill="hold">
+                            <p:stCondLst>
+                              <p:cond delay="0"/>
+                            </p:stCondLst>
+                            <p:childTnLst>
+                              <p:par>
+                                <p:cTn id="23" presetID="2" presetClass="entr" presetSubtype="4" fill="hold" nodeType="clickEffect">
+                                  <p:stCondLst>
+                                    <p:cond delay="0"/>
+                                  </p:stCondLst>
+                                  <p:childTnLst>
+                                    <p:set>
+                                      <p:cBhvr>
+                                        <p:cTn id="24" dur="1" fill="hold">
                                           <p:stCondLst>
                                             <p:cond delay="0"/>
                                           </p:stCondLst>
@@ -6599,7 +6799,7 @@
                                     </p:set>
                                     <p:anim calcmode="lin" valueType="num">
                                       <p:cBhvr additive="base">
-                                        <p:cTn id="19" dur="500" fill="hold"/>
+                                        <p:cTn id="25" dur="500" fill="hold"/>
                                         <p:tgtEl>
                                           <p:spTgt spid="3">
                                             <p:txEl>
@@ -6626,7 +6826,7 @@
                                     </p:anim>
                                     <p:anim calcmode="lin" valueType="num">
                                       <p:cBhvr additive="base">
-                                        <p:cTn id="20" dur="500" fill="hold"/>
+                                        <p:cTn id="26" dur="500" fill="hold"/>
                                         <p:tgtEl>
                                           <p:spTgt spid="3">
                                             <p:txEl>
@@ -6654,15 +6854,33 @@
                                   </p:childTnLst>
                                 </p:cTn>
                               </p:par>
+                            </p:childTnLst>
+                          </p:cTn>
+                        </p:par>
+                      </p:childTnLst>
+                    </p:cTn>
+                  </p:par>
+                  <p:par>
+                    <p:cTn id="27" fill="hold">
+                      <p:stCondLst>
+                        <p:cond delay="indefinite"/>
+                      </p:stCondLst>
+                      <p:childTnLst>
+                        <p:par>
+                          <p:cTn id="28" fill="hold">
+                            <p:stCondLst>
+                              <p:cond delay="0"/>
+                            </p:stCondLst>
+                            <p:childTnLst>
                               <p:par>
-                                <p:cTn id="21" presetID="2" presetClass="entr" presetSubtype="4" fill="hold" nodeType="withEffect">
+                                <p:cTn id="29" presetID="2" presetClass="entr" presetSubtype="4" fill="hold" nodeType="clickEffect">
                                   <p:stCondLst>
                                     <p:cond delay="0"/>
                                   </p:stCondLst>
                                   <p:childTnLst>
                                     <p:set>
                                       <p:cBhvr>
-                                        <p:cTn id="22" dur="1" fill="hold">
+                                        <p:cTn id="30" dur="1" fill="hold">
                                           <p:stCondLst>
                                             <p:cond delay="0"/>
                                           </p:stCondLst>
@@ -6684,7 +6902,7 @@
                                     </p:set>
                                     <p:anim calcmode="lin" valueType="num">
                                       <p:cBhvr additive="base">
-                                        <p:cTn id="23" dur="500" fill="hold"/>
+                                        <p:cTn id="31" dur="500" fill="hold"/>
                                         <p:tgtEl>
                                           <p:spTgt spid="3">
                                             <p:txEl>
@@ -6711,7 +6929,7 @@
                                     </p:anim>
                                     <p:anim calcmode="lin" valueType="num">
                                       <p:cBhvr additive="base">
-                                        <p:cTn id="24" dur="500" fill="hold"/>
+                                        <p:cTn id="32" dur="500" fill="hold"/>
                                         <p:tgtEl>
                                           <p:spTgt spid="3">
                                             <p:txEl>
@@ -6739,15 +6957,33 @@
                                   </p:childTnLst>
                                 </p:cTn>
                               </p:par>
+                            </p:childTnLst>
+                          </p:cTn>
+                        </p:par>
+                      </p:childTnLst>
+                    </p:cTn>
+                  </p:par>
+                  <p:par>
+                    <p:cTn id="33" fill="hold">
+                      <p:stCondLst>
+                        <p:cond delay="indefinite"/>
+                      </p:stCondLst>
+                      <p:childTnLst>
+                        <p:par>
+                          <p:cTn id="34" fill="hold">
+                            <p:stCondLst>
+                              <p:cond delay="0"/>
+                            </p:stCondLst>
+                            <p:childTnLst>
                               <p:par>
-                                <p:cTn id="25" presetID="2" presetClass="entr" presetSubtype="4" fill="hold" nodeType="withEffect">
+                                <p:cTn id="35" presetID="2" presetClass="entr" presetSubtype="4" fill="hold" nodeType="clickEffect">
                                   <p:stCondLst>
                                     <p:cond delay="0"/>
                                   </p:stCondLst>
                                   <p:childTnLst>
                                     <p:set>
                                       <p:cBhvr>
-                                        <p:cTn id="26" dur="1" fill="hold">
+                                        <p:cTn id="36" dur="1" fill="hold">
                                           <p:stCondLst>
                                             <p:cond delay="0"/>
                                           </p:stCondLst>
@@ -6769,7 +7005,7 @@
                                     </p:set>
                                     <p:anim calcmode="lin" valueType="num">
                                       <p:cBhvr additive="base">
-                                        <p:cTn id="27" dur="500" fill="hold"/>
+                                        <p:cTn id="37" dur="500" fill="hold"/>
                                         <p:tgtEl>
                                           <p:spTgt spid="3">
                                             <p:txEl>
@@ -6796,7 +7032,7 @@
                                     </p:anim>
                                     <p:anim calcmode="lin" valueType="num">
                                       <p:cBhvr additive="base">
-                                        <p:cTn id="28" dur="500" fill="hold"/>
+                                        <p:cTn id="38" dur="500" fill="hold"/>
                                         <p:tgtEl>
                                           <p:spTgt spid="3">
                                             <p:txEl>
@@ -6855,7 +7091,7 @@
 </p:sld>
 </file>
 
-<file path=ppt/slides/slide14.xml><?xml version="1.0" encoding="utf-8"?>
+<file path=ppt/slides/slide12.xml><?xml version="1.0" encoding="utf-8"?>
 <p:sld xmlns:a="http://schemas.openxmlformats.org/drawingml/2006/main" xmlns:r="http://schemas.openxmlformats.org/officeDocument/2006/relationships" xmlns:p="http://schemas.openxmlformats.org/presentationml/2006/main">
   <p:cSld>
     <p:spTree>
@@ -6916,7 +7152,12 @@
             <p:ph idx="1"/>
           </p:nvPr>
         </p:nvSpPr>
-        <p:spPr/>
+        <p:spPr>
+          <a:xfrm>
+            <a:off x="467687" y="2142067"/>
+            <a:ext cx="10131425" cy="3649133"/>
+          </a:xfrm>
+        </p:spPr>
         <p:txBody>
           <a:bodyPr/>
           <a:lstStyle/>
@@ -6929,7 +7170,7 @@
           <a:p>
             <a:r>
               <a:rPr lang="en-US" dirty="0"/>
-              <a:t>Could add hardware high and low pass filters to remove unwanted noise </a:t>
+              <a:t>Could add hardware high and low pass filters to remove unwanted frequency  </a:t>
             </a:r>
           </a:p>
         </p:txBody>
@@ -7186,9 +7427,20 @@
 </p:sld>
 </file>
 
-<file path=ppt/slides/slide15.xml><?xml version="1.0" encoding="utf-8"?>
+<file path=ppt/slides/slide13.xml><?xml version="1.0" encoding="utf-8"?>
 <p:sld xmlns:a="http://schemas.openxmlformats.org/drawingml/2006/main" xmlns:r="http://schemas.openxmlformats.org/officeDocument/2006/relationships" xmlns:p="http://schemas.openxmlformats.org/presentationml/2006/main">
   <p:cSld>
+    <p:bg>
+      <p:bgPr>
+        <a:blipFill>
+          <a:blip r:embed="rId2">
+            <a:extLst/>
+          </a:blip>
+          <a:stretch/>
+        </a:blipFill>
+        <a:effectLst/>
+      </p:bgPr>
+    </p:bg>
     <p:spTree>
       <p:nvGrpSpPr>
         <p:cNvPr id="1" name=""/>
@@ -7203,6 +7455,4585 @@
           <a:chExt cx="0" cy="0"/>
         </a:xfrm>
       </p:grpSpPr>
+      <p:pic>
+        <p:nvPicPr>
+          <p:cNvPr id="15" name="Picture 14">
+            <a:extLst>
+              <a:ext uri="{FF2B5EF4-FFF2-40B4-BE49-F238E27FC236}">
+                <a16:creationId xmlns:a16="http://schemas.microsoft.com/office/drawing/2014/main" id="{CBECFFDC-94DB-4DA3-94FE-22FEDDA8FA30}"/>
+              </a:ext>
+              <a:ext uri="{C183D7F6-B498-43B3-948B-1728B52AA6E4}">
+                <adec:decorative xmlns:adec="http://schemas.microsoft.com/office/drawing/2017/decorative" val="1"/>
+              </a:ext>
+            </a:extLst>
+          </p:cNvPr>
+          <p:cNvPicPr>
+            <a:picLocks noGrp="1" noRot="1" noChangeAspect="1" noMove="1" noResize="1" noEditPoints="1" noAdjustHandles="1" noChangeArrowheads="1" noChangeShapeType="1" noCrop="1"/>
+          </p:cNvPicPr>
+          <p:nvPr>
+            <p:extLst>
+              <p:ext uri="{386F3935-93C4-4BCD-93E2-E3B085C9AB24}">
+                <p16:designElem xmlns:p16="http://schemas.microsoft.com/office/powerpoint/2015/main" val="1"/>
+              </p:ext>
+            </p:extLst>
+          </p:nvPr>
+        </p:nvPicPr>
+        <p:blipFill>
+          <a:blip r:embed="rId3">
+            <a:extLst>
+              <a:ext uri="{28A0092B-C50C-407E-A947-70E740481C1C}">
+                <a14:useLocalDpi xmlns:a14="http://schemas.microsoft.com/office/drawing/2010/main" val="0"/>
+              </a:ext>
+            </a:extLst>
+          </a:blip>
+          <a:stretch>
+            <a:fillRect/>
+          </a:stretch>
+        </p:blipFill>
+        <p:spPr>
+          <a:xfrm>
+            <a:off x="0" y="0"/>
+            <a:ext cx="12188825" cy="6856214"/>
+          </a:xfrm>
+          <a:prstGeom prst="rect">
+            <a:avLst/>
+          </a:prstGeom>
+        </p:spPr>
+      </p:pic>
+      <p:pic>
+        <p:nvPicPr>
+          <p:cNvPr id="10" name="Picture 16" descr="Image result for dr frankenstein">
+            <a:extLst>
+              <a:ext uri="{FF2B5EF4-FFF2-40B4-BE49-F238E27FC236}">
+                <a16:creationId xmlns:a16="http://schemas.microsoft.com/office/drawing/2014/main" id="{A8B1868D-8EBD-46E0-ADB1-EB207357D695}"/>
+              </a:ext>
+            </a:extLst>
+          </p:cNvPr>
+          <p:cNvPicPr>
+            <a:picLocks noChangeAspect="1" noChangeArrowheads="1"/>
+          </p:cNvPicPr>
+          <p:nvPr/>
+        </p:nvPicPr>
+        <p:blipFill rotWithShape="1">
+          <a:blip r:embed="rId4">
+            <a:extLst>
+              <a:ext uri="{28A0092B-C50C-407E-A947-70E740481C1C}">
+                <a14:useLocalDpi xmlns:a14="http://schemas.microsoft.com/office/drawing/2010/main" val="0"/>
+              </a:ext>
+            </a:extLst>
+          </a:blip>
+          <a:srcRect t="6639"/>
+          <a:stretch/>
+        </p:blipFill>
+        <p:spPr bwMode="auto">
+          <a:xfrm>
+            <a:off x="-8603" y="10"/>
+            <a:ext cx="12191980" cy="6857990"/>
+          </a:xfrm>
+          <a:prstGeom prst="rect">
+            <a:avLst/>
+          </a:prstGeom>
+          <a:noFill/>
+          <a:extLst>
+            <a:ext uri="{909E8E84-426E-40DD-AFC4-6F175D3DCCD1}">
+              <a14:hiddenFill xmlns:a14="http://schemas.microsoft.com/office/drawing/2010/main">
+                <a:solidFill>
+                  <a:srgbClr val="FFFFFF"/>
+                </a:solidFill>
+              </a14:hiddenFill>
+            </a:ext>
+          </a:extLst>
+        </p:spPr>
+      </p:pic>
+      <p:pic>
+        <p:nvPicPr>
+          <p:cNvPr id="17" name="Picture 16">
+            <a:extLst>
+              <a:ext uri="{FF2B5EF4-FFF2-40B4-BE49-F238E27FC236}">
+                <a16:creationId xmlns:a16="http://schemas.microsoft.com/office/drawing/2014/main" id="{545F67A4-7428-47F3-AE14-8CA43D976E11}"/>
+              </a:ext>
+              <a:ext uri="{C183D7F6-B498-43B3-948B-1728B52AA6E4}">
+                <adec:decorative xmlns:adec="http://schemas.microsoft.com/office/drawing/2017/decorative" val="1"/>
+              </a:ext>
+            </a:extLst>
+          </p:cNvPr>
+          <p:cNvPicPr>
+            <a:picLocks noGrp="1" noRot="1" noChangeAspect="1" noMove="1" noResize="1" noEditPoints="1" noAdjustHandles="1" noChangeArrowheads="1" noChangeShapeType="1" noCrop="1"/>
+          </p:cNvPicPr>
+          <p:nvPr>
+            <p:extLst>
+              <p:ext uri="{386F3935-93C4-4BCD-93E2-E3B085C9AB24}">
+                <p16:designElem xmlns:p16="http://schemas.microsoft.com/office/powerpoint/2015/main" val="1"/>
+              </p:ext>
+            </p:extLst>
+          </p:nvPr>
+        </p:nvPicPr>
+        <p:blipFill>
+          <a:blip r:embed="rId3">
+            <a:extLst>
+              <a:ext uri="{28A0092B-C50C-407E-A947-70E740481C1C}">
+                <a14:useLocalDpi xmlns:a14="http://schemas.microsoft.com/office/drawing/2010/main" val="0"/>
+              </a:ext>
+            </a:extLst>
+          </a:blip>
+          <a:stretch>
+            <a:fillRect/>
+          </a:stretch>
+        </p:blipFill>
+        <p:spPr>
+          <a:xfrm>
+            <a:off x="0" y="0"/>
+            <a:ext cx="12188825" cy="6856214"/>
+          </a:xfrm>
+          <a:prstGeom prst="rect">
+            <a:avLst/>
+          </a:prstGeom>
+        </p:spPr>
+      </p:pic>
+      <p:sp>
+        <p:nvSpPr>
+          <p:cNvPr id="19" name="Freeform 5">
+            <a:extLst>
+              <a:ext uri="{FF2B5EF4-FFF2-40B4-BE49-F238E27FC236}">
+                <a16:creationId xmlns:a16="http://schemas.microsoft.com/office/drawing/2014/main" id="{F4A20210-FA90-4B6D-8D2E-1B90054E097A}"/>
+              </a:ext>
+              <a:ext uri="{C183D7F6-B498-43B3-948B-1728B52AA6E4}">
+                <adec:decorative xmlns:adec="http://schemas.microsoft.com/office/drawing/2017/decorative" val="1"/>
+              </a:ext>
+            </a:extLst>
+          </p:cNvPr>
+          <p:cNvSpPr>
+            <a:spLocks noGrp="1" noRot="1" noChangeAspect="1" noMove="1" noResize="1" noEditPoints="1" noAdjustHandles="1" noChangeArrowheads="1" noChangeShapeType="1" noTextEdit="1"/>
+          </p:cNvSpPr>
+          <p:nvPr>
+            <p:extLst>
+              <p:ext uri="{386F3935-93C4-4BCD-93E2-E3B085C9AB24}">
+                <p16:designElem xmlns:p16="http://schemas.microsoft.com/office/powerpoint/2015/main" val="1"/>
+              </p:ext>
+            </p:extLst>
+          </p:nvPr>
+        </p:nvSpPr>
+        <p:spPr bwMode="grayWhite">
+          <a:xfrm>
+            <a:off x="5827529" y="660400"/>
+            <a:ext cx="6381405" cy="6214533"/>
+          </a:xfrm>
+          <a:custGeom>
+            <a:avLst/>
+            <a:gdLst>
+              <a:gd name="T0" fmla="*/ 1333 w 1333"/>
+              <a:gd name="T1" fmla="*/ 1031 h 1298"/>
+              <a:gd name="T2" fmla="*/ 1333 w 1333"/>
+              <a:gd name="T3" fmla="*/ 380 h 1298"/>
+              <a:gd name="T4" fmla="*/ 706 w 1333"/>
+              <a:gd name="T5" fmla="*/ 0 h 1298"/>
+              <a:gd name="T6" fmla="*/ 0 w 1333"/>
+              <a:gd name="T7" fmla="*/ 706 h 1298"/>
+              <a:gd name="T8" fmla="*/ 323 w 1333"/>
+              <a:gd name="T9" fmla="*/ 1298 h 1298"/>
+              <a:gd name="T10" fmla="*/ 1090 w 1333"/>
+              <a:gd name="T11" fmla="*/ 1298 h 1298"/>
+              <a:gd name="T12" fmla="*/ 1333 w 1333"/>
+              <a:gd name="T13" fmla="*/ 1031 h 1298"/>
+            </a:gdLst>
+            <a:ahLst/>
+            <a:cxnLst>
+              <a:cxn ang="0">
+                <a:pos x="T0" y="T1"/>
+              </a:cxn>
+              <a:cxn ang="0">
+                <a:pos x="T2" y="T3"/>
+              </a:cxn>
+              <a:cxn ang="0">
+                <a:pos x="T4" y="T5"/>
+              </a:cxn>
+              <a:cxn ang="0">
+                <a:pos x="T6" y="T7"/>
+              </a:cxn>
+              <a:cxn ang="0">
+                <a:pos x="T8" y="T9"/>
+              </a:cxn>
+              <a:cxn ang="0">
+                <a:pos x="T10" y="T11"/>
+              </a:cxn>
+              <a:cxn ang="0">
+                <a:pos x="T12" y="T13"/>
+              </a:cxn>
+            </a:cxnLst>
+            <a:rect l="0" t="0" r="r" b="b"/>
+            <a:pathLst>
+              <a:path w="1333" h="1298">
+                <a:moveTo>
+                  <a:pt x="1333" y="1031"/>
+                </a:moveTo>
+                <a:cubicBezTo>
+                  <a:pt x="1333" y="380"/>
+                  <a:pt x="1333" y="380"/>
+                  <a:pt x="1333" y="380"/>
+                </a:cubicBezTo>
+                <a:cubicBezTo>
+                  <a:pt x="1215" y="154"/>
+                  <a:pt x="979" y="0"/>
+                  <a:pt x="706" y="0"/>
+                </a:cubicBezTo>
+                <a:cubicBezTo>
+                  <a:pt x="317" y="0"/>
+                  <a:pt x="0" y="316"/>
+                  <a:pt x="0" y="706"/>
+                </a:cubicBezTo>
+                <a:cubicBezTo>
+                  <a:pt x="0" y="954"/>
+                  <a:pt x="129" y="1172"/>
+                  <a:pt x="323" y="1298"/>
+                </a:cubicBezTo>
+                <a:cubicBezTo>
+                  <a:pt x="1090" y="1298"/>
+                  <a:pt x="1090" y="1298"/>
+                  <a:pt x="1090" y="1298"/>
+                </a:cubicBezTo>
+                <a:cubicBezTo>
+                  <a:pt x="1193" y="1232"/>
+                  <a:pt x="1276" y="1140"/>
+                  <a:pt x="1333" y="1031"/>
+                </a:cubicBezTo>
+                <a:close/>
+              </a:path>
+            </a:pathLst>
+          </a:custGeom>
+          <a:solidFill>
+            <a:schemeClr val="bg1">
+              <a:alpha val="60000"/>
+            </a:schemeClr>
+          </a:solidFill>
+          <a:ln w="50800" cap="sq" cmpd="dbl">
+            <a:gradFill flip="none" rotWithShape="1">
+              <a:gsLst>
+                <a:gs pos="0">
+                  <a:srgbClr val="FFFFFF"/>
+                </a:gs>
+                <a:gs pos="100000">
+                  <a:schemeClr val="tx1">
+                    <a:alpha val="0"/>
+                  </a:schemeClr>
+                </a:gs>
+              </a:gsLst>
+              <a:path path="circle">
+                <a:fillToRect l="50000" t="50000" r="50000" b="50000"/>
+              </a:path>
+              <a:tileRect/>
+            </a:gradFill>
+            <a:miter lim="800000"/>
+          </a:ln>
+          <a:effectLst>
+            <a:outerShdw blurRad="254000" algn="tl" rotWithShape="0">
+              <a:srgbClr val="000000">
+                <a:alpha val="43000"/>
+              </a:srgbClr>
+            </a:outerShdw>
+          </a:effectLst>
+          <a:extLst/>
+        </p:spPr>
+        <p:txBody>
+          <a:bodyPr vert="horz" lIns="91440" tIns="45720" rIns="91440" bIns="45720" rtlCol="0" anchor="t">
+            <a:normAutofit/>
+          </a:bodyPr>
+          <a:lstStyle/>
+          <a:p>
+            <a:pPr algn="ctr">
+              <a:spcAft>
+                <a:spcPts val="1000"/>
+              </a:spcAft>
+              <a:buClr>
+                <a:schemeClr val="tx1"/>
+              </a:buClr>
+              <a:buSzPct val="100000"/>
+              <a:buFont typeface="Arial"/>
+              <a:buNone/>
+            </a:pPr>
+            <a:endParaRPr lang="en-US" sz="1600" cap="all"/>
+          </a:p>
+        </p:txBody>
+      </p:sp>
+      <p:sp>
+        <p:nvSpPr>
+          <p:cNvPr id="21" name="Freeform 14">
+            <a:extLst>
+              <a:ext uri="{FF2B5EF4-FFF2-40B4-BE49-F238E27FC236}">
+                <a16:creationId xmlns:a16="http://schemas.microsoft.com/office/drawing/2014/main" id="{39213B44-68B7-47E7-B506-5C79FCF80924}"/>
+              </a:ext>
+              <a:ext uri="{C183D7F6-B498-43B3-948B-1728B52AA6E4}">
+                <adec:decorative xmlns:adec="http://schemas.microsoft.com/office/drawing/2017/decorative" val="1"/>
+              </a:ext>
+            </a:extLst>
+          </p:cNvPr>
+          <p:cNvSpPr>
+            <a:spLocks noGrp="1" noRot="1" noChangeAspect="1" noMove="1" noResize="1" noEditPoints="1" noAdjustHandles="1" noChangeArrowheads="1" noChangeShapeType="1" noTextEdit="1"/>
+          </p:cNvSpPr>
+          <p:nvPr>
+            <p:extLst>
+              <p:ext uri="{386F3935-93C4-4BCD-93E2-E3B085C9AB24}">
+                <p16:designElem xmlns:p16="http://schemas.microsoft.com/office/powerpoint/2015/main" val="1"/>
+              </p:ext>
+            </p:extLst>
+          </p:nvPr>
+        </p:nvSpPr>
+        <p:spPr>
+          <a:xfrm>
+            <a:off x="5281603" y="104899"/>
+            <a:ext cx="6896713" cy="6005491"/>
+          </a:xfrm>
+          <a:custGeom>
+            <a:avLst/>
+            <a:gdLst>
+              <a:gd name="connsiteX0" fmla="*/ 3912717 w 6896713"/>
+              <a:gd name="connsiteY0" fmla="*/ 0 h 6005491"/>
+              <a:gd name="connsiteX1" fmla="*/ 6679426 w 6896713"/>
+              <a:gd name="connsiteY1" fmla="*/ 1146008 h 6005491"/>
+              <a:gd name="connsiteX2" fmla="*/ 6896713 w 6896713"/>
+              <a:gd name="connsiteY2" fmla="*/ 1385085 h 6005491"/>
+              <a:gd name="connsiteX3" fmla="*/ 6896713 w 6896713"/>
+              <a:gd name="connsiteY3" fmla="*/ 1431256 h 6005491"/>
+              <a:gd name="connsiteX4" fmla="*/ 6657442 w 6896713"/>
+              <a:gd name="connsiteY4" fmla="*/ 1167992 h 6005491"/>
+              <a:gd name="connsiteX5" fmla="*/ 3912717 w 6896713"/>
+              <a:gd name="connsiteY5" fmla="*/ 31089 h 6005491"/>
+              <a:gd name="connsiteX6" fmla="*/ 31089 w 6896713"/>
+              <a:gd name="connsiteY6" fmla="*/ 3912717 h 6005491"/>
+              <a:gd name="connsiteX7" fmla="*/ 593046 w 6896713"/>
+              <a:gd name="connsiteY7" fmla="*/ 5925483 h 6005491"/>
+              <a:gd name="connsiteX8" fmla="*/ 633874 w 6896713"/>
+              <a:gd name="connsiteY8" fmla="*/ 5989169 h 6005491"/>
+              <a:gd name="connsiteX9" fmla="*/ 607415 w 6896713"/>
+              <a:gd name="connsiteY9" fmla="*/ 6005491 h 6005491"/>
+              <a:gd name="connsiteX10" fmla="*/ 566458 w 6896713"/>
+              <a:gd name="connsiteY10" fmla="*/ 5941603 h 6005491"/>
+              <a:gd name="connsiteX11" fmla="*/ 0 w 6896713"/>
+              <a:gd name="connsiteY11" fmla="*/ 3912717 h 6005491"/>
+              <a:gd name="connsiteX12" fmla="*/ 3912717 w 6896713"/>
+              <a:gd name="connsiteY12" fmla="*/ 0 h 6005491"/>
+            </a:gdLst>
+            <a:ahLst/>
+            <a:cxnLst>
+              <a:cxn ang="0">
+                <a:pos x="connsiteX0" y="connsiteY0"/>
+              </a:cxn>
+              <a:cxn ang="0">
+                <a:pos x="connsiteX1" y="connsiteY1"/>
+              </a:cxn>
+              <a:cxn ang="0">
+                <a:pos x="connsiteX2" y="connsiteY2"/>
+              </a:cxn>
+              <a:cxn ang="0">
+                <a:pos x="connsiteX3" y="connsiteY3"/>
+              </a:cxn>
+              <a:cxn ang="0">
+                <a:pos x="connsiteX4" y="connsiteY4"/>
+              </a:cxn>
+              <a:cxn ang="0">
+                <a:pos x="connsiteX5" y="connsiteY5"/>
+              </a:cxn>
+              <a:cxn ang="0">
+                <a:pos x="connsiteX6" y="connsiteY6"/>
+              </a:cxn>
+              <a:cxn ang="0">
+                <a:pos x="connsiteX7" y="connsiteY7"/>
+              </a:cxn>
+              <a:cxn ang="0">
+                <a:pos x="connsiteX8" y="connsiteY8"/>
+              </a:cxn>
+              <a:cxn ang="0">
+                <a:pos x="connsiteX9" y="connsiteY9"/>
+              </a:cxn>
+              <a:cxn ang="0">
+                <a:pos x="connsiteX10" y="connsiteY10"/>
+              </a:cxn>
+              <a:cxn ang="0">
+                <a:pos x="connsiteX11" y="connsiteY11"/>
+              </a:cxn>
+              <a:cxn ang="0">
+                <a:pos x="connsiteX12" y="connsiteY12"/>
+              </a:cxn>
+            </a:cxnLst>
+            <a:rect l="l" t="t" r="r" b="b"/>
+            <a:pathLst>
+              <a:path w="6896713" h="6005491">
+                <a:moveTo>
+                  <a:pt x="3912717" y="0"/>
+                </a:moveTo>
+                <a:cubicBezTo>
+                  <a:pt x="4993184" y="0"/>
+                  <a:pt x="5971363" y="437946"/>
+                  <a:pt x="6679426" y="1146008"/>
+                </a:cubicBezTo>
+                <a:lnTo>
+                  <a:pt x="6896713" y="1385085"/>
+                </a:lnTo>
+                <a:lnTo>
+                  <a:pt x="6896713" y="1431256"/>
+                </a:lnTo>
+                <a:lnTo>
+                  <a:pt x="6657442" y="1167992"/>
+                </a:lnTo>
+                <a:cubicBezTo>
+                  <a:pt x="5955006" y="465555"/>
+                  <a:pt x="4984599" y="31089"/>
+                  <a:pt x="3912717" y="31089"/>
+                </a:cubicBezTo>
+                <a:cubicBezTo>
+                  <a:pt x="1768953" y="31089"/>
+                  <a:pt x="31089" y="1768953"/>
+                  <a:pt x="31089" y="3912717"/>
+                </a:cubicBezTo>
+                <a:cubicBezTo>
+                  <a:pt x="31089" y="4649636"/>
+                  <a:pt x="236442" y="5338592"/>
+                  <a:pt x="593046" y="5925483"/>
+                </a:cubicBezTo>
+                <a:lnTo>
+                  <a:pt x="633874" y="5989169"/>
+                </a:lnTo>
+                <a:lnTo>
+                  <a:pt x="607415" y="6005491"/>
+                </a:lnTo>
+                <a:lnTo>
+                  <a:pt x="566458" y="5941603"/>
+                </a:lnTo>
+                <a:cubicBezTo>
+                  <a:pt x="206998" y="5350013"/>
+                  <a:pt x="0" y="4655538"/>
+                  <a:pt x="0" y="3912717"/>
+                </a:cubicBezTo>
+                <a:cubicBezTo>
+                  <a:pt x="0" y="1751783"/>
+                  <a:pt x="1751783" y="0"/>
+                  <a:pt x="3912717" y="0"/>
+                </a:cubicBezTo>
+                <a:close/>
+              </a:path>
+            </a:pathLst>
+          </a:custGeom>
+          <a:solidFill>
+            <a:srgbClr val="FFFFFF">
+              <a:alpha val="41961"/>
+            </a:srgbClr>
+          </a:solidFill>
+          <a:ln>
+            <a:noFill/>
+          </a:ln>
+        </p:spPr>
+        <p:style>
+          <a:lnRef idx="2">
+            <a:schemeClr val="accent1">
+              <a:shade val="50000"/>
+            </a:schemeClr>
+          </a:lnRef>
+          <a:fillRef idx="1">
+            <a:schemeClr val="accent1"/>
+          </a:fillRef>
+          <a:effectRef idx="0">
+            <a:schemeClr val="accent1"/>
+          </a:effectRef>
+          <a:fontRef idx="minor">
+            <a:schemeClr val="lt1"/>
+          </a:fontRef>
+        </p:style>
+        <p:txBody>
+          <a:bodyPr rtlCol="0" anchor="ctr"/>
+          <a:lstStyle/>
+          <a:p>
+            <a:pPr algn="ctr"/>
+            <a:endParaRPr lang="en-US"/>
+          </a:p>
+        </p:txBody>
+      </p:sp>
+      <p:grpSp>
+        <p:nvGrpSpPr>
+          <p:cNvPr id="23" name="Group 22">
+            <a:extLst>
+              <a:ext uri="{FF2B5EF4-FFF2-40B4-BE49-F238E27FC236}">
+                <a16:creationId xmlns:a16="http://schemas.microsoft.com/office/drawing/2014/main" id="{39084D60-65A6-45F8-8C17-3529E43F1C39}"/>
+              </a:ext>
+              <a:ext uri="{C183D7F6-B498-43B3-948B-1728B52AA6E4}">
+                <adec:decorative xmlns:adec="http://schemas.microsoft.com/office/drawing/2017/decorative" val="1"/>
+              </a:ext>
+            </a:extLst>
+          </p:cNvPr>
+          <p:cNvGrpSpPr>
+            <a:grpSpLocks noGrp="1" noUngrp="1" noRot="1" noChangeAspect="1" noMove="1" noResize="1"/>
+          </p:cNvGrpSpPr>
+          <p:nvPr>
+            <p:extLst>
+              <p:ext uri="{386F3935-93C4-4BCD-93E2-E3B085C9AB24}">
+                <p16:designElem xmlns:p16="http://schemas.microsoft.com/office/powerpoint/2015/main" val="1"/>
+              </p:ext>
+            </p:extLst>
+          </p:nvPr>
+        </p:nvGrpSpPr>
+        <p:grpSpPr>
+          <a:xfrm>
+            <a:off x="5516018" y="331504"/>
+            <a:ext cx="6675982" cy="5235326"/>
+            <a:chOff x="5516018" y="331504"/>
+            <a:chExt cx="6675982" cy="5235326"/>
+          </a:xfrm>
+        </p:grpSpPr>
+        <p:cxnSp>
+          <p:nvCxnSpPr>
+            <p:cNvPr id="24" name="Straight Connector 23">
+              <a:extLst>
+                <a:ext uri="{FF2B5EF4-FFF2-40B4-BE49-F238E27FC236}">
+                  <a16:creationId xmlns:a16="http://schemas.microsoft.com/office/drawing/2014/main" id="{444A2572-2BF1-4C8E-AF59-F3AD411D894D}"/>
+                </a:ext>
+                <a:ext uri="{C183D7F6-B498-43B3-948B-1728B52AA6E4}">
+                  <adec:decorative xmlns:adec="http://schemas.microsoft.com/office/drawing/2017/decorative" val="1"/>
+                </a:ext>
+              </a:extLst>
+            </p:cNvPr>
+            <p:cNvCxnSpPr/>
+            <p:nvPr>
+              <p:extLst>
+                <p:ext uri="{386F3935-93C4-4BCD-93E2-E3B085C9AB24}">
+                  <p16:designElem xmlns:p16="http://schemas.microsoft.com/office/powerpoint/2015/main" val="1"/>
+                </p:ext>
+              </p:extLst>
+            </p:nvPr>
+          </p:nvCxnSpPr>
+          <p:spPr>
+            <a:xfrm flipH="1">
+              <a:off x="9266830" y="331504"/>
+              <a:ext cx="3394" cy="182880"/>
+            </a:xfrm>
+            <a:prstGeom prst="line">
+              <a:avLst/>
+            </a:prstGeom>
+            <a:ln>
+              <a:solidFill>
+                <a:srgbClr val="FFFFFF">
+                  <a:alpha val="30196"/>
+                </a:srgbClr>
+              </a:solidFill>
+            </a:ln>
+          </p:spPr>
+          <p:style>
+            <a:lnRef idx="1">
+              <a:schemeClr val="accent1"/>
+            </a:lnRef>
+            <a:fillRef idx="0">
+              <a:schemeClr val="accent1"/>
+            </a:fillRef>
+            <a:effectRef idx="0">
+              <a:schemeClr val="accent1"/>
+            </a:effectRef>
+            <a:fontRef idx="minor">
+              <a:schemeClr val="tx1"/>
+            </a:fontRef>
+          </p:style>
+        </p:cxnSp>
+        <p:cxnSp>
+          <p:nvCxnSpPr>
+            <p:cNvPr id="25" name="Straight Connector 24">
+              <a:extLst>
+                <a:ext uri="{FF2B5EF4-FFF2-40B4-BE49-F238E27FC236}">
+                  <a16:creationId xmlns:a16="http://schemas.microsoft.com/office/drawing/2014/main" id="{F5DF3485-B455-470C-8FA8-A1BDE087B88C}"/>
+                </a:ext>
+                <a:ext uri="{C183D7F6-B498-43B3-948B-1728B52AA6E4}">
+                  <adec:decorative xmlns:adec="http://schemas.microsoft.com/office/drawing/2017/decorative" val="1"/>
+                </a:ext>
+              </a:extLst>
+            </p:cNvPr>
+            <p:cNvCxnSpPr/>
+            <p:nvPr>
+              <p:extLst>
+                <p:ext uri="{386F3935-93C4-4BCD-93E2-E3B085C9AB24}">
+                  <p16:designElem xmlns:p16="http://schemas.microsoft.com/office/powerpoint/2015/main" val="1"/>
+                </p:ext>
+              </p:extLst>
+            </p:nvPr>
+          </p:nvCxnSpPr>
+          <p:spPr>
+            <a:xfrm rot="120000" flipH="1">
+              <a:off x="9408861" y="338328"/>
+              <a:ext cx="3394" cy="182880"/>
+            </a:xfrm>
+            <a:prstGeom prst="line">
+              <a:avLst/>
+            </a:prstGeom>
+            <a:ln>
+              <a:solidFill>
+                <a:srgbClr val="FFFFFF">
+                  <a:alpha val="30196"/>
+                </a:srgbClr>
+              </a:solidFill>
+            </a:ln>
+          </p:spPr>
+          <p:style>
+            <a:lnRef idx="1">
+              <a:schemeClr val="accent1"/>
+            </a:lnRef>
+            <a:fillRef idx="0">
+              <a:schemeClr val="accent1"/>
+            </a:fillRef>
+            <a:effectRef idx="0">
+              <a:schemeClr val="accent1"/>
+            </a:effectRef>
+            <a:fontRef idx="minor">
+              <a:schemeClr val="tx1"/>
+            </a:fontRef>
+          </p:style>
+        </p:cxnSp>
+        <p:cxnSp>
+          <p:nvCxnSpPr>
+            <p:cNvPr id="26" name="Straight Connector 25">
+              <a:extLst>
+                <a:ext uri="{FF2B5EF4-FFF2-40B4-BE49-F238E27FC236}">
+                  <a16:creationId xmlns:a16="http://schemas.microsoft.com/office/drawing/2014/main" id="{35E9DCD0-EE49-4CB4-89B6-C25F9861C358}"/>
+                </a:ext>
+                <a:ext uri="{C183D7F6-B498-43B3-948B-1728B52AA6E4}">
+                  <adec:decorative xmlns:adec="http://schemas.microsoft.com/office/drawing/2017/decorative" val="1"/>
+                </a:ext>
+              </a:extLst>
+            </p:cNvPr>
+            <p:cNvCxnSpPr/>
+            <p:nvPr>
+              <p:extLst>
+                <p:ext uri="{386F3935-93C4-4BCD-93E2-E3B085C9AB24}">
+                  <p16:designElem xmlns:p16="http://schemas.microsoft.com/office/powerpoint/2015/main" val="1"/>
+                </p:ext>
+              </p:extLst>
+            </p:nvPr>
+          </p:nvCxnSpPr>
+          <p:spPr>
+            <a:xfrm rot="240000" flipH="1">
+              <a:off x="9551700" y="347636"/>
+              <a:ext cx="3394" cy="182880"/>
+            </a:xfrm>
+            <a:prstGeom prst="line">
+              <a:avLst/>
+            </a:prstGeom>
+            <a:ln>
+              <a:solidFill>
+                <a:srgbClr val="FFFFFF">
+                  <a:alpha val="30196"/>
+                </a:srgbClr>
+              </a:solidFill>
+            </a:ln>
+          </p:spPr>
+          <p:style>
+            <a:lnRef idx="1">
+              <a:schemeClr val="accent1"/>
+            </a:lnRef>
+            <a:fillRef idx="0">
+              <a:schemeClr val="accent1"/>
+            </a:fillRef>
+            <a:effectRef idx="0">
+              <a:schemeClr val="accent1"/>
+            </a:effectRef>
+            <a:fontRef idx="minor">
+              <a:schemeClr val="tx1"/>
+            </a:fontRef>
+          </p:style>
+        </p:cxnSp>
+        <p:cxnSp>
+          <p:nvCxnSpPr>
+            <p:cNvPr id="27" name="Straight Connector 26">
+              <a:extLst>
+                <a:ext uri="{FF2B5EF4-FFF2-40B4-BE49-F238E27FC236}">
+                  <a16:creationId xmlns:a16="http://schemas.microsoft.com/office/drawing/2014/main" id="{A713CF62-C96C-44E9-8C28-E3F2C6E7C62A}"/>
+                </a:ext>
+                <a:ext uri="{C183D7F6-B498-43B3-948B-1728B52AA6E4}">
+                  <adec:decorative xmlns:adec="http://schemas.microsoft.com/office/drawing/2017/decorative" val="1"/>
+                </a:ext>
+              </a:extLst>
+            </p:cNvPr>
+            <p:cNvCxnSpPr/>
+            <p:nvPr>
+              <p:extLst>
+                <p:ext uri="{386F3935-93C4-4BCD-93E2-E3B085C9AB24}">
+                  <p16:designElem xmlns:p16="http://schemas.microsoft.com/office/powerpoint/2015/main" val="1"/>
+                </p:ext>
+              </p:extLst>
+            </p:nvPr>
+          </p:nvCxnSpPr>
+          <p:spPr>
+            <a:xfrm rot="360000" flipH="1">
+              <a:off x="9688748" y="368088"/>
+              <a:ext cx="3394" cy="182880"/>
+            </a:xfrm>
+            <a:prstGeom prst="line">
+              <a:avLst/>
+            </a:prstGeom>
+            <a:ln>
+              <a:solidFill>
+                <a:srgbClr val="FFFFFF">
+                  <a:alpha val="30196"/>
+                </a:srgbClr>
+              </a:solidFill>
+            </a:ln>
+          </p:spPr>
+          <p:style>
+            <a:lnRef idx="1">
+              <a:schemeClr val="accent1"/>
+            </a:lnRef>
+            <a:fillRef idx="0">
+              <a:schemeClr val="accent1"/>
+            </a:fillRef>
+            <a:effectRef idx="0">
+              <a:schemeClr val="accent1"/>
+            </a:effectRef>
+            <a:fontRef idx="minor">
+              <a:schemeClr val="tx1"/>
+            </a:fontRef>
+          </p:style>
+        </p:cxnSp>
+        <p:cxnSp>
+          <p:nvCxnSpPr>
+            <p:cNvPr id="28" name="Straight Connector 27">
+              <a:extLst>
+                <a:ext uri="{FF2B5EF4-FFF2-40B4-BE49-F238E27FC236}">
+                  <a16:creationId xmlns:a16="http://schemas.microsoft.com/office/drawing/2014/main" id="{2D06558F-07E9-4D78-A6F3-8BCFA9E73407}"/>
+                </a:ext>
+                <a:ext uri="{C183D7F6-B498-43B3-948B-1728B52AA6E4}">
+                  <adec:decorative xmlns:adec="http://schemas.microsoft.com/office/drawing/2017/decorative" val="1"/>
+                </a:ext>
+              </a:extLst>
+            </p:cNvPr>
+            <p:cNvCxnSpPr/>
+            <p:nvPr>
+              <p:extLst>
+                <p:ext uri="{386F3935-93C4-4BCD-93E2-E3B085C9AB24}">
+                  <p16:designElem xmlns:p16="http://schemas.microsoft.com/office/powerpoint/2015/main" val="1"/>
+                </p:ext>
+              </p:extLst>
+            </p:nvPr>
+          </p:nvCxnSpPr>
+          <p:spPr>
+            <a:xfrm rot="540000" flipH="1">
+              <a:off x="9824866" y="389224"/>
+              <a:ext cx="3394" cy="182880"/>
+            </a:xfrm>
+            <a:prstGeom prst="line">
+              <a:avLst/>
+            </a:prstGeom>
+            <a:ln>
+              <a:solidFill>
+                <a:srgbClr val="FFFFFF">
+                  <a:alpha val="30196"/>
+                </a:srgbClr>
+              </a:solidFill>
+            </a:ln>
+          </p:spPr>
+          <p:style>
+            <a:lnRef idx="1">
+              <a:schemeClr val="accent1"/>
+            </a:lnRef>
+            <a:fillRef idx="0">
+              <a:schemeClr val="accent1"/>
+            </a:fillRef>
+            <a:effectRef idx="0">
+              <a:schemeClr val="accent1"/>
+            </a:effectRef>
+            <a:fontRef idx="minor">
+              <a:schemeClr val="tx1"/>
+            </a:fontRef>
+          </p:style>
+        </p:cxnSp>
+        <p:cxnSp>
+          <p:nvCxnSpPr>
+            <p:cNvPr id="29" name="Straight Connector 28">
+              <a:extLst>
+                <a:ext uri="{FF2B5EF4-FFF2-40B4-BE49-F238E27FC236}">
+                  <a16:creationId xmlns:a16="http://schemas.microsoft.com/office/drawing/2014/main" id="{512D8773-83C0-4D51-9E1F-046DA7DA0DF5}"/>
+                </a:ext>
+                <a:ext uri="{C183D7F6-B498-43B3-948B-1728B52AA6E4}">
+                  <adec:decorative xmlns:adec="http://schemas.microsoft.com/office/drawing/2017/decorative" val="1"/>
+                </a:ext>
+              </a:extLst>
+            </p:cNvPr>
+            <p:cNvCxnSpPr/>
+            <p:nvPr>
+              <p:extLst>
+                <p:ext uri="{386F3935-93C4-4BCD-93E2-E3B085C9AB24}">
+                  <p16:designElem xmlns:p16="http://schemas.microsoft.com/office/powerpoint/2015/main" val="1"/>
+                </p:ext>
+              </p:extLst>
+            </p:nvPr>
+          </p:nvCxnSpPr>
+          <p:spPr>
+            <a:xfrm rot="660000" flipH="1">
+              <a:off x="9966867" y="417549"/>
+              <a:ext cx="3394" cy="182880"/>
+            </a:xfrm>
+            <a:prstGeom prst="line">
+              <a:avLst/>
+            </a:prstGeom>
+            <a:ln>
+              <a:solidFill>
+                <a:srgbClr val="FFFFFF">
+                  <a:alpha val="30196"/>
+                </a:srgbClr>
+              </a:solidFill>
+            </a:ln>
+          </p:spPr>
+          <p:style>
+            <a:lnRef idx="1">
+              <a:schemeClr val="accent1"/>
+            </a:lnRef>
+            <a:fillRef idx="0">
+              <a:schemeClr val="accent1"/>
+            </a:fillRef>
+            <a:effectRef idx="0">
+              <a:schemeClr val="accent1"/>
+            </a:effectRef>
+            <a:fontRef idx="minor">
+              <a:schemeClr val="tx1"/>
+            </a:fontRef>
+          </p:style>
+        </p:cxnSp>
+        <p:cxnSp>
+          <p:nvCxnSpPr>
+            <p:cNvPr id="30" name="Straight Connector 29">
+              <a:extLst>
+                <a:ext uri="{FF2B5EF4-FFF2-40B4-BE49-F238E27FC236}">
+                  <a16:creationId xmlns:a16="http://schemas.microsoft.com/office/drawing/2014/main" id="{5880C3FB-3E2E-4054-A6D1-38176D6E2E00}"/>
+                </a:ext>
+                <a:ext uri="{C183D7F6-B498-43B3-948B-1728B52AA6E4}">
+                  <adec:decorative xmlns:adec="http://schemas.microsoft.com/office/drawing/2017/decorative" val="1"/>
+                </a:ext>
+              </a:extLst>
+            </p:cNvPr>
+            <p:cNvCxnSpPr/>
+            <p:nvPr>
+              <p:extLst>
+                <p:ext uri="{386F3935-93C4-4BCD-93E2-E3B085C9AB24}">
+                  <p16:designElem xmlns:p16="http://schemas.microsoft.com/office/powerpoint/2015/main" val="1"/>
+                </p:ext>
+              </p:extLst>
+            </p:nvPr>
+          </p:nvCxnSpPr>
+          <p:spPr>
+            <a:xfrm rot="780000" flipH="1">
+              <a:off x="10104425" y="445874"/>
+              <a:ext cx="3394" cy="182880"/>
+            </a:xfrm>
+            <a:prstGeom prst="line">
+              <a:avLst/>
+            </a:prstGeom>
+            <a:ln>
+              <a:solidFill>
+                <a:srgbClr val="FFFFFF">
+                  <a:alpha val="30196"/>
+                </a:srgbClr>
+              </a:solidFill>
+            </a:ln>
+          </p:spPr>
+          <p:style>
+            <a:lnRef idx="1">
+              <a:schemeClr val="accent1"/>
+            </a:lnRef>
+            <a:fillRef idx="0">
+              <a:schemeClr val="accent1"/>
+            </a:fillRef>
+            <a:effectRef idx="0">
+              <a:schemeClr val="accent1"/>
+            </a:effectRef>
+            <a:fontRef idx="minor">
+              <a:schemeClr val="tx1"/>
+            </a:fontRef>
+          </p:style>
+        </p:cxnSp>
+        <p:cxnSp>
+          <p:nvCxnSpPr>
+            <p:cNvPr id="31" name="Straight Connector 30">
+              <a:extLst>
+                <a:ext uri="{FF2B5EF4-FFF2-40B4-BE49-F238E27FC236}">
+                  <a16:creationId xmlns:a16="http://schemas.microsoft.com/office/drawing/2014/main" id="{8505591A-6112-4B84-8E9E-923E43C4ED61}"/>
+                </a:ext>
+                <a:ext uri="{C183D7F6-B498-43B3-948B-1728B52AA6E4}">
+                  <adec:decorative xmlns:adec="http://schemas.microsoft.com/office/drawing/2017/decorative" val="1"/>
+                </a:ext>
+              </a:extLst>
+            </p:cNvPr>
+            <p:cNvCxnSpPr/>
+            <p:nvPr>
+              <p:extLst>
+                <p:ext uri="{386F3935-93C4-4BCD-93E2-E3B085C9AB24}">
+                  <p16:designElem xmlns:p16="http://schemas.microsoft.com/office/powerpoint/2015/main" val="1"/>
+                </p:ext>
+              </p:extLst>
+            </p:nvPr>
+          </p:nvCxnSpPr>
+          <p:spPr>
+            <a:xfrm rot="900000" flipH="1">
+              <a:off x="10240513" y="479483"/>
+              <a:ext cx="3394" cy="182880"/>
+            </a:xfrm>
+            <a:prstGeom prst="line">
+              <a:avLst/>
+            </a:prstGeom>
+            <a:ln>
+              <a:solidFill>
+                <a:srgbClr val="FFFFFF">
+                  <a:alpha val="30196"/>
+                </a:srgbClr>
+              </a:solidFill>
+            </a:ln>
+          </p:spPr>
+          <p:style>
+            <a:lnRef idx="1">
+              <a:schemeClr val="accent1"/>
+            </a:lnRef>
+            <a:fillRef idx="0">
+              <a:schemeClr val="accent1"/>
+            </a:fillRef>
+            <a:effectRef idx="0">
+              <a:schemeClr val="accent1"/>
+            </a:effectRef>
+            <a:fontRef idx="minor">
+              <a:schemeClr val="tx1"/>
+            </a:fontRef>
+          </p:style>
+        </p:cxnSp>
+        <p:cxnSp>
+          <p:nvCxnSpPr>
+            <p:cNvPr id="32" name="Straight Connector 31">
+              <a:extLst>
+                <a:ext uri="{FF2B5EF4-FFF2-40B4-BE49-F238E27FC236}">
+                  <a16:creationId xmlns:a16="http://schemas.microsoft.com/office/drawing/2014/main" id="{54884290-8E39-4425-BB4F-48D955C1F80D}"/>
+                </a:ext>
+                <a:ext uri="{C183D7F6-B498-43B3-948B-1728B52AA6E4}">
+                  <adec:decorative xmlns:adec="http://schemas.microsoft.com/office/drawing/2017/decorative" val="1"/>
+                </a:ext>
+              </a:extLst>
+            </p:cNvPr>
+            <p:cNvCxnSpPr/>
+            <p:nvPr>
+              <p:extLst>
+                <p:ext uri="{386F3935-93C4-4BCD-93E2-E3B085C9AB24}">
+                  <p16:designElem xmlns:p16="http://schemas.microsoft.com/office/powerpoint/2015/main" val="1"/>
+                </p:ext>
+              </p:extLst>
+            </p:nvPr>
+          </p:nvCxnSpPr>
+          <p:spPr>
+            <a:xfrm rot="1080000" flipH="1">
+              <a:off x="10373882" y="524355"/>
+              <a:ext cx="3394" cy="182880"/>
+            </a:xfrm>
+            <a:prstGeom prst="line">
+              <a:avLst/>
+            </a:prstGeom>
+            <a:ln>
+              <a:solidFill>
+                <a:srgbClr val="FFFFFF">
+                  <a:alpha val="30196"/>
+                </a:srgbClr>
+              </a:solidFill>
+            </a:ln>
+          </p:spPr>
+          <p:style>
+            <a:lnRef idx="1">
+              <a:schemeClr val="accent1"/>
+            </a:lnRef>
+            <a:fillRef idx="0">
+              <a:schemeClr val="accent1"/>
+            </a:fillRef>
+            <a:effectRef idx="0">
+              <a:schemeClr val="accent1"/>
+            </a:effectRef>
+            <a:fontRef idx="minor">
+              <a:schemeClr val="tx1"/>
+            </a:fontRef>
+          </p:style>
+        </p:cxnSp>
+        <p:cxnSp>
+          <p:nvCxnSpPr>
+            <p:cNvPr id="33" name="Straight Connector 32">
+              <a:extLst>
+                <a:ext uri="{FF2B5EF4-FFF2-40B4-BE49-F238E27FC236}">
+                  <a16:creationId xmlns:a16="http://schemas.microsoft.com/office/drawing/2014/main" id="{00C383A3-6D77-41CE-8121-498BC3BA51FF}"/>
+                </a:ext>
+                <a:ext uri="{C183D7F6-B498-43B3-948B-1728B52AA6E4}">
+                  <adec:decorative xmlns:adec="http://schemas.microsoft.com/office/drawing/2017/decorative" val="1"/>
+                </a:ext>
+              </a:extLst>
+            </p:cNvPr>
+            <p:cNvCxnSpPr/>
+            <p:nvPr>
+              <p:extLst>
+                <p:ext uri="{386F3935-93C4-4BCD-93E2-E3B085C9AB24}">
+                  <p16:designElem xmlns:p16="http://schemas.microsoft.com/office/powerpoint/2015/main" val="1"/>
+                </p:ext>
+              </p:extLst>
+            </p:nvPr>
+          </p:nvCxnSpPr>
+          <p:spPr>
+            <a:xfrm rot="1200000" flipH="1">
+              <a:off x="10505632" y="570628"/>
+              <a:ext cx="3394" cy="182880"/>
+            </a:xfrm>
+            <a:prstGeom prst="line">
+              <a:avLst/>
+            </a:prstGeom>
+            <a:ln>
+              <a:solidFill>
+                <a:srgbClr val="FFFFFF">
+                  <a:alpha val="30196"/>
+                </a:srgbClr>
+              </a:solidFill>
+            </a:ln>
+          </p:spPr>
+          <p:style>
+            <a:lnRef idx="1">
+              <a:schemeClr val="accent1"/>
+            </a:lnRef>
+            <a:fillRef idx="0">
+              <a:schemeClr val="accent1"/>
+            </a:fillRef>
+            <a:effectRef idx="0">
+              <a:schemeClr val="accent1"/>
+            </a:effectRef>
+            <a:fontRef idx="minor">
+              <a:schemeClr val="tx1"/>
+            </a:fontRef>
+          </p:style>
+        </p:cxnSp>
+        <p:cxnSp>
+          <p:nvCxnSpPr>
+            <p:cNvPr id="34" name="Straight Connector 33">
+              <a:extLst>
+                <a:ext uri="{FF2B5EF4-FFF2-40B4-BE49-F238E27FC236}">
+                  <a16:creationId xmlns:a16="http://schemas.microsoft.com/office/drawing/2014/main" id="{E120A319-4A10-4542-B48C-5FB2714C4AC4}"/>
+                </a:ext>
+                <a:ext uri="{C183D7F6-B498-43B3-948B-1728B52AA6E4}">
+                  <adec:decorative xmlns:adec="http://schemas.microsoft.com/office/drawing/2017/decorative" val="1"/>
+                </a:ext>
+              </a:extLst>
+            </p:cNvPr>
+            <p:cNvCxnSpPr/>
+            <p:nvPr>
+              <p:extLst>
+                <p:ext uri="{386F3935-93C4-4BCD-93E2-E3B085C9AB24}">
+                  <p16:designElem xmlns:p16="http://schemas.microsoft.com/office/powerpoint/2015/main" val="1"/>
+                </p:ext>
+              </p:extLst>
+            </p:nvPr>
+          </p:nvCxnSpPr>
+          <p:spPr>
+            <a:xfrm rot="1320000" flipH="1">
+              <a:off x="10637382" y="621344"/>
+              <a:ext cx="3394" cy="182880"/>
+            </a:xfrm>
+            <a:prstGeom prst="line">
+              <a:avLst/>
+            </a:prstGeom>
+            <a:ln>
+              <a:solidFill>
+                <a:srgbClr val="FFFFFF">
+                  <a:alpha val="30196"/>
+                </a:srgbClr>
+              </a:solidFill>
+            </a:ln>
+          </p:spPr>
+          <p:style>
+            <a:lnRef idx="1">
+              <a:schemeClr val="accent1"/>
+            </a:lnRef>
+            <a:fillRef idx="0">
+              <a:schemeClr val="accent1"/>
+            </a:fillRef>
+            <a:effectRef idx="0">
+              <a:schemeClr val="accent1"/>
+            </a:effectRef>
+            <a:fontRef idx="minor">
+              <a:schemeClr val="tx1"/>
+            </a:fontRef>
+          </p:style>
+        </p:cxnSp>
+        <p:cxnSp>
+          <p:nvCxnSpPr>
+            <p:cNvPr id="35" name="Straight Connector 34">
+              <a:extLst>
+                <a:ext uri="{FF2B5EF4-FFF2-40B4-BE49-F238E27FC236}">
+                  <a16:creationId xmlns:a16="http://schemas.microsoft.com/office/drawing/2014/main" id="{5B15B038-50ED-419D-B142-C96EE418B5C8}"/>
+                </a:ext>
+                <a:ext uri="{C183D7F6-B498-43B3-948B-1728B52AA6E4}">
+                  <adec:decorative xmlns:adec="http://schemas.microsoft.com/office/drawing/2017/decorative" val="1"/>
+                </a:ext>
+              </a:extLst>
+            </p:cNvPr>
+            <p:cNvCxnSpPr/>
+            <p:nvPr>
+              <p:extLst>
+                <p:ext uri="{386F3935-93C4-4BCD-93E2-E3B085C9AB24}">
+                  <p16:designElem xmlns:p16="http://schemas.microsoft.com/office/powerpoint/2015/main" val="1"/>
+                </p:ext>
+              </p:extLst>
+            </p:nvPr>
+          </p:nvCxnSpPr>
+          <p:spPr>
+            <a:xfrm rot="1440000" flipH="1">
+              <a:off x="10760965" y="690439"/>
+              <a:ext cx="3394" cy="182880"/>
+            </a:xfrm>
+            <a:prstGeom prst="line">
+              <a:avLst/>
+            </a:prstGeom>
+            <a:ln>
+              <a:solidFill>
+                <a:srgbClr val="FFFFFF">
+                  <a:alpha val="30196"/>
+                </a:srgbClr>
+              </a:solidFill>
+            </a:ln>
+          </p:spPr>
+          <p:style>
+            <a:lnRef idx="1">
+              <a:schemeClr val="accent1"/>
+            </a:lnRef>
+            <a:fillRef idx="0">
+              <a:schemeClr val="accent1"/>
+            </a:fillRef>
+            <a:effectRef idx="0">
+              <a:schemeClr val="accent1"/>
+            </a:effectRef>
+            <a:fontRef idx="minor">
+              <a:schemeClr val="tx1"/>
+            </a:fontRef>
+          </p:style>
+        </p:cxnSp>
+        <p:cxnSp>
+          <p:nvCxnSpPr>
+            <p:cNvPr id="36" name="Straight Connector 35">
+              <a:extLst>
+                <a:ext uri="{FF2B5EF4-FFF2-40B4-BE49-F238E27FC236}">
+                  <a16:creationId xmlns:a16="http://schemas.microsoft.com/office/drawing/2014/main" id="{9BAFF2F4-75B2-4498-8559-BAE80D89B493}"/>
+                </a:ext>
+                <a:ext uri="{C183D7F6-B498-43B3-948B-1728B52AA6E4}">
+                  <adec:decorative xmlns:adec="http://schemas.microsoft.com/office/drawing/2017/decorative" val="1"/>
+                </a:ext>
+              </a:extLst>
+            </p:cNvPr>
+            <p:cNvCxnSpPr/>
+            <p:nvPr>
+              <p:extLst>
+                <p:ext uri="{386F3935-93C4-4BCD-93E2-E3B085C9AB24}">
+                  <p16:designElem xmlns:p16="http://schemas.microsoft.com/office/powerpoint/2015/main" val="1"/>
+                </p:ext>
+              </p:extLst>
+            </p:nvPr>
+          </p:nvCxnSpPr>
+          <p:spPr>
+            <a:xfrm rot="1620000" flipH="1">
+              <a:off x="10888991" y="755091"/>
+              <a:ext cx="3394" cy="182880"/>
+            </a:xfrm>
+            <a:prstGeom prst="line">
+              <a:avLst/>
+            </a:prstGeom>
+            <a:ln>
+              <a:solidFill>
+                <a:srgbClr val="FFFFFF">
+                  <a:alpha val="30196"/>
+                </a:srgbClr>
+              </a:solidFill>
+            </a:ln>
+          </p:spPr>
+          <p:style>
+            <a:lnRef idx="1">
+              <a:schemeClr val="accent1"/>
+            </a:lnRef>
+            <a:fillRef idx="0">
+              <a:schemeClr val="accent1"/>
+            </a:fillRef>
+            <a:effectRef idx="0">
+              <a:schemeClr val="accent1"/>
+            </a:effectRef>
+            <a:fontRef idx="minor">
+              <a:schemeClr val="tx1"/>
+            </a:fontRef>
+          </p:style>
+        </p:cxnSp>
+        <p:cxnSp>
+          <p:nvCxnSpPr>
+            <p:cNvPr id="37" name="Straight Connector 36">
+              <a:extLst>
+                <a:ext uri="{FF2B5EF4-FFF2-40B4-BE49-F238E27FC236}">
+                  <a16:creationId xmlns:a16="http://schemas.microsoft.com/office/drawing/2014/main" id="{B56AE167-8087-4A4B-B41D-5658EEBA6848}"/>
+                </a:ext>
+                <a:ext uri="{C183D7F6-B498-43B3-948B-1728B52AA6E4}">
+                  <adec:decorative xmlns:adec="http://schemas.microsoft.com/office/drawing/2017/decorative" val="1"/>
+                </a:ext>
+              </a:extLst>
+            </p:cNvPr>
+            <p:cNvCxnSpPr/>
+            <p:nvPr>
+              <p:extLst>
+                <p:ext uri="{386F3935-93C4-4BCD-93E2-E3B085C9AB24}">
+                  <p16:designElem xmlns:p16="http://schemas.microsoft.com/office/powerpoint/2015/main" val="1"/>
+                </p:ext>
+              </p:extLst>
+            </p:nvPr>
+          </p:nvCxnSpPr>
+          <p:spPr>
+            <a:xfrm rot="1740000" flipH="1">
+              <a:off x="11010193" y="819743"/>
+              <a:ext cx="3394" cy="182880"/>
+            </a:xfrm>
+            <a:prstGeom prst="line">
+              <a:avLst/>
+            </a:prstGeom>
+            <a:ln>
+              <a:solidFill>
+                <a:srgbClr val="FFFFFF">
+                  <a:alpha val="30196"/>
+                </a:srgbClr>
+              </a:solidFill>
+            </a:ln>
+          </p:spPr>
+          <p:style>
+            <a:lnRef idx="1">
+              <a:schemeClr val="accent1"/>
+            </a:lnRef>
+            <a:fillRef idx="0">
+              <a:schemeClr val="accent1"/>
+            </a:fillRef>
+            <a:effectRef idx="0">
+              <a:schemeClr val="accent1"/>
+            </a:effectRef>
+            <a:fontRef idx="minor">
+              <a:schemeClr val="tx1"/>
+            </a:fontRef>
+          </p:style>
+        </p:cxnSp>
+        <p:cxnSp>
+          <p:nvCxnSpPr>
+            <p:cNvPr id="38" name="Straight Connector 37">
+              <a:extLst>
+                <a:ext uri="{FF2B5EF4-FFF2-40B4-BE49-F238E27FC236}">
+                  <a16:creationId xmlns:a16="http://schemas.microsoft.com/office/drawing/2014/main" id="{8D353E8A-CBA6-44F9-9C00-D0AD27C96C5E}"/>
+                </a:ext>
+                <a:ext uri="{C183D7F6-B498-43B3-948B-1728B52AA6E4}">
+                  <adec:decorative xmlns:adec="http://schemas.microsoft.com/office/drawing/2017/decorative" val="1"/>
+                </a:ext>
+              </a:extLst>
+            </p:cNvPr>
+            <p:cNvCxnSpPr/>
+            <p:nvPr>
+              <p:extLst>
+                <p:ext uri="{386F3935-93C4-4BCD-93E2-E3B085C9AB24}">
+                  <p16:designElem xmlns:p16="http://schemas.microsoft.com/office/powerpoint/2015/main" val="1"/>
+                </p:ext>
+              </p:extLst>
+            </p:nvPr>
+          </p:nvCxnSpPr>
+          <p:spPr>
+            <a:xfrm rot="1860000" flipH="1">
+              <a:off x="11129014" y="895662"/>
+              <a:ext cx="3394" cy="182880"/>
+            </a:xfrm>
+            <a:prstGeom prst="line">
+              <a:avLst/>
+            </a:prstGeom>
+            <a:ln>
+              <a:solidFill>
+                <a:srgbClr val="FFFFFF">
+                  <a:alpha val="30196"/>
+                </a:srgbClr>
+              </a:solidFill>
+            </a:ln>
+          </p:spPr>
+          <p:style>
+            <a:lnRef idx="1">
+              <a:schemeClr val="accent1"/>
+            </a:lnRef>
+            <a:fillRef idx="0">
+              <a:schemeClr val="accent1"/>
+            </a:fillRef>
+            <a:effectRef idx="0">
+              <a:schemeClr val="accent1"/>
+            </a:effectRef>
+            <a:fontRef idx="minor">
+              <a:schemeClr val="tx1"/>
+            </a:fontRef>
+          </p:style>
+        </p:cxnSp>
+        <p:cxnSp>
+          <p:nvCxnSpPr>
+            <p:cNvPr id="39" name="Straight Connector 38">
+              <a:extLst>
+                <a:ext uri="{FF2B5EF4-FFF2-40B4-BE49-F238E27FC236}">
+                  <a16:creationId xmlns:a16="http://schemas.microsoft.com/office/drawing/2014/main" id="{CA2C318A-A79F-4CAD-BA7A-51427BF9ED2B}"/>
+                </a:ext>
+                <a:ext uri="{C183D7F6-B498-43B3-948B-1728B52AA6E4}">
+                  <adec:decorative xmlns:adec="http://schemas.microsoft.com/office/drawing/2017/decorative" val="1"/>
+                </a:ext>
+              </a:extLst>
+            </p:cNvPr>
+            <p:cNvCxnSpPr/>
+            <p:nvPr>
+              <p:extLst>
+                <p:ext uri="{386F3935-93C4-4BCD-93E2-E3B085C9AB24}">
+                  <p16:designElem xmlns:p16="http://schemas.microsoft.com/office/powerpoint/2015/main" val="1"/>
+                </p:ext>
+              </p:extLst>
+            </p:nvPr>
+          </p:nvCxnSpPr>
+          <p:spPr>
+            <a:xfrm rot="1980000" flipH="1">
+              <a:off x="11249872" y="968091"/>
+              <a:ext cx="3394" cy="182880"/>
+            </a:xfrm>
+            <a:prstGeom prst="line">
+              <a:avLst/>
+            </a:prstGeom>
+            <a:ln>
+              <a:solidFill>
+                <a:srgbClr val="FFFFFF">
+                  <a:alpha val="30196"/>
+                </a:srgbClr>
+              </a:solidFill>
+            </a:ln>
+          </p:spPr>
+          <p:style>
+            <a:lnRef idx="1">
+              <a:schemeClr val="accent1"/>
+            </a:lnRef>
+            <a:fillRef idx="0">
+              <a:schemeClr val="accent1"/>
+            </a:fillRef>
+            <a:effectRef idx="0">
+              <a:schemeClr val="accent1"/>
+            </a:effectRef>
+            <a:fontRef idx="minor">
+              <a:schemeClr val="tx1"/>
+            </a:fontRef>
+          </p:style>
+        </p:cxnSp>
+        <p:cxnSp>
+          <p:nvCxnSpPr>
+            <p:cNvPr id="40" name="Straight Connector 39">
+              <a:extLst>
+                <a:ext uri="{FF2B5EF4-FFF2-40B4-BE49-F238E27FC236}">
+                  <a16:creationId xmlns:a16="http://schemas.microsoft.com/office/drawing/2014/main" id="{4F2996E3-5E01-4F22-B23C-7CD0CF72C45A}"/>
+                </a:ext>
+                <a:ext uri="{C183D7F6-B498-43B3-948B-1728B52AA6E4}">
+                  <adec:decorative xmlns:adec="http://schemas.microsoft.com/office/drawing/2017/decorative" val="1"/>
+                </a:ext>
+              </a:extLst>
+            </p:cNvPr>
+            <p:cNvCxnSpPr/>
+            <p:nvPr>
+              <p:extLst>
+                <p:ext uri="{386F3935-93C4-4BCD-93E2-E3B085C9AB24}">
+                  <p16:designElem xmlns:p16="http://schemas.microsoft.com/office/powerpoint/2015/main" val="1"/>
+                </p:ext>
+              </p:extLst>
+            </p:nvPr>
+          </p:nvCxnSpPr>
+          <p:spPr>
+            <a:xfrm rot="2160000" flipH="1">
+              <a:off x="11366875" y="1048084"/>
+              <a:ext cx="3394" cy="182880"/>
+            </a:xfrm>
+            <a:prstGeom prst="line">
+              <a:avLst/>
+            </a:prstGeom>
+            <a:ln>
+              <a:solidFill>
+                <a:srgbClr val="FFFFFF">
+                  <a:alpha val="30196"/>
+                </a:srgbClr>
+              </a:solidFill>
+            </a:ln>
+          </p:spPr>
+          <p:style>
+            <a:lnRef idx="1">
+              <a:schemeClr val="accent1"/>
+            </a:lnRef>
+            <a:fillRef idx="0">
+              <a:schemeClr val="accent1"/>
+            </a:fillRef>
+            <a:effectRef idx="0">
+              <a:schemeClr val="accent1"/>
+            </a:effectRef>
+            <a:fontRef idx="minor">
+              <a:schemeClr val="tx1"/>
+            </a:fontRef>
+          </p:style>
+        </p:cxnSp>
+        <p:cxnSp>
+          <p:nvCxnSpPr>
+            <p:cNvPr id="41" name="Straight Connector 40">
+              <a:extLst>
+                <a:ext uri="{FF2B5EF4-FFF2-40B4-BE49-F238E27FC236}">
+                  <a16:creationId xmlns:a16="http://schemas.microsoft.com/office/drawing/2014/main" id="{760F6BC4-AB51-4DE7-B83C-E71FE4EC8623}"/>
+                </a:ext>
+                <a:ext uri="{C183D7F6-B498-43B3-948B-1728B52AA6E4}">
+                  <adec:decorative xmlns:adec="http://schemas.microsoft.com/office/drawing/2017/decorative" val="1"/>
+                </a:ext>
+              </a:extLst>
+            </p:cNvPr>
+            <p:cNvCxnSpPr/>
+            <p:nvPr>
+              <p:extLst>
+                <p:ext uri="{386F3935-93C4-4BCD-93E2-E3B085C9AB24}">
+                  <p16:designElem xmlns:p16="http://schemas.microsoft.com/office/powerpoint/2015/main" val="1"/>
+                </p:ext>
+              </p:extLst>
+            </p:nvPr>
+          </p:nvCxnSpPr>
+          <p:spPr>
+            <a:xfrm rot="2280000" flipH="1">
+              <a:off x="11474058" y="1131525"/>
+              <a:ext cx="3394" cy="182880"/>
+            </a:xfrm>
+            <a:prstGeom prst="line">
+              <a:avLst/>
+            </a:prstGeom>
+            <a:ln>
+              <a:solidFill>
+                <a:srgbClr val="FFFFFF">
+                  <a:alpha val="30196"/>
+                </a:srgbClr>
+              </a:solidFill>
+            </a:ln>
+          </p:spPr>
+          <p:style>
+            <a:lnRef idx="1">
+              <a:schemeClr val="accent1"/>
+            </a:lnRef>
+            <a:fillRef idx="0">
+              <a:schemeClr val="accent1"/>
+            </a:fillRef>
+            <a:effectRef idx="0">
+              <a:schemeClr val="accent1"/>
+            </a:effectRef>
+            <a:fontRef idx="minor">
+              <a:schemeClr val="tx1"/>
+            </a:fontRef>
+          </p:style>
+        </p:cxnSp>
+        <p:cxnSp>
+          <p:nvCxnSpPr>
+            <p:cNvPr id="42" name="Straight Connector 41">
+              <a:extLst>
+                <a:ext uri="{FF2B5EF4-FFF2-40B4-BE49-F238E27FC236}">
+                  <a16:creationId xmlns:a16="http://schemas.microsoft.com/office/drawing/2014/main" id="{AF65FC1C-93BF-4ACA-BF17-17372DD108DA}"/>
+                </a:ext>
+                <a:ext uri="{C183D7F6-B498-43B3-948B-1728B52AA6E4}">
+                  <adec:decorative xmlns:adec="http://schemas.microsoft.com/office/drawing/2017/decorative" val="1"/>
+                </a:ext>
+              </a:extLst>
+            </p:cNvPr>
+            <p:cNvCxnSpPr/>
+            <p:nvPr>
+              <p:extLst>
+                <p:ext uri="{386F3935-93C4-4BCD-93E2-E3B085C9AB24}">
+                  <p16:designElem xmlns:p16="http://schemas.microsoft.com/office/powerpoint/2015/main" val="1"/>
+                </p:ext>
+              </p:extLst>
+            </p:nvPr>
+          </p:nvCxnSpPr>
+          <p:spPr>
+            <a:xfrm rot="2400000" flipH="1">
+              <a:off x="11583303" y="1221790"/>
+              <a:ext cx="3394" cy="182880"/>
+            </a:xfrm>
+            <a:prstGeom prst="line">
+              <a:avLst/>
+            </a:prstGeom>
+            <a:ln>
+              <a:solidFill>
+                <a:srgbClr val="FFFFFF">
+                  <a:alpha val="30196"/>
+                </a:srgbClr>
+              </a:solidFill>
+            </a:ln>
+          </p:spPr>
+          <p:style>
+            <a:lnRef idx="1">
+              <a:schemeClr val="accent1"/>
+            </a:lnRef>
+            <a:fillRef idx="0">
+              <a:schemeClr val="accent1"/>
+            </a:fillRef>
+            <a:effectRef idx="0">
+              <a:schemeClr val="accent1"/>
+            </a:effectRef>
+            <a:fontRef idx="minor">
+              <a:schemeClr val="tx1"/>
+            </a:fontRef>
+          </p:style>
+        </p:cxnSp>
+        <p:cxnSp>
+          <p:nvCxnSpPr>
+            <p:cNvPr id="43" name="Straight Connector 42">
+              <a:extLst>
+                <a:ext uri="{FF2B5EF4-FFF2-40B4-BE49-F238E27FC236}">
+                  <a16:creationId xmlns:a16="http://schemas.microsoft.com/office/drawing/2014/main" id="{89F9913C-8CCE-4D56-9D2A-0C2D68667696}"/>
+                </a:ext>
+                <a:ext uri="{C183D7F6-B498-43B3-948B-1728B52AA6E4}">
+                  <adec:decorative xmlns:adec="http://schemas.microsoft.com/office/drawing/2017/decorative" val="1"/>
+                </a:ext>
+              </a:extLst>
+            </p:cNvPr>
+            <p:cNvCxnSpPr/>
+            <p:nvPr>
+              <p:extLst>
+                <p:ext uri="{386F3935-93C4-4BCD-93E2-E3B085C9AB24}">
+                  <p16:designElem xmlns:p16="http://schemas.microsoft.com/office/powerpoint/2015/main" val="1"/>
+                </p:ext>
+              </p:extLst>
+            </p:nvPr>
+          </p:nvCxnSpPr>
+          <p:spPr>
+            <a:xfrm rot="2520000" flipH="1">
+              <a:off x="11685344" y="1321772"/>
+              <a:ext cx="3394" cy="182880"/>
+            </a:xfrm>
+            <a:prstGeom prst="line">
+              <a:avLst/>
+            </a:prstGeom>
+            <a:ln>
+              <a:solidFill>
+                <a:srgbClr val="FFFFFF">
+                  <a:alpha val="30196"/>
+                </a:srgbClr>
+              </a:solidFill>
+            </a:ln>
+          </p:spPr>
+          <p:style>
+            <a:lnRef idx="1">
+              <a:schemeClr val="accent1"/>
+            </a:lnRef>
+            <a:fillRef idx="0">
+              <a:schemeClr val="accent1"/>
+            </a:fillRef>
+            <a:effectRef idx="0">
+              <a:schemeClr val="accent1"/>
+            </a:effectRef>
+            <a:fontRef idx="minor">
+              <a:schemeClr val="tx1"/>
+            </a:fontRef>
+          </p:style>
+        </p:cxnSp>
+        <p:cxnSp>
+          <p:nvCxnSpPr>
+            <p:cNvPr id="44" name="Straight Connector 43">
+              <a:extLst>
+                <a:ext uri="{FF2B5EF4-FFF2-40B4-BE49-F238E27FC236}">
+                  <a16:creationId xmlns:a16="http://schemas.microsoft.com/office/drawing/2014/main" id="{40EDD18C-1AAD-48E5-AAAD-73F4B5643C3A}"/>
+                </a:ext>
+                <a:ext uri="{C183D7F6-B498-43B3-948B-1728B52AA6E4}">
+                  <adec:decorative xmlns:adec="http://schemas.microsoft.com/office/drawing/2017/decorative" val="1"/>
+                </a:ext>
+              </a:extLst>
+            </p:cNvPr>
+            <p:cNvCxnSpPr/>
+            <p:nvPr>
+              <p:extLst>
+                <p:ext uri="{386F3935-93C4-4BCD-93E2-E3B085C9AB24}">
+                  <p16:designElem xmlns:p16="http://schemas.microsoft.com/office/powerpoint/2015/main" val="1"/>
+                </p:ext>
+              </p:extLst>
+            </p:nvPr>
+          </p:nvCxnSpPr>
+          <p:spPr>
+            <a:xfrm rot="2700000" flipH="1">
+              <a:off x="11787704" y="1417630"/>
+              <a:ext cx="3394" cy="182880"/>
+            </a:xfrm>
+            <a:prstGeom prst="line">
+              <a:avLst/>
+            </a:prstGeom>
+            <a:ln>
+              <a:solidFill>
+                <a:srgbClr val="FFFFFF">
+                  <a:alpha val="30196"/>
+                </a:srgbClr>
+              </a:solidFill>
+            </a:ln>
+          </p:spPr>
+          <p:style>
+            <a:lnRef idx="1">
+              <a:schemeClr val="accent1"/>
+            </a:lnRef>
+            <a:fillRef idx="0">
+              <a:schemeClr val="accent1"/>
+            </a:fillRef>
+            <a:effectRef idx="0">
+              <a:schemeClr val="accent1"/>
+            </a:effectRef>
+            <a:fontRef idx="minor">
+              <a:schemeClr val="tx1"/>
+            </a:fontRef>
+          </p:style>
+        </p:cxnSp>
+        <p:cxnSp>
+          <p:nvCxnSpPr>
+            <p:cNvPr id="45" name="Straight Connector 44">
+              <a:extLst>
+                <a:ext uri="{FF2B5EF4-FFF2-40B4-BE49-F238E27FC236}">
+                  <a16:creationId xmlns:a16="http://schemas.microsoft.com/office/drawing/2014/main" id="{22D7A5C4-18C8-43E9-A50A-F87A362C8526}"/>
+                </a:ext>
+                <a:ext uri="{C183D7F6-B498-43B3-948B-1728B52AA6E4}">
+                  <adec:decorative xmlns:adec="http://schemas.microsoft.com/office/drawing/2017/decorative" val="1"/>
+                </a:ext>
+              </a:extLst>
+            </p:cNvPr>
+            <p:cNvCxnSpPr/>
+            <p:nvPr>
+              <p:extLst>
+                <p:ext uri="{386F3935-93C4-4BCD-93E2-E3B085C9AB24}">
+                  <p16:designElem xmlns:p16="http://schemas.microsoft.com/office/powerpoint/2015/main" val="1"/>
+                </p:ext>
+              </p:extLst>
+            </p:nvPr>
+          </p:nvCxnSpPr>
+          <p:spPr>
+            <a:xfrm rot="2820000" flipH="1">
+              <a:off x="11880859" y="1517931"/>
+              <a:ext cx="3394" cy="182880"/>
+            </a:xfrm>
+            <a:prstGeom prst="line">
+              <a:avLst/>
+            </a:prstGeom>
+            <a:ln>
+              <a:solidFill>
+                <a:srgbClr val="FFFFFF">
+                  <a:alpha val="30196"/>
+                </a:srgbClr>
+              </a:solidFill>
+            </a:ln>
+          </p:spPr>
+          <p:style>
+            <a:lnRef idx="1">
+              <a:schemeClr val="accent1"/>
+            </a:lnRef>
+            <a:fillRef idx="0">
+              <a:schemeClr val="accent1"/>
+            </a:fillRef>
+            <a:effectRef idx="0">
+              <a:schemeClr val="accent1"/>
+            </a:effectRef>
+            <a:fontRef idx="minor">
+              <a:schemeClr val="tx1"/>
+            </a:fontRef>
+          </p:style>
+        </p:cxnSp>
+        <p:cxnSp>
+          <p:nvCxnSpPr>
+            <p:cNvPr id="46" name="Straight Connector 45">
+              <a:extLst>
+                <a:ext uri="{FF2B5EF4-FFF2-40B4-BE49-F238E27FC236}">
+                  <a16:creationId xmlns:a16="http://schemas.microsoft.com/office/drawing/2014/main" id="{3A0C484E-A224-4DB0-8C34-89BE54BD12F3}"/>
+                </a:ext>
+                <a:ext uri="{C183D7F6-B498-43B3-948B-1728B52AA6E4}">
+                  <adec:decorative xmlns:adec="http://schemas.microsoft.com/office/drawing/2017/decorative" val="1"/>
+                </a:ext>
+              </a:extLst>
+            </p:cNvPr>
+            <p:cNvCxnSpPr/>
+            <p:nvPr>
+              <p:extLst>
+                <p:ext uri="{386F3935-93C4-4BCD-93E2-E3B085C9AB24}">
+                  <p16:designElem xmlns:p16="http://schemas.microsoft.com/office/powerpoint/2015/main" val="1"/>
+                </p:ext>
+              </p:extLst>
+            </p:nvPr>
+          </p:nvCxnSpPr>
+          <p:spPr>
+            <a:xfrm rot="2940000" flipH="1">
+              <a:off x="11969252" y="1627437"/>
+              <a:ext cx="3394" cy="182880"/>
+            </a:xfrm>
+            <a:prstGeom prst="line">
+              <a:avLst/>
+            </a:prstGeom>
+            <a:ln>
+              <a:solidFill>
+                <a:srgbClr val="FFFFFF">
+                  <a:alpha val="30196"/>
+                </a:srgbClr>
+              </a:solidFill>
+            </a:ln>
+          </p:spPr>
+          <p:style>
+            <a:lnRef idx="1">
+              <a:schemeClr val="accent1"/>
+            </a:lnRef>
+            <a:fillRef idx="0">
+              <a:schemeClr val="accent1"/>
+            </a:fillRef>
+            <a:effectRef idx="0">
+              <a:schemeClr val="accent1"/>
+            </a:effectRef>
+            <a:fontRef idx="minor">
+              <a:schemeClr val="tx1"/>
+            </a:fontRef>
+          </p:style>
+        </p:cxnSp>
+        <p:cxnSp>
+          <p:nvCxnSpPr>
+            <p:cNvPr id="47" name="Straight Connector 46">
+              <a:extLst>
+                <a:ext uri="{FF2B5EF4-FFF2-40B4-BE49-F238E27FC236}">
+                  <a16:creationId xmlns:a16="http://schemas.microsoft.com/office/drawing/2014/main" id="{79BB438E-A25F-4A7F-B209-8899B7CEC42F}"/>
+                </a:ext>
+                <a:ext uri="{C183D7F6-B498-43B3-948B-1728B52AA6E4}">
+                  <adec:decorative xmlns:adec="http://schemas.microsoft.com/office/drawing/2017/decorative" val="1"/>
+                </a:ext>
+              </a:extLst>
+            </p:cNvPr>
+            <p:cNvCxnSpPr/>
+            <p:nvPr>
+              <p:extLst>
+                <p:ext uri="{386F3935-93C4-4BCD-93E2-E3B085C9AB24}">
+                  <p16:designElem xmlns:p16="http://schemas.microsoft.com/office/powerpoint/2015/main" val="1"/>
+                </p:ext>
+              </p:extLst>
+            </p:nvPr>
+          </p:nvCxnSpPr>
+          <p:spPr>
+            <a:xfrm rot="3060000" flipH="1">
+              <a:off x="12062016" y="1736011"/>
+              <a:ext cx="3394" cy="182880"/>
+            </a:xfrm>
+            <a:prstGeom prst="line">
+              <a:avLst/>
+            </a:prstGeom>
+            <a:ln>
+              <a:solidFill>
+                <a:srgbClr val="FFFFFF">
+                  <a:alpha val="30196"/>
+                </a:srgbClr>
+              </a:solidFill>
+            </a:ln>
+          </p:spPr>
+          <p:style>
+            <a:lnRef idx="1">
+              <a:schemeClr val="accent1"/>
+            </a:lnRef>
+            <a:fillRef idx="0">
+              <a:schemeClr val="accent1"/>
+            </a:fillRef>
+            <a:effectRef idx="0">
+              <a:schemeClr val="accent1"/>
+            </a:effectRef>
+            <a:fontRef idx="minor">
+              <a:schemeClr val="tx1"/>
+            </a:fontRef>
+          </p:style>
+        </p:cxnSp>
+        <p:cxnSp>
+          <p:nvCxnSpPr>
+            <p:cNvPr id="48" name="Straight Connector 47">
+              <a:extLst>
+                <a:ext uri="{FF2B5EF4-FFF2-40B4-BE49-F238E27FC236}">
+                  <a16:creationId xmlns:a16="http://schemas.microsoft.com/office/drawing/2014/main" id="{7F8BA6DC-B1E9-4F32-A5CC-8F61976B697F}"/>
+                </a:ext>
+                <a:ext uri="{C183D7F6-B498-43B3-948B-1728B52AA6E4}">
+                  <adec:decorative xmlns:adec="http://schemas.microsoft.com/office/drawing/2017/decorative" val="1"/>
+                </a:ext>
+              </a:extLst>
+            </p:cNvPr>
+            <p:cNvCxnSpPr/>
+            <p:nvPr>
+              <p:extLst>
+                <p:ext uri="{386F3935-93C4-4BCD-93E2-E3B085C9AB24}">
+                  <p16:designElem xmlns:p16="http://schemas.microsoft.com/office/powerpoint/2015/main" val="1"/>
+                </p:ext>
+              </p:extLst>
+            </p:nvPr>
+          </p:nvCxnSpPr>
+          <p:spPr>
+            <a:xfrm flipH="1">
+              <a:off x="12074680" y="1910249"/>
+              <a:ext cx="117320" cy="82912"/>
+            </a:xfrm>
+            <a:prstGeom prst="line">
+              <a:avLst/>
+            </a:prstGeom>
+            <a:ln>
+              <a:solidFill>
+                <a:srgbClr val="FFFFFF">
+                  <a:alpha val="30196"/>
+                </a:srgbClr>
+              </a:solidFill>
+            </a:ln>
+          </p:spPr>
+          <p:style>
+            <a:lnRef idx="1">
+              <a:schemeClr val="accent1"/>
+            </a:lnRef>
+            <a:fillRef idx="0">
+              <a:schemeClr val="accent1"/>
+            </a:fillRef>
+            <a:effectRef idx="0">
+              <a:schemeClr val="accent1"/>
+            </a:effectRef>
+            <a:fontRef idx="minor">
+              <a:schemeClr val="tx1"/>
+            </a:fontRef>
+          </p:style>
+        </p:cxnSp>
+        <p:cxnSp>
+          <p:nvCxnSpPr>
+            <p:cNvPr id="49" name="Straight Connector 48">
+              <a:extLst>
+                <a:ext uri="{FF2B5EF4-FFF2-40B4-BE49-F238E27FC236}">
+                  <a16:creationId xmlns:a16="http://schemas.microsoft.com/office/drawing/2014/main" id="{CF6D95B2-1C8D-4156-AB05-523619B4FCD7}"/>
+                </a:ext>
+                <a:ext uri="{C183D7F6-B498-43B3-948B-1728B52AA6E4}">
+                  <adec:decorative xmlns:adec="http://schemas.microsoft.com/office/drawing/2017/decorative" val="1"/>
+                </a:ext>
+              </a:extLst>
+            </p:cNvPr>
+            <p:cNvCxnSpPr/>
+            <p:nvPr>
+              <p:extLst>
+                <p:ext uri="{386F3935-93C4-4BCD-93E2-E3B085C9AB24}">
+                  <p16:designElem xmlns:p16="http://schemas.microsoft.com/office/powerpoint/2015/main" val="1"/>
+                </p:ext>
+              </p:extLst>
+            </p:nvPr>
+          </p:nvCxnSpPr>
+          <p:spPr>
+            <a:xfrm flipH="1">
+              <a:off x="12149943" y="2083594"/>
+              <a:ext cx="39676" cy="21436"/>
+            </a:xfrm>
+            <a:prstGeom prst="line">
+              <a:avLst/>
+            </a:prstGeom>
+            <a:ln>
+              <a:solidFill>
+                <a:srgbClr val="FFFFFF">
+                  <a:alpha val="30196"/>
+                </a:srgbClr>
+              </a:solidFill>
+            </a:ln>
+          </p:spPr>
+          <p:style>
+            <a:lnRef idx="1">
+              <a:schemeClr val="accent1"/>
+            </a:lnRef>
+            <a:fillRef idx="0">
+              <a:schemeClr val="accent1"/>
+            </a:fillRef>
+            <a:effectRef idx="0">
+              <a:schemeClr val="accent1"/>
+            </a:effectRef>
+            <a:fontRef idx="minor">
+              <a:schemeClr val="tx1"/>
+            </a:fontRef>
+          </p:style>
+        </p:cxnSp>
+        <p:cxnSp>
+          <p:nvCxnSpPr>
+            <p:cNvPr id="50" name="Straight Connector 49">
+              <a:extLst>
+                <a:ext uri="{FF2B5EF4-FFF2-40B4-BE49-F238E27FC236}">
+                  <a16:creationId xmlns:a16="http://schemas.microsoft.com/office/drawing/2014/main" id="{288409AD-A77F-4304-9E8B-08A4891C7074}"/>
+                </a:ext>
+                <a:ext uri="{C183D7F6-B498-43B3-948B-1728B52AA6E4}">
+                  <adec:decorative xmlns:adec="http://schemas.microsoft.com/office/drawing/2017/decorative" val="1"/>
+                </a:ext>
+              </a:extLst>
+            </p:cNvPr>
+            <p:cNvCxnSpPr/>
+            <p:nvPr>
+              <p:extLst>
+                <p:ext uri="{386F3935-93C4-4BCD-93E2-E3B085C9AB24}">
+                  <p16:designElem xmlns:p16="http://schemas.microsoft.com/office/powerpoint/2015/main" val="1"/>
+                </p:ext>
+              </p:extLst>
+            </p:nvPr>
+          </p:nvCxnSpPr>
+          <p:spPr>
+            <a:xfrm rot="-180000" flipH="1">
+              <a:off x="9127990" y="334251"/>
+              <a:ext cx="3394" cy="182880"/>
+            </a:xfrm>
+            <a:prstGeom prst="line">
+              <a:avLst/>
+            </a:prstGeom>
+            <a:ln>
+              <a:solidFill>
+                <a:srgbClr val="FFFFFF">
+                  <a:alpha val="30196"/>
+                </a:srgbClr>
+              </a:solidFill>
+            </a:ln>
+          </p:spPr>
+          <p:style>
+            <a:lnRef idx="1">
+              <a:schemeClr val="accent1"/>
+            </a:lnRef>
+            <a:fillRef idx="0">
+              <a:schemeClr val="accent1"/>
+            </a:fillRef>
+            <a:effectRef idx="0">
+              <a:schemeClr val="accent1"/>
+            </a:effectRef>
+            <a:fontRef idx="minor">
+              <a:schemeClr val="tx1"/>
+            </a:fontRef>
+          </p:style>
+        </p:cxnSp>
+        <p:cxnSp>
+          <p:nvCxnSpPr>
+            <p:cNvPr id="51" name="Straight Connector 50">
+              <a:extLst>
+                <a:ext uri="{FF2B5EF4-FFF2-40B4-BE49-F238E27FC236}">
+                  <a16:creationId xmlns:a16="http://schemas.microsoft.com/office/drawing/2014/main" id="{862AD08A-B385-4D18-B948-8D53B3918486}"/>
+                </a:ext>
+                <a:ext uri="{C183D7F6-B498-43B3-948B-1728B52AA6E4}">
+                  <adec:decorative xmlns:adec="http://schemas.microsoft.com/office/drawing/2017/decorative" val="1"/>
+                </a:ext>
+              </a:extLst>
+            </p:cNvPr>
+            <p:cNvCxnSpPr/>
+            <p:nvPr>
+              <p:extLst>
+                <p:ext uri="{386F3935-93C4-4BCD-93E2-E3B085C9AB24}">
+                  <p16:designElem xmlns:p16="http://schemas.microsoft.com/office/powerpoint/2015/main" val="1"/>
+                </p:ext>
+              </p:extLst>
+            </p:nvPr>
+          </p:nvCxnSpPr>
+          <p:spPr>
+            <a:xfrm rot="-300000" flipH="1">
+              <a:off x="8987576" y="336633"/>
+              <a:ext cx="3394" cy="182880"/>
+            </a:xfrm>
+            <a:prstGeom prst="line">
+              <a:avLst/>
+            </a:prstGeom>
+            <a:ln>
+              <a:solidFill>
+                <a:srgbClr val="FFFFFF">
+                  <a:alpha val="30196"/>
+                </a:srgbClr>
+              </a:solidFill>
+            </a:ln>
+          </p:spPr>
+          <p:style>
+            <a:lnRef idx="1">
+              <a:schemeClr val="accent1"/>
+            </a:lnRef>
+            <a:fillRef idx="0">
+              <a:schemeClr val="accent1"/>
+            </a:fillRef>
+            <a:effectRef idx="0">
+              <a:schemeClr val="accent1"/>
+            </a:effectRef>
+            <a:fontRef idx="minor">
+              <a:schemeClr val="tx1"/>
+            </a:fontRef>
+          </p:style>
+        </p:cxnSp>
+        <p:cxnSp>
+          <p:nvCxnSpPr>
+            <p:cNvPr id="52" name="Straight Connector 51">
+              <a:extLst>
+                <a:ext uri="{FF2B5EF4-FFF2-40B4-BE49-F238E27FC236}">
+                  <a16:creationId xmlns:a16="http://schemas.microsoft.com/office/drawing/2014/main" id="{E32A413E-FF1A-46B1-BF8B-3C1C408B3440}"/>
+                </a:ext>
+                <a:ext uri="{C183D7F6-B498-43B3-948B-1728B52AA6E4}">
+                  <adec:decorative xmlns:adec="http://schemas.microsoft.com/office/drawing/2017/decorative" val="1"/>
+                </a:ext>
+              </a:extLst>
+            </p:cNvPr>
+            <p:cNvCxnSpPr/>
+            <p:nvPr>
+              <p:extLst>
+                <p:ext uri="{386F3935-93C4-4BCD-93E2-E3B085C9AB24}">
+                  <p16:designElem xmlns:p16="http://schemas.microsoft.com/office/powerpoint/2015/main" val="1"/>
+                </p:ext>
+              </p:extLst>
+            </p:nvPr>
+          </p:nvCxnSpPr>
+          <p:spPr>
+            <a:xfrm rot="-420000" flipH="1">
+              <a:off x="8844859" y="351176"/>
+              <a:ext cx="3394" cy="182880"/>
+            </a:xfrm>
+            <a:prstGeom prst="line">
+              <a:avLst/>
+            </a:prstGeom>
+            <a:ln>
+              <a:solidFill>
+                <a:srgbClr val="FFFFFF">
+                  <a:alpha val="30196"/>
+                </a:srgbClr>
+              </a:solidFill>
+            </a:ln>
+          </p:spPr>
+          <p:style>
+            <a:lnRef idx="1">
+              <a:schemeClr val="accent1"/>
+            </a:lnRef>
+            <a:fillRef idx="0">
+              <a:schemeClr val="accent1"/>
+            </a:fillRef>
+            <a:effectRef idx="0">
+              <a:schemeClr val="accent1"/>
+            </a:effectRef>
+            <a:fontRef idx="minor">
+              <a:schemeClr val="tx1"/>
+            </a:fontRef>
+          </p:style>
+        </p:cxnSp>
+        <p:cxnSp>
+          <p:nvCxnSpPr>
+            <p:cNvPr id="53" name="Straight Connector 52">
+              <a:extLst>
+                <a:ext uri="{FF2B5EF4-FFF2-40B4-BE49-F238E27FC236}">
+                  <a16:creationId xmlns:a16="http://schemas.microsoft.com/office/drawing/2014/main" id="{3CFF4E44-2BEB-4FAE-97C9-BC6E8296D111}"/>
+                </a:ext>
+                <a:ext uri="{C183D7F6-B498-43B3-948B-1728B52AA6E4}">
+                  <adec:decorative xmlns:adec="http://schemas.microsoft.com/office/drawing/2017/decorative" val="1"/>
+                </a:ext>
+              </a:extLst>
+            </p:cNvPr>
+            <p:cNvCxnSpPr/>
+            <p:nvPr>
+              <p:extLst>
+                <p:ext uri="{386F3935-93C4-4BCD-93E2-E3B085C9AB24}">
+                  <p16:designElem xmlns:p16="http://schemas.microsoft.com/office/powerpoint/2015/main" val="1"/>
+                </p:ext>
+              </p:extLst>
+            </p:nvPr>
+          </p:nvCxnSpPr>
+          <p:spPr>
+            <a:xfrm rot="-540000" flipH="1">
+              <a:off x="8706904" y="365719"/>
+              <a:ext cx="3394" cy="182880"/>
+            </a:xfrm>
+            <a:prstGeom prst="line">
+              <a:avLst/>
+            </a:prstGeom>
+            <a:ln>
+              <a:solidFill>
+                <a:srgbClr val="FFFFFF">
+                  <a:alpha val="30196"/>
+                </a:srgbClr>
+              </a:solidFill>
+            </a:ln>
+          </p:spPr>
+          <p:style>
+            <a:lnRef idx="1">
+              <a:schemeClr val="accent1"/>
+            </a:lnRef>
+            <a:fillRef idx="0">
+              <a:schemeClr val="accent1"/>
+            </a:fillRef>
+            <a:effectRef idx="0">
+              <a:schemeClr val="accent1"/>
+            </a:effectRef>
+            <a:fontRef idx="minor">
+              <a:schemeClr val="tx1"/>
+            </a:fontRef>
+          </p:style>
+        </p:cxnSp>
+        <p:cxnSp>
+          <p:nvCxnSpPr>
+            <p:cNvPr id="54" name="Straight Connector 53">
+              <a:extLst>
+                <a:ext uri="{FF2B5EF4-FFF2-40B4-BE49-F238E27FC236}">
+                  <a16:creationId xmlns:a16="http://schemas.microsoft.com/office/drawing/2014/main" id="{F0486C0A-9B93-46B8-932F-876BE26CEFE1}"/>
+                </a:ext>
+                <a:ext uri="{C183D7F6-B498-43B3-948B-1728B52AA6E4}">
+                  <adec:decorative xmlns:adec="http://schemas.microsoft.com/office/drawing/2017/decorative" val="1"/>
+                </a:ext>
+              </a:extLst>
+            </p:cNvPr>
+            <p:cNvCxnSpPr/>
+            <p:nvPr>
+              <p:extLst>
+                <p:ext uri="{386F3935-93C4-4BCD-93E2-E3B085C9AB24}">
+                  <p16:designElem xmlns:p16="http://schemas.microsoft.com/office/powerpoint/2015/main" val="1"/>
+                </p:ext>
+              </p:extLst>
+            </p:nvPr>
+          </p:nvCxnSpPr>
+          <p:spPr>
+            <a:xfrm rot="-720000" flipH="1">
+              <a:off x="8568008" y="387891"/>
+              <a:ext cx="3394" cy="182880"/>
+            </a:xfrm>
+            <a:prstGeom prst="line">
+              <a:avLst/>
+            </a:prstGeom>
+            <a:ln>
+              <a:solidFill>
+                <a:srgbClr val="FFFFFF">
+                  <a:alpha val="30196"/>
+                </a:srgbClr>
+              </a:solidFill>
+            </a:ln>
+          </p:spPr>
+          <p:style>
+            <a:lnRef idx="1">
+              <a:schemeClr val="accent1"/>
+            </a:lnRef>
+            <a:fillRef idx="0">
+              <a:schemeClr val="accent1"/>
+            </a:fillRef>
+            <a:effectRef idx="0">
+              <a:schemeClr val="accent1"/>
+            </a:effectRef>
+            <a:fontRef idx="minor">
+              <a:schemeClr val="tx1"/>
+            </a:fontRef>
+          </p:style>
+        </p:cxnSp>
+        <p:cxnSp>
+          <p:nvCxnSpPr>
+            <p:cNvPr id="55" name="Straight Connector 54">
+              <a:extLst>
+                <a:ext uri="{FF2B5EF4-FFF2-40B4-BE49-F238E27FC236}">
+                  <a16:creationId xmlns:a16="http://schemas.microsoft.com/office/drawing/2014/main" id="{1429BF5D-8D5B-4A48-89EE-8B779826EEC6}"/>
+                </a:ext>
+                <a:ext uri="{C183D7F6-B498-43B3-948B-1728B52AA6E4}">
+                  <adec:decorative xmlns:adec="http://schemas.microsoft.com/office/drawing/2017/decorative" val="1"/>
+                </a:ext>
+              </a:extLst>
+            </p:cNvPr>
+            <p:cNvCxnSpPr/>
+            <p:nvPr>
+              <p:extLst>
+                <p:ext uri="{386F3935-93C4-4BCD-93E2-E3B085C9AB24}">
+                  <p16:designElem xmlns:p16="http://schemas.microsoft.com/office/powerpoint/2015/main" val="1"/>
+                </p:ext>
+              </p:extLst>
+            </p:nvPr>
+          </p:nvCxnSpPr>
+          <p:spPr>
+            <a:xfrm rot="-840000" flipH="1">
+              <a:off x="8429112" y="410063"/>
+              <a:ext cx="3394" cy="182880"/>
+            </a:xfrm>
+            <a:prstGeom prst="line">
+              <a:avLst/>
+            </a:prstGeom>
+            <a:ln>
+              <a:solidFill>
+                <a:srgbClr val="FFFFFF">
+                  <a:alpha val="30196"/>
+                </a:srgbClr>
+              </a:solidFill>
+            </a:ln>
+          </p:spPr>
+          <p:style>
+            <a:lnRef idx="1">
+              <a:schemeClr val="accent1"/>
+            </a:lnRef>
+            <a:fillRef idx="0">
+              <a:schemeClr val="accent1"/>
+            </a:fillRef>
+            <a:effectRef idx="0">
+              <a:schemeClr val="accent1"/>
+            </a:effectRef>
+            <a:fontRef idx="minor">
+              <a:schemeClr val="tx1"/>
+            </a:fontRef>
+          </p:style>
+        </p:cxnSp>
+        <p:cxnSp>
+          <p:nvCxnSpPr>
+            <p:cNvPr id="56" name="Straight Connector 55">
+              <a:extLst>
+                <a:ext uri="{FF2B5EF4-FFF2-40B4-BE49-F238E27FC236}">
+                  <a16:creationId xmlns:a16="http://schemas.microsoft.com/office/drawing/2014/main" id="{CDC996EE-5EB1-4943-A1E8-70810CBD67FC}"/>
+                </a:ext>
+                <a:ext uri="{C183D7F6-B498-43B3-948B-1728B52AA6E4}">
+                  <adec:decorative xmlns:adec="http://schemas.microsoft.com/office/drawing/2017/decorative" val="1"/>
+                </a:ext>
+              </a:extLst>
+            </p:cNvPr>
+            <p:cNvCxnSpPr/>
+            <p:nvPr>
+              <p:extLst>
+                <p:ext uri="{386F3935-93C4-4BCD-93E2-E3B085C9AB24}">
+                  <p16:designElem xmlns:p16="http://schemas.microsoft.com/office/powerpoint/2015/main" val="1"/>
+                </p:ext>
+              </p:extLst>
+            </p:nvPr>
+          </p:nvCxnSpPr>
+          <p:spPr>
+            <a:xfrm rot="-960000" flipH="1">
+              <a:off x="8294968" y="446219"/>
+              <a:ext cx="3394" cy="182880"/>
+            </a:xfrm>
+            <a:prstGeom prst="line">
+              <a:avLst/>
+            </a:prstGeom>
+            <a:ln>
+              <a:solidFill>
+                <a:srgbClr val="FFFFFF">
+                  <a:alpha val="30196"/>
+                </a:srgbClr>
+              </a:solidFill>
+            </a:ln>
+          </p:spPr>
+          <p:style>
+            <a:lnRef idx="1">
+              <a:schemeClr val="accent1"/>
+            </a:lnRef>
+            <a:fillRef idx="0">
+              <a:schemeClr val="accent1"/>
+            </a:fillRef>
+            <a:effectRef idx="0">
+              <a:schemeClr val="accent1"/>
+            </a:effectRef>
+            <a:fontRef idx="minor">
+              <a:schemeClr val="tx1"/>
+            </a:fontRef>
+          </p:style>
+        </p:cxnSp>
+        <p:cxnSp>
+          <p:nvCxnSpPr>
+            <p:cNvPr id="57" name="Straight Connector 56">
+              <a:extLst>
+                <a:ext uri="{FF2B5EF4-FFF2-40B4-BE49-F238E27FC236}">
+                  <a16:creationId xmlns:a16="http://schemas.microsoft.com/office/drawing/2014/main" id="{32F833C8-E3CE-4399-B78B-9DD0EEA64C6C}"/>
+                </a:ext>
+                <a:ext uri="{C183D7F6-B498-43B3-948B-1728B52AA6E4}">
+                  <adec:decorative xmlns:adec="http://schemas.microsoft.com/office/drawing/2017/decorative" val="1"/>
+                </a:ext>
+              </a:extLst>
+            </p:cNvPr>
+            <p:cNvCxnSpPr/>
+            <p:nvPr>
+              <p:extLst>
+                <p:ext uri="{386F3935-93C4-4BCD-93E2-E3B085C9AB24}">
+                  <p16:designElem xmlns:p16="http://schemas.microsoft.com/office/powerpoint/2015/main" val="1"/>
+                </p:ext>
+              </p:extLst>
+            </p:nvPr>
+          </p:nvCxnSpPr>
+          <p:spPr>
+            <a:xfrm rot="-1080000" flipH="1">
+              <a:off x="8160824" y="482375"/>
+              <a:ext cx="3394" cy="182880"/>
+            </a:xfrm>
+            <a:prstGeom prst="line">
+              <a:avLst/>
+            </a:prstGeom>
+            <a:ln>
+              <a:solidFill>
+                <a:srgbClr val="FFFFFF">
+                  <a:alpha val="30196"/>
+                </a:srgbClr>
+              </a:solidFill>
+            </a:ln>
+          </p:spPr>
+          <p:style>
+            <a:lnRef idx="1">
+              <a:schemeClr val="accent1"/>
+            </a:lnRef>
+            <a:fillRef idx="0">
+              <a:schemeClr val="accent1"/>
+            </a:fillRef>
+            <a:effectRef idx="0">
+              <a:schemeClr val="accent1"/>
+            </a:effectRef>
+            <a:fontRef idx="minor">
+              <a:schemeClr val="tx1"/>
+            </a:fontRef>
+          </p:style>
+        </p:cxnSp>
+        <p:cxnSp>
+          <p:nvCxnSpPr>
+            <p:cNvPr id="58" name="Straight Connector 57">
+              <a:extLst>
+                <a:ext uri="{FF2B5EF4-FFF2-40B4-BE49-F238E27FC236}">
+                  <a16:creationId xmlns:a16="http://schemas.microsoft.com/office/drawing/2014/main" id="{07C92DB2-78F1-4872-B9C7-C658A78869C3}"/>
+                </a:ext>
+                <a:ext uri="{C183D7F6-B498-43B3-948B-1728B52AA6E4}">
+                  <adec:decorative xmlns:adec="http://schemas.microsoft.com/office/drawing/2017/decorative" val="1"/>
+                </a:ext>
+              </a:extLst>
+            </p:cNvPr>
+            <p:cNvCxnSpPr/>
+            <p:nvPr>
+              <p:extLst>
+                <p:ext uri="{386F3935-93C4-4BCD-93E2-E3B085C9AB24}">
+                  <p16:designElem xmlns:p16="http://schemas.microsoft.com/office/powerpoint/2015/main" val="1"/>
+                </p:ext>
+              </p:extLst>
+            </p:nvPr>
+          </p:nvCxnSpPr>
+          <p:spPr>
+            <a:xfrm rot="-1260000" flipH="1">
+              <a:off x="8027689" y="531848"/>
+              <a:ext cx="3394" cy="182880"/>
+            </a:xfrm>
+            <a:prstGeom prst="line">
+              <a:avLst/>
+            </a:prstGeom>
+            <a:ln>
+              <a:solidFill>
+                <a:srgbClr val="FFFFFF">
+                  <a:alpha val="30196"/>
+                </a:srgbClr>
+              </a:solidFill>
+            </a:ln>
+          </p:spPr>
+          <p:style>
+            <a:lnRef idx="1">
+              <a:schemeClr val="accent1"/>
+            </a:lnRef>
+            <a:fillRef idx="0">
+              <a:schemeClr val="accent1"/>
+            </a:fillRef>
+            <a:effectRef idx="0">
+              <a:schemeClr val="accent1"/>
+            </a:effectRef>
+            <a:fontRef idx="minor">
+              <a:schemeClr val="tx1"/>
+            </a:fontRef>
+          </p:style>
+        </p:cxnSp>
+        <p:cxnSp>
+          <p:nvCxnSpPr>
+            <p:cNvPr id="59" name="Straight Connector 58">
+              <a:extLst>
+                <a:ext uri="{FF2B5EF4-FFF2-40B4-BE49-F238E27FC236}">
+                  <a16:creationId xmlns:a16="http://schemas.microsoft.com/office/drawing/2014/main" id="{1F8A2FAA-05E1-448E-A606-FA9D67036C2D}"/>
+                </a:ext>
+                <a:ext uri="{C183D7F6-B498-43B3-948B-1728B52AA6E4}">
+                  <adec:decorative xmlns:adec="http://schemas.microsoft.com/office/drawing/2017/decorative" val="1"/>
+                </a:ext>
+              </a:extLst>
+            </p:cNvPr>
+            <p:cNvCxnSpPr/>
+            <p:nvPr>
+              <p:extLst>
+                <p:ext uri="{386F3935-93C4-4BCD-93E2-E3B085C9AB24}">
+                  <p16:designElem xmlns:p16="http://schemas.microsoft.com/office/powerpoint/2015/main" val="1"/>
+                </p:ext>
+              </p:extLst>
+            </p:nvPr>
+          </p:nvCxnSpPr>
+          <p:spPr>
+            <a:xfrm rot="-1380000" flipH="1">
+              <a:off x="7894554" y="581321"/>
+              <a:ext cx="3394" cy="182880"/>
+            </a:xfrm>
+            <a:prstGeom prst="line">
+              <a:avLst/>
+            </a:prstGeom>
+            <a:ln>
+              <a:solidFill>
+                <a:srgbClr val="FFFFFF">
+                  <a:alpha val="30196"/>
+                </a:srgbClr>
+              </a:solidFill>
+            </a:ln>
+          </p:spPr>
+          <p:style>
+            <a:lnRef idx="1">
+              <a:schemeClr val="accent1"/>
+            </a:lnRef>
+            <a:fillRef idx="0">
+              <a:schemeClr val="accent1"/>
+            </a:fillRef>
+            <a:effectRef idx="0">
+              <a:schemeClr val="accent1"/>
+            </a:effectRef>
+            <a:fontRef idx="minor">
+              <a:schemeClr val="tx1"/>
+            </a:fontRef>
+          </p:style>
+        </p:cxnSp>
+        <p:cxnSp>
+          <p:nvCxnSpPr>
+            <p:cNvPr id="60" name="Straight Connector 59">
+              <a:extLst>
+                <a:ext uri="{FF2B5EF4-FFF2-40B4-BE49-F238E27FC236}">
+                  <a16:creationId xmlns:a16="http://schemas.microsoft.com/office/drawing/2014/main" id="{E5AAB5D1-1672-4825-88A7-D93923475E27}"/>
+                </a:ext>
+                <a:ext uri="{C183D7F6-B498-43B3-948B-1728B52AA6E4}">
+                  <adec:decorative xmlns:adec="http://schemas.microsoft.com/office/drawing/2017/decorative" val="1"/>
+                </a:ext>
+              </a:extLst>
+            </p:cNvPr>
+            <p:cNvCxnSpPr/>
+            <p:nvPr>
+              <p:extLst>
+                <p:ext uri="{386F3935-93C4-4BCD-93E2-E3B085C9AB24}">
+                  <p16:designElem xmlns:p16="http://schemas.microsoft.com/office/powerpoint/2015/main" val="1"/>
+                </p:ext>
+              </p:extLst>
+            </p:nvPr>
+          </p:nvCxnSpPr>
+          <p:spPr>
+            <a:xfrm rot="-1500000" flipH="1">
+              <a:off x="7761419" y="630794"/>
+              <a:ext cx="3394" cy="182880"/>
+            </a:xfrm>
+            <a:prstGeom prst="line">
+              <a:avLst/>
+            </a:prstGeom>
+            <a:ln>
+              <a:solidFill>
+                <a:srgbClr val="FFFFFF">
+                  <a:alpha val="30196"/>
+                </a:srgbClr>
+              </a:solidFill>
+            </a:ln>
+          </p:spPr>
+          <p:style>
+            <a:lnRef idx="1">
+              <a:schemeClr val="accent1"/>
+            </a:lnRef>
+            <a:fillRef idx="0">
+              <a:schemeClr val="accent1"/>
+            </a:fillRef>
+            <a:effectRef idx="0">
+              <a:schemeClr val="accent1"/>
+            </a:effectRef>
+            <a:fontRef idx="minor">
+              <a:schemeClr val="tx1"/>
+            </a:fontRef>
+          </p:style>
+        </p:cxnSp>
+        <p:cxnSp>
+          <p:nvCxnSpPr>
+            <p:cNvPr id="61" name="Straight Connector 60">
+              <a:extLst>
+                <a:ext uri="{FF2B5EF4-FFF2-40B4-BE49-F238E27FC236}">
+                  <a16:creationId xmlns:a16="http://schemas.microsoft.com/office/drawing/2014/main" id="{02CAAFDB-2BA2-4D04-8B8B-1241D5EC097B}"/>
+                </a:ext>
+                <a:ext uri="{C183D7F6-B498-43B3-948B-1728B52AA6E4}">
+                  <adec:decorative xmlns:adec="http://schemas.microsoft.com/office/drawing/2017/decorative" val="1"/>
+                </a:ext>
+              </a:extLst>
+            </p:cNvPr>
+            <p:cNvCxnSpPr/>
+            <p:nvPr>
+              <p:extLst>
+                <p:ext uri="{386F3935-93C4-4BCD-93E2-E3B085C9AB24}">
+                  <p16:designElem xmlns:p16="http://schemas.microsoft.com/office/powerpoint/2015/main" val="1"/>
+                </p:ext>
+              </p:extLst>
+            </p:nvPr>
+          </p:nvCxnSpPr>
+          <p:spPr>
+            <a:xfrm rot="-1620000" flipH="1">
+              <a:off x="7636645" y="689804"/>
+              <a:ext cx="3394" cy="182880"/>
+            </a:xfrm>
+            <a:prstGeom prst="line">
+              <a:avLst/>
+            </a:prstGeom>
+            <a:ln>
+              <a:solidFill>
+                <a:srgbClr val="FFFFFF">
+                  <a:alpha val="30196"/>
+                </a:srgbClr>
+              </a:solidFill>
+            </a:ln>
+          </p:spPr>
+          <p:style>
+            <a:lnRef idx="1">
+              <a:schemeClr val="accent1"/>
+            </a:lnRef>
+            <a:fillRef idx="0">
+              <a:schemeClr val="accent1"/>
+            </a:fillRef>
+            <a:effectRef idx="0">
+              <a:schemeClr val="accent1"/>
+            </a:effectRef>
+            <a:fontRef idx="minor">
+              <a:schemeClr val="tx1"/>
+            </a:fontRef>
+          </p:style>
+        </p:cxnSp>
+        <p:cxnSp>
+          <p:nvCxnSpPr>
+            <p:cNvPr id="62" name="Straight Connector 61">
+              <a:extLst>
+                <a:ext uri="{FF2B5EF4-FFF2-40B4-BE49-F238E27FC236}">
+                  <a16:creationId xmlns:a16="http://schemas.microsoft.com/office/drawing/2014/main" id="{4C381B3C-0009-451B-BCB3-48F7810C1BAC}"/>
+                </a:ext>
+                <a:ext uri="{C183D7F6-B498-43B3-948B-1728B52AA6E4}">
+                  <adec:decorative xmlns:adec="http://schemas.microsoft.com/office/drawing/2017/decorative" val="1"/>
+                </a:ext>
+              </a:extLst>
+            </p:cNvPr>
+            <p:cNvCxnSpPr/>
+            <p:nvPr>
+              <p:extLst>
+                <p:ext uri="{386F3935-93C4-4BCD-93E2-E3B085C9AB24}">
+                  <p16:designElem xmlns:p16="http://schemas.microsoft.com/office/powerpoint/2015/main" val="1"/>
+                </p:ext>
+              </p:extLst>
+            </p:nvPr>
+          </p:nvCxnSpPr>
+          <p:spPr>
+            <a:xfrm rot="-1800000" flipH="1">
+              <a:off x="7511871" y="751195"/>
+              <a:ext cx="3394" cy="182880"/>
+            </a:xfrm>
+            <a:prstGeom prst="line">
+              <a:avLst/>
+            </a:prstGeom>
+            <a:ln>
+              <a:solidFill>
+                <a:srgbClr val="FFFFFF">
+                  <a:alpha val="30196"/>
+                </a:srgbClr>
+              </a:solidFill>
+            </a:ln>
+          </p:spPr>
+          <p:style>
+            <a:lnRef idx="1">
+              <a:schemeClr val="accent1"/>
+            </a:lnRef>
+            <a:fillRef idx="0">
+              <a:schemeClr val="accent1"/>
+            </a:fillRef>
+            <a:effectRef idx="0">
+              <a:schemeClr val="accent1"/>
+            </a:effectRef>
+            <a:fontRef idx="minor">
+              <a:schemeClr val="tx1"/>
+            </a:fontRef>
+          </p:style>
+        </p:cxnSp>
+        <p:cxnSp>
+          <p:nvCxnSpPr>
+            <p:cNvPr id="63" name="Straight Connector 62">
+              <a:extLst>
+                <a:ext uri="{FF2B5EF4-FFF2-40B4-BE49-F238E27FC236}">
+                  <a16:creationId xmlns:a16="http://schemas.microsoft.com/office/drawing/2014/main" id="{2A10544C-1EAD-47FB-A17E-52C622282632}"/>
+                </a:ext>
+                <a:ext uri="{C183D7F6-B498-43B3-948B-1728B52AA6E4}">
+                  <adec:decorative xmlns:adec="http://schemas.microsoft.com/office/drawing/2017/decorative" val="1"/>
+                </a:ext>
+              </a:extLst>
+            </p:cNvPr>
+            <p:cNvCxnSpPr/>
+            <p:nvPr>
+              <p:extLst>
+                <p:ext uri="{386F3935-93C4-4BCD-93E2-E3B085C9AB24}">
+                  <p16:designElem xmlns:p16="http://schemas.microsoft.com/office/powerpoint/2015/main" val="1"/>
+                </p:ext>
+              </p:extLst>
+            </p:nvPr>
+          </p:nvCxnSpPr>
+          <p:spPr>
+            <a:xfrm rot="-1920000" flipH="1">
+              <a:off x="7387899" y="819771"/>
+              <a:ext cx="3394" cy="182880"/>
+            </a:xfrm>
+            <a:prstGeom prst="line">
+              <a:avLst/>
+            </a:prstGeom>
+            <a:ln>
+              <a:solidFill>
+                <a:srgbClr val="FFFFFF">
+                  <a:alpha val="30196"/>
+                </a:srgbClr>
+              </a:solidFill>
+            </a:ln>
+          </p:spPr>
+          <p:style>
+            <a:lnRef idx="1">
+              <a:schemeClr val="accent1"/>
+            </a:lnRef>
+            <a:fillRef idx="0">
+              <a:schemeClr val="accent1"/>
+            </a:fillRef>
+            <a:effectRef idx="0">
+              <a:schemeClr val="accent1"/>
+            </a:effectRef>
+            <a:fontRef idx="minor">
+              <a:schemeClr val="tx1"/>
+            </a:fontRef>
+          </p:style>
+        </p:cxnSp>
+        <p:cxnSp>
+          <p:nvCxnSpPr>
+            <p:cNvPr id="64" name="Straight Connector 63">
+              <a:extLst>
+                <a:ext uri="{FF2B5EF4-FFF2-40B4-BE49-F238E27FC236}">
+                  <a16:creationId xmlns:a16="http://schemas.microsoft.com/office/drawing/2014/main" id="{A2540B37-D854-4525-93F8-410685438FEC}"/>
+                </a:ext>
+                <a:ext uri="{C183D7F6-B498-43B3-948B-1728B52AA6E4}">
+                  <adec:decorative xmlns:adec="http://schemas.microsoft.com/office/drawing/2017/decorative" val="1"/>
+                </a:ext>
+              </a:extLst>
+            </p:cNvPr>
+            <p:cNvCxnSpPr/>
+            <p:nvPr>
+              <p:extLst>
+                <p:ext uri="{386F3935-93C4-4BCD-93E2-E3B085C9AB24}">
+                  <p16:designElem xmlns:p16="http://schemas.microsoft.com/office/powerpoint/2015/main" val="1"/>
+                </p:ext>
+              </p:extLst>
+            </p:nvPr>
+          </p:nvCxnSpPr>
+          <p:spPr>
+            <a:xfrm rot="-2040000" flipH="1">
+              <a:off x="7268530" y="893163"/>
+              <a:ext cx="3394" cy="182880"/>
+            </a:xfrm>
+            <a:prstGeom prst="line">
+              <a:avLst/>
+            </a:prstGeom>
+            <a:ln>
+              <a:solidFill>
+                <a:srgbClr val="FFFFFF">
+                  <a:alpha val="30196"/>
+                </a:srgbClr>
+              </a:solidFill>
+            </a:ln>
+          </p:spPr>
+          <p:style>
+            <a:lnRef idx="1">
+              <a:schemeClr val="accent1"/>
+            </a:lnRef>
+            <a:fillRef idx="0">
+              <a:schemeClr val="accent1"/>
+            </a:fillRef>
+            <a:effectRef idx="0">
+              <a:schemeClr val="accent1"/>
+            </a:effectRef>
+            <a:fontRef idx="minor">
+              <a:schemeClr val="tx1"/>
+            </a:fontRef>
+          </p:style>
+        </p:cxnSp>
+        <p:cxnSp>
+          <p:nvCxnSpPr>
+            <p:cNvPr id="65" name="Straight Connector 64">
+              <a:extLst>
+                <a:ext uri="{FF2B5EF4-FFF2-40B4-BE49-F238E27FC236}">
+                  <a16:creationId xmlns:a16="http://schemas.microsoft.com/office/drawing/2014/main" id="{7450DFE8-D07F-435C-B5A2-47D126FD9F8D}"/>
+                </a:ext>
+                <a:ext uri="{C183D7F6-B498-43B3-948B-1728B52AA6E4}">
+                  <adec:decorative xmlns:adec="http://schemas.microsoft.com/office/drawing/2017/decorative" val="1"/>
+                </a:ext>
+              </a:extLst>
+            </p:cNvPr>
+            <p:cNvCxnSpPr/>
+            <p:nvPr>
+              <p:extLst>
+                <p:ext uri="{386F3935-93C4-4BCD-93E2-E3B085C9AB24}">
+                  <p16:designElem xmlns:p16="http://schemas.microsoft.com/office/powerpoint/2015/main" val="1"/>
+                </p:ext>
+              </p:extLst>
+            </p:nvPr>
+          </p:nvCxnSpPr>
+          <p:spPr>
+            <a:xfrm rot="-2160000" flipH="1">
+              <a:off x="7152030" y="976584"/>
+              <a:ext cx="3394" cy="182880"/>
+            </a:xfrm>
+            <a:prstGeom prst="line">
+              <a:avLst/>
+            </a:prstGeom>
+            <a:ln>
+              <a:solidFill>
+                <a:srgbClr val="FFFFFF">
+                  <a:alpha val="30196"/>
+                </a:srgbClr>
+              </a:solidFill>
+            </a:ln>
+          </p:spPr>
+          <p:style>
+            <a:lnRef idx="1">
+              <a:schemeClr val="accent1"/>
+            </a:lnRef>
+            <a:fillRef idx="0">
+              <a:schemeClr val="accent1"/>
+            </a:fillRef>
+            <a:effectRef idx="0">
+              <a:schemeClr val="accent1"/>
+            </a:effectRef>
+            <a:fontRef idx="minor">
+              <a:schemeClr val="tx1"/>
+            </a:fontRef>
+          </p:style>
+        </p:cxnSp>
+        <p:cxnSp>
+          <p:nvCxnSpPr>
+            <p:cNvPr id="66" name="Straight Connector 65">
+              <a:extLst>
+                <a:ext uri="{FF2B5EF4-FFF2-40B4-BE49-F238E27FC236}">
+                  <a16:creationId xmlns:a16="http://schemas.microsoft.com/office/drawing/2014/main" id="{6C1A6513-2D5D-458C-B841-D5DD9844B845}"/>
+                </a:ext>
+                <a:ext uri="{C183D7F6-B498-43B3-948B-1728B52AA6E4}">
+                  <adec:decorative xmlns:adec="http://schemas.microsoft.com/office/drawing/2017/decorative" val="1"/>
+                </a:ext>
+              </a:extLst>
+            </p:cNvPr>
+            <p:cNvCxnSpPr/>
+            <p:nvPr>
+              <p:extLst>
+                <p:ext uri="{386F3935-93C4-4BCD-93E2-E3B085C9AB24}">
+                  <p16:designElem xmlns:p16="http://schemas.microsoft.com/office/powerpoint/2015/main" val="1"/>
+                </p:ext>
+              </p:extLst>
+            </p:nvPr>
+          </p:nvCxnSpPr>
+          <p:spPr>
+            <a:xfrm rot="-2340000" flipH="1">
+              <a:off x="7041695" y="1060025"/>
+              <a:ext cx="3394" cy="182880"/>
+            </a:xfrm>
+            <a:prstGeom prst="line">
+              <a:avLst/>
+            </a:prstGeom>
+            <a:ln>
+              <a:solidFill>
+                <a:srgbClr val="FFFFFF">
+                  <a:alpha val="30196"/>
+                </a:srgbClr>
+              </a:solidFill>
+            </a:ln>
+          </p:spPr>
+          <p:style>
+            <a:lnRef idx="1">
+              <a:schemeClr val="accent1"/>
+            </a:lnRef>
+            <a:fillRef idx="0">
+              <a:schemeClr val="accent1"/>
+            </a:fillRef>
+            <a:effectRef idx="0">
+              <a:schemeClr val="accent1"/>
+            </a:effectRef>
+            <a:fontRef idx="minor">
+              <a:schemeClr val="tx1"/>
+            </a:fontRef>
+          </p:style>
+        </p:cxnSp>
+        <p:cxnSp>
+          <p:nvCxnSpPr>
+            <p:cNvPr id="67" name="Straight Connector 66">
+              <a:extLst>
+                <a:ext uri="{FF2B5EF4-FFF2-40B4-BE49-F238E27FC236}">
+                  <a16:creationId xmlns:a16="http://schemas.microsoft.com/office/drawing/2014/main" id="{9931CF18-850E-41CD-823E-D311BD5CCE1C}"/>
+                </a:ext>
+                <a:ext uri="{C183D7F6-B498-43B3-948B-1728B52AA6E4}">
+                  <adec:decorative xmlns:adec="http://schemas.microsoft.com/office/drawing/2017/decorative" val="1"/>
+                </a:ext>
+              </a:extLst>
+            </p:cNvPr>
+            <p:cNvCxnSpPr/>
+            <p:nvPr>
+              <p:extLst>
+                <p:ext uri="{386F3935-93C4-4BCD-93E2-E3B085C9AB24}">
+                  <p16:designElem xmlns:p16="http://schemas.microsoft.com/office/powerpoint/2015/main" val="1"/>
+                </p:ext>
+              </p:extLst>
+            </p:nvPr>
+          </p:nvCxnSpPr>
+          <p:spPr>
+            <a:xfrm rot="-2460000" flipH="1">
+              <a:off x="6931360" y="1143466"/>
+              <a:ext cx="3394" cy="182880"/>
+            </a:xfrm>
+            <a:prstGeom prst="line">
+              <a:avLst/>
+            </a:prstGeom>
+            <a:ln>
+              <a:solidFill>
+                <a:srgbClr val="FFFFFF">
+                  <a:alpha val="30196"/>
+                </a:srgbClr>
+              </a:solidFill>
+            </a:ln>
+          </p:spPr>
+          <p:style>
+            <a:lnRef idx="1">
+              <a:schemeClr val="accent1"/>
+            </a:lnRef>
+            <a:fillRef idx="0">
+              <a:schemeClr val="accent1"/>
+            </a:fillRef>
+            <a:effectRef idx="0">
+              <a:schemeClr val="accent1"/>
+            </a:effectRef>
+            <a:fontRef idx="minor">
+              <a:schemeClr val="tx1"/>
+            </a:fontRef>
+          </p:style>
+        </p:cxnSp>
+        <p:cxnSp>
+          <p:nvCxnSpPr>
+            <p:cNvPr id="68" name="Straight Connector 67">
+              <a:extLst>
+                <a:ext uri="{FF2B5EF4-FFF2-40B4-BE49-F238E27FC236}">
+                  <a16:creationId xmlns:a16="http://schemas.microsoft.com/office/drawing/2014/main" id="{44497A09-1B1C-4EB6-B728-6FC3A1C125FB}"/>
+                </a:ext>
+                <a:ext uri="{C183D7F6-B498-43B3-948B-1728B52AA6E4}">
+                  <adec:decorative xmlns:adec="http://schemas.microsoft.com/office/drawing/2017/decorative" val="1"/>
+                </a:ext>
+              </a:extLst>
+            </p:cNvPr>
+            <p:cNvCxnSpPr/>
+            <p:nvPr>
+              <p:extLst>
+                <p:ext uri="{386F3935-93C4-4BCD-93E2-E3B085C9AB24}">
+                  <p16:designElem xmlns:p16="http://schemas.microsoft.com/office/powerpoint/2015/main" val="1"/>
+                </p:ext>
+              </p:extLst>
+            </p:nvPr>
+          </p:nvCxnSpPr>
+          <p:spPr>
+            <a:xfrm rot="-2580000" flipH="1">
+              <a:off x="6819070" y="1235864"/>
+              <a:ext cx="3394" cy="182880"/>
+            </a:xfrm>
+            <a:prstGeom prst="line">
+              <a:avLst/>
+            </a:prstGeom>
+            <a:ln>
+              <a:solidFill>
+                <a:srgbClr val="FFFFFF">
+                  <a:alpha val="30196"/>
+                </a:srgbClr>
+              </a:solidFill>
+            </a:ln>
+          </p:spPr>
+          <p:style>
+            <a:lnRef idx="1">
+              <a:schemeClr val="accent1"/>
+            </a:lnRef>
+            <a:fillRef idx="0">
+              <a:schemeClr val="accent1"/>
+            </a:fillRef>
+            <a:effectRef idx="0">
+              <a:schemeClr val="accent1"/>
+            </a:effectRef>
+            <a:fontRef idx="minor">
+              <a:schemeClr val="tx1"/>
+            </a:fontRef>
+          </p:style>
+        </p:cxnSp>
+        <p:cxnSp>
+          <p:nvCxnSpPr>
+            <p:cNvPr id="69" name="Straight Connector 68">
+              <a:extLst>
+                <a:ext uri="{FF2B5EF4-FFF2-40B4-BE49-F238E27FC236}">
+                  <a16:creationId xmlns:a16="http://schemas.microsoft.com/office/drawing/2014/main" id="{FA60DE04-F3E8-437E-A2E4-A8A7BA01CB3A}"/>
+                </a:ext>
+                <a:ext uri="{C183D7F6-B498-43B3-948B-1728B52AA6E4}">
+                  <adec:decorative xmlns:adec="http://schemas.microsoft.com/office/drawing/2017/decorative" val="1"/>
+                </a:ext>
+              </a:extLst>
+            </p:cNvPr>
+            <p:cNvCxnSpPr/>
+            <p:nvPr>
+              <p:extLst>
+                <p:ext uri="{386F3935-93C4-4BCD-93E2-E3B085C9AB24}">
+                  <p16:designElem xmlns:p16="http://schemas.microsoft.com/office/powerpoint/2015/main" val="1"/>
+                </p:ext>
+              </p:extLst>
+            </p:nvPr>
+          </p:nvCxnSpPr>
+          <p:spPr>
+            <a:xfrm rot="-2700000" flipH="1">
+              <a:off x="6721359" y="1332746"/>
+              <a:ext cx="3394" cy="182880"/>
+            </a:xfrm>
+            <a:prstGeom prst="line">
+              <a:avLst/>
+            </a:prstGeom>
+            <a:ln>
+              <a:solidFill>
+                <a:srgbClr val="FFFFFF">
+                  <a:alpha val="30196"/>
+                </a:srgbClr>
+              </a:solidFill>
+            </a:ln>
+          </p:spPr>
+          <p:style>
+            <a:lnRef idx="1">
+              <a:schemeClr val="accent1"/>
+            </a:lnRef>
+            <a:fillRef idx="0">
+              <a:schemeClr val="accent1"/>
+            </a:fillRef>
+            <a:effectRef idx="0">
+              <a:schemeClr val="accent1"/>
+            </a:effectRef>
+            <a:fontRef idx="minor">
+              <a:schemeClr val="tx1"/>
+            </a:fontRef>
+          </p:style>
+        </p:cxnSp>
+        <p:cxnSp>
+          <p:nvCxnSpPr>
+            <p:cNvPr id="70" name="Straight Connector 69">
+              <a:extLst>
+                <a:ext uri="{FF2B5EF4-FFF2-40B4-BE49-F238E27FC236}">
+                  <a16:creationId xmlns:a16="http://schemas.microsoft.com/office/drawing/2014/main" id="{CDBBA541-852C-4AE6-82E8-6BD13AFB4FF2}"/>
+                </a:ext>
+                <a:ext uri="{C183D7F6-B498-43B3-948B-1728B52AA6E4}">
+                  <adec:decorative xmlns:adec="http://schemas.microsoft.com/office/drawing/2017/decorative" val="1"/>
+                </a:ext>
+              </a:extLst>
+            </p:cNvPr>
+            <p:cNvCxnSpPr/>
+            <p:nvPr>
+              <p:extLst>
+                <p:ext uri="{386F3935-93C4-4BCD-93E2-E3B085C9AB24}">
+                  <p16:designElem xmlns:p16="http://schemas.microsoft.com/office/powerpoint/2015/main" val="1"/>
+                </p:ext>
+              </p:extLst>
+            </p:nvPr>
+          </p:nvCxnSpPr>
+          <p:spPr>
+            <a:xfrm rot="-2880000" flipH="1">
+              <a:off x="6617467" y="1429423"/>
+              <a:ext cx="3394" cy="182880"/>
+            </a:xfrm>
+            <a:prstGeom prst="line">
+              <a:avLst/>
+            </a:prstGeom>
+            <a:ln>
+              <a:solidFill>
+                <a:srgbClr val="FFFFFF">
+                  <a:alpha val="30196"/>
+                </a:srgbClr>
+              </a:solidFill>
+            </a:ln>
+          </p:spPr>
+          <p:style>
+            <a:lnRef idx="1">
+              <a:schemeClr val="accent1"/>
+            </a:lnRef>
+            <a:fillRef idx="0">
+              <a:schemeClr val="accent1"/>
+            </a:fillRef>
+            <a:effectRef idx="0">
+              <a:schemeClr val="accent1"/>
+            </a:effectRef>
+            <a:fontRef idx="minor">
+              <a:schemeClr val="tx1"/>
+            </a:fontRef>
+          </p:style>
+        </p:cxnSp>
+        <p:cxnSp>
+          <p:nvCxnSpPr>
+            <p:cNvPr id="71" name="Straight Connector 70">
+              <a:extLst>
+                <a:ext uri="{FF2B5EF4-FFF2-40B4-BE49-F238E27FC236}">
+                  <a16:creationId xmlns:a16="http://schemas.microsoft.com/office/drawing/2014/main" id="{2FC3362F-AD7E-45D7-BE85-7C8DD81347C4}"/>
+                </a:ext>
+                <a:ext uri="{C183D7F6-B498-43B3-948B-1728B52AA6E4}">
+                  <adec:decorative xmlns:adec="http://schemas.microsoft.com/office/drawing/2017/decorative" val="1"/>
+                </a:ext>
+              </a:extLst>
+            </p:cNvPr>
+            <p:cNvCxnSpPr/>
+            <p:nvPr>
+              <p:extLst>
+                <p:ext uri="{386F3935-93C4-4BCD-93E2-E3B085C9AB24}">
+                  <p16:designElem xmlns:p16="http://schemas.microsoft.com/office/powerpoint/2015/main" val="1"/>
+                </p:ext>
+              </p:extLst>
+            </p:nvPr>
+          </p:nvCxnSpPr>
+          <p:spPr>
+            <a:xfrm rot="-3000000" flipH="1">
+              <a:off x="6520032" y="1527285"/>
+              <a:ext cx="3394" cy="182880"/>
+            </a:xfrm>
+            <a:prstGeom prst="line">
+              <a:avLst/>
+            </a:prstGeom>
+            <a:ln>
+              <a:solidFill>
+                <a:srgbClr val="FFFFFF">
+                  <a:alpha val="30196"/>
+                </a:srgbClr>
+              </a:solidFill>
+            </a:ln>
+          </p:spPr>
+          <p:style>
+            <a:lnRef idx="1">
+              <a:schemeClr val="accent1"/>
+            </a:lnRef>
+            <a:fillRef idx="0">
+              <a:schemeClr val="accent1"/>
+            </a:fillRef>
+            <a:effectRef idx="0">
+              <a:schemeClr val="accent1"/>
+            </a:effectRef>
+            <a:fontRef idx="minor">
+              <a:schemeClr val="tx1"/>
+            </a:fontRef>
+          </p:style>
+        </p:cxnSp>
+        <p:cxnSp>
+          <p:nvCxnSpPr>
+            <p:cNvPr id="72" name="Straight Connector 71">
+              <a:extLst>
+                <a:ext uri="{FF2B5EF4-FFF2-40B4-BE49-F238E27FC236}">
+                  <a16:creationId xmlns:a16="http://schemas.microsoft.com/office/drawing/2014/main" id="{FCD83E0F-C8AF-4D52-94DB-CD949A2B165D}"/>
+                </a:ext>
+                <a:ext uri="{C183D7F6-B498-43B3-948B-1728B52AA6E4}">
+                  <adec:decorative xmlns:adec="http://schemas.microsoft.com/office/drawing/2017/decorative" val="1"/>
+                </a:ext>
+              </a:extLst>
+            </p:cNvPr>
+            <p:cNvCxnSpPr/>
+            <p:nvPr>
+              <p:extLst>
+                <p:ext uri="{386F3935-93C4-4BCD-93E2-E3B085C9AB24}">
+                  <p16:designElem xmlns:p16="http://schemas.microsoft.com/office/powerpoint/2015/main" val="1"/>
+                </p:ext>
+              </p:extLst>
+            </p:nvPr>
+          </p:nvCxnSpPr>
+          <p:spPr>
+            <a:xfrm rot="-3120000" flipH="1">
+              <a:off x="6429579" y="1641610"/>
+              <a:ext cx="3394" cy="182880"/>
+            </a:xfrm>
+            <a:prstGeom prst="line">
+              <a:avLst/>
+            </a:prstGeom>
+            <a:ln>
+              <a:solidFill>
+                <a:srgbClr val="FFFFFF">
+                  <a:alpha val="30196"/>
+                </a:srgbClr>
+              </a:solidFill>
+            </a:ln>
+          </p:spPr>
+          <p:style>
+            <a:lnRef idx="1">
+              <a:schemeClr val="accent1"/>
+            </a:lnRef>
+            <a:fillRef idx="0">
+              <a:schemeClr val="accent1"/>
+            </a:fillRef>
+            <a:effectRef idx="0">
+              <a:schemeClr val="accent1"/>
+            </a:effectRef>
+            <a:fontRef idx="minor">
+              <a:schemeClr val="tx1"/>
+            </a:fontRef>
+          </p:style>
+        </p:cxnSp>
+        <p:cxnSp>
+          <p:nvCxnSpPr>
+            <p:cNvPr id="73" name="Straight Connector 72">
+              <a:extLst>
+                <a:ext uri="{FF2B5EF4-FFF2-40B4-BE49-F238E27FC236}">
+                  <a16:creationId xmlns:a16="http://schemas.microsoft.com/office/drawing/2014/main" id="{60D5F865-890F-483F-B407-516CE6D22224}"/>
+                </a:ext>
+                <a:ext uri="{C183D7F6-B498-43B3-948B-1728B52AA6E4}">
+                  <adec:decorative xmlns:adec="http://schemas.microsoft.com/office/drawing/2017/decorative" val="1"/>
+                </a:ext>
+              </a:extLst>
+            </p:cNvPr>
+            <p:cNvCxnSpPr/>
+            <p:nvPr>
+              <p:extLst>
+                <p:ext uri="{386F3935-93C4-4BCD-93E2-E3B085C9AB24}">
+                  <p16:designElem xmlns:p16="http://schemas.microsoft.com/office/powerpoint/2015/main" val="1"/>
+                </p:ext>
+              </p:extLst>
+            </p:nvPr>
+          </p:nvCxnSpPr>
+          <p:spPr>
+            <a:xfrm rot="-3240000" flipH="1">
+              <a:off x="6340532" y="1750423"/>
+              <a:ext cx="3394" cy="182880"/>
+            </a:xfrm>
+            <a:prstGeom prst="line">
+              <a:avLst/>
+            </a:prstGeom>
+            <a:ln>
+              <a:solidFill>
+                <a:srgbClr val="FFFFFF">
+                  <a:alpha val="30196"/>
+                </a:srgbClr>
+              </a:solidFill>
+            </a:ln>
+          </p:spPr>
+          <p:style>
+            <a:lnRef idx="1">
+              <a:schemeClr val="accent1"/>
+            </a:lnRef>
+            <a:fillRef idx="0">
+              <a:schemeClr val="accent1"/>
+            </a:fillRef>
+            <a:effectRef idx="0">
+              <a:schemeClr val="accent1"/>
+            </a:effectRef>
+            <a:fontRef idx="minor">
+              <a:schemeClr val="tx1"/>
+            </a:fontRef>
+          </p:style>
+        </p:cxnSp>
+        <p:cxnSp>
+          <p:nvCxnSpPr>
+            <p:cNvPr id="74" name="Straight Connector 73">
+              <a:extLst>
+                <a:ext uri="{FF2B5EF4-FFF2-40B4-BE49-F238E27FC236}">
+                  <a16:creationId xmlns:a16="http://schemas.microsoft.com/office/drawing/2014/main" id="{DE6A2505-E617-4419-AB05-10B779B5C23D}"/>
+                </a:ext>
+                <a:ext uri="{C183D7F6-B498-43B3-948B-1728B52AA6E4}">
+                  <adec:decorative xmlns:adec="http://schemas.microsoft.com/office/drawing/2017/decorative" val="1"/>
+                </a:ext>
+              </a:extLst>
+            </p:cNvPr>
+            <p:cNvCxnSpPr/>
+            <p:nvPr>
+              <p:extLst>
+                <p:ext uri="{386F3935-93C4-4BCD-93E2-E3B085C9AB24}">
+                  <p16:designElem xmlns:p16="http://schemas.microsoft.com/office/powerpoint/2015/main" val="1"/>
+                </p:ext>
+              </p:extLst>
+            </p:nvPr>
+          </p:nvCxnSpPr>
+          <p:spPr>
+            <a:xfrm rot="-3420000" flipH="1">
+              <a:off x="6261757" y="1860178"/>
+              <a:ext cx="3394" cy="182880"/>
+            </a:xfrm>
+            <a:prstGeom prst="line">
+              <a:avLst/>
+            </a:prstGeom>
+            <a:ln>
+              <a:solidFill>
+                <a:srgbClr val="FFFFFF">
+                  <a:alpha val="30196"/>
+                </a:srgbClr>
+              </a:solidFill>
+            </a:ln>
+          </p:spPr>
+          <p:style>
+            <a:lnRef idx="1">
+              <a:schemeClr val="accent1"/>
+            </a:lnRef>
+            <a:fillRef idx="0">
+              <a:schemeClr val="accent1"/>
+            </a:fillRef>
+            <a:effectRef idx="0">
+              <a:schemeClr val="accent1"/>
+            </a:effectRef>
+            <a:fontRef idx="minor">
+              <a:schemeClr val="tx1"/>
+            </a:fontRef>
+          </p:style>
+        </p:cxnSp>
+        <p:cxnSp>
+          <p:nvCxnSpPr>
+            <p:cNvPr id="75" name="Straight Connector 74">
+              <a:extLst>
+                <a:ext uri="{FF2B5EF4-FFF2-40B4-BE49-F238E27FC236}">
+                  <a16:creationId xmlns:a16="http://schemas.microsoft.com/office/drawing/2014/main" id="{BDFF0D66-52FC-4F64-B67F-72D9EFEED15D}"/>
+                </a:ext>
+                <a:ext uri="{C183D7F6-B498-43B3-948B-1728B52AA6E4}">
+                  <adec:decorative xmlns:adec="http://schemas.microsoft.com/office/drawing/2017/decorative" val="1"/>
+                </a:ext>
+              </a:extLst>
+            </p:cNvPr>
+            <p:cNvCxnSpPr/>
+            <p:nvPr>
+              <p:extLst>
+                <p:ext uri="{386F3935-93C4-4BCD-93E2-E3B085C9AB24}">
+                  <p16:designElem xmlns:p16="http://schemas.microsoft.com/office/powerpoint/2015/main" val="1"/>
+                </p:ext>
+              </p:extLst>
+            </p:nvPr>
+          </p:nvCxnSpPr>
+          <p:spPr>
+            <a:xfrm rot="-3540000" flipH="1">
+              <a:off x="6184144" y="1979619"/>
+              <a:ext cx="3394" cy="182880"/>
+            </a:xfrm>
+            <a:prstGeom prst="line">
+              <a:avLst/>
+            </a:prstGeom>
+            <a:ln>
+              <a:solidFill>
+                <a:srgbClr val="FFFFFF">
+                  <a:alpha val="30196"/>
+                </a:srgbClr>
+              </a:solidFill>
+            </a:ln>
+          </p:spPr>
+          <p:style>
+            <a:lnRef idx="1">
+              <a:schemeClr val="accent1"/>
+            </a:lnRef>
+            <a:fillRef idx="0">
+              <a:schemeClr val="accent1"/>
+            </a:fillRef>
+            <a:effectRef idx="0">
+              <a:schemeClr val="accent1"/>
+            </a:effectRef>
+            <a:fontRef idx="minor">
+              <a:schemeClr val="tx1"/>
+            </a:fontRef>
+          </p:style>
+        </p:cxnSp>
+        <p:cxnSp>
+          <p:nvCxnSpPr>
+            <p:cNvPr id="76" name="Straight Connector 75">
+              <a:extLst>
+                <a:ext uri="{FF2B5EF4-FFF2-40B4-BE49-F238E27FC236}">
+                  <a16:creationId xmlns:a16="http://schemas.microsoft.com/office/drawing/2014/main" id="{DCC72040-7945-4051-989C-2B728F6D5041}"/>
+                </a:ext>
+                <a:ext uri="{C183D7F6-B498-43B3-948B-1728B52AA6E4}">
+                  <adec:decorative xmlns:adec="http://schemas.microsoft.com/office/drawing/2017/decorative" val="1"/>
+                </a:ext>
+              </a:extLst>
+            </p:cNvPr>
+            <p:cNvCxnSpPr/>
+            <p:nvPr>
+              <p:extLst>
+                <p:ext uri="{386F3935-93C4-4BCD-93E2-E3B085C9AB24}">
+                  <p16:designElem xmlns:p16="http://schemas.microsoft.com/office/powerpoint/2015/main" val="1"/>
+                </p:ext>
+              </p:extLst>
+            </p:nvPr>
+          </p:nvCxnSpPr>
+          <p:spPr>
+            <a:xfrm rot="-3660000" flipH="1">
+              <a:off x="6106531" y="2099060"/>
+              <a:ext cx="3394" cy="182880"/>
+            </a:xfrm>
+            <a:prstGeom prst="line">
+              <a:avLst/>
+            </a:prstGeom>
+            <a:ln>
+              <a:solidFill>
+                <a:srgbClr val="FFFFFF">
+                  <a:alpha val="30196"/>
+                </a:srgbClr>
+              </a:solidFill>
+            </a:ln>
+          </p:spPr>
+          <p:style>
+            <a:lnRef idx="1">
+              <a:schemeClr val="accent1"/>
+            </a:lnRef>
+            <a:fillRef idx="0">
+              <a:schemeClr val="accent1"/>
+            </a:fillRef>
+            <a:effectRef idx="0">
+              <a:schemeClr val="accent1"/>
+            </a:effectRef>
+            <a:fontRef idx="minor">
+              <a:schemeClr val="tx1"/>
+            </a:fontRef>
+          </p:style>
+        </p:cxnSp>
+        <p:cxnSp>
+          <p:nvCxnSpPr>
+            <p:cNvPr id="77" name="Straight Connector 76">
+              <a:extLst>
+                <a:ext uri="{FF2B5EF4-FFF2-40B4-BE49-F238E27FC236}">
+                  <a16:creationId xmlns:a16="http://schemas.microsoft.com/office/drawing/2014/main" id="{96EB6302-2333-45D4-AE20-B0F6D45CC13E}"/>
+                </a:ext>
+                <a:ext uri="{C183D7F6-B498-43B3-948B-1728B52AA6E4}">
+                  <adec:decorative xmlns:adec="http://schemas.microsoft.com/office/drawing/2017/decorative" val="1"/>
+                </a:ext>
+              </a:extLst>
+            </p:cNvPr>
+            <p:cNvCxnSpPr/>
+            <p:nvPr>
+              <p:extLst>
+                <p:ext uri="{386F3935-93C4-4BCD-93E2-E3B085C9AB24}">
+                  <p16:designElem xmlns:p16="http://schemas.microsoft.com/office/powerpoint/2015/main" val="1"/>
+                </p:ext>
+              </p:extLst>
+            </p:nvPr>
+          </p:nvCxnSpPr>
+          <p:spPr>
+            <a:xfrm rot="-3780000" flipH="1">
+              <a:off x="6043206" y="2222556"/>
+              <a:ext cx="3394" cy="182880"/>
+            </a:xfrm>
+            <a:prstGeom prst="line">
+              <a:avLst/>
+            </a:prstGeom>
+            <a:ln>
+              <a:solidFill>
+                <a:srgbClr val="FFFFFF">
+                  <a:alpha val="30196"/>
+                </a:srgbClr>
+              </a:solidFill>
+            </a:ln>
+          </p:spPr>
+          <p:style>
+            <a:lnRef idx="1">
+              <a:schemeClr val="accent1"/>
+            </a:lnRef>
+            <a:fillRef idx="0">
+              <a:schemeClr val="accent1"/>
+            </a:fillRef>
+            <a:effectRef idx="0">
+              <a:schemeClr val="accent1"/>
+            </a:effectRef>
+            <a:fontRef idx="minor">
+              <a:schemeClr val="tx1"/>
+            </a:fontRef>
+          </p:style>
+        </p:cxnSp>
+        <p:cxnSp>
+          <p:nvCxnSpPr>
+            <p:cNvPr id="78" name="Straight Connector 77">
+              <a:extLst>
+                <a:ext uri="{FF2B5EF4-FFF2-40B4-BE49-F238E27FC236}">
+                  <a16:creationId xmlns:a16="http://schemas.microsoft.com/office/drawing/2014/main" id="{EECC1105-D16E-411D-B4B7-80BF039BF977}"/>
+                </a:ext>
+                <a:ext uri="{C183D7F6-B498-43B3-948B-1728B52AA6E4}">
+                  <adec:decorative xmlns:adec="http://schemas.microsoft.com/office/drawing/2017/decorative" val="1"/>
+                </a:ext>
+              </a:extLst>
+            </p:cNvPr>
+            <p:cNvCxnSpPr/>
+            <p:nvPr>
+              <p:extLst>
+                <p:ext uri="{386F3935-93C4-4BCD-93E2-E3B085C9AB24}">
+                  <p16:designElem xmlns:p16="http://schemas.microsoft.com/office/powerpoint/2015/main" val="1"/>
+                </p:ext>
+              </p:extLst>
+            </p:nvPr>
+          </p:nvCxnSpPr>
+          <p:spPr>
+            <a:xfrm rot="-3960000" flipH="1">
+              <a:off x="5978913" y="2344301"/>
+              <a:ext cx="3394" cy="182880"/>
+            </a:xfrm>
+            <a:prstGeom prst="line">
+              <a:avLst/>
+            </a:prstGeom>
+            <a:ln>
+              <a:solidFill>
+                <a:srgbClr val="FFFFFF">
+                  <a:alpha val="30196"/>
+                </a:srgbClr>
+              </a:solidFill>
+            </a:ln>
+          </p:spPr>
+          <p:style>
+            <a:lnRef idx="1">
+              <a:schemeClr val="accent1"/>
+            </a:lnRef>
+            <a:fillRef idx="0">
+              <a:schemeClr val="accent1"/>
+            </a:fillRef>
+            <a:effectRef idx="0">
+              <a:schemeClr val="accent1"/>
+            </a:effectRef>
+            <a:fontRef idx="minor">
+              <a:schemeClr val="tx1"/>
+            </a:fontRef>
+          </p:style>
+        </p:cxnSp>
+        <p:cxnSp>
+          <p:nvCxnSpPr>
+            <p:cNvPr id="79" name="Straight Connector 78">
+              <a:extLst>
+                <a:ext uri="{FF2B5EF4-FFF2-40B4-BE49-F238E27FC236}">
+                  <a16:creationId xmlns:a16="http://schemas.microsoft.com/office/drawing/2014/main" id="{C7D2F518-4540-44DE-BC62-7D598EC99BBC}"/>
+                </a:ext>
+                <a:ext uri="{C183D7F6-B498-43B3-948B-1728B52AA6E4}">
+                  <adec:decorative xmlns:adec="http://schemas.microsoft.com/office/drawing/2017/decorative" val="1"/>
+                </a:ext>
+              </a:extLst>
+            </p:cNvPr>
+            <p:cNvCxnSpPr/>
+            <p:nvPr>
+              <p:extLst>
+                <p:ext uri="{386F3935-93C4-4BCD-93E2-E3B085C9AB24}">
+                  <p16:designElem xmlns:p16="http://schemas.microsoft.com/office/powerpoint/2015/main" val="1"/>
+                </p:ext>
+              </p:extLst>
+            </p:nvPr>
+          </p:nvCxnSpPr>
+          <p:spPr>
+            <a:xfrm rot="-4080000" flipH="1">
+              <a:off x="5912438" y="2470678"/>
+              <a:ext cx="3394" cy="182880"/>
+            </a:xfrm>
+            <a:prstGeom prst="line">
+              <a:avLst/>
+            </a:prstGeom>
+            <a:ln>
+              <a:solidFill>
+                <a:srgbClr val="FFFFFF">
+                  <a:alpha val="30196"/>
+                </a:srgbClr>
+              </a:solidFill>
+            </a:ln>
+          </p:spPr>
+          <p:style>
+            <a:lnRef idx="1">
+              <a:schemeClr val="accent1"/>
+            </a:lnRef>
+            <a:fillRef idx="0">
+              <a:schemeClr val="accent1"/>
+            </a:fillRef>
+            <a:effectRef idx="0">
+              <a:schemeClr val="accent1"/>
+            </a:effectRef>
+            <a:fontRef idx="minor">
+              <a:schemeClr val="tx1"/>
+            </a:fontRef>
+          </p:style>
+        </p:cxnSp>
+        <p:cxnSp>
+          <p:nvCxnSpPr>
+            <p:cNvPr id="80" name="Straight Connector 79">
+              <a:extLst>
+                <a:ext uri="{FF2B5EF4-FFF2-40B4-BE49-F238E27FC236}">
+                  <a16:creationId xmlns:a16="http://schemas.microsoft.com/office/drawing/2014/main" id="{F19566BC-880A-4113-A9C4-0017E5184C19}"/>
+                </a:ext>
+                <a:ext uri="{C183D7F6-B498-43B3-948B-1728B52AA6E4}">
+                  <adec:decorative xmlns:adec="http://schemas.microsoft.com/office/drawing/2017/decorative" val="1"/>
+                </a:ext>
+              </a:extLst>
+            </p:cNvPr>
+            <p:cNvCxnSpPr/>
+            <p:nvPr>
+              <p:extLst>
+                <p:ext uri="{386F3935-93C4-4BCD-93E2-E3B085C9AB24}">
+                  <p16:designElem xmlns:p16="http://schemas.microsoft.com/office/powerpoint/2015/main" val="1"/>
+                </p:ext>
+              </p:extLst>
+            </p:nvPr>
+          </p:nvCxnSpPr>
+          <p:spPr>
+            <a:xfrm rot="-4200000" flipH="1">
+              <a:off x="5858875" y="2600922"/>
+              <a:ext cx="3394" cy="182880"/>
+            </a:xfrm>
+            <a:prstGeom prst="line">
+              <a:avLst/>
+            </a:prstGeom>
+            <a:ln>
+              <a:solidFill>
+                <a:srgbClr val="FFFFFF">
+                  <a:alpha val="30196"/>
+                </a:srgbClr>
+              </a:solidFill>
+            </a:ln>
+          </p:spPr>
+          <p:style>
+            <a:lnRef idx="1">
+              <a:schemeClr val="accent1"/>
+            </a:lnRef>
+            <a:fillRef idx="0">
+              <a:schemeClr val="accent1"/>
+            </a:fillRef>
+            <a:effectRef idx="0">
+              <a:schemeClr val="accent1"/>
+            </a:effectRef>
+            <a:fontRef idx="minor">
+              <a:schemeClr val="tx1"/>
+            </a:fontRef>
+          </p:style>
+        </p:cxnSp>
+        <p:cxnSp>
+          <p:nvCxnSpPr>
+            <p:cNvPr id="81" name="Straight Connector 80">
+              <a:extLst>
+                <a:ext uri="{FF2B5EF4-FFF2-40B4-BE49-F238E27FC236}">
+                  <a16:creationId xmlns:a16="http://schemas.microsoft.com/office/drawing/2014/main" id="{718E7D73-F4E4-4F5D-AFF9-EE491954A05C}"/>
+                </a:ext>
+                <a:ext uri="{C183D7F6-B498-43B3-948B-1728B52AA6E4}">
+                  <adec:decorative xmlns:adec="http://schemas.microsoft.com/office/drawing/2017/decorative" val="1"/>
+                </a:ext>
+              </a:extLst>
+            </p:cNvPr>
+            <p:cNvCxnSpPr/>
+            <p:nvPr>
+              <p:extLst>
+                <p:ext uri="{386F3935-93C4-4BCD-93E2-E3B085C9AB24}">
+                  <p16:designElem xmlns:p16="http://schemas.microsoft.com/office/powerpoint/2015/main" val="1"/>
+                </p:ext>
+              </p:extLst>
+            </p:nvPr>
+          </p:nvCxnSpPr>
+          <p:spPr>
+            <a:xfrm rot="-4320000" flipH="1">
+              <a:off x="5808182" y="2734040"/>
+              <a:ext cx="3394" cy="182880"/>
+            </a:xfrm>
+            <a:prstGeom prst="line">
+              <a:avLst/>
+            </a:prstGeom>
+            <a:ln>
+              <a:solidFill>
+                <a:srgbClr val="FFFFFF">
+                  <a:alpha val="30196"/>
+                </a:srgbClr>
+              </a:solidFill>
+            </a:ln>
+          </p:spPr>
+          <p:style>
+            <a:lnRef idx="1">
+              <a:schemeClr val="accent1"/>
+            </a:lnRef>
+            <a:fillRef idx="0">
+              <a:schemeClr val="accent1"/>
+            </a:fillRef>
+            <a:effectRef idx="0">
+              <a:schemeClr val="accent1"/>
+            </a:effectRef>
+            <a:fontRef idx="minor">
+              <a:schemeClr val="tx1"/>
+            </a:fontRef>
+          </p:style>
+        </p:cxnSp>
+        <p:cxnSp>
+          <p:nvCxnSpPr>
+            <p:cNvPr id="82" name="Straight Connector 81">
+              <a:extLst>
+                <a:ext uri="{FF2B5EF4-FFF2-40B4-BE49-F238E27FC236}">
+                  <a16:creationId xmlns:a16="http://schemas.microsoft.com/office/drawing/2014/main" id="{8D0988A2-3571-4C16-BDEF-58254F04E5B1}"/>
+                </a:ext>
+                <a:ext uri="{C183D7F6-B498-43B3-948B-1728B52AA6E4}">
+                  <adec:decorative xmlns:adec="http://schemas.microsoft.com/office/drawing/2017/decorative" val="1"/>
+                </a:ext>
+              </a:extLst>
+            </p:cNvPr>
+            <p:cNvCxnSpPr/>
+            <p:nvPr>
+              <p:extLst>
+                <p:ext uri="{386F3935-93C4-4BCD-93E2-E3B085C9AB24}">
+                  <p16:designElem xmlns:p16="http://schemas.microsoft.com/office/powerpoint/2015/main" val="1"/>
+                </p:ext>
+              </p:extLst>
+            </p:nvPr>
+          </p:nvCxnSpPr>
+          <p:spPr>
+            <a:xfrm rot="-4500000" flipH="1">
+              <a:off x="5773263" y="2866860"/>
+              <a:ext cx="3394" cy="182880"/>
+            </a:xfrm>
+            <a:prstGeom prst="line">
+              <a:avLst/>
+            </a:prstGeom>
+            <a:ln>
+              <a:solidFill>
+                <a:srgbClr val="FFFFFF">
+                  <a:alpha val="30196"/>
+                </a:srgbClr>
+              </a:solidFill>
+            </a:ln>
+          </p:spPr>
+          <p:style>
+            <a:lnRef idx="1">
+              <a:schemeClr val="accent1"/>
+            </a:lnRef>
+            <a:fillRef idx="0">
+              <a:schemeClr val="accent1"/>
+            </a:fillRef>
+            <a:effectRef idx="0">
+              <a:schemeClr val="accent1"/>
+            </a:effectRef>
+            <a:fontRef idx="minor">
+              <a:schemeClr val="tx1"/>
+            </a:fontRef>
+          </p:style>
+        </p:cxnSp>
+        <p:cxnSp>
+          <p:nvCxnSpPr>
+            <p:cNvPr id="83" name="Straight Connector 82">
+              <a:extLst>
+                <a:ext uri="{FF2B5EF4-FFF2-40B4-BE49-F238E27FC236}">
+                  <a16:creationId xmlns:a16="http://schemas.microsoft.com/office/drawing/2014/main" id="{4550BAC8-41FE-4300-910B-EE7BBD7A0C1D}"/>
+                </a:ext>
+                <a:ext uri="{C183D7F6-B498-43B3-948B-1728B52AA6E4}">
+                  <adec:decorative xmlns:adec="http://schemas.microsoft.com/office/drawing/2017/decorative" val="1"/>
+                </a:ext>
+              </a:extLst>
+            </p:cNvPr>
+            <p:cNvCxnSpPr/>
+            <p:nvPr>
+              <p:extLst>
+                <p:ext uri="{386F3935-93C4-4BCD-93E2-E3B085C9AB24}">
+                  <p16:designElem xmlns:p16="http://schemas.microsoft.com/office/powerpoint/2015/main" val="1"/>
+                </p:ext>
+              </p:extLst>
+            </p:nvPr>
+          </p:nvCxnSpPr>
+          <p:spPr>
+            <a:xfrm rot="-4620000" flipH="1">
+              <a:off x="5735963" y="3002061"/>
+              <a:ext cx="3394" cy="182880"/>
+            </a:xfrm>
+            <a:prstGeom prst="line">
+              <a:avLst/>
+            </a:prstGeom>
+            <a:ln>
+              <a:solidFill>
+                <a:srgbClr val="FFFFFF">
+                  <a:alpha val="30196"/>
+                </a:srgbClr>
+              </a:solidFill>
+            </a:ln>
+          </p:spPr>
+          <p:style>
+            <a:lnRef idx="1">
+              <a:schemeClr val="accent1"/>
+            </a:lnRef>
+            <a:fillRef idx="0">
+              <a:schemeClr val="accent1"/>
+            </a:fillRef>
+            <a:effectRef idx="0">
+              <a:schemeClr val="accent1"/>
+            </a:effectRef>
+            <a:fontRef idx="minor">
+              <a:schemeClr val="tx1"/>
+            </a:fontRef>
+          </p:style>
+        </p:cxnSp>
+        <p:cxnSp>
+          <p:nvCxnSpPr>
+            <p:cNvPr id="84" name="Straight Connector 83">
+              <a:extLst>
+                <a:ext uri="{FF2B5EF4-FFF2-40B4-BE49-F238E27FC236}">
+                  <a16:creationId xmlns:a16="http://schemas.microsoft.com/office/drawing/2014/main" id="{38CD175C-18A7-4589-8C46-A61FEF6D9996}"/>
+                </a:ext>
+                <a:ext uri="{C183D7F6-B498-43B3-948B-1728B52AA6E4}">
+                  <adec:decorative xmlns:adec="http://schemas.microsoft.com/office/drawing/2017/decorative" val="1"/>
+                </a:ext>
+              </a:extLst>
+            </p:cNvPr>
+            <p:cNvCxnSpPr/>
+            <p:nvPr>
+              <p:extLst>
+                <p:ext uri="{386F3935-93C4-4BCD-93E2-E3B085C9AB24}">
+                  <p16:designElem xmlns:p16="http://schemas.microsoft.com/office/powerpoint/2015/main" val="1"/>
+                </p:ext>
+              </p:extLst>
+            </p:nvPr>
+          </p:nvCxnSpPr>
+          <p:spPr>
+            <a:xfrm rot="-4740000" flipH="1">
+              <a:off x="5700105" y="3138910"/>
+              <a:ext cx="3394" cy="182880"/>
+            </a:xfrm>
+            <a:prstGeom prst="line">
+              <a:avLst/>
+            </a:prstGeom>
+            <a:ln>
+              <a:solidFill>
+                <a:srgbClr val="FFFFFF">
+                  <a:alpha val="30196"/>
+                </a:srgbClr>
+              </a:solidFill>
+            </a:ln>
+          </p:spPr>
+          <p:style>
+            <a:lnRef idx="1">
+              <a:schemeClr val="accent1"/>
+            </a:lnRef>
+            <a:fillRef idx="0">
+              <a:schemeClr val="accent1"/>
+            </a:fillRef>
+            <a:effectRef idx="0">
+              <a:schemeClr val="accent1"/>
+            </a:effectRef>
+            <a:fontRef idx="minor">
+              <a:schemeClr val="tx1"/>
+            </a:fontRef>
+          </p:style>
+        </p:cxnSp>
+        <p:cxnSp>
+          <p:nvCxnSpPr>
+            <p:cNvPr id="85" name="Straight Connector 84">
+              <a:extLst>
+                <a:ext uri="{FF2B5EF4-FFF2-40B4-BE49-F238E27FC236}">
+                  <a16:creationId xmlns:a16="http://schemas.microsoft.com/office/drawing/2014/main" id="{B6BE3031-FD1C-443C-9889-243CEEAEDF84}"/>
+                </a:ext>
+                <a:ext uri="{C183D7F6-B498-43B3-948B-1728B52AA6E4}">
+                  <adec:decorative xmlns:adec="http://schemas.microsoft.com/office/drawing/2017/decorative" val="1"/>
+                </a:ext>
+              </a:extLst>
+            </p:cNvPr>
+            <p:cNvCxnSpPr/>
+            <p:nvPr>
+              <p:extLst>
+                <p:ext uri="{386F3935-93C4-4BCD-93E2-E3B085C9AB24}">
+                  <p16:designElem xmlns:p16="http://schemas.microsoft.com/office/powerpoint/2015/main" val="1"/>
+                </p:ext>
+              </p:extLst>
+            </p:nvPr>
+          </p:nvCxnSpPr>
+          <p:spPr>
+            <a:xfrm rot="-4860000" flipH="1">
+              <a:off x="5665939" y="3275489"/>
+              <a:ext cx="3394" cy="182880"/>
+            </a:xfrm>
+            <a:prstGeom prst="line">
+              <a:avLst/>
+            </a:prstGeom>
+            <a:ln>
+              <a:solidFill>
+                <a:srgbClr val="FFFFFF">
+                  <a:alpha val="30196"/>
+                </a:srgbClr>
+              </a:solidFill>
+            </a:ln>
+          </p:spPr>
+          <p:style>
+            <a:lnRef idx="1">
+              <a:schemeClr val="accent1"/>
+            </a:lnRef>
+            <a:fillRef idx="0">
+              <a:schemeClr val="accent1"/>
+            </a:fillRef>
+            <a:effectRef idx="0">
+              <a:schemeClr val="accent1"/>
+            </a:effectRef>
+            <a:fontRef idx="minor">
+              <a:schemeClr val="tx1"/>
+            </a:fontRef>
+          </p:style>
+        </p:cxnSp>
+        <p:cxnSp>
+          <p:nvCxnSpPr>
+            <p:cNvPr id="86" name="Straight Connector 85">
+              <a:extLst>
+                <a:ext uri="{FF2B5EF4-FFF2-40B4-BE49-F238E27FC236}">
+                  <a16:creationId xmlns:a16="http://schemas.microsoft.com/office/drawing/2014/main" id="{7E37BF5D-3732-41F2-B9AF-A56C9214D63B}"/>
+                </a:ext>
+                <a:ext uri="{C183D7F6-B498-43B3-948B-1728B52AA6E4}">
+                  <adec:decorative xmlns:adec="http://schemas.microsoft.com/office/drawing/2017/decorative" val="1"/>
+                </a:ext>
+              </a:extLst>
+            </p:cNvPr>
+            <p:cNvCxnSpPr/>
+            <p:nvPr>
+              <p:extLst>
+                <p:ext uri="{386F3935-93C4-4BCD-93E2-E3B085C9AB24}">
+                  <p16:designElem xmlns:p16="http://schemas.microsoft.com/office/powerpoint/2015/main" val="1"/>
+                </p:ext>
+              </p:extLst>
+            </p:nvPr>
+          </p:nvCxnSpPr>
+          <p:spPr>
+            <a:xfrm rot="-5040000" flipH="1">
+              <a:off x="5644476" y="3414251"/>
+              <a:ext cx="3394" cy="182880"/>
+            </a:xfrm>
+            <a:prstGeom prst="line">
+              <a:avLst/>
+            </a:prstGeom>
+            <a:ln>
+              <a:solidFill>
+                <a:srgbClr val="FFFFFF">
+                  <a:alpha val="30196"/>
+                </a:srgbClr>
+              </a:solidFill>
+            </a:ln>
+          </p:spPr>
+          <p:style>
+            <a:lnRef idx="1">
+              <a:schemeClr val="accent1"/>
+            </a:lnRef>
+            <a:fillRef idx="0">
+              <a:schemeClr val="accent1"/>
+            </a:fillRef>
+            <a:effectRef idx="0">
+              <a:schemeClr val="accent1"/>
+            </a:effectRef>
+            <a:fontRef idx="minor">
+              <a:schemeClr val="tx1"/>
+            </a:fontRef>
+          </p:style>
+        </p:cxnSp>
+        <p:cxnSp>
+          <p:nvCxnSpPr>
+            <p:cNvPr id="87" name="Straight Connector 86">
+              <a:extLst>
+                <a:ext uri="{FF2B5EF4-FFF2-40B4-BE49-F238E27FC236}">
+                  <a16:creationId xmlns:a16="http://schemas.microsoft.com/office/drawing/2014/main" id="{077B6718-917A-4A01-BCF8-5C6E1217B2A0}"/>
+                </a:ext>
+                <a:ext uri="{C183D7F6-B498-43B3-948B-1728B52AA6E4}">
+                  <adec:decorative xmlns:adec="http://schemas.microsoft.com/office/drawing/2017/decorative" val="1"/>
+                </a:ext>
+              </a:extLst>
+            </p:cNvPr>
+            <p:cNvCxnSpPr/>
+            <p:nvPr>
+              <p:extLst>
+                <p:ext uri="{386F3935-93C4-4BCD-93E2-E3B085C9AB24}">
+                  <p16:designElem xmlns:p16="http://schemas.microsoft.com/office/powerpoint/2015/main" val="1"/>
+                </p:ext>
+              </p:extLst>
+            </p:nvPr>
+          </p:nvCxnSpPr>
+          <p:spPr>
+            <a:xfrm rot="-5160000" flipH="1">
+              <a:off x="5626530" y="3554628"/>
+              <a:ext cx="3394" cy="182880"/>
+            </a:xfrm>
+            <a:prstGeom prst="line">
+              <a:avLst/>
+            </a:prstGeom>
+            <a:ln>
+              <a:solidFill>
+                <a:srgbClr val="FFFFFF">
+                  <a:alpha val="30196"/>
+                </a:srgbClr>
+              </a:solidFill>
+            </a:ln>
+          </p:spPr>
+          <p:style>
+            <a:lnRef idx="1">
+              <a:schemeClr val="accent1"/>
+            </a:lnRef>
+            <a:fillRef idx="0">
+              <a:schemeClr val="accent1"/>
+            </a:fillRef>
+            <a:effectRef idx="0">
+              <a:schemeClr val="accent1"/>
+            </a:effectRef>
+            <a:fontRef idx="minor">
+              <a:schemeClr val="tx1"/>
+            </a:fontRef>
+          </p:style>
+        </p:cxnSp>
+        <p:cxnSp>
+          <p:nvCxnSpPr>
+            <p:cNvPr id="88" name="Straight Connector 87">
+              <a:extLst>
+                <a:ext uri="{FF2B5EF4-FFF2-40B4-BE49-F238E27FC236}">
+                  <a16:creationId xmlns:a16="http://schemas.microsoft.com/office/drawing/2014/main" id="{1C23AB5B-98FB-43F1-B590-BBA79814F21C}"/>
+                </a:ext>
+                <a:ext uri="{C183D7F6-B498-43B3-948B-1728B52AA6E4}">
+                  <adec:decorative xmlns:adec="http://schemas.microsoft.com/office/drawing/2017/decorative" val="1"/>
+                </a:ext>
+              </a:extLst>
+            </p:cNvPr>
+            <p:cNvCxnSpPr/>
+            <p:nvPr>
+              <p:extLst>
+                <p:ext uri="{386F3935-93C4-4BCD-93E2-E3B085C9AB24}">
+                  <p16:designElem xmlns:p16="http://schemas.microsoft.com/office/powerpoint/2015/main" val="1"/>
+                </p:ext>
+              </p:extLst>
+            </p:nvPr>
+          </p:nvCxnSpPr>
+          <p:spPr>
+            <a:xfrm rot="-5280000" flipH="1">
+              <a:off x="5616429" y="3691831"/>
+              <a:ext cx="3394" cy="182880"/>
+            </a:xfrm>
+            <a:prstGeom prst="line">
+              <a:avLst/>
+            </a:prstGeom>
+            <a:ln>
+              <a:solidFill>
+                <a:srgbClr val="FFFFFF">
+                  <a:alpha val="30196"/>
+                </a:srgbClr>
+              </a:solidFill>
+            </a:ln>
+          </p:spPr>
+          <p:style>
+            <a:lnRef idx="1">
+              <a:schemeClr val="accent1"/>
+            </a:lnRef>
+            <a:fillRef idx="0">
+              <a:schemeClr val="accent1"/>
+            </a:fillRef>
+            <a:effectRef idx="0">
+              <a:schemeClr val="accent1"/>
+            </a:effectRef>
+            <a:fontRef idx="minor">
+              <a:schemeClr val="tx1"/>
+            </a:fontRef>
+          </p:style>
+        </p:cxnSp>
+        <p:cxnSp>
+          <p:nvCxnSpPr>
+            <p:cNvPr id="89" name="Straight Connector 88">
+              <a:extLst>
+                <a:ext uri="{FF2B5EF4-FFF2-40B4-BE49-F238E27FC236}">
+                  <a16:creationId xmlns:a16="http://schemas.microsoft.com/office/drawing/2014/main" id="{D6EEC146-226B-4C83-9C1B-DD5495DE161D}"/>
+                </a:ext>
+                <a:ext uri="{C183D7F6-B498-43B3-948B-1728B52AA6E4}">
+                  <adec:decorative xmlns:adec="http://schemas.microsoft.com/office/drawing/2017/decorative" val="1"/>
+                </a:ext>
+              </a:extLst>
+            </p:cNvPr>
+            <p:cNvCxnSpPr/>
+            <p:nvPr>
+              <p:extLst>
+                <p:ext uri="{386F3935-93C4-4BCD-93E2-E3B085C9AB24}">
+                  <p16:designElem xmlns:p16="http://schemas.microsoft.com/office/powerpoint/2015/main" val="1"/>
+                </p:ext>
+              </p:extLst>
+            </p:nvPr>
+          </p:nvCxnSpPr>
+          <p:spPr>
+            <a:xfrm rot="-5400000" flipH="1">
+              <a:off x="5611319" y="3835374"/>
+              <a:ext cx="3394" cy="182880"/>
+            </a:xfrm>
+            <a:prstGeom prst="line">
+              <a:avLst/>
+            </a:prstGeom>
+            <a:ln>
+              <a:solidFill>
+                <a:srgbClr val="FFFFFF">
+                  <a:alpha val="30196"/>
+                </a:srgbClr>
+              </a:solidFill>
+            </a:ln>
+          </p:spPr>
+          <p:style>
+            <a:lnRef idx="1">
+              <a:schemeClr val="accent1"/>
+            </a:lnRef>
+            <a:fillRef idx="0">
+              <a:schemeClr val="accent1"/>
+            </a:fillRef>
+            <a:effectRef idx="0">
+              <a:schemeClr val="accent1"/>
+            </a:effectRef>
+            <a:fontRef idx="minor">
+              <a:schemeClr val="tx1"/>
+            </a:fontRef>
+          </p:style>
+        </p:cxnSp>
+        <p:cxnSp>
+          <p:nvCxnSpPr>
+            <p:cNvPr id="90" name="Straight Connector 89">
+              <a:extLst>
+                <a:ext uri="{FF2B5EF4-FFF2-40B4-BE49-F238E27FC236}">
+                  <a16:creationId xmlns:a16="http://schemas.microsoft.com/office/drawing/2014/main" id="{9C24D094-41EF-4CA2-9834-B04793FA12C4}"/>
+                </a:ext>
+                <a:ext uri="{C183D7F6-B498-43B3-948B-1728B52AA6E4}">
+                  <adec:decorative xmlns:adec="http://schemas.microsoft.com/office/drawing/2017/decorative" val="1"/>
+                </a:ext>
+              </a:extLst>
+            </p:cNvPr>
+            <p:cNvCxnSpPr/>
+            <p:nvPr>
+              <p:extLst>
+                <p:ext uri="{386F3935-93C4-4BCD-93E2-E3B085C9AB24}">
+                  <p16:designElem xmlns:p16="http://schemas.microsoft.com/office/powerpoint/2015/main" val="1"/>
+                </p:ext>
+              </p:extLst>
+            </p:nvPr>
+          </p:nvCxnSpPr>
+          <p:spPr>
+            <a:xfrm rot="-5580000" flipH="1">
+              <a:off x="5608540" y="3975726"/>
+              <a:ext cx="3394" cy="182880"/>
+            </a:xfrm>
+            <a:prstGeom prst="line">
+              <a:avLst/>
+            </a:prstGeom>
+            <a:ln>
+              <a:solidFill>
+                <a:srgbClr val="FFFFFF">
+                  <a:alpha val="30196"/>
+                </a:srgbClr>
+              </a:solidFill>
+            </a:ln>
+          </p:spPr>
+          <p:style>
+            <a:lnRef idx="1">
+              <a:schemeClr val="accent1"/>
+            </a:lnRef>
+            <a:fillRef idx="0">
+              <a:schemeClr val="accent1"/>
+            </a:fillRef>
+            <a:effectRef idx="0">
+              <a:schemeClr val="accent1"/>
+            </a:effectRef>
+            <a:fontRef idx="minor">
+              <a:schemeClr val="tx1"/>
+            </a:fontRef>
+          </p:style>
+        </p:cxnSp>
+        <p:cxnSp>
+          <p:nvCxnSpPr>
+            <p:cNvPr id="91" name="Straight Connector 90">
+              <a:extLst>
+                <a:ext uri="{FF2B5EF4-FFF2-40B4-BE49-F238E27FC236}">
+                  <a16:creationId xmlns:a16="http://schemas.microsoft.com/office/drawing/2014/main" id="{8DA46AD8-674F-46C3-8A22-280F78F91AC2}"/>
+                </a:ext>
+                <a:ext uri="{C183D7F6-B498-43B3-948B-1728B52AA6E4}">
+                  <adec:decorative xmlns:adec="http://schemas.microsoft.com/office/drawing/2017/decorative" val="1"/>
+                </a:ext>
+              </a:extLst>
+            </p:cNvPr>
+            <p:cNvCxnSpPr/>
+            <p:nvPr>
+              <p:extLst>
+                <p:ext uri="{386F3935-93C4-4BCD-93E2-E3B085C9AB24}">
+                  <p16:designElem xmlns:p16="http://schemas.microsoft.com/office/powerpoint/2015/main" val="1"/>
+                </p:ext>
+              </p:extLst>
+            </p:nvPr>
+          </p:nvCxnSpPr>
+          <p:spPr>
+            <a:xfrm rot="-5700000" flipH="1">
+              <a:off x="5605761" y="4116078"/>
+              <a:ext cx="3394" cy="182880"/>
+            </a:xfrm>
+            <a:prstGeom prst="line">
+              <a:avLst/>
+            </a:prstGeom>
+            <a:ln>
+              <a:solidFill>
+                <a:srgbClr val="FFFFFF">
+                  <a:alpha val="30196"/>
+                </a:srgbClr>
+              </a:solidFill>
+            </a:ln>
+          </p:spPr>
+          <p:style>
+            <a:lnRef idx="1">
+              <a:schemeClr val="accent1"/>
+            </a:lnRef>
+            <a:fillRef idx="0">
+              <a:schemeClr val="accent1"/>
+            </a:fillRef>
+            <a:effectRef idx="0">
+              <a:schemeClr val="accent1"/>
+            </a:effectRef>
+            <a:fontRef idx="minor">
+              <a:schemeClr val="tx1"/>
+            </a:fontRef>
+          </p:style>
+        </p:cxnSp>
+        <p:cxnSp>
+          <p:nvCxnSpPr>
+            <p:cNvPr id="92" name="Straight Connector 91">
+              <a:extLst>
+                <a:ext uri="{FF2B5EF4-FFF2-40B4-BE49-F238E27FC236}">
+                  <a16:creationId xmlns:a16="http://schemas.microsoft.com/office/drawing/2014/main" id="{AE9D757B-CD9D-447C-8780-79F2FF875113}"/>
+                </a:ext>
+                <a:ext uri="{C183D7F6-B498-43B3-948B-1728B52AA6E4}">
+                  <adec:decorative xmlns:adec="http://schemas.microsoft.com/office/drawing/2017/decorative" val="1"/>
+                </a:ext>
+              </a:extLst>
+            </p:cNvPr>
+            <p:cNvCxnSpPr/>
+            <p:nvPr>
+              <p:extLst>
+                <p:ext uri="{386F3935-93C4-4BCD-93E2-E3B085C9AB24}">
+                  <p16:designElem xmlns:p16="http://schemas.microsoft.com/office/powerpoint/2015/main" val="1"/>
+                </p:ext>
+              </p:extLst>
+            </p:nvPr>
+          </p:nvCxnSpPr>
+          <p:spPr>
+            <a:xfrm rot="-5820000" flipH="1">
+              <a:off x="5624195" y="4254218"/>
+              <a:ext cx="3394" cy="182880"/>
+            </a:xfrm>
+            <a:prstGeom prst="line">
+              <a:avLst/>
+            </a:prstGeom>
+            <a:ln>
+              <a:solidFill>
+                <a:srgbClr val="FFFFFF">
+                  <a:alpha val="30196"/>
+                </a:srgbClr>
+              </a:solidFill>
+            </a:ln>
+          </p:spPr>
+          <p:style>
+            <a:lnRef idx="1">
+              <a:schemeClr val="accent1"/>
+            </a:lnRef>
+            <a:fillRef idx="0">
+              <a:schemeClr val="accent1"/>
+            </a:fillRef>
+            <a:effectRef idx="0">
+              <a:schemeClr val="accent1"/>
+            </a:effectRef>
+            <a:fontRef idx="minor">
+              <a:schemeClr val="tx1"/>
+            </a:fontRef>
+          </p:style>
+        </p:cxnSp>
+        <p:cxnSp>
+          <p:nvCxnSpPr>
+            <p:cNvPr id="93" name="Straight Connector 92">
+              <a:extLst>
+                <a:ext uri="{FF2B5EF4-FFF2-40B4-BE49-F238E27FC236}">
+                  <a16:creationId xmlns:a16="http://schemas.microsoft.com/office/drawing/2014/main" id="{276B76E9-7342-43BC-B629-9180ABF5778A}"/>
+                </a:ext>
+                <a:ext uri="{C183D7F6-B498-43B3-948B-1728B52AA6E4}">
+                  <adec:decorative xmlns:adec="http://schemas.microsoft.com/office/drawing/2017/decorative" val="1"/>
+                </a:ext>
+              </a:extLst>
+            </p:cNvPr>
+            <p:cNvCxnSpPr/>
+            <p:nvPr>
+              <p:extLst>
+                <p:ext uri="{386F3935-93C4-4BCD-93E2-E3B085C9AB24}">
+                  <p16:designElem xmlns:p16="http://schemas.microsoft.com/office/powerpoint/2015/main" val="1"/>
+                </p:ext>
+              </p:extLst>
+            </p:nvPr>
+          </p:nvCxnSpPr>
+          <p:spPr>
+            <a:xfrm rot="-5940000" flipH="1">
+              <a:off x="5642629" y="4392358"/>
+              <a:ext cx="3394" cy="182880"/>
+            </a:xfrm>
+            <a:prstGeom prst="line">
+              <a:avLst/>
+            </a:prstGeom>
+            <a:ln>
+              <a:solidFill>
+                <a:srgbClr val="FFFFFF">
+                  <a:alpha val="30196"/>
+                </a:srgbClr>
+              </a:solidFill>
+            </a:ln>
+          </p:spPr>
+          <p:style>
+            <a:lnRef idx="1">
+              <a:schemeClr val="accent1"/>
+            </a:lnRef>
+            <a:fillRef idx="0">
+              <a:schemeClr val="accent1"/>
+            </a:fillRef>
+            <a:effectRef idx="0">
+              <a:schemeClr val="accent1"/>
+            </a:effectRef>
+            <a:fontRef idx="minor">
+              <a:schemeClr val="tx1"/>
+            </a:fontRef>
+          </p:style>
+        </p:cxnSp>
+        <p:cxnSp>
+          <p:nvCxnSpPr>
+            <p:cNvPr id="94" name="Straight Connector 93">
+              <a:extLst>
+                <a:ext uri="{FF2B5EF4-FFF2-40B4-BE49-F238E27FC236}">
+                  <a16:creationId xmlns:a16="http://schemas.microsoft.com/office/drawing/2014/main" id="{3F25F68A-2DCB-4183-86F1-3428326E595B}"/>
+                </a:ext>
+                <a:ext uri="{C183D7F6-B498-43B3-948B-1728B52AA6E4}">
+                  <adec:decorative xmlns:adec="http://schemas.microsoft.com/office/drawing/2017/decorative" val="1"/>
+                </a:ext>
+              </a:extLst>
+            </p:cNvPr>
+            <p:cNvCxnSpPr/>
+            <p:nvPr>
+              <p:extLst>
+                <p:ext uri="{386F3935-93C4-4BCD-93E2-E3B085C9AB24}">
+                  <p16:designElem xmlns:p16="http://schemas.microsoft.com/office/powerpoint/2015/main" val="1"/>
+                </p:ext>
+              </p:extLst>
+            </p:nvPr>
+          </p:nvCxnSpPr>
+          <p:spPr>
+            <a:xfrm rot="-6120000" flipH="1">
+              <a:off x="5654818" y="4536385"/>
+              <a:ext cx="3394" cy="182880"/>
+            </a:xfrm>
+            <a:prstGeom prst="line">
+              <a:avLst/>
+            </a:prstGeom>
+            <a:ln>
+              <a:solidFill>
+                <a:srgbClr val="FFFFFF">
+                  <a:alpha val="30196"/>
+                </a:srgbClr>
+              </a:solidFill>
+            </a:ln>
+          </p:spPr>
+          <p:style>
+            <a:lnRef idx="1">
+              <a:schemeClr val="accent1"/>
+            </a:lnRef>
+            <a:fillRef idx="0">
+              <a:schemeClr val="accent1"/>
+            </a:fillRef>
+            <a:effectRef idx="0">
+              <a:schemeClr val="accent1"/>
+            </a:effectRef>
+            <a:fontRef idx="minor">
+              <a:schemeClr val="tx1"/>
+            </a:fontRef>
+          </p:style>
+        </p:cxnSp>
+        <p:cxnSp>
+          <p:nvCxnSpPr>
+            <p:cNvPr id="95" name="Straight Connector 94">
+              <a:extLst>
+                <a:ext uri="{FF2B5EF4-FFF2-40B4-BE49-F238E27FC236}">
+                  <a16:creationId xmlns:a16="http://schemas.microsoft.com/office/drawing/2014/main" id="{BA5FA913-066C-4504-A753-026056454CE9}"/>
+                </a:ext>
+                <a:ext uri="{C183D7F6-B498-43B3-948B-1728B52AA6E4}">
+                  <adec:decorative xmlns:adec="http://schemas.microsoft.com/office/drawing/2017/decorative" val="1"/>
+                </a:ext>
+              </a:extLst>
+            </p:cNvPr>
+            <p:cNvCxnSpPr/>
+            <p:nvPr>
+              <p:extLst>
+                <p:ext uri="{386F3935-93C4-4BCD-93E2-E3B085C9AB24}">
+                  <p16:designElem xmlns:p16="http://schemas.microsoft.com/office/powerpoint/2015/main" val="1"/>
+                </p:ext>
+              </p:extLst>
+            </p:nvPr>
+          </p:nvCxnSpPr>
+          <p:spPr>
+            <a:xfrm rot="-6240000" flipH="1">
+              <a:off x="5684446" y="4671367"/>
+              <a:ext cx="3394" cy="182880"/>
+            </a:xfrm>
+            <a:prstGeom prst="line">
+              <a:avLst/>
+            </a:prstGeom>
+            <a:ln>
+              <a:solidFill>
+                <a:srgbClr val="FFFFFF">
+                  <a:alpha val="30196"/>
+                </a:srgbClr>
+              </a:solidFill>
+            </a:ln>
+          </p:spPr>
+          <p:style>
+            <a:lnRef idx="1">
+              <a:schemeClr val="accent1"/>
+            </a:lnRef>
+            <a:fillRef idx="0">
+              <a:schemeClr val="accent1"/>
+            </a:fillRef>
+            <a:effectRef idx="0">
+              <a:schemeClr val="accent1"/>
+            </a:effectRef>
+            <a:fontRef idx="minor">
+              <a:schemeClr val="tx1"/>
+            </a:fontRef>
+          </p:style>
+        </p:cxnSp>
+        <p:cxnSp>
+          <p:nvCxnSpPr>
+            <p:cNvPr id="96" name="Straight Connector 95">
+              <a:extLst>
+                <a:ext uri="{FF2B5EF4-FFF2-40B4-BE49-F238E27FC236}">
+                  <a16:creationId xmlns:a16="http://schemas.microsoft.com/office/drawing/2014/main" id="{6A6E50AC-CA1E-4DD3-B85F-1720C019E68B}"/>
+                </a:ext>
+                <a:ext uri="{C183D7F6-B498-43B3-948B-1728B52AA6E4}">
+                  <adec:decorative xmlns:adec="http://schemas.microsoft.com/office/drawing/2017/decorative" val="1"/>
+                </a:ext>
+              </a:extLst>
+            </p:cNvPr>
+            <p:cNvCxnSpPr/>
+            <p:nvPr>
+              <p:extLst>
+                <p:ext uri="{386F3935-93C4-4BCD-93E2-E3B085C9AB24}">
+                  <p16:designElem xmlns:p16="http://schemas.microsoft.com/office/powerpoint/2015/main" val="1"/>
+                </p:ext>
+              </p:extLst>
+            </p:nvPr>
+          </p:nvCxnSpPr>
+          <p:spPr>
+            <a:xfrm rot="-6360000" flipH="1">
+              <a:off x="5714074" y="4808730"/>
+              <a:ext cx="3394" cy="182880"/>
+            </a:xfrm>
+            <a:prstGeom prst="line">
+              <a:avLst/>
+            </a:prstGeom>
+            <a:ln>
+              <a:solidFill>
+                <a:srgbClr val="FFFFFF">
+                  <a:alpha val="30196"/>
+                </a:srgbClr>
+              </a:solidFill>
+            </a:ln>
+          </p:spPr>
+          <p:style>
+            <a:lnRef idx="1">
+              <a:schemeClr val="accent1"/>
+            </a:lnRef>
+            <a:fillRef idx="0">
+              <a:schemeClr val="accent1"/>
+            </a:fillRef>
+            <a:effectRef idx="0">
+              <a:schemeClr val="accent1"/>
+            </a:effectRef>
+            <a:fontRef idx="minor">
+              <a:schemeClr val="tx1"/>
+            </a:fontRef>
+          </p:style>
+        </p:cxnSp>
+        <p:cxnSp>
+          <p:nvCxnSpPr>
+            <p:cNvPr id="97" name="Straight Connector 96">
+              <a:extLst>
+                <a:ext uri="{FF2B5EF4-FFF2-40B4-BE49-F238E27FC236}">
+                  <a16:creationId xmlns:a16="http://schemas.microsoft.com/office/drawing/2014/main" id="{1224B2B1-DBD8-4BA8-8CEB-BFAC8A15D336}"/>
+                </a:ext>
+                <a:ext uri="{C183D7F6-B498-43B3-948B-1728B52AA6E4}">
+                  <adec:decorative xmlns:adec="http://schemas.microsoft.com/office/drawing/2017/decorative" val="1"/>
+                </a:ext>
+              </a:extLst>
+            </p:cNvPr>
+            <p:cNvCxnSpPr/>
+            <p:nvPr>
+              <p:extLst>
+                <p:ext uri="{386F3935-93C4-4BCD-93E2-E3B085C9AB24}">
+                  <p16:designElem xmlns:p16="http://schemas.microsoft.com/office/powerpoint/2015/main" val="1"/>
+                </p:ext>
+              </p:extLst>
+            </p:nvPr>
+          </p:nvCxnSpPr>
+          <p:spPr>
+            <a:xfrm rot="-6480000" flipH="1">
+              <a:off x="5748464" y="4948474"/>
+              <a:ext cx="3394" cy="182880"/>
+            </a:xfrm>
+            <a:prstGeom prst="line">
+              <a:avLst/>
+            </a:prstGeom>
+            <a:ln>
+              <a:solidFill>
+                <a:srgbClr val="FFFFFF">
+                  <a:alpha val="30196"/>
+                </a:srgbClr>
+              </a:solidFill>
+            </a:ln>
+          </p:spPr>
+          <p:style>
+            <a:lnRef idx="1">
+              <a:schemeClr val="accent1"/>
+            </a:lnRef>
+            <a:fillRef idx="0">
+              <a:schemeClr val="accent1"/>
+            </a:fillRef>
+            <a:effectRef idx="0">
+              <a:schemeClr val="accent1"/>
+            </a:effectRef>
+            <a:fontRef idx="minor">
+              <a:schemeClr val="tx1"/>
+            </a:fontRef>
+          </p:style>
+        </p:cxnSp>
+        <p:cxnSp>
+          <p:nvCxnSpPr>
+            <p:cNvPr id="98" name="Straight Connector 97">
+              <a:extLst>
+                <a:ext uri="{FF2B5EF4-FFF2-40B4-BE49-F238E27FC236}">
+                  <a16:creationId xmlns:a16="http://schemas.microsoft.com/office/drawing/2014/main" id="{4DEFE1E7-69A3-47F5-B8B8-C0898281B6AF}"/>
+                </a:ext>
+                <a:ext uri="{C183D7F6-B498-43B3-948B-1728B52AA6E4}">
+                  <adec:decorative xmlns:adec="http://schemas.microsoft.com/office/drawing/2017/decorative" val="1"/>
+                </a:ext>
+              </a:extLst>
+            </p:cNvPr>
+            <p:cNvCxnSpPr/>
+            <p:nvPr>
+              <p:extLst>
+                <p:ext uri="{386F3935-93C4-4BCD-93E2-E3B085C9AB24}">
+                  <p16:designElem xmlns:p16="http://schemas.microsoft.com/office/powerpoint/2015/main" val="1"/>
+                </p:ext>
+              </p:extLst>
+            </p:nvPr>
+          </p:nvCxnSpPr>
+          <p:spPr>
+            <a:xfrm rot="-6660000" flipH="1">
+              <a:off x="5792091" y="5077607"/>
+              <a:ext cx="3394" cy="182880"/>
+            </a:xfrm>
+            <a:prstGeom prst="line">
+              <a:avLst/>
+            </a:prstGeom>
+            <a:ln>
+              <a:solidFill>
+                <a:srgbClr val="FFFFFF">
+                  <a:alpha val="30196"/>
+                </a:srgbClr>
+              </a:solidFill>
+            </a:ln>
+          </p:spPr>
+          <p:style>
+            <a:lnRef idx="1">
+              <a:schemeClr val="accent1"/>
+            </a:lnRef>
+            <a:fillRef idx="0">
+              <a:schemeClr val="accent1"/>
+            </a:fillRef>
+            <a:effectRef idx="0">
+              <a:schemeClr val="accent1"/>
+            </a:effectRef>
+            <a:fontRef idx="minor">
+              <a:schemeClr val="tx1"/>
+            </a:fontRef>
+          </p:style>
+        </p:cxnSp>
+        <p:cxnSp>
+          <p:nvCxnSpPr>
+            <p:cNvPr id="99" name="Straight Connector 98">
+              <a:extLst>
+                <a:ext uri="{FF2B5EF4-FFF2-40B4-BE49-F238E27FC236}">
+                  <a16:creationId xmlns:a16="http://schemas.microsoft.com/office/drawing/2014/main" id="{66F1F489-762E-4979-9EBC-50A62330B8ED}"/>
+                </a:ext>
+                <a:ext uri="{C183D7F6-B498-43B3-948B-1728B52AA6E4}">
+                  <adec:decorative xmlns:adec="http://schemas.microsoft.com/office/drawing/2017/decorative" val="1"/>
+                </a:ext>
+              </a:extLst>
+            </p:cNvPr>
+            <p:cNvCxnSpPr/>
+            <p:nvPr>
+              <p:extLst>
+                <p:ext uri="{386F3935-93C4-4BCD-93E2-E3B085C9AB24}">
+                  <p16:designElem xmlns:p16="http://schemas.microsoft.com/office/powerpoint/2015/main" val="1"/>
+                </p:ext>
+              </p:extLst>
+            </p:nvPr>
+          </p:nvCxnSpPr>
+          <p:spPr>
+            <a:xfrm rot="-6780000" flipH="1">
+              <a:off x="5847441" y="5211223"/>
+              <a:ext cx="3394" cy="182880"/>
+            </a:xfrm>
+            <a:prstGeom prst="line">
+              <a:avLst/>
+            </a:prstGeom>
+            <a:ln>
+              <a:solidFill>
+                <a:srgbClr val="FFFFFF">
+                  <a:alpha val="30196"/>
+                </a:srgbClr>
+              </a:solidFill>
+            </a:ln>
+          </p:spPr>
+          <p:style>
+            <a:lnRef idx="1">
+              <a:schemeClr val="accent1"/>
+            </a:lnRef>
+            <a:fillRef idx="0">
+              <a:schemeClr val="accent1"/>
+            </a:fillRef>
+            <a:effectRef idx="0">
+              <a:schemeClr val="accent1"/>
+            </a:effectRef>
+            <a:fontRef idx="minor">
+              <a:schemeClr val="tx1"/>
+            </a:fontRef>
+          </p:style>
+        </p:cxnSp>
+        <p:cxnSp>
+          <p:nvCxnSpPr>
+            <p:cNvPr id="100" name="Straight Connector 99">
+              <a:extLst>
+                <a:ext uri="{FF2B5EF4-FFF2-40B4-BE49-F238E27FC236}">
+                  <a16:creationId xmlns:a16="http://schemas.microsoft.com/office/drawing/2014/main" id="{927DF22C-20E6-4DED-B405-1B26C521863F}"/>
+                </a:ext>
+                <a:ext uri="{C183D7F6-B498-43B3-948B-1728B52AA6E4}">
+                  <adec:decorative xmlns:adec="http://schemas.microsoft.com/office/drawing/2017/decorative" val="1"/>
+                </a:ext>
+              </a:extLst>
+            </p:cNvPr>
+            <p:cNvCxnSpPr/>
+            <p:nvPr>
+              <p:extLst>
+                <p:ext uri="{386F3935-93C4-4BCD-93E2-E3B085C9AB24}">
+                  <p16:designElem xmlns:p16="http://schemas.microsoft.com/office/powerpoint/2015/main" val="1"/>
+                </p:ext>
+              </p:extLst>
+            </p:nvPr>
+          </p:nvCxnSpPr>
+          <p:spPr>
+            <a:xfrm rot="-6900000" flipH="1">
+              <a:off x="5900410" y="5342458"/>
+              <a:ext cx="3394" cy="182880"/>
+            </a:xfrm>
+            <a:prstGeom prst="line">
+              <a:avLst/>
+            </a:prstGeom>
+            <a:ln>
+              <a:solidFill>
+                <a:srgbClr val="FFFFFF">
+                  <a:alpha val="30196"/>
+                </a:srgbClr>
+              </a:solidFill>
+            </a:ln>
+          </p:spPr>
+          <p:style>
+            <a:lnRef idx="1">
+              <a:schemeClr val="accent1"/>
+            </a:lnRef>
+            <a:fillRef idx="0">
+              <a:schemeClr val="accent1"/>
+            </a:fillRef>
+            <a:effectRef idx="0">
+              <a:schemeClr val="accent1"/>
+            </a:effectRef>
+            <a:fontRef idx="minor">
+              <a:schemeClr val="tx1"/>
+            </a:fontRef>
+          </p:style>
+        </p:cxnSp>
+        <p:cxnSp>
+          <p:nvCxnSpPr>
+            <p:cNvPr id="101" name="Straight Connector 100">
+              <a:extLst>
+                <a:ext uri="{FF2B5EF4-FFF2-40B4-BE49-F238E27FC236}">
+                  <a16:creationId xmlns:a16="http://schemas.microsoft.com/office/drawing/2014/main" id="{236FD8D7-6E0F-468E-B8C4-F4E6707112A5}"/>
+                </a:ext>
+                <a:ext uri="{C183D7F6-B498-43B3-948B-1728B52AA6E4}">
+                  <adec:decorative xmlns:adec="http://schemas.microsoft.com/office/drawing/2017/decorative" val="1"/>
+                </a:ext>
+              </a:extLst>
+            </p:cNvPr>
+            <p:cNvCxnSpPr/>
+            <p:nvPr>
+              <p:extLst>
+                <p:ext uri="{386F3935-93C4-4BCD-93E2-E3B085C9AB24}">
+                  <p16:designElem xmlns:p16="http://schemas.microsoft.com/office/powerpoint/2015/main" val="1"/>
+                </p:ext>
+              </p:extLst>
+            </p:nvPr>
+          </p:nvCxnSpPr>
+          <p:spPr>
+            <a:xfrm rot="-7020000" flipH="1">
+              <a:off x="5955760" y="5473693"/>
+              <a:ext cx="3394" cy="182880"/>
+            </a:xfrm>
+            <a:prstGeom prst="line">
+              <a:avLst/>
+            </a:prstGeom>
+            <a:ln>
+              <a:solidFill>
+                <a:srgbClr val="FFFFFF">
+                  <a:alpha val="30196"/>
+                </a:srgbClr>
+              </a:solidFill>
+            </a:ln>
+          </p:spPr>
+          <p:style>
+            <a:lnRef idx="1">
+              <a:schemeClr val="accent1"/>
+            </a:lnRef>
+            <a:fillRef idx="0">
+              <a:schemeClr val="accent1"/>
+            </a:fillRef>
+            <a:effectRef idx="0">
+              <a:schemeClr val="accent1"/>
+            </a:effectRef>
+            <a:fontRef idx="minor">
+              <a:schemeClr val="tx1"/>
+            </a:fontRef>
+          </p:style>
+        </p:cxnSp>
+      </p:grpSp>
       <p:sp>
         <p:nvSpPr>
           <p:cNvPr id="2" name="Title 1">
@@ -7221,18 +12052,42 @@
         </p:nvSpPr>
         <p:spPr>
           <a:xfrm>
-            <a:off x="685802" y="609600"/>
-            <a:ext cx="10048874" cy="4133850"/>
+            <a:off x="7803299" y="3637996"/>
+            <a:ext cx="3739920" cy="1010501"/>
           </a:xfrm>
         </p:spPr>
         <p:txBody>
-          <a:bodyPr/>
+          <a:bodyPr vert="horz" lIns="91440" tIns="45720" rIns="91440" bIns="45720" rtlCol="0" anchor="b">
+            <a:normAutofit fontScale="90000"/>
+          </a:bodyPr>
           <a:lstStyle/>
           <a:p>
-            <a:pPr algn="ctr"/>
+            <a:pPr algn="r">
+              <a:lnSpc>
+                <a:spcPct val="90000"/>
+              </a:lnSpc>
+            </a:pPr>
+            <a:br>
+              <a:rPr lang="en-US" sz="4800" b="1" dirty="0"/>
+            </a:br>
+            <a:br>
+              <a:rPr lang="en-US" sz="4800" b="1" dirty="0"/>
+            </a:br>
+            <a:br>
+              <a:rPr lang="en-US" sz="4800" b="1" dirty="0"/>
+            </a:br>
+            <a:br>
+              <a:rPr lang="en-US" sz="4800" b="1" dirty="0"/>
+            </a:br>
+            <a:br>
+              <a:rPr lang="en-US" sz="4800" b="1" dirty="0"/>
+            </a:br>
+            <a:br>
+              <a:rPr lang="en-US" sz="4800" b="1" dirty="0"/>
+            </a:br>
             <a:r>
-              <a:rPr lang="en-US" b="1" dirty="0"/>
-              <a:t>DEMO </a:t>
+              <a:rPr lang="en-US" sz="4800" b="1" dirty="0"/>
+              <a:t>demo </a:t>
             </a:r>
           </a:p>
         </p:txBody>
@@ -7253,7 +12108,7 @@
 </p:sld>
 </file>
 
-<file path=ppt/slides/slide16.xml><?xml version="1.0" encoding="utf-8"?>
+<file path=ppt/slides/slide14.xml><?xml version="1.0" encoding="utf-8"?>
 <p:sld xmlns:a="http://schemas.openxmlformats.org/drawingml/2006/main" xmlns:r="http://schemas.openxmlformats.org/officeDocument/2006/relationships" xmlns:p="http://schemas.openxmlformats.org/presentationml/2006/main">
   <p:cSld>
     <p:spTree>
@@ -7347,13 +12202,13 @@
   <p:clrMapOvr>
     <a:masterClrMapping/>
   </p:clrMapOvr>
-  <mc:AlternateContent xmlns:mc="http://schemas.openxmlformats.org/markup-compatibility/2006">
-    <mc:Choice xmlns:p14="http://schemas.microsoft.com/office/powerpoint/2010/main" Requires="p14">
+  <mc:AlternateContent xmlns:mc="http://schemas.openxmlformats.org/markup-compatibility/2006" xmlns:p14="http://schemas.microsoft.com/office/powerpoint/2010/main">
+    <mc:Choice Requires="p14">
       <p:transition spd="slow" p14:dur="3400">
         <p14:reveal/>
       </p:transition>
     </mc:Choice>
-    <mc:Fallback>
+    <mc:Fallback xmlns="">
       <p:transition spd="slow">
         <p:fade/>
       </p:transition>
@@ -7543,7 +12398,7 @@
             <a:pPr fontAlgn="t"/>
             <a:r>
               <a:rPr lang="en-US" dirty="0"/>
-              <a:t>Electret Microphone Amplifier -MAX4466 with Adjustable Gain[ID: 1063] </a:t>
+              <a:t>Electret Microphone Amplifier -MAX4466 with Adjustable Gain ID: 1063</a:t>
             </a:r>
           </a:p>
           <a:p>
@@ -7565,13 +12420,6 @@
             <a:r>
               <a:rPr lang="en-US" dirty="0"/>
               <a:t>16 MHz crystal oscillator </a:t>
-            </a:r>
-          </a:p>
-          <a:p>
-            <a:pPr fontAlgn="t"/>
-            <a:r>
-              <a:rPr lang="en-US" dirty="0" err="1"/>
-              <a:t>Furby</a:t>
             </a:r>
             <a:br>
               <a:rPr lang="en-US" dirty="0"/>
@@ -7627,218 +12475,6 @@
           <p:cNvPr id="2" name="Title 1">
             <a:extLst>
               <a:ext uri="{FF2B5EF4-FFF2-40B4-BE49-F238E27FC236}">
-                <a16:creationId xmlns:a16="http://schemas.microsoft.com/office/drawing/2014/main" id="{99B838B1-8D12-47F4-9438-FA15D228ABAE}"/>
-              </a:ext>
-            </a:extLst>
-          </p:cNvPr>
-          <p:cNvSpPr>
-            <a:spLocks noGrp="1"/>
-          </p:cNvSpPr>
-          <p:nvPr>
-            <p:ph type="title"/>
-          </p:nvPr>
-        </p:nvSpPr>
-        <p:spPr/>
-        <p:txBody>
-          <a:bodyPr/>
-          <a:lstStyle/>
-          <a:p>
-            <a:r>
-              <a:rPr lang="en-US" dirty="0"/>
-              <a:t>SCHEMATIC for OLED</a:t>
-            </a:r>
-          </a:p>
-        </p:txBody>
-      </p:sp>
-      <p:pic>
-        <p:nvPicPr>
-          <p:cNvPr id="7" name="Content Placeholder 6" descr="A close up of a map&#10;&#10;Description generated with very high confidence">
-            <a:extLst>
-              <a:ext uri="{FF2B5EF4-FFF2-40B4-BE49-F238E27FC236}">
-                <a16:creationId xmlns:a16="http://schemas.microsoft.com/office/drawing/2014/main" id="{8E331432-02D2-4B83-B30D-534759103EDF}"/>
-              </a:ext>
-            </a:extLst>
-          </p:cNvPr>
-          <p:cNvPicPr>
-            <a:picLocks noGrp="1" noChangeAspect="1"/>
-          </p:cNvPicPr>
-          <p:nvPr>
-            <p:ph idx="1"/>
-          </p:nvPr>
-        </p:nvPicPr>
-        <p:blipFill>
-          <a:blip r:embed="rId2"/>
-          <a:stretch>
-            <a:fillRect/>
-          </a:stretch>
-        </p:blipFill>
-        <p:spPr>
-          <a:xfrm>
-            <a:off x="685801" y="2141537"/>
-            <a:ext cx="9279362" cy="4018669"/>
-          </a:xfrm>
-        </p:spPr>
-      </p:pic>
-    </p:spTree>
-    <p:extLst>
-      <p:ext uri="{BB962C8B-B14F-4D97-AF65-F5344CB8AC3E}">
-        <p14:creationId xmlns:p14="http://schemas.microsoft.com/office/powerpoint/2010/main" val="1321799376"/>
-      </p:ext>
-    </p:extLst>
-  </p:cSld>
-  <p:clrMapOvr>
-    <a:masterClrMapping/>
-  </p:clrMapOvr>
-  <mc:AlternateContent xmlns:mc="http://schemas.openxmlformats.org/markup-compatibility/2006" xmlns:p14="http://schemas.microsoft.com/office/powerpoint/2010/main">
-    <mc:Choice Requires="p14">
-      <p:transition spd="slow" p14:dur="3400">
-        <p14:reveal/>
-      </p:transition>
-    </mc:Choice>
-    <mc:Fallback xmlns="">
-      <p:transition spd="slow">
-        <p:fade/>
-      </p:transition>
-    </mc:Fallback>
-  </mc:AlternateContent>
-</p:sld>
-</file>
-
-<file path=ppt/slides/slide5.xml><?xml version="1.0" encoding="utf-8"?>
-<p:sld xmlns:a="http://schemas.openxmlformats.org/drawingml/2006/main" xmlns:r="http://schemas.openxmlformats.org/officeDocument/2006/relationships" xmlns:p="http://schemas.openxmlformats.org/presentationml/2006/main">
-  <p:cSld>
-    <p:spTree>
-      <p:nvGrpSpPr>
-        <p:cNvPr id="1" name=""/>
-        <p:cNvGrpSpPr/>
-        <p:nvPr/>
-      </p:nvGrpSpPr>
-      <p:grpSpPr>
-        <a:xfrm>
-          <a:off x="0" y="0"/>
-          <a:ext cx="0" cy="0"/>
-          <a:chOff x="0" y="0"/>
-          <a:chExt cx="0" cy="0"/>
-        </a:xfrm>
-      </p:grpSpPr>
-      <p:sp>
-        <p:nvSpPr>
-          <p:cNvPr id="2" name="Title 1">
-            <a:extLst>
-              <a:ext uri="{FF2B5EF4-FFF2-40B4-BE49-F238E27FC236}">
-                <a16:creationId xmlns:a16="http://schemas.microsoft.com/office/drawing/2014/main" id="{55CD2D8D-9E3D-4B08-BD92-E9618B555380}"/>
-              </a:ext>
-            </a:extLst>
-          </p:cNvPr>
-          <p:cNvSpPr>
-            <a:spLocks noGrp="1"/>
-          </p:cNvSpPr>
-          <p:nvPr>
-            <p:ph type="title"/>
-          </p:nvPr>
-        </p:nvSpPr>
-        <p:spPr/>
-        <p:txBody>
-          <a:bodyPr/>
-          <a:lstStyle/>
-          <a:p>
-            <a:r>
-              <a:rPr lang="en-US" dirty="0"/>
-              <a:t>OLED specs </a:t>
-            </a:r>
-          </a:p>
-        </p:txBody>
-      </p:sp>
-      <p:sp>
-        <p:nvSpPr>
-          <p:cNvPr id="3" name="Content Placeholder 2">
-            <a:extLst>
-              <a:ext uri="{FF2B5EF4-FFF2-40B4-BE49-F238E27FC236}">
-                <a16:creationId xmlns:a16="http://schemas.microsoft.com/office/drawing/2014/main" id="{40799250-0217-415A-AF00-6BAAA2EDB7A7}"/>
-              </a:ext>
-            </a:extLst>
-          </p:cNvPr>
-          <p:cNvSpPr>
-            <a:spLocks noGrp="1"/>
-          </p:cNvSpPr>
-          <p:nvPr>
-            <p:ph idx="1"/>
-          </p:nvPr>
-        </p:nvSpPr>
-        <p:spPr/>
-        <p:txBody>
-          <a:bodyPr/>
-          <a:lstStyle/>
-          <a:p>
-            <a:r>
-              <a:rPr lang="en-US" dirty="0"/>
-              <a:t>Uses SSD 1306 driver chip to communicate with microcontroller via I2C</a:t>
-            </a:r>
-          </a:p>
-          <a:p>
-            <a:r>
-              <a:rPr lang="en-US" dirty="0"/>
-              <a:t>Screen contains 128 x 32 white OLED’s </a:t>
-            </a:r>
-          </a:p>
-          <a:p>
-            <a:r>
-              <a:rPr lang="en-US" dirty="0"/>
-              <a:t>We chose OLED because it does not require a back light, which decreases power consumption </a:t>
-            </a:r>
-          </a:p>
-          <a:p>
-            <a:endParaRPr lang="en-US" dirty="0"/>
-          </a:p>
-        </p:txBody>
-      </p:sp>
-    </p:spTree>
-    <p:extLst>
-      <p:ext uri="{BB962C8B-B14F-4D97-AF65-F5344CB8AC3E}">
-        <p14:creationId xmlns:p14="http://schemas.microsoft.com/office/powerpoint/2010/main" val="810425185"/>
-      </p:ext>
-    </p:extLst>
-  </p:cSld>
-  <p:clrMapOvr>
-    <a:masterClrMapping/>
-  </p:clrMapOvr>
-  <mc:AlternateContent xmlns:mc="http://schemas.openxmlformats.org/markup-compatibility/2006" xmlns:p14="http://schemas.microsoft.com/office/powerpoint/2010/main">
-    <mc:Choice Requires="p14">
-      <p:transition spd="slow">
-        <p14:flash/>
-      </p:transition>
-    </mc:Choice>
-    <mc:Fallback xmlns="">
-      <p:transition spd="slow">
-        <p:fade/>
-      </p:transition>
-    </mc:Fallback>
-  </mc:AlternateContent>
-</p:sld>
-</file>
-
-<file path=ppt/slides/slide6.xml><?xml version="1.0" encoding="utf-8"?>
-<p:sld xmlns:a="http://schemas.openxmlformats.org/drawingml/2006/main" xmlns:r="http://schemas.openxmlformats.org/officeDocument/2006/relationships" xmlns:p="http://schemas.openxmlformats.org/presentationml/2006/main">
-  <p:cSld>
-    <p:spTree>
-      <p:nvGrpSpPr>
-        <p:cNvPr id="1" name=""/>
-        <p:cNvGrpSpPr/>
-        <p:nvPr/>
-      </p:nvGrpSpPr>
-      <p:grpSpPr>
-        <a:xfrm>
-          <a:off x="0" y="0"/>
-          <a:ext cx="0" cy="0"/>
-          <a:chOff x="0" y="0"/>
-          <a:chExt cx="0" cy="0"/>
-        </a:xfrm>
-      </p:grpSpPr>
-      <p:sp>
-        <p:nvSpPr>
-          <p:cNvPr id="2" name="Title 1">
-            <a:extLst>
-              <a:ext uri="{FF2B5EF4-FFF2-40B4-BE49-F238E27FC236}">
                 <a16:creationId xmlns:a16="http://schemas.microsoft.com/office/drawing/2014/main" id="{AE3C6A16-1C6A-4735-8A51-D0665535AE5E}"/>
               </a:ext>
             </a:extLst>
@@ -7857,132 +12493,54 @@
           <a:p>
             <a:r>
               <a:rPr lang="en-US" dirty="0"/>
-              <a:t>Schematic for power regulator </a:t>
+              <a:t>Schematic for power regulator AND SPECS</a:t>
             </a:r>
           </a:p>
         </p:txBody>
       </p:sp>
-      <p:pic>
-        <p:nvPicPr>
-          <p:cNvPr id="5" name="Content Placeholder 4" descr="A close up of a map&#10;&#10;Description generated with high confidence">
-            <a:extLst>
-              <a:ext uri="{FF2B5EF4-FFF2-40B4-BE49-F238E27FC236}">
-                <a16:creationId xmlns:a16="http://schemas.microsoft.com/office/drawing/2014/main" id="{8564090F-8957-42A7-95FD-81B1450FF810}"/>
-              </a:ext>
-            </a:extLst>
-          </p:cNvPr>
-          <p:cNvPicPr>
-            <a:picLocks noGrp="1" noChangeAspect="1"/>
-          </p:cNvPicPr>
-          <p:nvPr>
-            <p:ph idx="1"/>
-          </p:nvPr>
-        </p:nvPicPr>
-        <p:blipFill>
-          <a:blip r:embed="rId2"/>
-          <a:stretch>
-            <a:fillRect/>
-          </a:stretch>
-        </p:blipFill>
-        <p:spPr>
-          <a:xfrm>
-            <a:off x="800100" y="2141538"/>
-            <a:ext cx="8118576" cy="4478337"/>
-          </a:xfrm>
-        </p:spPr>
-      </p:pic>
-    </p:spTree>
-    <p:extLst>
-      <p:ext uri="{BB962C8B-B14F-4D97-AF65-F5344CB8AC3E}">
-        <p14:creationId xmlns:p14="http://schemas.microsoft.com/office/powerpoint/2010/main" val="3786965788"/>
-      </p:ext>
-    </p:extLst>
-  </p:cSld>
-  <p:clrMapOvr>
-    <a:masterClrMapping/>
-  </p:clrMapOvr>
-  <p:transition spd="slow">
-    <p:push dir="u"/>
-  </p:transition>
-</p:sld>
-</file>
-
-<file path=ppt/slides/slide7.xml><?xml version="1.0" encoding="utf-8"?>
-<p:sld xmlns:a="http://schemas.openxmlformats.org/drawingml/2006/main" xmlns:r="http://schemas.openxmlformats.org/officeDocument/2006/relationships" xmlns:p="http://schemas.openxmlformats.org/presentationml/2006/main">
-  <p:cSld>
-    <p:spTree>
-      <p:nvGrpSpPr>
-        <p:cNvPr id="1" name=""/>
-        <p:cNvGrpSpPr/>
-        <p:nvPr/>
-      </p:nvGrpSpPr>
-      <p:grpSpPr>
-        <a:xfrm>
-          <a:off x="0" y="0"/>
-          <a:ext cx="0" cy="0"/>
-          <a:chOff x="0" y="0"/>
-          <a:chExt cx="0" cy="0"/>
-        </a:xfrm>
-      </p:grpSpPr>
-      <p:sp>
-        <p:nvSpPr>
-          <p:cNvPr id="2" name="Title 1">
-            <a:extLst>
-              <a:ext uri="{FF2B5EF4-FFF2-40B4-BE49-F238E27FC236}">
-                <a16:creationId xmlns:a16="http://schemas.microsoft.com/office/drawing/2014/main" id="{6B401CA1-3EF7-45B0-B0F8-8C0A7C4E21EC}"/>
-              </a:ext>
-            </a:extLst>
-          </p:cNvPr>
-          <p:cNvSpPr>
-            <a:spLocks noGrp="1"/>
-          </p:cNvSpPr>
-          <p:nvPr>
-            <p:ph type="title"/>
-          </p:nvPr>
-        </p:nvSpPr>
-        <p:spPr/>
-        <p:txBody>
-          <a:bodyPr/>
-          <a:lstStyle/>
-          <a:p>
-            <a:r>
-              <a:rPr lang="en-US" dirty="0"/>
-              <a:t>Power regulator specs </a:t>
-            </a:r>
-          </a:p>
-        </p:txBody>
-      </p:sp>
-      <mc:AlternateContent xmlns:mc="http://schemas.openxmlformats.org/markup-compatibility/2006" xmlns:a14="http://schemas.microsoft.com/office/drawing/2010/main">
-        <mc:Choice Requires="a14">
+      <mc:AlternateContent xmlns:mc="http://schemas.openxmlformats.org/markup-compatibility/2006">
+        <mc:Choice xmlns:a14="http://schemas.microsoft.com/office/drawing/2010/main" Requires="a14">
           <p:sp>
             <p:nvSpPr>
-              <p:cNvPr id="3" name="Content Placeholder 2">
+              <p:cNvPr id="3" name="Rectangle 2">
                 <a:extLst>
                   <a:ext uri="{FF2B5EF4-FFF2-40B4-BE49-F238E27FC236}">
-                    <a16:creationId xmlns:a16="http://schemas.microsoft.com/office/drawing/2014/main" id="{D501583C-2784-4F91-B9FA-F2F78831E5CD}"/>
+                    <a16:creationId xmlns:a16="http://schemas.microsoft.com/office/drawing/2014/main" id="{0FBC5A6E-FCFE-4484-91A1-534C3D673817}"/>
                   </a:ext>
                 </a:extLst>
               </p:cNvPr>
-              <p:cNvSpPr>
-                <a:spLocks noGrp="1"/>
-              </p:cNvSpPr>
-              <p:nvPr>
-                <p:ph idx="1"/>
-              </p:nvPr>
+              <p:cNvSpPr/>
+              <p:nvPr/>
             </p:nvSpPr>
-            <p:spPr/>
+            <p:spPr>
+              <a:xfrm>
+                <a:off x="9147594" y="3919041"/>
+                <a:ext cx="3456710" cy="923330"/>
+              </a:xfrm>
+              <a:prstGeom prst="rect">
+                <a:avLst/>
+              </a:prstGeom>
+            </p:spPr>
             <p:txBody>
-              <a:bodyPr/>
+              <a:bodyPr wrap="square">
+                <a:spAutoFit/>
+              </a:bodyPr>
               <a:lstStyle/>
               <a:p>
-                <a:pPr fontAlgn="t"/>
+                <a:pPr marL="285750" indent="-285750" fontAlgn="t">
+                  <a:buFont typeface="Arial" panose="020B0604020202020204" pitchFamily="34" charset="0"/>
+                  <a:buChar char="•"/>
+                </a:pPr>
                 <a:r>
                   <a:rPr lang="en-US" dirty="0"/>
                   <a:t>LM7805 voltage regulator </a:t>
                 </a:r>
               </a:p>
               <a:p>
-                <a:pPr fontAlgn="t"/>
+                <a:pPr marL="285750" indent="-285750" fontAlgn="t">
+                  <a:buFont typeface="Arial" panose="020B0604020202020204" pitchFamily="34" charset="0"/>
+                  <a:buChar char="•"/>
+                </a:pPr>
                 <a:r>
                   <a:rPr lang="en-US" dirty="0"/>
                   <a:t>2 x 0.1 </a:t>
@@ -8030,7 +12588,10 @@
                 </a:endParaRPr>
               </a:p>
               <a:p>
-                <a:pPr fontAlgn="t"/>
+                <a:pPr marL="285750" indent="-285750" fontAlgn="t">
+                  <a:buFont typeface="Arial" panose="020B0604020202020204" pitchFamily="34" charset="0"/>
+                  <a:buChar char="•"/>
+                </a:pPr>
                 <a:r>
                   <a:rPr lang="en-US" dirty="0">
                     <a:ea typeface="Cambria Math" panose="02040503050406030204" pitchFamily="18" charset="0"/>
@@ -8038,34 +12599,36 @@
                   <a:t>1000V Silicone Diode</a:t>
                 </a:r>
               </a:p>
-              <a:p>
-                <a:endParaRPr lang="en-US" dirty="0"/>
-              </a:p>
             </p:txBody>
           </p:sp>
         </mc:Choice>
-        <mc:Fallback xmlns="">
+        <mc:Fallback>
           <p:sp>
             <p:nvSpPr>
-              <p:cNvPr id="3" name="Content Placeholder 2">
+              <p:cNvPr id="3" name="Rectangle 2">
                 <a:extLst>
                   <a:ext uri="{FF2B5EF4-FFF2-40B4-BE49-F238E27FC236}">
-                    <a16:creationId xmlns:a16="http://schemas.microsoft.com/office/drawing/2014/main" id="{D501583C-2784-4F91-B9FA-F2F78831E5CD}"/>
+                    <a16:creationId xmlns:a16="http://schemas.microsoft.com/office/drawing/2014/main" id="{0FBC5A6E-FCFE-4484-91A1-534C3D673817}"/>
                   </a:ext>
                 </a:extLst>
               </p:cNvPr>
               <p:cNvSpPr>
-                <a:spLocks noGrp="1" noRot="1" noChangeAspect="1" noMove="1" noResize="1" noEditPoints="1" noAdjustHandles="1" noChangeArrowheads="1" noChangeShapeType="1" noTextEdit="1"/>
+                <a:spLocks noRot="1" noChangeAspect="1" noMove="1" noResize="1" noEditPoints="1" noAdjustHandles="1" noChangeArrowheads="1" noChangeShapeType="1" noTextEdit="1"/>
               </p:cNvSpPr>
-              <p:nvPr>
-                <p:ph idx="1"/>
-              </p:nvPr>
+              <p:nvPr/>
             </p:nvSpPr>
             <p:spPr>
+              <a:xfrm>
+                <a:off x="9147594" y="3919041"/>
+                <a:ext cx="3456710" cy="923330"/>
+              </a:xfrm>
+              <a:prstGeom prst="rect">
+                <a:avLst/>
+              </a:prstGeom>
               <a:blipFill>
                 <a:blip r:embed="rId2"/>
                 <a:stretch>
-                  <a:fillRect l="-421"/>
+                  <a:fillRect l="-1235" t="-3311" b="-10596"/>
                 </a:stretch>
               </a:blipFill>
             </p:spPr>
@@ -8084,10 +12647,40 @@
           </p:sp>
         </mc:Fallback>
       </mc:AlternateContent>
+      <p:pic>
+        <p:nvPicPr>
+          <p:cNvPr id="4" name="Picture 3">
+            <a:extLst>
+              <a:ext uri="{FF2B5EF4-FFF2-40B4-BE49-F238E27FC236}">
+                <a16:creationId xmlns:a16="http://schemas.microsoft.com/office/drawing/2014/main" id="{04B8322E-8FE0-4D64-BBA5-ED84574D84A9}"/>
+              </a:ext>
+            </a:extLst>
+          </p:cNvPr>
+          <p:cNvPicPr>
+            <a:picLocks noChangeAspect="1"/>
+          </p:cNvPicPr>
+          <p:nvPr/>
+        </p:nvPicPr>
+        <p:blipFill>
+          <a:blip r:embed="rId3"/>
+          <a:stretch>
+            <a:fillRect/>
+          </a:stretch>
+        </p:blipFill>
+        <p:spPr>
+          <a:xfrm>
+            <a:off x="755007" y="2065867"/>
+            <a:ext cx="7930393" cy="4423672"/>
+          </a:xfrm>
+          <a:prstGeom prst="rect">
+            <a:avLst/>
+          </a:prstGeom>
+        </p:spPr>
+      </p:pic>
     </p:spTree>
     <p:extLst>
       <p:ext uri="{BB962C8B-B14F-4D97-AF65-F5344CB8AC3E}">
-        <p14:creationId xmlns:p14="http://schemas.microsoft.com/office/powerpoint/2010/main" val="1239745404"/>
+        <p14:creationId xmlns:p14="http://schemas.microsoft.com/office/powerpoint/2010/main" val="3786965788"/>
       </p:ext>
     </p:extLst>
   </p:cSld>
@@ -8095,7 +12688,7 @@
     <a:masterClrMapping/>
   </p:clrMapOvr>
   <p:transition spd="slow">
-    <p:wipe/>
+    <p:push dir="u"/>
   </p:transition>
   <p:timing>
     <p:tnLst>
@@ -8403,7 +12996,673 @@
 </p:sld>
 </file>
 
+<file path=ppt/slides/slide5.xml><?xml version="1.0" encoding="utf-8"?>
+<p:sld xmlns:a="http://schemas.openxmlformats.org/drawingml/2006/main" xmlns:r="http://schemas.openxmlformats.org/officeDocument/2006/relationships" xmlns:p="http://schemas.openxmlformats.org/presentationml/2006/main">
+  <p:cSld>
+    <p:spTree>
+      <p:nvGrpSpPr>
+        <p:cNvPr id="1" name=""/>
+        <p:cNvGrpSpPr/>
+        <p:nvPr/>
+      </p:nvGrpSpPr>
+      <p:grpSpPr>
+        <a:xfrm>
+          <a:off x="0" y="0"/>
+          <a:ext cx="0" cy="0"/>
+          <a:chOff x="0" y="0"/>
+          <a:chExt cx="0" cy="0"/>
+        </a:xfrm>
+      </p:grpSpPr>
+      <p:sp>
+        <p:nvSpPr>
+          <p:cNvPr id="2" name="Title 1">
+            <a:extLst>
+              <a:ext uri="{FF2B5EF4-FFF2-40B4-BE49-F238E27FC236}">
+                <a16:creationId xmlns:a16="http://schemas.microsoft.com/office/drawing/2014/main" id="{E0649754-1368-4983-927C-2FB6D1909899}"/>
+              </a:ext>
+            </a:extLst>
+          </p:cNvPr>
+          <p:cNvSpPr>
+            <a:spLocks noGrp="1"/>
+          </p:cNvSpPr>
+          <p:nvPr>
+            <p:ph type="title"/>
+          </p:nvPr>
+        </p:nvSpPr>
+        <p:spPr/>
+        <p:txBody>
+          <a:bodyPr/>
+          <a:lstStyle/>
+          <a:p>
+            <a:r>
+              <a:rPr lang="en-US" dirty="0"/>
+              <a:t>Schematic for </a:t>
+            </a:r>
+            <a:r>
+              <a:rPr lang="en-US" dirty="0" err="1"/>
+              <a:t>atmega</a:t>
+            </a:r>
+            <a:r>
+              <a:rPr lang="en-US" dirty="0"/>
+              <a:t> 328p</a:t>
+            </a:r>
+          </a:p>
+        </p:txBody>
+      </p:sp>
+      <p:sp>
+        <p:nvSpPr>
+          <p:cNvPr id="3" name="TextBox 2">
+            <a:extLst>
+              <a:ext uri="{FF2B5EF4-FFF2-40B4-BE49-F238E27FC236}">
+                <a16:creationId xmlns:a16="http://schemas.microsoft.com/office/drawing/2014/main" id="{93FC6364-6942-4E84-8EDF-28735285BFD1}"/>
+              </a:ext>
+            </a:extLst>
+          </p:cNvPr>
+          <p:cNvSpPr txBox="1"/>
+          <p:nvPr/>
+        </p:nvSpPr>
+        <p:spPr>
+          <a:xfrm>
+            <a:off x="8959442" y="3307963"/>
+            <a:ext cx="2810898" cy="923330"/>
+          </a:xfrm>
+          <a:prstGeom prst="rect">
+            <a:avLst/>
+          </a:prstGeom>
+          <a:noFill/>
+        </p:spPr>
+        <p:txBody>
+          <a:bodyPr wrap="none" rtlCol="0">
+            <a:spAutoFit/>
+          </a:bodyPr>
+          <a:lstStyle/>
+          <a:p>
+            <a:pPr marL="285750" indent="-285750">
+              <a:buFont typeface="Arial" panose="020B0604020202020204" pitchFamily="34" charset="0"/>
+              <a:buChar char="•"/>
+            </a:pPr>
+            <a:r>
+              <a:rPr lang="en-US" dirty="0"/>
+              <a:t>16 MHz crystal oscillator </a:t>
+            </a:r>
+          </a:p>
+          <a:p>
+            <a:pPr marL="285750" indent="-285750">
+              <a:buFont typeface="Arial" panose="020B0604020202020204" pitchFamily="34" charset="0"/>
+              <a:buChar char="•"/>
+            </a:pPr>
+            <a:r>
+              <a:rPr lang="en-US" dirty="0"/>
+              <a:t>2 x 22 pF capacitors </a:t>
+            </a:r>
+          </a:p>
+          <a:p>
+            <a:pPr marL="285750" indent="-285750">
+              <a:buFont typeface="Arial" panose="020B0604020202020204" pitchFamily="34" charset="0"/>
+              <a:buChar char="•"/>
+            </a:pPr>
+            <a:r>
+              <a:rPr lang="en-US" dirty="0"/>
+              <a:t>10k</a:t>
+            </a:r>
+            <a:r>
+              <a:rPr lang="el-GR" dirty="0"/>
+              <a:t>Ω</a:t>
+            </a:r>
+            <a:r>
+              <a:rPr lang="en-US" dirty="0"/>
+              <a:t> resistor </a:t>
+            </a:r>
+          </a:p>
+        </p:txBody>
+      </p:sp>
+      <p:pic>
+        <p:nvPicPr>
+          <p:cNvPr id="7" name="Picture 6">
+            <a:extLst>
+              <a:ext uri="{FF2B5EF4-FFF2-40B4-BE49-F238E27FC236}">
+                <a16:creationId xmlns:a16="http://schemas.microsoft.com/office/drawing/2014/main" id="{CBFF2A73-397D-4039-8214-2E268B025FC3}"/>
+              </a:ext>
+            </a:extLst>
+          </p:cNvPr>
+          <p:cNvPicPr>
+            <a:picLocks noChangeAspect="1"/>
+          </p:cNvPicPr>
+          <p:nvPr/>
+        </p:nvPicPr>
+        <p:blipFill>
+          <a:blip r:embed="rId2"/>
+          <a:stretch>
+            <a:fillRect/>
+          </a:stretch>
+        </p:blipFill>
+        <p:spPr>
+          <a:xfrm>
+            <a:off x="1374774" y="2003057"/>
+            <a:ext cx="7181191" cy="4262277"/>
+          </a:xfrm>
+          <a:prstGeom prst="rect">
+            <a:avLst/>
+          </a:prstGeom>
+        </p:spPr>
+      </p:pic>
+    </p:spTree>
+    <p:extLst>
+      <p:ext uri="{BB962C8B-B14F-4D97-AF65-F5344CB8AC3E}">
+        <p14:creationId xmlns:p14="http://schemas.microsoft.com/office/powerpoint/2010/main" val="756373120"/>
+      </p:ext>
+    </p:extLst>
+  </p:cSld>
+  <p:clrMapOvr>
+    <a:masterClrMapping/>
+  </p:clrMapOvr>
+  <p:transition spd="slow">
+    <p:push dir="u"/>
+  </p:transition>
+  <p:timing>
+    <p:tnLst>
+      <p:par>
+        <p:cTn id="1" dur="indefinite" restart="never" nodeType="tmRoot">
+          <p:childTnLst>
+            <p:seq concurrent="1" nextAc="seek">
+              <p:cTn id="2" dur="indefinite" nodeType="mainSeq">
+                <p:childTnLst>
+                  <p:par>
+                    <p:cTn id="3" fill="hold">
+                      <p:stCondLst>
+                        <p:cond delay="indefinite"/>
+                      </p:stCondLst>
+                      <p:childTnLst>
+                        <p:par>
+                          <p:cTn id="4" fill="hold">
+                            <p:stCondLst>
+                              <p:cond delay="0"/>
+                            </p:stCondLst>
+                            <p:childTnLst>
+                              <p:par>
+                                <p:cTn id="5" presetID="2" presetClass="entr" presetSubtype="4" fill="hold" grpId="0" nodeType="clickEffect">
+                                  <p:stCondLst>
+                                    <p:cond delay="0"/>
+                                  </p:stCondLst>
+                                  <p:childTnLst>
+                                    <p:set>
+                                      <p:cBhvr>
+                                        <p:cTn id="6" dur="1" fill="hold">
+                                          <p:stCondLst>
+                                            <p:cond delay="0"/>
+                                          </p:stCondLst>
+                                        </p:cTn>
+                                        <p:tgtEl>
+                                          <p:spTgt spid="3"/>
+                                        </p:tgtEl>
+                                        <p:attrNameLst>
+                                          <p:attrName>style.visibility</p:attrName>
+                                        </p:attrNameLst>
+                                      </p:cBhvr>
+                                      <p:to>
+                                        <p:strVal val="visible"/>
+                                      </p:to>
+                                    </p:set>
+                                    <p:anim calcmode="lin" valueType="num">
+                                      <p:cBhvr additive="base">
+                                        <p:cTn id="7" dur="500" fill="hold"/>
+                                        <p:tgtEl>
+                                          <p:spTgt spid="3"/>
+                                        </p:tgtEl>
+                                        <p:attrNameLst>
+                                          <p:attrName>ppt_x</p:attrName>
+                                        </p:attrNameLst>
+                                      </p:cBhvr>
+                                      <p:tavLst>
+                                        <p:tav tm="0">
+                                          <p:val>
+                                            <p:strVal val="#ppt_x"/>
+                                          </p:val>
+                                        </p:tav>
+                                        <p:tav tm="100000">
+                                          <p:val>
+                                            <p:strVal val="#ppt_x"/>
+                                          </p:val>
+                                        </p:tav>
+                                      </p:tavLst>
+                                    </p:anim>
+                                    <p:anim calcmode="lin" valueType="num">
+                                      <p:cBhvr additive="base">
+                                        <p:cTn id="8" dur="500" fill="hold"/>
+                                        <p:tgtEl>
+                                          <p:spTgt spid="3"/>
+                                        </p:tgtEl>
+                                        <p:attrNameLst>
+                                          <p:attrName>ppt_y</p:attrName>
+                                        </p:attrNameLst>
+                                      </p:cBhvr>
+                                      <p:tavLst>
+                                        <p:tav tm="0">
+                                          <p:val>
+                                            <p:strVal val="1+#ppt_h/2"/>
+                                          </p:val>
+                                        </p:tav>
+                                        <p:tav tm="100000">
+                                          <p:val>
+                                            <p:strVal val="#ppt_y"/>
+                                          </p:val>
+                                        </p:tav>
+                                      </p:tavLst>
+                                    </p:anim>
+                                  </p:childTnLst>
+                                </p:cTn>
+                              </p:par>
+                            </p:childTnLst>
+                          </p:cTn>
+                        </p:par>
+                      </p:childTnLst>
+                    </p:cTn>
+                  </p:par>
+                </p:childTnLst>
+              </p:cTn>
+              <p:prevCondLst>
+                <p:cond evt="onPrev" delay="0">
+                  <p:tgtEl>
+                    <p:sldTgt/>
+                  </p:tgtEl>
+                </p:cond>
+              </p:prevCondLst>
+              <p:nextCondLst>
+                <p:cond evt="onNext" delay="0">
+                  <p:tgtEl>
+                    <p:sldTgt/>
+                  </p:tgtEl>
+                </p:cond>
+              </p:nextCondLst>
+            </p:seq>
+          </p:childTnLst>
+        </p:cTn>
+      </p:par>
+    </p:tnLst>
+    <p:bldLst>
+      <p:bldP spid="3" grpId="0"/>
+    </p:bldLst>
+  </p:timing>
+</p:sld>
+</file>
+
+<file path=ppt/slides/slide6.xml><?xml version="1.0" encoding="utf-8"?>
+<p:sld xmlns:a="http://schemas.openxmlformats.org/drawingml/2006/main" xmlns:r="http://schemas.openxmlformats.org/officeDocument/2006/relationships" xmlns:p="http://schemas.openxmlformats.org/presentationml/2006/main">
+  <p:cSld>
+    <p:spTree>
+      <p:nvGrpSpPr>
+        <p:cNvPr id="1" name=""/>
+        <p:cNvGrpSpPr/>
+        <p:nvPr/>
+      </p:nvGrpSpPr>
+      <p:grpSpPr>
+        <a:xfrm>
+          <a:off x="0" y="0"/>
+          <a:ext cx="0" cy="0"/>
+          <a:chOff x="0" y="0"/>
+          <a:chExt cx="0" cy="0"/>
+        </a:xfrm>
+      </p:grpSpPr>
+      <p:sp>
+        <p:nvSpPr>
+          <p:cNvPr id="2" name="Title 1">
+            <a:extLst>
+              <a:ext uri="{FF2B5EF4-FFF2-40B4-BE49-F238E27FC236}">
+                <a16:creationId xmlns:a16="http://schemas.microsoft.com/office/drawing/2014/main" id="{1B6982FC-AF4A-46AB-97D6-672DAE12DD1E}"/>
+              </a:ext>
+            </a:extLst>
+          </p:cNvPr>
+          <p:cNvSpPr>
+            <a:spLocks noGrp="1"/>
+          </p:cNvSpPr>
+          <p:nvPr>
+            <p:ph type="title"/>
+          </p:nvPr>
+        </p:nvSpPr>
+        <p:spPr/>
+        <p:txBody>
+          <a:bodyPr/>
+          <a:lstStyle/>
+          <a:p>
+            <a:r>
+              <a:rPr lang="en-US" dirty="0" err="1"/>
+              <a:t>atmega</a:t>
+            </a:r>
+            <a:r>
+              <a:rPr lang="en-US" dirty="0"/>
+              <a:t> 328p specs </a:t>
+            </a:r>
+          </a:p>
+        </p:txBody>
+      </p:sp>
+      <p:sp>
+        <p:nvSpPr>
+          <p:cNvPr id="3" name="Content Placeholder 2">
+            <a:extLst>
+              <a:ext uri="{FF2B5EF4-FFF2-40B4-BE49-F238E27FC236}">
+                <a16:creationId xmlns:a16="http://schemas.microsoft.com/office/drawing/2014/main" id="{EEB2638D-5667-412B-827D-C6B138AF5B48}"/>
+              </a:ext>
+            </a:extLst>
+          </p:cNvPr>
+          <p:cNvSpPr>
+            <a:spLocks noGrp="1"/>
+          </p:cNvSpPr>
+          <p:nvPr>
+            <p:ph idx="1"/>
+          </p:nvPr>
+        </p:nvSpPr>
+        <p:spPr/>
+        <p:txBody>
+          <a:bodyPr/>
+          <a:lstStyle/>
+          <a:p>
+            <a:r>
+              <a:rPr lang="en-US" dirty="0"/>
+              <a:t>28-pin AVR Microcontroller</a:t>
+            </a:r>
+          </a:p>
+          <a:p>
+            <a:r>
+              <a:rPr lang="en-US" dirty="0"/>
+              <a:t>10 bit resolution ADC converter </a:t>
+            </a:r>
+          </a:p>
+          <a:p>
+            <a:r>
+              <a:rPr lang="en-US" dirty="0"/>
+              <a:t>16 MHz operational frequency </a:t>
+            </a:r>
+          </a:p>
+          <a:p>
+            <a:r>
+              <a:rPr lang="en-US" dirty="0"/>
+              <a:t>32KBytes program memory  </a:t>
+            </a:r>
+          </a:p>
+          <a:p>
+            <a:r>
+              <a:rPr lang="en-US" dirty="0"/>
+              <a:t>2KBytes SRAM</a:t>
+            </a:r>
+          </a:p>
+        </p:txBody>
+      </p:sp>
+    </p:spTree>
+    <p:extLst>
+      <p:ext uri="{BB962C8B-B14F-4D97-AF65-F5344CB8AC3E}">
+        <p14:creationId xmlns:p14="http://schemas.microsoft.com/office/powerpoint/2010/main" val="1414180979"/>
+      </p:ext>
+    </p:extLst>
+  </p:cSld>
+  <p:clrMapOvr>
+    <a:masterClrMapping/>
+  </p:clrMapOvr>
+  <p:transition spd="slow">
+    <p:wipe/>
+  </p:transition>
+</p:sld>
+</file>
+
+<file path=ppt/slides/slide7.xml><?xml version="1.0" encoding="utf-8"?>
+<p:sld xmlns:a="http://schemas.openxmlformats.org/drawingml/2006/main" xmlns:r="http://schemas.openxmlformats.org/officeDocument/2006/relationships" xmlns:p="http://schemas.openxmlformats.org/presentationml/2006/main">
+  <p:cSld>
+    <p:spTree>
+      <p:nvGrpSpPr>
+        <p:cNvPr id="1" name=""/>
+        <p:cNvGrpSpPr/>
+        <p:nvPr/>
+      </p:nvGrpSpPr>
+      <p:grpSpPr>
+        <a:xfrm>
+          <a:off x="0" y="0"/>
+          <a:ext cx="0" cy="0"/>
+          <a:chOff x="0" y="0"/>
+          <a:chExt cx="0" cy="0"/>
+        </a:xfrm>
+      </p:grpSpPr>
+      <p:sp>
+        <p:nvSpPr>
+          <p:cNvPr id="2" name="Title 1">
+            <a:extLst>
+              <a:ext uri="{FF2B5EF4-FFF2-40B4-BE49-F238E27FC236}">
+                <a16:creationId xmlns:a16="http://schemas.microsoft.com/office/drawing/2014/main" id="{99B838B1-8D12-47F4-9438-FA15D228ABAE}"/>
+              </a:ext>
+            </a:extLst>
+          </p:cNvPr>
+          <p:cNvSpPr>
+            <a:spLocks noGrp="1"/>
+          </p:cNvSpPr>
+          <p:nvPr>
+            <p:ph type="title"/>
+          </p:nvPr>
+        </p:nvSpPr>
+        <p:spPr/>
+        <p:txBody>
+          <a:bodyPr/>
+          <a:lstStyle/>
+          <a:p>
+            <a:r>
+              <a:rPr lang="en-US" dirty="0"/>
+              <a:t>SCHEMATIC for OLED</a:t>
+            </a:r>
+          </a:p>
+        </p:txBody>
+      </p:sp>
+      <p:pic>
+        <p:nvPicPr>
+          <p:cNvPr id="7" name="Content Placeholder 6" descr="A close up of a map&#10;&#10;Description generated with very high confidence">
+            <a:extLst>
+              <a:ext uri="{FF2B5EF4-FFF2-40B4-BE49-F238E27FC236}">
+                <a16:creationId xmlns:a16="http://schemas.microsoft.com/office/drawing/2014/main" id="{8E331432-02D2-4B83-B30D-534759103EDF}"/>
+              </a:ext>
+            </a:extLst>
+          </p:cNvPr>
+          <p:cNvPicPr>
+            <a:picLocks noGrp="1" noChangeAspect="1"/>
+          </p:cNvPicPr>
+          <p:nvPr>
+            <p:ph idx="1"/>
+          </p:nvPr>
+        </p:nvPicPr>
+        <p:blipFill>
+          <a:blip r:embed="rId2"/>
+          <a:stretch>
+            <a:fillRect/>
+          </a:stretch>
+        </p:blipFill>
+        <p:spPr>
+          <a:xfrm>
+            <a:off x="5251507" y="2065866"/>
+            <a:ext cx="6598747" cy="4456743"/>
+          </a:xfrm>
+        </p:spPr>
+      </p:pic>
+      <p:pic>
+        <p:nvPicPr>
+          <p:cNvPr id="2050" name="Picture 2" descr="Monochrome 128x32 I2C OLED graphic display">
+            <a:extLst>
+              <a:ext uri="{FF2B5EF4-FFF2-40B4-BE49-F238E27FC236}">
+                <a16:creationId xmlns:a16="http://schemas.microsoft.com/office/drawing/2014/main" id="{20F2450A-14F8-427D-BADB-4486F1408D70}"/>
+              </a:ext>
+            </a:extLst>
+          </p:cNvPr>
+          <p:cNvPicPr>
+            <a:picLocks noChangeAspect="1" noChangeArrowheads="1"/>
+          </p:cNvPicPr>
+          <p:nvPr/>
+        </p:nvPicPr>
+        <p:blipFill>
+          <a:blip r:embed="rId3">
+            <a:extLst>
+              <a:ext uri="{28A0092B-C50C-407E-A947-70E740481C1C}">
+                <a14:useLocalDpi xmlns:a14="http://schemas.microsoft.com/office/drawing/2010/main" val="0"/>
+              </a:ext>
+            </a:extLst>
+          </a:blip>
+          <a:srcRect/>
+          <a:stretch>
+            <a:fillRect/>
+          </a:stretch>
+        </p:blipFill>
+        <p:spPr bwMode="auto">
+          <a:xfrm>
+            <a:off x="806774" y="2065866"/>
+            <a:ext cx="4444733" cy="4456743"/>
+          </a:xfrm>
+          <a:prstGeom prst="rect">
+            <a:avLst/>
+          </a:prstGeom>
+          <a:noFill/>
+          <a:extLst>
+            <a:ext uri="{909E8E84-426E-40DD-AFC4-6F175D3DCCD1}">
+              <a14:hiddenFill xmlns:a14="http://schemas.microsoft.com/office/drawing/2010/main">
+                <a:solidFill>
+                  <a:srgbClr val="FFFFFF"/>
+                </a:solidFill>
+              </a14:hiddenFill>
+            </a:ext>
+          </a:extLst>
+        </p:spPr>
+      </p:pic>
+    </p:spTree>
+    <p:extLst>
+      <p:ext uri="{BB962C8B-B14F-4D97-AF65-F5344CB8AC3E}">
+        <p14:creationId xmlns:p14="http://schemas.microsoft.com/office/powerpoint/2010/main" val="1321799376"/>
+      </p:ext>
+    </p:extLst>
+  </p:cSld>
+  <p:clrMapOvr>
+    <a:masterClrMapping/>
+  </p:clrMapOvr>
+  <mc:AlternateContent xmlns:mc="http://schemas.openxmlformats.org/markup-compatibility/2006" xmlns:p14="http://schemas.microsoft.com/office/powerpoint/2010/main">
+    <mc:Choice Requires="p14">
+      <p:transition spd="slow" p14:dur="3400">
+        <p14:reveal/>
+      </p:transition>
+    </mc:Choice>
+    <mc:Fallback xmlns="">
+      <p:transition spd="slow">
+        <p:fade/>
+      </p:transition>
+    </mc:Fallback>
+  </mc:AlternateContent>
+</p:sld>
+</file>
+
 <file path=ppt/slides/slide8.xml><?xml version="1.0" encoding="utf-8"?>
+<p:sld xmlns:a="http://schemas.openxmlformats.org/drawingml/2006/main" xmlns:r="http://schemas.openxmlformats.org/officeDocument/2006/relationships" xmlns:p="http://schemas.openxmlformats.org/presentationml/2006/main">
+  <p:cSld>
+    <p:spTree>
+      <p:nvGrpSpPr>
+        <p:cNvPr id="1" name=""/>
+        <p:cNvGrpSpPr/>
+        <p:nvPr/>
+      </p:nvGrpSpPr>
+      <p:grpSpPr>
+        <a:xfrm>
+          <a:off x="0" y="0"/>
+          <a:ext cx="0" cy="0"/>
+          <a:chOff x="0" y="0"/>
+          <a:chExt cx="0" cy="0"/>
+        </a:xfrm>
+      </p:grpSpPr>
+      <p:sp>
+        <p:nvSpPr>
+          <p:cNvPr id="2" name="Title 1">
+            <a:extLst>
+              <a:ext uri="{FF2B5EF4-FFF2-40B4-BE49-F238E27FC236}">
+                <a16:creationId xmlns:a16="http://schemas.microsoft.com/office/drawing/2014/main" id="{55CD2D8D-9E3D-4B08-BD92-E9618B555380}"/>
+              </a:ext>
+            </a:extLst>
+          </p:cNvPr>
+          <p:cNvSpPr>
+            <a:spLocks noGrp="1"/>
+          </p:cNvSpPr>
+          <p:nvPr>
+            <p:ph type="title"/>
+          </p:nvPr>
+        </p:nvSpPr>
+        <p:spPr/>
+        <p:txBody>
+          <a:bodyPr/>
+          <a:lstStyle/>
+          <a:p>
+            <a:r>
+              <a:rPr lang="en-US" dirty="0"/>
+              <a:t>OLED specs </a:t>
+            </a:r>
+          </a:p>
+        </p:txBody>
+      </p:sp>
+      <p:sp>
+        <p:nvSpPr>
+          <p:cNvPr id="3" name="Content Placeholder 2">
+            <a:extLst>
+              <a:ext uri="{FF2B5EF4-FFF2-40B4-BE49-F238E27FC236}">
+                <a16:creationId xmlns:a16="http://schemas.microsoft.com/office/drawing/2014/main" id="{40799250-0217-415A-AF00-6BAAA2EDB7A7}"/>
+              </a:ext>
+            </a:extLst>
+          </p:cNvPr>
+          <p:cNvSpPr>
+            <a:spLocks noGrp="1"/>
+          </p:cNvSpPr>
+          <p:nvPr>
+            <p:ph idx="1"/>
+          </p:nvPr>
+        </p:nvSpPr>
+        <p:spPr/>
+        <p:txBody>
+          <a:bodyPr/>
+          <a:lstStyle/>
+          <a:p>
+            <a:r>
+              <a:rPr lang="en-US" dirty="0"/>
+              <a:t>Uses SSD 1306 driver chip to communicate with microcontroller via I2C</a:t>
+            </a:r>
+          </a:p>
+          <a:p>
+            <a:r>
+              <a:rPr lang="en-US" dirty="0"/>
+              <a:t>Screen contains 128 x 32 white OLED’s </a:t>
+            </a:r>
+          </a:p>
+          <a:p>
+            <a:r>
+              <a:rPr lang="en-US" dirty="0"/>
+              <a:t>We chose OLED because it does not require a back light, which decreases power consumption and makes it easier to run on batteries </a:t>
+            </a:r>
+          </a:p>
+          <a:p>
+            <a:endParaRPr lang="en-US" dirty="0"/>
+          </a:p>
+        </p:txBody>
+      </p:sp>
+    </p:spTree>
+    <p:extLst>
+      <p:ext uri="{BB962C8B-B14F-4D97-AF65-F5344CB8AC3E}">
+        <p14:creationId xmlns:p14="http://schemas.microsoft.com/office/powerpoint/2010/main" val="810425185"/>
+      </p:ext>
+    </p:extLst>
+  </p:cSld>
+  <p:clrMapOvr>
+    <a:masterClrMapping/>
+  </p:clrMapOvr>
+  <mc:AlternateContent xmlns:mc="http://schemas.openxmlformats.org/markup-compatibility/2006" xmlns:p14="http://schemas.microsoft.com/office/powerpoint/2010/main">
+    <mc:Choice Requires="p14">
+      <p:transition spd="slow">
+        <p14:flash/>
+      </p:transition>
+    </mc:Choice>
+    <mc:Fallback xmlns="">
+      <p:transition spd="slow">
+        <p:fade/>
+      </p:transition>
+    </mc:Fallback>
+  </mc:AlternateContent>
+</p:sld>
+</file>
+
+<file path=ppt/slides/slide9.xml><?xml version="1.0" encoding="utf-8"?>
 <p:sld xmlns:a="http://schemas.openxmlformats.org/drawingml/2006/main" xmlns:r="http://schemas.openxmlformats.org/officeDocument/2006/relationships" xmlns:p="http://schemas.openxmlformats.org/presentationml/2006/main">
   <p:cSld>
     <p:spTree>
@@ -8443,7 +13702,7 @@
           <a:p>
             <a:r>
               <a:rPr lang="en-US" dirty="0"/>
-              <a:t>Schematic for microphone</a:t>
+              <a:t>Schematic for microphone AND SPECS</a:t>
             </a:r>
           </a:p>
         </p:txBody>
@@ -8472,11 +13731,59 @@
         </p:blipFill>
         <p:spPr>
           <a:xfrm>
-            <a:off x="990600" y="2141538"/>
-            <a:ext cx="8710127" cy="4024726"/>
+            <a:off x="587230" y="2065867"/>
+            <a:ext cx="7527978" cy="3478485"/>
           </a:xfrm>
         </p:spPr>
       </p:pic>
+      <p:sp>
+        <p:nvSpPr>
+          <p:cNvPr id="3" name="Rectangle 2">
+            <a:extLst>
+              <a:ext uri="{FF2B5EF4-FFF2-40B4-BE49-F238E27FC236}">
+                <a16:creationId xmlns:a16="http://schemas.microsoft.com/office/drawing/2014/main" id="{97FE4398-A287-4BD7-802E-9EF6DE61CE9C}"/>
+              </a:ext>
+            </a:extLst>
+          </p:cNvPr>
+          <p:cNvSpPr/>
+          <p:nvPr/>
+        </p:nvSpPr>
+        <p:spPr>
+          <a:xfrm>
+            <a:off x="8221211" y="2600588"/>
+            <a:ext cx="3523376" cy="2308324"/>
+          </a:xfrm>
+          <a:prstGeom prst="rect">
+            <a:avLst/>
+          </a:prstGeom>
+        </p:spPr>
+        <p:txBody>
+          <a:bodyPr wrap="square">
+            <a:spAutoFit/>
+          </a:bodyPr>
+          <a:lstStyle/>
+          <a:p>
+            <a:pPr marL="285750" indent="-285750">
+              <a:buFont typeface="Arial" panose="020B0604020202020204" pitchFamily="34" charset="0"/>
+              <a:buChar char="•"/>
+            </a:pPr>
+            <a:r>
+              <a:rPr lang="en-US" dirty="0"/>
+              <a:t>Omnidirectional electret condenser microphone with operation frequency of 20-20,000 hertz  </a:t>
+            </a:r>
+          </a:p>
+          <a:p>
+            <a:pPr marL="285750" indent="-285750">
+              <a:buFont typeface="Arial" panose="020B0604020202020204" pitchFamily="34" charset="0"/>
+              <a:buChar char="•"/>
+            </a:pPr>
+            <a:r>
+              <a:rPr lang="en-US" dirty="0"/>
+              <a:t>Includes a MAX 4465 op amp to amplify signal to the range 0-5 volts, centered at 2.5 for the Arduino </a:t>
+            </a:r>
+          </a:p>
+        </p:txBody>
+      </p:sp>
     </p:spTree>
     <p:extLst>
       <p:ext uri="{BB962C8B-B14F-4D97-AF65-F5344CB8AC3E}">
@@ -8487,123 +13794,13 @@
   <p:clrMapOvr>
     <a:masterClrMapping/>
   </p:clrMapOvr>
-  <mc:AlternateContent xmlns:mc="http://schemas.openxmlformats.org/markup-compatibility/2006">
-    <mc:Choice xmlns:p14="http://schemas.microsoft.com/office/powerpoint/2010/main" Requires="p14">
+  <mc:AlternateContent xmlns:mc="http://schemas.openxmlformats.org/markup-compatibility/2006" xmlns:p14="http://schemas.microsoft.com/office/powerpoint/2010/main">
+    <mc:Choice Requires="p14">
       <p:transition spd="slow" p14:dur="3400">
         <p14:reveal/>
       </p:transition>
     </mc:Choice>
-    <mc:Fallback>
-      <p:transition spd="slow">
-        <p:fade/>
-      </p:transition>
-    </mc:Fallback>
-  </mc:AlternateContent>
-</p:sld>
-</file>
-
-<file path=ppt/slides/slide9.xml><?xml version="1.0" encoding="utf-8"?>
-<p:sld xmlns:a="http://schemas.openxmlformats.org/drawingml/2006/main" xmlns:r="http://schemas.openxmlformats.org/officeDocument/2006/relationships" xmlns:p="http://schemas.openxmlformats.org/presentationml/2006/main">
-  <p:cSld>
-    <p:spTree>
-      <p:nvGrpSpPr>
-        <p:cNvPr id="1" name=""/>
-        <p:cNvGrpSpPr/>
-        <p:nvPr/>
-      </p:nvGrpSpPr>
-      <p:grpSpPr>
-        <a:xfrm>
-          <a:off x="0" y="0"/>
-          <a:ext cx="0" cy="0"/>
-          <a:chOff x="0" y="0"/>
-          <a:chExt cx="0" cy="0"/>
-        </a:xfrm>
-      </p:grpSpPr>
-      <p:sp>
-        <p:nvSpPr>
-          <p:cNvPr id="2" name="Title 1">
-            <a:extLst>
-              <a:ext uri="{FF2B5EF4-FFF2-40B4-BE49-F238E27FC236}">
-                <a16:creationId xmlns:a16="http://schemas.microsoft.com/office/drawing/2014/main" id="{30204706-C8DF-4444-A907-EEC8539167A1}"/>
-              </a:ext>
-            </a:extLst>
-          </p:cNvPr>
-          <p:cNvSpPr>
-            <a:spLocks noGrp="1"/>
-          </p:cNvSpPr>
-          <p:nvPr>
-            <p:ph type="title"/>
-          </p:nvPr>
-        </p:nvSpPr>
-        <p:spPr/>
-        <p:txBody>
-          <a:bodyPr/>
-          <a:lstStyle/>
-          <a:p>
-            <a:r>
-              <a:rPr lang="en-US" dirty="0"/>
-              <a:t>Microphone module specs </a:t>
-            </a:r>
-          </a:p>
-        </p:txBody>
-      </p:sp>
-      <p:sp>
-        <p:nvSpPr>
-          <p:cNvPr id="3" name="Content Placeholder 2">
-            <a:extLst>
-              <a:ext uri="{FF2B5EF4-FFF2-40B4-BE49-F238E27FC236}">
-                <a16:creationId xmlns:a16="http://schemas.microsoft.com/office/drawing/2014/main" id="{334214DC-4211-451D-8DBF-B0E44F838B60}"/>
-              </a:ext>
-            </a:extLst>
-          </p:cNvPr>
-          <p:cNvSpPr>
-            <a:spLocks noGrp="1"/>
-          </p:cNvSpPr>
-          <p:nvPr>
-            <p:ph idx="1"/>
-          </p:nvPr>
-        </p:nvSpPr>
-        <p:spPr/>
-        <p:txBody>
-          <a:bodyPr/>
-          <a:lstStyle/>
-          <a:p>
-            <a:r>
-              <a:rPr lang="en-US" dirty="0"/>
-              <a:t>Omnidirectional electret condenser microphone with operation frequency of 20-20,000 hertz  </a:t>
-            </a:r>
-          </a:p>
-          <a:p>
-            <a:r>
-              <a:rPr lang="en-US" dirty="0"/>
-              <a:t>Includes a MAX 4465 op amp to amplify signal to the range 0-5 volts, centered at 2.5 for the Arduino </a:t>
-            </a:r>
-          </a:p>
-          <a:p>
-            <a:endParaRPr lang="en-US" dirty="0"/>
-          </a:p>
-          <a:p>
-            <a:endParaRPr lang="en-US" dirty="0"/>
-          </a:p>
-        </p:txBody>
-      </p:sp>
-    </p:spTree>
-    <p:extLst>
-      <p:ext uri="{BB962C8B-B14F-4D97-AF65-F5344CB8AC3E}">
-        <p14:creationId xmlns:p14="http://schemas.microsoft.com/office/powerpoint/2010/main" val="1251801385"/>
-      </p:ext>
-    </p:extLst>
-  </p:cSld>
-  <p:clrMapOvr>
-    <a:masterClrMapping/>
-  </p:clrMapOvr>
-  <mc:AlternateContent xmlns:mc="http://schemas.openxmlformats.org/markup-compatibility/2006">
-    <mc:Choice xmlns:p14="http://schemas.microsoft.com/office/powerpoint/2010/main" Requires="p14">
-      <p:transition spd="slow">
-        <p14:flash/>
-      </p:transition>
-    </mc:Choice>
-    <mc:Fallback>
+    <mc:Fallback xmlns="">
       <p:transition spd="slow">
         <p:fade/>
       </p:transition>
@@ -8714,33 +13911,15 @@
                                   </p:childTnLst>
                                 </p:cTn>
                               </p:par>
-                            </p:childTnLst>
-                          </p:cTn>
-                        </p:par>
-                      </p:childTnLst>
-                    </p:cTn>
-                  </p:par>
-                  <p:par>
-                    <p:cTn id="9" fill="hold">
-                      <p:stCondLst>
-                        <p:cond delay="indefinite"/>
-                      </p:stCondLst>
-                      <p:childTnLst>
-                        <p:par>
-                          <p:cTn id="10" fill="hold">
-                            <p:stCondLst>
-                              <p:cond delay="0"/>
-                            </p:stCondLst>
-                            <p:childTnLst>
                               <p:par>
-                                <p:cTn id="11" presetID="2" presetClass="entr" presetSubtype="4" fill="hold" nodeType="clickEffect">
+                                <p:cTn id="9" presetID="2" presetClass="entr" presetSubtype="4" fill="hold" nodeType="withEffect">
                                   <p:stCondLst>
                                     <p:cond delay="0"/>
                                   </p:stCondLst>
                                   <p:childTnLst>
                                     <p:set>
                                       <p:cBhvr>
-                                        <p:cTn id="12" dur="1" fill="hold">
+                                        <p:cTn id="10" dur="1" fill="hold">
                                           <p:stCondLst>
                                             <p:cond delay="0"/>
                                           </p:stCondLst>
@@ -8762,7 +13941,7 @@
                                     </p:set>
                                     <p:anim calcmode="lin" valueType="num">
                                       <p:cBhvr additive="base">
-                                        <p:cTn id="13" dur="500" fill="hold"/>
+                                        <p:cTn id="11" dur="500" fill="hold"/>
                                         <p:tgtEl>
                                           <p:spTgt spid="3">
                                             <p:txEl>
@@ -8789,7 +13968,7 @@
                                     </p:anim>
                                     <p:anim calcmode="lin" valueType="num">
                                       <p:cBhvr additive="base">
-                                        <p:cTn id="14" dur="500" fill="hold"/>
+                                        <p:cTn id="12" dur="500" fill="hold"/>
                                         <p:tgtEl>
                                           <p:spTgt spid="3">
                                             <p:txEl>
